--- a/paper/images/images.pptx
+++ b/paper/images/images.pptx
@@ -6,6 +6,7 @@
   </p:sldMasterIdLst>
   <p:sldIdLst>
     <p:sldId id="256" r:id="rId2"/>
+    <p:sldId id="257" r:id="rId3"/>
   </p:sldIdLst>
   <p:sldSz cx="9144000" cy="6858000" type="screen4x3"/>
   <p:notesSz cx="6858000" cy="9144000"/>
@@ -288,7 +289,7 @@
           <a:p>
             <a:fld id="{74E2AFB1-44FA-4B2E-A4A2-D5E551A12BE2}" type="datetimeFigureOut">
               <a:rPr lang="en-US" smtClean="0"/>
-              <a:t>1/2/2014</a:t>
+              <a:t>1/3/2014</a:t>
             </a:fld>
             <a:endParaRPr lang="en-US"/>
           </a:p>
@@ -458,7 +459,7 @@
           <a:p>
             <a:fld id="{74E2AFB1-44FA-4B2E-A4A2-D5E551A12BE2}" type="datetimeFigureOut">
               <a:rPr lang="en-US" smtClean="0"/>
-              <a:t>1/2/2014</a:t>
+              <a:t>1/3/2014</a:t>
             </a:fld>
             <a:endParaRPr lang="en-US"/>
           </a:p>
@@ -638,7 +639,7 @@
           <a:p>
             <a:fld id="{74E2AFB1-44FA-4B2E-A4A2-D5E551A12BE2}" type="datetimeFigureOut">
               <a:rPr lang="en-US" smtClean="0"/>
-              <a:t>1/2/2014</a:t>
+              <a:t>1/3/2014</a:t>
             </a:fld>
             <a:endParaRPr lang="en-US"/>
           </a:p>
@@ -808,7 +809,7 @@
           <a:p>
             <a:fld id="{74E2AFB1-44FA-4B2E-A4A2-D5E551A12BE2}" type="datetimeFigureOut">
               <a:rPr lang="en-US" smtClean="0"/>
-              <a:t>1/2/2014</a:t>
+              <a:t>1/3/2014</a:t>
             </a:fld>
             <a:endParaRPr lang="en-US"/>
           </a:p>
@@ -1054,7 +1055,7 @@
           <a:p>
             <a:fld id="{74E2AFB1-44FA-4B2E-A4A2-D5E551A12BE2}" type="datetimeFigureOut">
               <a:rPr lang="en-US" smtClean="0"/>
-              <a:t>1/2/2014</a:t>
+              <a:t>1/3/2014</a:t>
             </a:fld>
             <a:endParaRPr lang="en-US"/>
           </a:p>
@@ -1342,7 +1343,7 @@
           <a:p>
             <a:fld id="{74E2AFB1-44FA-4B2E-A4A2-D5E551A12BE2}" type="datetimeFigureOut">
               <a:rPr lang="en-US" smtClean="0"/>
-              <a:t>1/2/2014</a:t>
+              <a:t>1/3/2014</a:t>
             </a:fld>
             <a:endParaRPr lang="en-US"/>
           </a:p>
@@ -1764,7 +1765,7 @@
           <a:p>
             <a:fld id="{74E2AFB1-44FA-4B2E-A4A2-D5E551A12BE2}" type="datetimeFigureOut">
               <a:rPr lang="en-US" smtClean="0"/>
-              <a:t>1/2/2014</a:t>
+              <a:t>1/3/2014</a:t>
             </a:fld>
             <a:endParaRPr lang="en-US"/>
           </a:p>
@@ -1882,7 +1883,7 @@
           <a:p>
             <a:fld id="{74E2AFB1-44FA-4B2E-A4A2-D5E551A12BE2}" type="datetimeFigureOut">
               <a:rPr lang="en-US" smtClean="0"/>
-              <a:t>1/2/2014</a:t>
+              <a:t>1/3/2014</a:t>
             </a:fld>
             <a:endParaRPr lang="en-US"/>
           </a:p>
@@ -1977,7 +1978,7 @@
           <a:p>
             <a:fld id="{74E2AFB1-44FA-4B2E-A4A2-D5E551A12BE2}" type="datetimeFigureOut">
               <a:rPr lang="en-US" smtClean="0"/>
-              <a:t>1/2/2014</a:t>
+              <a:t>1/3/2014</a:t>
             </a:fld>
             <a:endParaRPr lang="en-US"/>
           </a:p>
@@ -2254,7 +2255,7 @@
           <a:p>
             <a:fld id="{74E2AFB1-44FA-4B2E-A4A2-D5E551A12BE2}" type="datetimeFigureOut">
               <a:rPr lang="en-US" smtClean="0"/>
-              <a:t>1/2/2014</a:t>
+              <a:t>1/3/2014</a:t>
             </a:fld>
             <a:endParaRPr lang="en-US"/>
           </a:p>
@@ -2507,7 +2508,7 @@
           <a:p>
             <a:fld id="{74E2AFB1-44FA-4B2E-A4A2-D5E551A12BE2}" type="datetimeFigureOut">
               <a:rPr lang="en-US" smtClean="0"/>
-              <a:t>1/2/2014</a:t>
+              <a:t>1/3/2014</a:t>
             </a:fld>
             <a:endParaRPr lang="en-US"/>
           </a:p>
@@ -2720,7 +2721,7 @@
           <a:p>
             <a:fld id="{74E2AFB1-44FA-4B2E-A4A2-D5E551A12BE2}" type="datetimeFigureOut">
               <a:rPr lang="en-US" smtClean="0"/>
-              <a:t>1/2/2014</a:t>
+              <a:t>1/3/2014</a:t>
             </a:fld>
             <a:endParaRPr lang="en-US"/>
           </a:p>
@@ -3459,6 +3460,364 @@
     <p:extLst>
       <p:ext uri="{BB962C8B-B14F-4D97-AF65-F5344CB8AC3E}">
         <p14:creationId xmlns:p14="http://schemas.microsoft.com/office/powerpoint/2010/main" val="1773600060"/>
+      </p:ext>
+    </p:extLst>
+  </p:cSld>
+  <p:clrMapOvr>
+    <a:masterClrMapping/>
+  </p:clrMapOvr>
+</p:sld>
+</file>
+
+<file path=ppt/slides/slide2.xml><?xml version="1.0" encoding="utf-8"?>
+<p:sld xmlns:a="http://schemas.openxmlformats.org/drawingml/2006/main" xmlns:r="http://schemas.openxmlformats.org/officeDocument/2006/relationships" xmlns:p="http://schemas.openxmlformats.org/presentationml/2006/main">
+  <p:cSld>
+    <p:spTree>
+      <p:nvGrpSpPr>
+        <p:cNvPr id="1" name=""/>
+        <p:cNvGrpSpPr/>
+        <p:nvPr/>
+      </p:nvGrpSpPr>
+      <p:grpSpPr>
+        <a:xfrm>
+          <a:off x="0" y="0"/>
+          <a:ext cx="0" cy="0"/>
+          <a:chOff x="0" y="0"/>
+          <a:chExt cx="0" cy="0"/>
+        </a:xfrm>
+      </p:grpSpPr>
+      <p:pic>
+        <p:nvPicPr>
+          <p:cNvPr id="4" name="Picture 3"/>
+          <p:cNvPicPr>
+            <a:picLocks noChangeAspect="1"/>
+          </p:cNvPicPr>
+          <p:nvPr/>
+        </p:nvPicPr>
+        <p:blipFill>
+          <a:blip r:embed="rId2" cstate="print">
+            <a:extLst>
+              <a:ext uri="{28A0092B-C50C-407E-A947-70E740481C1C}">
+                <a14:useLocalDpi xmlns:a14="http://schemas.microsoft.com/office/drawing/2010/main" val="0"/>
+              </a:ext>
+            </a:extLst>
+          </a:blip>
+          <a:stretch>
+            <a:fillRect/>
+          </a:stretch>
+        </p:blipFill>
+        <p:spPr>
+          <a:xfrm>
+            <a:off x="159936" y="1265935"/>
+            <a:ext cx="2270894" cy="2286000"/>
+          </a:xfrm>
+          <a:prstGeom prst="rect">
+            <a:avLst/>
+          </a:prstGeom>
+        </p:spPr>
+      </p:pic>
+      <p:pic>
+        <p:nvPicPr>
+          <p:cNvPr id="5" name="Picture 4"/>
+          <p:cNvPicPr>
+            <a:picLocks noChangeAspect="1"/>
+          </p:cNvPicPr>
+          <p:nvPr/>
+        </p:nvPicPr>
+        <p:blipFill>
+          <a:blip r:embed="rId3" cstate="print">
+            <a:extLst>
+              <a:ext uri="{28A0092B-C50C-407E-A947-70E740481C1C}">
+                <a14:useLocalDpi xmlns:a14="http://schemas.microsoft.com/office/drawing/2010/main" val="0"/>
+              </a:ext>
+            </a:extLst>
+          </a:blip>
+          <a:stretch>
+            <a:fillRect/>
+          </a:stretch>
+        </p:blipFill>
+        <p:spPr>
+          <a:xfrm>
+            <a:off x="2409804" y="1265935"/>
+            <a:ext cx="2296093" cy="2286000"/>
+          </a:xfrm>
+          <a:prstGeom prst="rect">
+            <a:avLst/>
+          </a:prstGeom>
+        </p:spPr>
+      </p:pic>
+      <p:pic>
+        <p:nvPicPr>
+          <p:cNvPr id="6" name="Picture 5"/>
+          <p:cNvPicPr>
+            <a:picLocks noChangeAspect="1"/>
+          </p:cNvPicPr>
+          <p:nvPr/>
+        </p:nvPicPr>
+        <p:blipFill>
+          <a:blip r:embed="rId4" cstate="print">
+            <a:extLst>
+              <a:ext uri="{28A0092B-C50C-407E-A947-70E740481C1C}">
+                <a14:useLocalDpi xmlns:a14="http://schemas.microsoft.com/office/drawing/2010/main" val="0"/>
+              </a:ext>
+            </a:extLst>
+          </a:blip>
+          <a:stretch>
+            <a:fillRect/>
+          </a:stretch>
+        </p:blipFill>
+        <p:spPr>
+          <a:xfrm>
+            <a:off x="4665408" y="1265935"/>
+            <a:ext cx="2226624" cy="2286000"/>
+          </a:xfrm>
+          <a:prstGeom prst="rect">
+            <a:avLst/>
+          </a:prstGeom>
+        </p:spPr>
+      </p:pic>
+      <p:pic>
+        <p:nvPicPr>
+          <p:cNvPr id="7" name="Picture 6"/>
+          <p:cNvPicPr>
+            <a:picLocks noChangeAspect="1"/>
+          </p:cNvPicPr>
+          <p:nvPr/>
+        </p:nvPicPr>
+        <p:blipFill>
+          <a:blip r:embed="rId5" cstate="print">
+            <a:extLst>
+              <a:ext uri="{28A0092B-C50C-407E-A947-70E740481C1C}">
+                <a14:useLocalDpi xmlns:a14="http://schemas.microsoft.com/office/drawing/2010/main" val="0"/>
+              </a:ext>
+            </a:extLst>
+          </a:blip>
+          <a:stretch>
+            <a:fillRect/>
+          </a:stretch>
+        </p:blipFill>
+        <p:spPr>
+          <a:xfrm>
+            <a:off x="6913728" y="1265935"/>
+            <a:ext cx="2200776" cy="2286000"/>
+          </a:xfrm>
+          <a:prstGeom prst="rect">
+            <a:avLst/>
+          </a:prstGeom>
+        </p:spPr>
+      </p:pic>
+      <p:sp>
+        <p:nvSpPr>
+          <p:cNvPr id="8" name="Oval 7"/>
+          <p:cNvSpPr/>
+          <p:nvPr/>
+        </p:nvSpPr>
+        <p:spPr>
+          <a:xfrm>
+            <a:off x="60960" y="1126963"/>
+            <a:ext cx="320040" cy="320040"/>
+          </a:xfrm>
+          <a:prstGeom prst="ellipse">
+            <a:avLst/>
+          </a:prstGeom>
+          <a:solidFill>
+            <a:schemeClr val="accent2"/>
+          </a:solidFill>
+          <a:ln>
+            <a:solidFill>
+              <a:schemeClr val="bg1"/>
+            </a:solidFill>
+          </a:ln>
+        </p:spPr>
+        <p:style>
+          <a:lnRef idx="2">
+            <a:schemeClr val="accent1">
+              <a:shade val="50000"/>
+            </a:schemeClr>
+          </a:lnRef>
+          <a:fillRef idx="1">
+            <a:schemeClr val="accent1"/>
+          </a:fillRef>
+          <a:effectRef idx="0">
+            <a:schemeClr val="accent1"/>
+          </a:effectRef>
+          <a:fontRef idx="minor">
+            <a:schemeClr val="lt1"/>
+          </a:fontRef>
+        </p:style>
+        <p:txBody>
+          <a:bodyPr rtlCol="0" anchor="ctr"/>
+          <a:lstStyle/>
+          <a:p>
+            <a:pPr algn="ctr"/>
+            <a:r>
+              <a:rPr lang="en-US" dirty="0" smtClean="0"/>
+              <a:t>1</a:t>
+            </a:r>
+            <a:endParaRPr lang="en-US" dirty="0"/>
+          </a:p>
+        </p:txBody>
+      </p:sp>
+      <p:sp>
+        <p:nvSpPr>
+          <p:cNvPr id="9" name="Oval 8"/>
+          <p:cNvSpPr/>
+          <p:nvPr/>
+        </p:nvSpPr>
+        <p:spPr>
+          <a:xfrm>
+            <a:off x="2270760" y="1126963"/>
+            <a:ext cx="320040" cy="320040"/>
+          </a:xfrm>
+          <a:prstGeom prst="ellipse">
+            <a:avLst/>
+          </a:prstGeom>
+          <a:solidFill>
+            <a:schemeClr val="accent2"/>
+          </a:solidFill>
+          <a:ln>
+            <a:solidFill>
+              <a:schemeClr val="bg1"/>
+            </a:solidFill>
+          </a:ln>
+        </p:spPr>
+        <p:style>
+          <a:lnRef idx="2">
+            <a:schemeClr val="accent1">
+              <a:shade val="50000"/>
+            </a:schemeClr>
+          </a:lnRef>
+          <a:fillRef idx="1">
+            <a:schemeClr val="accent1"/>
+          </a:fillRef>
+          <a:effectRef idx="0">
+            <a:schemeClr val="accent1"/>
+          </a:effectRef>
+          <a:fontRef idx="minor">
+            <a:schemeClr val="lt1"/>
+          </a:fontRef>
+        </p:style>
+        <p:txBody>
+          <a:bodyPr rtlCol="0" anchor="ctr"/>
+          <a:lstStyle/>
+          <a:p>
+            <a:pPr algn="ctr"/>
+            <a:r>
+              <a:rPr lang="en-US" dirty="0" smtClean="0"/>
+              <a:t>2</a:t>
+            </a:r>
+            <a:endParaRPr lang="en-US" dirty="0"/>
+          </a:p>
+        </p:txBody>
+      </p:sp>
+      <p:sp>
+        <p:nvSpPr>
+          <p:cNvPr id="10" name="Oval 9"/>
+          <p:cNvSpPr/>
+          <p:nvPr/>
+        </p:nvSpPr>
+        <p:spPr>
+          <a:xfrm>
+            <a:off x="4545877" y="1126963"/>
+            <a:ext cx="320040" cy="320040"/>
+          </a:xfrm>
+          <a:prstGeom prst="ellipse">
+            <a:avLst/>
+          </a:prstGeom>
+          <a:solidFill>
+            <a:schemeClr val="accent2"/>
+          </a:solidFill>
+          <a:ln>
+            <a:solidFill>
+              <a:schemeClr val="bg1"/>
+            </a:solidFill>
+          </a:ln>
+        </p:spPr>
+        <p:style>
+          <a:lnRef idx="2">
+            <a:schemeClr val="accent1">
+              <a:shade val="50000"/>
+            </a:schemeClr>
+          </a:lnRef>
+          <a:fillRef idx="1">
+            <a:schemeClr val="accent1"/>
+          </a:fillRef>
+          <a:effectRef idx="0">
+            <a:schemeClr val="accent1"/>
+          </a:effectRef>
+          <a:fontRef idx="minor">
+            <a:schemeClr val="lt1"/>
+          </a:fontRef>
+        </p:style>
+        <p:txBody>
+          <a:bodyPr rtlCol="0" anchor="ctr"/>
+          <a:lstStyle/>
+          <a:p>
+            <a:pPr algn="ctr"/>
+            <a:r>
+              <a:rPr lang="en-US" dirty="0" smtClean="0"/>
+              <a:t>3</a:t>
+            </a:r>
+            <a:endParaRPr lang="en-US" dirty="0"/>
+          </a:p>
+        </p:txBody>
+      </p:sp>
+      <p:sp>
+        <p:nvSpPr>
+          <p:cNvPr id="11" name="Oval 10"/>
+          <p:cNvSpPr/>
+          <p:nvPr/>
+        </p:nvSpPr>
+        <p:spPr>
+          <a:xfrm>
+            <a:off x="6753708" y="1126963"/>
+            <a:ext cx="320040" cy="320040"/>
+          </a:xfrm>
+          <a:prstGeom prst="ellipse">
+            <a:avLst/>
+          </a:prstGeom>
+          <a:solidFill>
+            <a:schemeClr val="accent2"/>
+          </a:solidFill>
+          <a:ln>
+            <a:solidFill>
+              <a:schemeClr val="bg1"/>
+            </a:solidFill>
+          </a:ln>
+        </p:spPr>
+        <p:style>
+          <a:lnRef idx="2">
+            <a:schemeClr val="accent1">
+              <a:shade val="50000"/>
+            </a:schemeClr>
+          </a:lnRef>
+          <a:fillRef idx="1">
+            <a:schemeClr val="accent1"/>
+          </a:fillRef>
+          <a:effectRef idx="0">
+            <a:schemeClr val="accent1"/>
+          </a:effectRef>
+          <a:fontRef idx="minor">
+            <a:schemeClr val="lt1"/>
+          </a:fontRef>
+        </p:style>
+        <p:txBody>
+          <a:bodyPr rtlCol="0" anchor="ctr"/>
+          <a:lstStyle/>
+          <a:p>
+            <a:pPr algn="ctr"/>
+            <a:r>
+              <a:rPr lang="en-US" dirty="0" smtClean="0"/>
+              <a:t>4</a:t>
+            </a:r>
+            <a:endParaRPr lang="en-US" dirty="0"/>
+          </a:p>
+        </p:txBody>
+      </p:sp>
+    </p:spTree>
+    <p:extLst>
+      <p:ext uri="{BB962C8B-B14F-4D97-AF65-F5344CB8AC3E}">
+        <p14:creationId xmlns:p14="http://schemas.microsoft.com/office/powerpoint/2010/main" val="1419779535"/>
       </p:ext>
     </p:extLst>
   </p:cSld>

--- a/paper/images/images.pptx
+++ b/paper/images/images.pptx
@@ -7,6 +7,7 @@
   <p:sldIdLst>
     <p:sldId id="256" r:id="rId2"/>
     <p:sldId id="257" r:id="rId3"/>
+    <p:sldId id="258" r:id="rId4"/>
   </p:sldIdLst>
   <p:sldSz cx="9144000" cy="6858000" type="screen4x3"/>
   <p:notesSz cx="6858000" cy="9144000"/>
@@ -289,7 +290,7 @@
           <a:p>
             <a:fld id="{74E2AFB1-44FA-4B2E-A4A2-D5E551A12BE2}" type="datetimeFigureOut">
               <a:rPr lang="en-US" smtClean="0"/>
-              <a:t>1/3/2014</a:t>
+              <a:t>1/13/2014</a:t>
             </a:fld>
             <a:endParaRPr lang="en-US"/>
           </a:p>
@@ -459,7 +460,7 @@
           <a:p>
             <a:fld id="{74E2AFB1-44FA-4B2E-A4A2-D5E551A12BE2}" type="datetimeFigureOut">
               <a:rPr lang="en-US" smtClean="0"/>
-              <a:t>1/3/2014</a:t>
+              <a:t>1/13/2014</a:t>
             </a:fld>
             <a:endParaRPr lang="en-US"/>
           </a:p>
@@ -639,7 +640,7 @@
           <a:p>
             <a:fld id="{74E2AFB1-44FA-4B2E-A4A2-D5E551A12BE2}" type="datetimeFigureOut">
               <a:rPr lang="en-US" smtClean="0"/>
-              <a:t>1/3/2014</a:t>
+              <a:t>1/13/2014</a:t>
             </a:fld>
             <a:endParaRPr lang="en-US"/>
           </a:p>
@@ -809,7 +810,7 @@
           <a:p>
             <a:fld id="{74E2AFB1-44FA-4B2E-A4A2-D5E551A12BE2}" type="datetimeFigureOut">
               <a:rPr lang="en-US" smtClean="0"/>
-              <a:t>1/3/2014</a:t>
+              <a:t>1/13/2014</a:t>
             </a:fld>
             <a:endParaRPr lang="en-US"/>
           </a:p>
@@ -1055,7 +1056,7 @@
           <a:p>
             <a:fld id="{74E2AFB1-44FA-4B2E-A4A2-D5E551A12BE2}" type="datetimeFigureOut">
               <a:rPr lang="en-US" smtClean="0"/>
-              <a:t>1/3/2014</a:t>
+              <a:t>1/13/2014</a:t>
             </a:fld>
             <a:endParaRPr lang="en-US"/>
           </a:p>
@@ -1343,7 +1344,7 @@
           <a:p>
             <a:fld id="{74E2AFB1-44FA-4B2E-A4A2-D5E551A12BE2}" type="datetimeFigureOut">
               <a:rPr lang="en-US" smtClean="0"/>
-              <a:t>1/3/2014</a:t>
+              <a:t>1/13/2014</a:t>
             </a:fld>
             <a:endParaRPr lang="en-US"/>
           </a:p>
@@ -1765,7 +1766,7 @@
           <a:p>
             <a:fld id="{74E2AFB1-44FA-4B2E-A4A2-D5E551A12BE2}" type="datetimeFigureOut">
               <a:rPr lang="en-US" smtClean="0"/>
-              <a:t>1/3/2014</a:t>
+              <a:t>1/13/2014</a:t>
             </a:fld>
             <a:endParaRPr lang="en-US"/>
           </a:p>
@@ -1883,7 +1884,7 @@
           <a:p>
             <a:fld id="{74E2AFB1-44FA-4B2E-A4A2-D5E551A12BE2}" type="datetimeFigureOut">
               <a:rPr lang="en-US" smtClean="0"/>
-              <a:t>1/3/2014</a:t>
+              <a:t>1/13/2014</a:t>
             </a:fld>
             <a:endParaRPr lang="en-US"/>
           </a:p>
@@ -1978,7 +1979,7 @@
           <a:p>
             <a:fld id="{74E2AFB1-44FA-4B2E-A4A2-D5E551A12BE2}" type="datetimeFigureOut">
               <a:rPr lang="en-US" smtClean="0"/>
-              <a:t>1/3/2014</a:t>
+              <a:t>1/13/2014</a:t>
             </a:fld>
             <a:endParaRPr lang="en-US"/>
           </a:p>
@@ -2255,7 +2256,7 @@
           <a:p>
             <a:fld id="{74E2AFB1-44FA-4B2E-A4A2-D5E551A12BE2}" type="datetimeFigureOut">
               <a:rPr lang="en-US" smtClean="0"/>
-              <a:t>1/3/2014</a:t>
+              <a:t>1/13/2014</a:t>
             </a:fld>
             <a:endParaRPr lang="en-US"/>
           </a:p>
@@ -2508,7 +2509,7 @@
           <a:p>
             <a:fld id="{74E2AFB1-44FA-4B2E-A4A2-D5E551A12BE2}" type="datetimeFigureOut">
               <a:rPr lang="en-US" smtClean="0"/>
-              <a:t>1/3/2014</a:t>
+              <a:t>1/13/2014</a:t>
             </a:fld>
             <a:endParaRPr lang="en-US"/>
           </a:p>
@@ -2721,7 +2722,7 @@
           <a:p>
             <a:fld id="{74E2AFB1-44FA-4B2E-A4A2-D5E551A12BE2}" type="datetimeFigureOut">
               <a:rPr lang="en-US" smtClean="0"/>
-              <a:t>1/3/2014</a:t>
+              <a:t>1/13/2014</a:t>
             </a:fld>
             <a:endParaRPr lang="en-US"/>
           </a:p>
@@ -3818,6 +3819,1690 @@
     <p:extLst>
       <p:ext uri="{BB962C8B-B14F-4D97-AF65-F5344CB8AC3E}">
         <p14:creationId xmlns:p14="http://schemas.microsoft.com/office/powerpoint/2010/main" val="1419779535"/>
+      </p:ext>
+    </p:extLst>
+  </p:cSld>
+  <p:clrMapOvr>
+    <a:masterClrMapping/>
+  </p:clrMapOvr>
+</p:sld>
+</file>
+
+<file path=ppt/slides/slide3.xml><?xml version="1.0" encoding="utf-8"?>
+<p:sld xmlns:a="http://schemas.openxmlformats.org/drawingml/2006/main" xmlns:r="http://schemas.openxmlformats.org/officeDocument/2006/relationships" xmlns:p="http://schemas.openxmlformats.org/presentationml/2006/main">
+  <p:cSld>
+    <p:spTree>
+      <p:nvGrpSpPr>
+        <p:cNvPr id="1" name=""/>
+        <p:cNvGrpSpPr/>
+        <p:nvPr/>
+      </p:nvGrpSpPr>
+      <p:grpSpPr>
+        <a:xfrm>
+          <a:off x="0" y="0"/>
+          <a:ext cx="0" cy="0"/>
+          <a:chOff x="0" y="0"/>
+          <a:chExt cx="0" cy="0"/>
+        </a:xfrm>
+      </p:grpSpPr>
+      <p:sp>
+        <p:nvSpPr>
+          <p:cNvPr id="2" name="Flowchart: Magnetic Disk 1"/>
+          <p:cNvSpPr/>
+          <p:nvPr/>
+        </p:nvSpPr>
+        <p:spPr>
+          <a:xfrm>
+            <a:off x="5743600" y="387400"/>
+            <a:ext cx="2975600" cy="2626836"/>
+          </a:xfrm>
+          <a:prstGeom prst="flowChartMagneticDisk">
+            <a:avLst/>
+          </a:prstGeom>
+          <a:solidFill>
+            <a:schemeClr val="bg1">
+              <a:lumMod val="85000"/>
+            </a:schemeClr>
+          </a:solidFill>
+          <a:ln>
+            <a:solidFill>
+              <a:schemeClr val="bg1"/>
+            </a:solidFill>
+          </a:ln>
+        </p:spPr>
+        <p:style>
+          <a:lnRef idx="2">
+            <a:schemeClr val="accent1">
+              <a:shade val="50000"/>
+            </a:schemeClr>
+          </a:lnRef>
+          <a:fillRef idx="1">
+            <a:schemeClr val="accent1"/>
+          </a:fillRef>
+          <a:effectRef idx="0">
+            <a:schemeClr val="accent1"/>
+          </a:effectRef>
+          <a:fontRef idx="minor">
+            <a:schemeClr val="lt1"/>
+          </a:fontRef>
+        </p:style>
+        <p:txBody>
+          <a:bodyPr lIns="82945" tIns="41473" rIns="82945" bIns="41473" rtlCol="0" anchor="ctr"/>
+          <a:lstStyle/>
+          <a:p>
+            <a:pPr algn="ctr"/>
+            <a:endParaRPr lang="en-US"/>
+          </a:p>
+        </p:txBody>
+      </p:sp>
+      <p:sp>
+        <p:nvSpPr>
+          <p:cNvPr id="3" name="Flowchart: Internal Storage 2"/>
+          <p:cNvSpPr/>
+          <p:nvPr/>
+        </p:nvSpPr>
+        <p:spPr>
+          <a:xfrm>
+            <a:off x="874351" y="841661"/>
+            <a:ext cx="2964550" cy="1728181"/>
+          </a:xfrm>
+          <a:custGeom>
+            <a:avLst/>
+            <a:gdLst>
+              <a:gd name="connsiteX0" fmla="*/ 0 w 10000"/>
+              <a:gd name="connsiteY0" fmla="*/ 0 h 10000"/>
+              <a:gd name="connsiteX1" fmla="*/ 10000 w 10000"/>
+              <a:gd name="connsiteY1" fmla="*/ 0 h 10000"/>
+              <a:gd name="connsiteX2" fmla="*/ 10000 w 10000"/>
+              <a:gd name="connsiteY2" fmla="*/ 10000 h 10000"/>
+              <a:gd name="connsiteX3" fmla="*/ 0 w 10000"/>
+              <a:gd name="connsiteY3" fmla="*/ 10000 h 10000"/>
+              <a:gd name="connsiteX4" fmla="*/ 0 w 10000"/>
+              <a:gd name="connsiteY4" fmla="*/ 0 h 10000"/>
+              <a:gd name="connsiteX0" fmla="*/ 1250 w 10000"/>
+              <a:gd name="connsiteY0" fmla="*/ 0 h 10000"/>
+              <a:gd name="connsiteX1" fmla="*/ 1250 w 10000"/>
+              <a:gd name="connsiteY1" fmla="*/ 10000 h 10000"/>
+              <a:gd name="connsiteX2" fmla="*/ 0 w 10000"/>
+              <a:gd name="connsiteY2" fmla="*/ 1250 h 10000"/>
+              <a:gd name="connsiteX3" fmla="*/ 10000 w 10000"/>
+              <a:gd name="connsiteY3" fmla="*/ 1250 h 10000"/>
+              <a:gd name="connsiteX0" fmla="*/ 0 w 10000"/>
+              <a:gd name="connsiteY0" fmla="*/ 0 h 10000"/>
+              <a:gd name="connsiteX1" fmla="*/ 10000 w 10000"/>
+              <a:gd name="connsiteY1" fmla="*/ 0 h 10000"/>
+              <a:gd name="connsiteX2" fmla="*/ 10000 w 10000"/>
+              <a:gd name="connsiteY2" fmla="*/ 10000 h 10000"/>
+              <a:gd name="connsiteX3" fmla="*/ 0 w 10000"/>
+              <a:gd name="connsiteY3" fmla="*/ 10000 h 10000"/>
+              <a:gd name="connsiteX4" fmla="*/ 0 w 10000"/>
+              <a:gd name="connsiteY4" fmla="*/ 0 h 10000"/>
+              <a:gd name="connsiteX0" fmla="*/ 0 w 10000"/>
+              <a:gd name="connsiteY0" fmla="*/ 0 h 10000"/>
+              <a:gd name="connsiteX1" fmla="*/ 10000 w 10000"/>
+              <a:gd name="connsiteY1" fmla="*/ 0 h 10000"/>
+              <a:gd name="connsiteX2" fmla="*/ 10000 w 10000"/>
+              <a:gd name="connsiteY2" fmla="*/ 10000 h 10000"/>
+              <a:gd name="connsiteX3" fmla="*/ 0 w 10000"/>
+              <a:gd name="connsiteY3" fmla="*/ 10000 h 10000"/>
+              <a:gd name="connsiteX4" fmla="*/ 0 w 10000"/>
+              <a:gd name="connsiteY4" fmla="*/ 0 h 10000"/>
+              <a:gd name="connsiteX0" fmla="*/ 1250 w 10000"/>
+              <a:gd name="connsiteY0" fmla="*/ 0 h 10000"/>
+              <a:gd name="connsiteX1" fmla="*/ 1250 w 10000"/>
+              <a:gd name="connsiteY1" fmla="*/ 10000 h 10000"/>
+              <a:gd name="connsiteX2" fmla="*/ 0 w 10000"/>
+              <a:gd name="connsiteY2" fmla="*/ 1608 h 10000"/>
+              <a:gd name="connsiteX3" fmla="*/ 10000 w 10000"/>
+              <a:gd name="connsiteY3" fmla="*/ 1250 h 10000"/>
+              <a:gd name="connsiteX0" fmla="*/ 0 w 10000"/>
+              <a:gd name="connsiteY0" fmla="*/ 0 h 10000"/>
+              <a:gd name="connsiteX1" fmla="*/ 10000 w 10000"/>
+              <a:gd name="connsiteY1" fmla="*/ 0 h 10000"/>
+              <a:gd name="connsiteX2" fmla="*/ 10000 w 10000"/>
+              <a:gd name="connsiteY2" fmla="*/ 10000 h 10000"/>
+              <a:gd name="connsiteX3" fmla="*/ 0 w 10000"/>
+              <a:gd name="connsiteY3" fmla="*/ 10000 h 10000"/>
+              <a:gd name="connsiteX4" fmla="*/ 0 w 10000"/>
+              <a:gd name="connsiteY4" fmla="*/ 0 h 10000"/>
+              <a:gd name="connsiteX0" fmla="*/ 0 w 10000"/>
+              <a:gd name="connsiteY0" fmla="*/ 0 h 10000"/>
+              <a:gd name="connsiteX1" fmla="*/ 10000 w 10000"/>
+              <a:gd name="connsiteY1" fmla="*/ 0 h 10000"/>
+              <a:gd name="connsiteX2" fmla="*/ 10000 w 10000"/>
+              <a:gd name="connsiteY2" fmla="*/ 10000 h 10000"/>
+              <a:gd name="connsiteX3" fmla="*/ 0 w 10000"/>
+              <a:gd name="connsiteY3" fmla="*/ 10000 h 10000"/>
+              <a:gd name="connsiteX4" fmla="*/ 0 w 10000"/>
+              <a:gd name="connsiteY4" fmla="*/ 0 h 10000"/>
+              <a:gd name="connsiteX0" fmla="*/ 1250 w 10000"/>
+              <a:gd name="connsiteY0" fmla="*/ 0 h 10000"/>
+              <a:gd name="connsiteX1" fmla="*/ 1250 w 10000"/>
+              <a:gd name="connsiteY1" fmla="*/ 10000 h 10000"/>
+              <a:gd name="connsiteX2" fmla="*/ 0 w 10000"/>
+              <a:gd name="connsiteY2" fmla="*/ 1608 h 10000"/>
+              <a:gd name="connsiteX3" fmla="*/ 9958 w 10000"/>
+              <a:gd name="connsiteY3" fmla="*/ 1608 h 10000"/>
+              <a:gd name="connsiteX0" fmla="*/ 0 w 10000"/>
+              <a:gd name="connsiteY0" fmla="*/ 0 h 10000"/>
+              <a:gd name="connsiteX1" fmla="*/ 10000 w 10000"/>
+              <a:gd name="connsiteY1" fmla="*/ 0 h 10000"/>
+              <a:gd name="connsiteX2" fmla="*/ 10000 w 10000"/>
+              <a:gd name="connsiteY2" fmla="*/ 10000 h 10000"/>
+              <a:gd name="connsiteX3" fmla="*/ 0 w 10000"/>
+              <a:gd name="connsiteY3" fmla="*/ 10000 h 10000"/>
+              <a:gd name="connsiteX4" fmla="*/ 0 w 10000"/>
+              <a:gd name="connsiteY4" fmla="*/ 0 h 10000"/>
+              <a:gd name="connsiteX0" fmla="*/ 0 w 10000"/>
+              <a:gd name="connsiteY0" fmla="*/ 0 h 10000"/>
+              <a:gd name="connsiteX1" fmla="*/ 10000 w 10000"/>
+              <a:gd name="connsiteY1" fmla="*/ 0 h 10000"/>
+              <a:gd name="connsiteX2" fmla="*/ 10000 w 10000"/>
+              <a:gd name="connsiteY2" fmla="*/ 10000 h 10000"/>
+              <a:gd name="connsiteX3" fmla="*/ 0 w 10000"/>
+              <a:gd name="connsiteY3" fmla="*/ 10000 h 10000"/>
+              <a:gd name="connsiteX4" fmla="*/ 0 w 10000"/>
+              <a:gd name="connsiteY4" fmla="*/ 0 h 10000"/>
+              <a:gd name="connsiteX0" fmla="*/ 1250 w 10000"/>
+              <a:gd name="connsiteY0" fmla="*/ 0 h 10000"/>
+              <a:gd name="connsiteX1" fmla="*/ 1250 w 10000"/>
+              <a:gd name="connsiteY1" fmla="*/ 10000 h 10000"/>
+              <a:gd name="connsiteX2" fmla="*/ 0 w 10000"/>
+              <a:gd name="connsiteY2" fmla="*/ 1966 h 10000"/>
+              <a:gd name="connsiteX3" fmla="*/ 9958 w 10000"/>
+              <a:gd name="connsiteY3" fmla="*/ 1608 h 10000"/>
+              <a:gd name="connsiteX0" fmla="*/ 0 w 10000"/>
+              <a:gd name="connsiteY0" fmla="*/ 0 h 10000"/>
+              <a:gd name="connsiteX1" fmla="*/ 10000 w 10000"/>
+              <a:gd name="connsiteY1" fmla="*/ 0 h 10000"/>
+              <a:gd name="connsiteX2" fmla="*/ 10000 w 10000"/>
+              <a:gd name="connsiteY2" fmla="*/ 10000 h 10000"/>
+              <a:gd name="connsiteX3" fmla="*/ 0 w 10000"/>
+              <a:gd name="connsiteY3" fmla="*/ 10000 h 10000"/>
+              <a:gd name="connsiteX4" fmla="*/ 0 w 10000"/>
+              <a:gd name="connsiteY4" fmla="*/ 0 h 10000"/>
+              <a:gd name="connsiteX0" fmla="*/ 0 w 10000"/>
+              <a:gd name="connsiteY0" fmla="*/ 0 h 10000"/>
+              <a:gd name="connsiteX1" fmla="*/ 10000 w 10000"/>
+              <a:gd name="connsiteY1" fmla="*/ 0 h 10000"/>
+              <a:gd name="connsiteX2" fmla="*/ 10000 w 10000"/>
+              <a:gd name="connsiteY2" fmla="*/ 10000 h 10000"/>
+              <a:gd name="connsiteX3" fmla="*/ 0 w 10000"/>
+              <a:gd name="connsiteY3" fmla="*/ 10000 h 10000"/>
+              <a:gd name="connsiteX4" fmla="*/ 0 w 10000"/>
+              <a:gd name="connsiteY4" fmla="*/ 0 h 10000"/>
+              <a:gd name="connsiteX0" fmla="*/ 1250 w 10000"/>
+              <a:gd name="connsiteY0" fmla="*/ 0 h 10000"/>
+              <a:gd name="connsiteX1" fmla="*/ 1250 w 10000"/>
+              <a:gd name="connsiteY1" fmla="*/ 10000 h 10000"/>
+              <a:gd name="connsiteX2" fmla="*/ 0 w 10000"/>
+              <a:gd name="connsiteY2" fmla="*/ 1966 h 10000"/>
+              <a:gd name="connsiteX3" fmla="*/ 9958 w 10000"/>
+              <a:gd name="connsiteY3" fmla="*/ 1895 h 10000"/>
+              <a:gd name="connsiteX0" fmla="*/ 0 w 10000"/>
+              <a:gd name="connsiteY0" fmla="*/ 0 h 10000"/>
+              <a:gd name="connsiteX1" fmla="*/ 10000 w 10000"/>
+              <a:gd name="connsiteY1" fmla="*/ 0 h 10000"/>
+              <a:gd name="connsiteX2" fmla="*/ 10000 w 10000"/>
+              <a:gd name="connsiteY2" fmla="*/ 10000 h 10000"/>
+              <a:gd name="connsiteX3" fmla="*/ 0 w 10000"/>
+              <a:gd name="connsiteY3" fmla="*/ 10000 h 10000"/>
+              <a:gd name="connsiteX4" fmla="*/ 0 w 10000"/>
+              <a:gd name="connsiteY4" fmla="*/ 0 h 10000"/>
+              <a:gd name="connsiteX0" fmla="*/ 0 w 10000"/>
+              <a:gd name="connsiteY0" fmla="*/ 0 h 10000"/>
+              <a:gd name="connsiteX1" fmla="*/ 10000 w 10000"/>
+              <a:gd name="connsiteY1" fmla="*/ 0 h 10000"/>
+              <a:gd name="connsiteX2" fmla="*/ 10000 w 10000"/>
+              <a:gd name="connsiteY2" fmla="*/ 10000 h 10000"/>
+              <a:gd name="connsiteX3" fmla="*/ 0 w 10000"/>
+              <a:gd name="connsiteY3" fmla="*/ 10000 h 10000"/>
+              <a:gd name="connsiteX4" fmla="*/ 0 w 10000"/>
+              <a:gd name="connsiteY4" fmla="*/ 0 h 10000"/>
+              <a:gd name="connsiteX0" fmla="*/ 1250 w 10000"/>
+              <a:gd name="connsiteY0" fmla="*/ 0 h 10000"/>
+              <a:gd name="connsiteX1" fmla="*/ 1250 w 10000"/>
+              <a:gd name="connsiteY1" fmla="*/ 10000 h 10000"/>
+              <a:gd name="connsiteX2" fmla="*/ 0 w 10000"/>
+              <a:gd name="connsiteY2" fmla="*/ 1966 h 10000"/>
+              <a:gd name="connsiteX3" fmla="*/ 9916 w 10000"/>
+              <a:gd name="connsiteY3" fmla="*/ 2110 h 10000"/>
+              <a:gd name="connsiteX0" fmla="*/ 0 w 10000"/>
+              <a:gd name="connsiteY0" fmla="*/ 0 h 10000"/>
+              <a:gd name="connsiteX1" fmla="*/ 10000 w 10000"/>
+              <a:gd name="connsiteY1" fmla="*/ 0 h 10000"/>
+              <a:gd name="connsiteX2" fmla="*/ 10000 w 10000"/>
+              <a:gd name="connsiteY2" fmla="*/ 10000 h 10000"/>
+              <a:gd name="connsiteX3" fmla="*/ 0 w 10000"/>
+              <a:gd name="connsiteY3" fmla="*/ 10000 h 10000"/>
+              <a:gd name="connsiteX4" fmla="*/ 0 w 10000"/>
+              <a:gd name="connsiteY4" fmla="*/ 0 h 10000"/>
+              <a:gd name="connsiteX0" fmla="*/ 0 w 10000"/>
+              <a:gd name="connsiteY0" fmla="*/ 0 h 10000"/>
+              <a:gd name="connsiteX1" fmla="*/ 10000 w 10000"/>
+              <a:gd name="connsiteY1" fmla="*/ 0 h 10000"/>
+              <a:gd name="connsiteX2" fmla="*/ 10000 w 10000"/>
+              <a:gd name="connsiteY2" fmla="*/ 10000 h 10000"/>
+              <a:gd name="connsiteX3" fmla="*/ 0 w 10000"/>
+              <a:gd name="connsiteY3" fmla="*/ 10000 h 10000"/>
+              <a:gd name="connsiteX4" fmla="*/ 0 w 10000"/>
+              <a:gd name="connsiteY4" fmla="*/ 0 h 10000"/>
+              <a:gd name="connsiteX0" fmla="*/ 1250 w 10000"/>
+              <a:gd name="connsiteY0" fmla="*/ 0 h 10000"/>
+              <a:gd name="connsiteX1" fmla="*/ 1250 w 10000"/>
+              <a:gd name="connsiteY1" fmla="*/ 10000 h 10000"/>
+              <a:gd name="connsiteX2" fmla="*/ 0 w 10000"/>
+              <a:gd name="connsiteY2" fmla="*/ 1966 h 10000"/>
+              <a:gd name="connsiteX3" fmla="*/ 9916 w 10000"/>
+              <a:gd name="connsiteY3" fmla="*/ 1895 h 10000"/>
+              <a:gd name="connsiteX0" fmla="*/ 0 w 10000"/>
+              <a:gd name="connsiteY0" fmla="*/ 0 h 10000"/>
+              <a:gd name="connsiteX1" fmla="*/ 10000 w 10000"/>
+              <a:gd name="connsiteY1" fmla="*/ 0 h 10000"/>
+              <a:gd name="connsiteX2" fmla="*/ 10000 w 10000"/>
+              <a:gd name="connsiteY2" fmla="*/ 10000 h 10000"/>
+              <a:gd name="connsiteX3" fmla="*/ 0 w 10000"/>
+              <a:gd name="connsiteY3" fmla="*/ 10000 h 10000"/>
+              <a:gd name="connsiteX4" fmla="*/ 0 w 10000"/>
+              <a:gd name="connsiteY4" fmla="*/ 0 h 10000"/>
+              <a:gd name="connsiteX0" fmla="*/ 0 w 10000"/>
+              <a:gd name="connsiteY0" fmla="*/ 0 h 10000"/>
+              <a:gd name="connsiteX1" fmla="*/ 10000 w 10000"/>
+              <a:gd name="connsiteY1" fmla="*/ 0 h 10000"/>
+              <a:gd name="connsiteX2" fmla="*/ 10000 w 10000"/>
+              <a:gd name="connsiteY2" fmla="*/ 10000 h 10000"/>
+              <a:gd name="connsiteX3" fmla="*/ 0 w 10000"/>
+              <a:gd name="connsiteY3" fmla="*/ 10000 h 10000"/>
+              <a:gd name="connsiteX4" fmla="*/ 0 w 10000"/>
+              <a:gd name="connsiteY4" fmla="*/ 0 h 10000"/>
+              <a:gd name="connsiteX0" fmla="*/ 1250 w 10000"/>
+              <a:gd name="connsiteY0" fmla="*/ 0 h 10000"/>
+              <a:gd name="connsiteX1" fmla="*/ 1250 w 10000"/>
+              <a:gd name="connsiteY1" fmla="*/ 10000 h 10000"/>
+              <a:gd name="connsiteX2" fmla="*/ 0 w 10000"/>
+              <a:gd name="connsiteY2" fmla="*/ 1966 h 10000"/>
+              <a:gd name="connsiteX3" fmla="*/ 9897 w 10000"/>
+              <a:gd name="connsiteY3" fmla="*/ 1995 h 10000"/>
+              <a:gd name="connsiteX0" fmla="*/ 0 w 10000"/>
+              <a:gd name="connsiteY0" fmla="*/ 0 h 10000"/>
+              <a:gd name="connsiteX1" fmla="*/ 10000 w 10000"/>
+              <a:gd name="connsiteY1" fmla="*/ 0 h 10000"/>
+              <a:gd name="connsiteX2" fmla="*/ 10000 w 10000"/>
+              <a:gd name="connsiteY2" fmla="*/ 10000 h 10000"/>
+              <a:gd name="connsiteX3" fmla="*/ 0 w 10000"/>
+              <a:gd name="connsiteY3" fmla="*/ 10000 h 10000"/>
+              <a:gd name="connsiteX4" fmla="*/ 0 w 10000"/>
+              <a:gd name="connsiteY4" fmla="*/ 0 h 10000"/>
+              <a:gd name="connsiteX0" fmla="*/ 0 w 10000"/>
+              <a:gd name="connsiteY0" fmla="*/ 0 h 10000"/>
+              <a:gd name="connsiteX1" fmla="*/ 10000 w 10000"/>
+              <a:gd name="connsiteY1" fmla="*/ 0 h 10000"/>
+              <a:gd name="connsiteX2" fmla="*/ 10000 w 10000"/>
+              <a:gd name="connsiteY2" fmla="*/ 10000 h 10000"/>
+              <a:gd name="connsiteX3" fmla="*/ 0 w 10000"/>
+              <a:gd name="connsiteY3" fmla="*/ 10000 h 10000"/>
+              <a:gd name="connsiteX4" fmla="*/ 0 w 10000"/>
+              <a:gd name="connsiteY4" fmla="*/ 0 h 10000"/>
+              <a:gd name="connsiteX0" fmla="*/ 1250 w 10000"/>
+              <a:gd name="connsiteY0" fmla="*/ 0 h 10000"/>
+              <a:gd name="connsiteX1" fmla="*/ 1250 w 10000"/>
+              <a:gd name="connsiteY1" fmla="*/ 10000 h 10000"/>
+              <a:gd name="connsiteX2" fmla="*/ 0 w 10000"/>
+              <a:gd name="connsiteY2" fmla="*/ 1966 h 10000"/>
+              <a:gd name="connsiteX3" fmla="*/ 9897 w 10000"/>
+              <a:gd name="connsiteY3" fmla="*/ 1895 h 10000"/>
+              <a:gd name="connsiteX0" fmla="*/ 0 w 10000"/>
+              <a:gd name="connsiteY0" fmla="*/ 0 h 10000"/>
+              <a:gd name="connsiteX1" fmla="*/ 10000 w 10000"/>
+              <a:gd name="connsiteY1" fmla="*/ 0 h 10000"/>
+              <a:gd name="connsiteX2" fmla="*/ 10000 w 10000"/>
+              <a:gd name="connsiteY2" fmla="*/ 10000 h 10000"/>
+              <a:gd name="connsiteX3" fmla="*/ 0 w 10000"/>
+              <a:gd name="connsiteY3" fmla="*/ 10000 h 10000"/>
+              <a:gd name="connsiteX4" fmla="*/ 0 w 10000"/>
+              <a:gd name="connsiteY4" fmla="*/ 0 h 10000"/>
+              <a:gd name="connsiteX0" fmla="*/ 0 w 10000"/>
+              <a:gd name="connsiteY0" fmla="*/ 0 h 10000"/>
+              <a:gd name="connsiteX1" fmla="*/ 10000 w 10000"/>
+              <a:gd name="connsiteY1" fmla="*/ 0 h 10000"/>
+              <a:gd name="connsiteX2" fmla="*/ 10000 w 10000"/>
+              <a:gd name="connsiteY2" fmla="*/ 10000 h 10000"/>
+              <a:gd name="connsiteX3" fmla="*/ 0 w 10000"/>
+              <a:gd name="connsiteY3" fmla="*/ 10000 h 10000"/>
+              <a:gd name="connsiteX4" fmla="*/ 0 w 10000"/>
+              <a:gd name="connsiteY4" fmla="*/ 0 h 10000"/>
+              <a:gd name="connsiteX0" fmla="*/ 1250 w 10000"/>
+              <a:gd name="connsiteY0" fmla="*/ 0 h 10000"/>
+              <a:gd name="connsiteX1" fmla="*/ 1250 w 10000"/>
+              <a:gd name="connsiteY1" fmla="*/ 10000 h 10000"/>
+              <a:gd name="connsiteX2" fmla="*/ 0 w 10000"/>
+              <a:gd name="connsiteY2" fmla="*/ 1966 h 10000"/>
+              <a:gd name="connsiteX3" fmla="*/ 9916 w 10000"/>
+              <a:gd name="connsiteY3" fmla="*/ 1962 h 10000"/>
+              <a:gd name="connsiteX0" fmla="*/ 0 w 10000"/>
+              <a:gd name="connsiteY0" fmla="*/ 0 h 10000"/>
+              <a:gd name="connsiteX1" fmla="*/ 10000 w 10000"/>
+              <a:gd name="connsiteY1" fmla="*/ 0 h 10000"/>
+              <a:gd name="connsiteX2" fmla="*/ 10000 w 10000"/>
+              <a:gd name="connsiteY2" fmla="*/ 10000 h 10000"/>
+              <a:gd name="connsiteX3" fmla="*/ 0 w 10000"/>
+              <a:gd name="connsiteY3" fmla="*/ 10000 h 10000"/>
+              <a:gd name="connsiteX4" fmla="*/ 0 w 10000"/>
+              <a:gd name="connsiteY4" fmla="*/ 0 h 10000"/>
+              <a:gd name="connsiteX0" fmla="*/ 0 w 10033"/>
+              <a:gd name="connsiteY0" fmla="*/ 0 h 10000"/>
+              <a:gd name="connsiteX1" fmla="*/ 10000 w 10033"/>
+              <a:gd name="connsiteY1" fmla="*/ 0 h 10000"/>
+              <a:gd name="connsiteX2" fmla="*/ 10000 w 10033"/>
+              <a:gd name="connsiteY2" fmla="*/ 10000 h 10000"/>
+              <a:gd name="connsiteX3" fmla="*/ 0 w 10033"/>
+              <a:gd name="connsiteY3" fmla="*/ 10000 h 10000"/>
+              <a:gd name="connsiteX4" fmla="*/ 0 w 10033"/>
+              <a:gd name="connsiteY4" fmla="*/ 0 h 10000"/>
+              <a:gd name="connsiteX0" fmla="*/ 1250 w 10033"/>
+              <a:gd name="connsiteY0" fmla="*/ 0 h 10000"/>
+              <a:gd name="connsiteX1" fmla="*/ 1250 w 10033"/>
+              <a:gd name="connsiteY1" fmla="*/ 10000 h 10000"/>
+              <a:gd name="connsiteX2" fmla="*/ 0 w 10033"/>
+              <a:gd name="connsiteY2" fmla="*/ 1966 h 10000"/>
+              <a:gd name="connsiteX3" fmla="*/ 10033 w 10033"/>
+              <a:gd name="connsiteY3" fmla="*/ 1962 h 10000"/>
+              <a:gd name="connsiteX0" fmla="*/ 0 w 10033"/>
+              <a:gd name="connsiteY0" fmla="*/ 0 h 10000"/>
+              <a:gd name="connsiteX1" fmla="*/ 10000 w 10033"/>
+              <a:gd name="connsiteY1" fmla="*/ 0 h 10000"/>
+              <a:gd name="connsiteX2" fmla="*/ 10000 w 10033"/>
+              <a:gd name="connsiteY2" fmla="*/ 10000 h 10000"/>
+              <a:gd name="connsiteX3" fmla="*/ 0 w 10033"/>
+              <a:gd name="connsiteY3" fmla="*/ 10000 h 10000"/>
+              <a:gd name="connsiteX4" fmla="*/ 0 w 10033"/>
+              <a:gd name="connsiteY4" fmla="*/ 0 h 10000"/>
+            </a:gdLst>
+            <a:ahLst/>
+            <a:cxnLst>
+              <a:cxn ang="0">
+                <a:pos x="connsiteX0" y="connsiteY0"/>
+              </a:cxn>
+              <a:cxn ang="0">
+                <a:pos x="connsiteX1" y="connsiteY1"/>
+              </a:cxn>
+              <a:cxn ang="0">
+                <a:pos x="connsiteX2" y="connsiteY2"/>
+              </a:cxn>
+              <a:cxn ang="0">
+                <a:pos x="connsiteX3" y="connsiteY3"/>
+              </a:cxn>
+              <a:cxn ang="0">
+                <a:pos x="connsiteX4" y="connsiteY4"/>
+              </a:cxn>
+            </a:cxnLst>
+            <a:rect l="l" t="t" r="r" b="b"/>
+            <a:pathLst>
+              <a:path w="10033" h="10000" stroke="0" extrusionOk="0">
+                <a:moveTo>
+                  <a:pt x="0" y="0"/>
+                </a:moveTo>
+                <a:lnTo>
+                  <a:pt x="10000" y="0"/>
+                </a:lnTo>
+                <a:lnTo>
+                  <a:pt x="10000" y="10000"/>
+                </a:lnTo>
+                <a:lnTo>
+                  <a:pt x="0" y="10000"/>
+                </a:lnTo>
+                <a:lnTo>
+                  <a:pt x="0" y="0"/>
+                </a:lnTo>
+                <a:close/>
+              </a:path>
+              <a:path w="10033" h="10000" fill="none" extrusionOk="0">
+                <a:moveTo>
+                  <a:pt x="1250" y="0"/>
+                </a:moveTo>
+                <a:lnTo>
+                  <a:pt x="1250" y="10000"/>
+                </a:lnTo>
+                <a:moveTo>
+                  <a:pt x="0" y="1966"/>
+                </a:moveTo>
+                <a:lnTo>
+                  <a:pt x="10033" y="1962"/>
+                </a:lnTo>
+              </a:path>
+              <a:path w="10033" h="10000" fill="none">
+                <a:moveTo>
+                  <a:pt x="0" y="0"/>
+                </a:moveTo>
+                <a:lnTo>
+                  <a:pt x="10000" y="0"/>
+                </a:lnTo>
+                <a:lnTo>
+                  <a:pt x="10000" y="10000"/>
+                </a:lnTo>
+                <a:lnTo>
+                  <a:pt x="0" y="10000"/>
+                </a:lnTo>
+                <a:lnTo>
+                  <a:pt x="0" y="0"/>
+                </a:lnTo>
+                <a:close/>
+              </a:path>
+            </a:pathLst>
+          </a:custGeom>
+          <a:solidFill>
+            <a:schemeClr val="bg1">
+              <a:lumMod val="85000"/>
+            </a:schemeClr>
+          </a:solidFill>
+          <a:ln>
+            <a:solidFill>
+              <a:schemeClr val="bg1"/>
+            </a:solidFill>
+          </a:ln>
+        </p:spPr>
+        <p:style>
+          <a:lnRef idx="2">
+            <a:schemeClr val="accent1">
+              <a:shade val="50000"/>
+            </a:schemeClr>
+          </a:lnRef>
+          <a:fillRef idx="1">
+            <a:schemeClr val="accent1"/>
+          </a:fillRef>
+          <a:effectRef idx="0">
+            <a:schemeClr val="accent1"/>
+          </a:effectRef>
+          <a:fontRef idx="minor">
+            <a:schemeClr val="lt1"/>
+          </a:fontRef>
+        </p:style>
+        <p:txBody>
+          <a:bodyPr lIns="82945" tIns="41473" rIns="82945" bIns="41473" rtlCol="0" anchor="ctr"/>
+          <a:lstStyle/>
+          <a:p>
+            <a:pPr algn="ctr"/>
+            <a:endParaRPr lang="en-US"/>
+          </a:p>
+        </p:txBody>
+      </p:sp>
+      <p:sp>
+        <p:nvSpPr>
+          <p:cNvPr id="4" name="TextBox 3"/>
+          <p:cNvSpPr txBox="1"/>
+          <p:nvPr/>
+        </p:nvSpPr>
+        <p:spPr>
+          <a:xfrm>
+            <a:off x="1247393" y="872704"/>
+            <a:ext cx="2623022" cy="283811"/>
+          </a:xfrm>
+          <a:prstGeom prst="rect">
+            <a:avLst/>
+          </a:prstGeom>
+          <a:noFill/>
+        </p:spPr>
+        <p:txBody>
+          <a:bodyPr wrap="square" lIns="82945" tIns="41473" rIns="82945" bIns="41473" rtlCol="0">
+            <a:spAutoFit/>
+          </a:bodyPr>
+          <a:lstStyle/>
+          <a:p>
+            <a:r>
+              <a:rPr lang="en-US" sz="1300" dirty="0">
+                <a:solidFill>
+                  <a:schemeClr val="tx1">
+                    <a:lumMod val="65000"/>
+                    <a:lumOff val="35000"/>
+                  </a:schemeClr>
+                </a:solidFill>
+              </a:rPr>
+              <a:t>Client Side</a:t>
+            </a:r>
+          </a:p>
+        </p:txBody>
+      </p:sp>
+      <p:sp>
+        <p:nvSpPr>
+          <p:cNvPr id="5" name="TextBox 4"/>
+          <p:cNvSpPr txBox="1"/>
+          <p:nvPr/>
+        </p:nvSpPr>
+        <p:spPr>
+          <a:xfrm>
+            <a:off x="6713884" y="580900"/>
+            <a:ext cx="1035031" cy="283811"/>
+          </a:xfrm>
+          <a:prstGeom prst="rect">
+            <a:avLst/>
+          </a:prstGeom>
+          <a:noFill/>
+        </p:spPr>
+        <p:txBody>
+          <a:bodyPr wrap="square" lIns="82945" tIns="41473" rIns="82945" bIns="41473" rtlCol="0">
+            <a:spAutoFit/>
+          </a:bodyPr>
+          <a:lstStyle/>
+          <a:p>
+            <a:r>
+              <a:rPr lang="en-US" sz="1300" dirty="0">
+                <a:solidFill>
+                  <a:schemeClr val="tx1">
+                    <a:lumMod val="65000"/>
+                    <a:lumOff val="35000"/>
+                  </a:schemeClr>
+                </a:solidFill>
+              </a:rPr>
+              <a:t>Server Side</a:t>
+            </a:r>
+          </a:p>
+        </p:txBody>
+      </p:sp>
+      <p:sp>
+        <p:nvSpPr>
+          <p:cNvPr id="6" name="Flowchart: Process 5"/>
+          <p:cNvSpPr/>
+          <p:nvPr/>
+        </p:nvSpPr>
+        <p:spPr>
+          <a:xfrm>
+            <a:off x="2968198" y="1878569"/>
+            <a:ext cx="1403844" cy="414764"/>
+          </a:xfrm>
+          <a:prstGeom prst="flowChartProcess">
+            <a:avLst/>
+          </a:prstGeom>
+          <a:solidFill>
+            <a:schemeClr val="tx2"/>
+          </a:solidFill>
+          <a:ln>
+            <a:noFill/>
+          </a:ln>
+        </p:spPr>
+        <p:style>
+          <a:lnRef idx="2">
+            <a:schemeClr val="accent1">
+              <a:shade val="50000"/>
+            </a:schemeClr>
+          </a:lnRef>
+          <a:fillRef idx="1">
+            <a:schemeClr val="accent1"/>
+          </a:fillRef>
+          <a:effectRef idx="0">
+            <a:schemeClr val="accent1"/>
+          </a:effectRef>
+          <a:fontRef idx="minor">
+            <a:schemeClr val="lt1"/>
+          </a:fontRef>
+        </p:style>
+        <p:txBody>
+          <a:bodyPr lIns="82945" tIns="41473" rIns="82945" bIns="41473" rtlCol="0" anchor="ctr"/>
+          <a:lstStyle/>
+          <a:p>
+            <a:pPr algn="ctr"/>
+            <a:endParaRPr lang="en-US"/>
+          </a:p>
+        </p:txBody>
+      </p:sp>
+      <p:sp>
+        <p:nvSpPr>
+          <p:cNvPr id="7" name="Flowchart: Process 6"/>
+          <p:cNvSpPr/>
+          <p:nvPr/>
+        </p:nvSpPr>
+        <p:spPr>
+          <a:xfrm>
+            <a:off x="5363920" y="1878987"/>
+            <a:ext cx="1349963" cy="414764"/>
+          </a:xfrm>
+          <a:prstGeom prst="flowChartProcess">
+            <a:avLst/>
+          </a:prstGeom>
+          <a:solidFill>
+            <a:schemeClr val="tx2"/>
+          </a:solidFill>
+          <a:ln>
+            <a:noFill/>
+          </a:ln>
+        </p:spPr>
+        <p:style>
+          <a:lnRef idx="2">
+            <a:schemeClr val="accent1">
+              <a:shade val="50000"/>
+            </a:schemeClr>
+          </a:lnRef>
+          <a:fillRef idx="1">
+            <a:schemeClr val="accent1"/>
+          </a:fillRef>
+          <a:effectRef idx="0">
+            <a:schemeClr val="accent1"/>
+          </a:effectRef>
+          <a:fontRef idx="minor">
+            <a:schemeClr val="lt1"/>
+          </a:fontRef>
+        </p:style>
+        <p:txBody>
+          <a:bodyPr lIns="82945" tIns="41473" rIns="82945" bIns="41473" rtlCol="0" anchor="ctr"/>
+          <a:lstStyle/>
+          <a:p>
+            <a:pPr algn="ctr"/>
+            <a:endParaRPr lang="en-US"/>
+          </a:p>
+        </p:txBody>
+      </p:sp>
+      <p:sp>
+        <p:nvSpPr>
+          <p:cNvPr id="8" name="TextBox 7"/>
+          <p:cNvSpPr txBox="1"/>
+          <p:nvPr/>
+        </p:nvSpPr>
+        <p:spPr>
+          <a:xfrm>
+            <a:off x="3730129" y="1878569"/>
+            <a:ext cx="703631" cy="251288"/>
+          </a:xfrm>
+          <a:prstGeom prst="rect">
+            <a:avLst/>
+          </a:prstGeom>
+          <a:noFill/>
+        </p:spPr>
+        <p:txBody>
+          <a:bodyPr wrap="square" lIns="82945" tIns="41473" rIns="82945" bIns="41473" rtlCol="0">
+            <a:spAutoFit/>
+          </a:bodyPr>
+          <a:lstStyle/>
+          <a:p>
+            <a:r>
+              <a:rPr lang="en-US" sz="1100" dirty="0">
+                <a:solidFill>
+                  <a:schemeClr val="bg1"/>
+                </a:solidFill>
+              </a:rPr>
+              <a:t>Binding</a:t>
+            </a:r>
+          </a:p>
+        </p:txBody>
+      </p:sp>
+      <p:sp>
+        <p:nvSpPr>
+          <p:cNvPr id="9" name="TextBox 8"/>
+          <p:cNvSpPr txBox="1"/>
+          <p:nvPr/>
+        </p:nvSpPr>
+        <p:spPr>
+          <a:xfrm>
+            <a:off x="5365531" y="1878987"/>
+            <a:ext cx="703631" cy="251288"/>
+          </a:xfrm>
+          <a:prstGeom prst="rect">
+            <a:avLst/>
+          </a:prstGeom>
+          <a:noFill/>
+        </p:spPr>
+        <p:txBody>
+          <a:bodyPr wrap="square" lIns="82945" tIns="41473" rIns="82945" bIns="41473" rtlCol="0">
+            <a:spAutoFit/>
+          </a:bodyPr>
+          <a:lstStyle/>
+          <a:p>
+            <a:r>
+              <a:rPr lang="en-US" sz="1100" dirty="0">
+                <a:solidFill>
+                  <a:schemeClr val="bg1"/>
+                </a:solidFill>
+              </a:rPr>
+              <a:t>Binding</a:t>
+            </a:r>
+          </a:p>
+        </p:txBody>
+      </p:sp>
+      <p:sp>
+        <p:nvSpPr>
+          <p:cNvPr id="10" name="Flowchart: Document 9"/>
+          <p:cNvSpPr/>
+          <p:nvPr/>
+        </p:nvSpPr>
+        <p:spPr>
+          <a:xfrm>
+            <a:off x="6015223" y="1878985"/>
+            <a:ext cx="761931" cy="553018"/>
+          </a:xfrm>
+          <a:prstGeom prst="flowChartDocument">
+            <a:avLst/>
+          </a:prstGeom>
+          <a:solidFill>
+            <a:schemeClr val="bg1">
+              <a:lumMod val="65000"/>
+            </a:schemeClr>
+          </a:solidFill>
+          <a:ln>
+            <a:solidFill>
+              <a:schemeClr val="bg1"/>
+            </a:solidFill>
+          </a:ln>
+        </p:spPr>
+        <p:style>
+          <a:lnRef idx="2">
+            <a:schemeClr val="accent1">
+              <a:shade val="50000"/>
+            </a:schemeClr>
+          </a:lnRef>
+          <a:fillRef idx="1">
+            <a:schemeClr val="accent1"/>
+          </a:fillRef>
+          <a:effectRef idx="0">
+            <a:schemeClr val="accent1"/>
+          </a:effectRef>
+          <a:fontRef idx="minor">
+            <a:schemeClr val="lt1"/>
+          </a:fontRef>
+        </p:style>
+        <p:txBody>
+          <a:bodyPr lIns="82945" tIns="41473" rIns="82945" bIns="41473" rtlCol="0" anchor="ctr"/>
+          <a:lstStyle/>
+          <a:p>
+            <a:pPr algn="ctr"/>
+            <a:endParaRPr lang="en-US"/>
+          </a:p>
+        </p:txBody>
+      </p:sp>
+      <p:sp>
+        <p:nvSpPr>
+          <p:cNvPr id="11" name="TextBox 10"/>
+          <p:cNvSpPr txBox="1"/>
+          <p:nvPr/>
+        </p:nvSpPr>
+        <p:spPr>
+          <a:xfrm>
+            <a:off x="6015223" y="1878986"/>
+            <a:ext cx="761931" cy="251288"/>
+          </a:xfrm>
+          <a:prstGeom prst="rect">
+            <a:avLst/>
+          </a:prstGeom>
+          <a:noFill/>
+        </p:spPr>
+        <p:txBody>
+          <a:bodyPr wrap="square" lIns="82945" tIns="41473" rIns="82945" bIns="41473" rtlCol="0">
+            <a:spAutoFit/>
+          </a:bodyPr>
+          <a:lstStyle/>
+          <a:p>
+            <a:r>
+              <a:rPr lang="en-US" sz="1100" dirty="0">
+                <a:solidFill>
+                  <a:schemeClr val="bg1"/>
+                </a:solidFill>
+              </a:rPr>
+              <a:t>Shiny</a:t>
+            </a:r>
+          </a:p>
+        </p:txBody>
+      </p:sp>
+      <p:sp>
+        <p:nvSpPr>
+          <p:cNvPr id="12" name="Flowchart: Process 11"/>
+          <p:cNvSpPr/>
+          <p:nvPr/>
+        </p:nvSpPr>
+        <p:spPr>
+          <a:xfrm>
+            <a:off x="1255789" y="1278229"/>
+            <a:ext cx="1701484" cy="1222486"/>
+          </a:xfrm>
+          <a:prstGeom prst="flowChartProcess">
+            <a:avLst/>
+          </a:prstGeom>
+          <a:solidFill>
+            <a:schemeClr val="accent2">
+              <a:alpha val="57000"/>
+            </a:schemeClr>
+          </a:solidFill>
+          <a:ln>
+            <a:noFill/>
+          </a:ln>
+        </p:spPr>
+        <p:style>
+          <a:lnRef idx="2">
+            <a:schemeClr val="accent1">
+              <a:shade val="50000"/>
+            </a:schemeClr>
+          </a:lnRef>
+          <a:fillRef idx="1">
+            <a:schemeClr val="accent1"/>
+          </a:fillRef>
+          <a:effectRef idx="0">
+            <a:schemeClr val="accent1"/>
+          </a:effectRef>
+          <a:fontRef idx="minor">
+            <a:schemeClr val="lt1"/>
+          </a:fontRef>
+        </p:style>
+        <p:txBody>
+          <a:bodyPr lIns="82945" tIns="41473" rIns="82945" bIns="41473" rtlCol="0" anchor="ctr"/>
+          <a:lstStyle/>
+          <a:p>
+            <a:pPr algn="ctr"/>
+            <a:endParaRPr lang="en-US"/>
+          </a:p>
+        </p:txBody>
+      </p:sp>
+      <p:sp>
+        <p:nvSpPr>
+          <p:cNvPr id="13" name="Flowchart: Document 12"/>
+          <p:cNvSpPr/>
+          <p:nvPr/>
+        </p:nvSpPr>
+        <p:spPr>
+          <a:xfrm>
+            <a:off x="1312975" y="1878570"/>
+            <a:ext cx="761931" cy="553018"/>
+          </a:xfrm>
+          <a:prstGeom prst="flowChartDocument">
+            <a:avLst/>
+          </a:prstGeom>
+          <a:solidFill>
+            <a:schemeClr val="bg1">
+              <a:lumMod val="65000"/>
+            </a:schemeClr>
+          </a:solidFill>
+          <a:ln>
+            <a:solidFill>
+              <a:schemeClr val="bg1"/>
+            </a:solidFill>
+          </a:ln>
+        </p:spPr>
+        <p:style>
+          <a:lnRef idx="2">
+            <a:schemeClr val="accent1">
+              <a:shade val="50000"/>
+            </a:schemeClr>
+          </a:lnRef>
+          <a:fillRef idx="1">
+            <a:schemeClr val="accent1"/>
+          </a:fillRef>
+          <a:effectRef idx="0">
+            <a:schemeClr val="accent1"/>
+          </a:effectRef>
+          <a:fontRef idx="minor">
+            <a:schemeClr val="lt1"/>
+          </a:fontRef>
+        </p:style>
+        <p:txBody>
+          <a:bodyPr lIns="82945" tIns="41473" rIns="82945" bIns="41473" rtlCol="0" anchor="ctr"/>
+          <a:lstStyle/>
+          <a:p>
+            <a:pPr algn="ctr"/>
+            <a:endParaRPr lang="en-US"/>
+          </a:p>
+        </p:txBody>
+      </p:sp>
+      <p:sp>
+        <p:nvSpPr>
+          <p:cNvPr id="14" name="TextBox 13"/>
+          <p:cNvSpPr txBox="1"/>
+          <p:nvPr/>
+        </p:nvSpPr>
+        <p:spPr>
+          <a:xfrm>
+            <a:off x="1312975" y="1878570"/>
+            <a:ext cx="761931" cy="251288"/>
+          </a:xfrm>
+          <a:prstGeom prst="rect">
+            <a:avLst/>
+          </a:prstGeom>
+          <a:noFill/>
+        </p:spPr>
+        <p:txBody>
+          <a:bodyPr wrap="square" lIns="82945" tIns="41473" rIns="82945" bIns="41473" rtlCol="0">
+            <a:spAutoFit/>
+          </a:bodyPr>
+          <a:lstStyle/>
+          <a:p>
+            <a:r>
+              <a:rPr lang="en-US" sz="1100" dirty="0">
+                <a:solidFill>
+                  <a:schemeClr val="bg1"/>
+                </a:solidFill>
+              </a:rPr>
+              <a:t>D3</a:t>
+            </a:r>
+          </a:p>
+        </p:txBody>
+      </p:sp>
+      <p:sp>
+        <p:nvSpPr>
+          <p:cNvPr id="15" name="TextBox 14"/>
+          <p:cNvSpPr txBox="1"/>
+          <p:nvPr/>
+        </p:nvSpPr>
+        <p:spPr>
+          <a:xfrm>
+            <a:off x="1264375" y="1274179"/>
+            <a:ext cx="842156" cy="418814"/>
+          </a:xfrm>
+          <a:prstGeom prst="rect">
+            <a:avLst/>
+          </a:prstGeom>
+          <a:noFill/>
+        </p:spPr>
+        <p:txBody>
+          <a:bodyPr wrap="square" lIns="82945" tIns="41473" rIns="82945" bIns="41473" rtlCol="0">
+            <a:spAutoFit/>
+          </a:bodyPr>
+          <a:lstStyle/>
+          <a:p>
+            <a:r>
+              <a:rPr lang="en-US" sz="1100" dirty="0">
+                <a:solidFill>
+                  <a:schemeClr val="bg1"/>
+                </a:solidFill>
+              </a:rPr>
+              <a:t>Interactive </a:t>
+            </a:r>
+            <a:r>
+              <a:rPr lang="en-US" sz="1100" dirty="0" smtClean="0">
+                <a:solidFill>
+                  <a:schemeClr val="bg1"/>
+                </a:solidFill>
+              </a:rPr>
+              <a:t>Tool</a:t>
+            </a:r>
+            <a:endParaRPr lang="en-US" sz="1100" dirty="0">
+              <a:solidFill>
+                <a:schemeClr val="bg1"/>
+              </a:solidFill>
+            </a:endParaRPr>
+          </a:p>
+        </p:txBody>
+      </p:sp>
+      <p:sp>
+        <p:nvSpPr>
+          <p:cNvPr id="16" name="Flowchart: Process 15"/>
+          <p:cNvSpPr/>
+          <p:nvPr/>
+        </p:nvSpPr>
+        <p:spPr>
+          <a:xfrm>
+            <a:off x="2114728" y="1278229"/>
+            <a:ext cx="1701484" cy="1222486"/>
+          </a:xfrm>
+          <a:prstGeom prst="flowChartProcess">
+            <a:avLst/>
+          </a:prstGeom>
+          <a:solidFill>
+            <a:schemeClr val="accent1">
+              <a:alpha val="57000"/>
+            </a:schemeClr>
+          </a:solidFill>
+          <a:ln>
+            <a:noFill/>
+          </a:ln>
+        </p:spPr>
+        <p:style>
+          <a:lnRef idx="2">
+            <a:schemeClr val="accent1">
+              <a:shade val="50000"/>
+            </a:schemeClr>
+          </a:lnRef>
+          <a:fillRef idx="1">
+            <a:schemeClr val="accent1"/>
+          </a:fillRef>
+          <a:effectRef idx="0">
+            <a:schemeClr val="accent1"/>
+          </a:effectRef>
+          <a:fontRef idx="minor">
+            <a:schemeClr val="lt1"/>
+          </a:fontRef>
+        </p:style>
+        <p:txBody>
+          <a:bodyPr lIns="82945" tIns="41473" rIns="82945" bIns="41473" rtlCol="0" anchor="ctr"/>
+          <a:lstStyle/>
+          <a:p>
+            <a:pPr algn="ctr"/>
+            <a:endParaRPr lang="en-US"/>
+          </a:p>
+        </p:txBody>
+      </p:sp>
+      <p:sp>
+        <p:nvSpPr>
+          <p:cNvPr id="17" name="TextBox 16"/>
+          <p:cNvSpPr txBox="1"/>
+          <p:nvPr/>
+        </p:nvSpPr>
+        <p:spPr>
+          <a:xfrm>
+            <a:off x="2968198" y="1274179"/>
+            <a:ext cx="971337" cy="253033"/>
+          </a:xfrm>
+          <a:prstGeom prst="rect">
+            <a:avLst/>
+          </a:prstGeom>
+          <a:noFill/>
+        </p:spPr>
+        <p:txBody>
+          <a:bodyPr wrap="square" lIns="82945" tIns="41473" rIns="82945" bIns="41473" rtlCol="0">
+            <a:spAutoFit/>
+          </a:bodyPr>
+          <a:lstStyle/>
+          <a:p>
+            <a:r>
+              <a:rPr lang="en-US" sz="1100" dirty="0">
+                <a:solidFill>
+                  <a:schemeClr val="bg1"/>
+                </a:solidFill>
+              </a:rPr>
+              <a:t>User Controls</a:t>
+            </a:r>
+          </a:p>
+        </p:txBody>
+      </p:sp>
+      <p:sp>
+        <p:nvSpPr>
+          <p:cNvPr id="18" name="Flowchart: Document 17"/>
+          <p:cNvSpPr/>
+          <p:nvPr/>
+        </p:nvSpPr>
+        <p:spPr>
+          <a:xfrm>
+            <a:off x="2968198" y="1878570"/>
+            <a:ext cx="761931" cy="553018"/>
+          </a:xfrm>
+          <a:prstGeom prst="flowChartDocument">
+            <a:avLst/>
+          </a:prstGeom>
+          <a:solidFill>
+            <a:schemeClr val="bg1">
+              <a:lumMod val="65000"/>
+            </a:schemeClr>
+          </a:solidFill>
+          <a:ln>
+            <a:solidFill>
+              <a:schemeClr val="bg1"/>
+            </a:solidFill>
+          </a:ln>
+        </p:spPr>
+        <p:style>
+          <a:lnRef idx="2">
+            <a:schemeClr val="accent1">
+              <a:shade val="50000"/>
+            </a:schemeClr>
+          </a:lnRef>
+          <a:fillRef idx="1">
+            <a:schemeClr val="accent1"/>
+          </a:fillRef>
+          <a:effectRef idx="0">
+            <a:schemeClr val="accent1"/>
+          </a:effectRef>
+          <a:fontRef idx="minor">
+            <a:schemeClr val="lt1"/>
+          </a:fontRef>
+        </p:style>
+        <p:txBody>
+          <a:bodyPr lIns="82945" tIns="41473" rIns="82945" bIns="41473" rtlCol="0" anchor="ctr"/>
+          <a:lstStyle/>
+          <a:p>
+            <a:pPr algn="ctr"/>
+            <a:endParaRPr lang="en-US"/>
+          </a:p>
+        </p:txBody>
+      </p:sp>
+      <p:sp>
+        <p:nvSpPr>
+          <p:cNvPr id="19" name="TextBox 18"/>
+          <p:cNvSpPr txBox="1"/>
+          <p:nvPr/>
+        </p:nvSpPr>
+        <p:spPr>
+          <a:xfrm>
+            <a:off x="2968198" y="1878570"/>
+            <a:ext cx="761931" cy="251288"/>
+          </a:xfrm>
+          <a:prstGeom prst="rect">
+            <a:avLst/>
+          </a:prstGeom>
+          <a:noFill/>
+        </p:spPr>
+        <p:txBody>
+          <a:bodyPr wrap="square" lIns="82945" tIns="41473" rIns="82945" bIns="41473" rtlCol="0">
+            <a:spAutoFit/>
+          </a:bodyPr>
+          <a:lstStyle/>
+          <a:p>
+            <a:r>
+              <a:rPr lang="en-US" sz="1100" dirty="0">
+                <a:solidFill>
+                  <a:schemeClr val="bg1"/>
+                </a:solidFill>
+              </a:rPr>
+              <a:t>Shiny</a:t>
+            </a:r>
+          </a:p>
+        </p:txBody>
+      </p:sp>
+      <p:sp>
+        <p:nvSpPr>
+          <p:cNvPr id="20" name="Flowchart: Document 19"/>
+          <p:cNvSpPr/>
+          <p:nvPr/>
+        </p:nvSpPr>
+        <p:spPr>
+          <a:xfrm>
+            <a:off x="2142415" y="1878569"/>
+            <a:ext cx="761931" cy="553018"/>
+          </a:xfrm>
+          <a:prstGeom prst="flowChartDocument">
+            <a:avLst/>
+          </a:prstGeom>
+          <a:solidFill>
+            <a:schemeClr val="bg1">
+              <a:lumMod val="65000"/>
+            </a:schemeClr>
+          </a:solidFill>
+          <a:ln>
+            <a:solidFill>
+              <a:schemeClr val="bg1"/>
+            </a:solidFill>
+          </a:ln>
+        </p:spPr>
+        <p:style>
+          <a:lnRef idx="2">
+            <a:schemeClr val="accent1">
+              <a:shade val="50000"/>
+            </a:schemeClr>
+          </a:lnRef>
+          <a:fillRef idx="1">
+            <a:schemeClr val="accent1"/>
+          </a:fillRef>
+          <a:effectRef idx="0">
+            <a:schemeClr val="accent1"/>
+          </a:effectRef>
+          <a:fontRef idx="minor">
+            <a:schemeClr val="lt1"/>
+          </a:fontRef>
+        </p:style>
+        <p:txBody>
+          <a:bodyPr lIns="82945" tIns="41473" rIns="82945" bIns="41473" rtlCol="0" anchor="ctr"/>
+          <a:lstStyle/>
+          <a:p>
+            <a:pPr algn="ctr"/>
+            <a:endParaRPr lang="en-US"/>
+          </a:p>
+        </p:txBody>
+      </p:sp>
+      <p:sp>
+        <p:nvSpPr>
+          <p:cNvPr id="21" name="TextBox 20"/>
+          <p:cNvSpPr txBox="1"/>
+          <p:nvPr/>
+        </p:nvSpPr>
+        <p:spPr>
+          <a:xfrm>
+            <a:off x="2142415" y="1878569"/>
+            <a:ext cx="761931" cy="418814"/>
+          </a:xfrm>
+          <a:prstGeom prst="rect">
+            <a:avLst/>
+          </a:prstGeom>
+          <a:noFill/>
+        </p:spPr>
+        <p:txBody>
+          <a:bodyPr wrap="square" lIns="82945" tIns="41473" rIns="82945" bIns="41473" rtlCol="0">
+            <a:spAutoFit/>
+          </a:bodyPr>
+          <a:lstStyle/>
+          <a:p>
+            <a:r>
+              <a:rPr lang="en-US" sz="1100" dirty="0" err="1">
+                <a:solidFill>
+                  <a:schemeClr val="bg1"/>
+                </a:solidFill>
+              </a:rPr>
+              <a:t>javascript</a:t>
+            </a:r>
+            <a:endParaRPr lang="en-US" sz="1100" dirty="0">
+              <a:solidFill>
+                <a:schemeClr val="bg1"/>
+              </a:solidFill>
+            </a:endParaRPr>
+          </a:p>
+          <a:p>
+            <a:r>
+              <a:rPr lang="en-US" sz="1100" dirty="0">
+                <a:solidFill>
+                  <a:schemeClr val="bg1"/>
+                </a:solidFill>
+              </a:rPr>
+              <a:t>(general)</a:t>
+            </a:r>
+          </a:p>
+        </p:txBody>
+      </p:sp>
+      <p:pic>
+        <p:nvPicPr>
+          <p:cNvPr id="22" name="Picture 21"/>
+          <p:cNvPicPr/>
+          <p:nvPr/>
+        </p:nvPicPr>
+        <p:blipFill>
+          <a:blip r:embed="rId2"/>
+          <a:stretch>
+            <a:fillRect/>
+          </a:stretch>
+        </p:blipFill>
+        <p:spPr>
+          <a:xfrm>
+            <a:off x="7005548" y="1317354"/>
+            <a:ext cx="446560" cy="336512"/>
+          </a:xfrm>
+          <a:prstGeom prst="rect">
+            <a:avLst/>
+          </a:prstGeom>
+        </p:spPr>
+      </p:pic>
+      <p:sp>
+        <p:nvSpPr>
+          <p:cNvPr id="23" name="Flowchart: Process 22"/>
+          <p:cNvSpPr/>
+          <p:nvPr/>
+        </p:nvSpPr>
+        <p:spPr>
+          <a:xfrm>
+            <a:off x="6818924" y="1822629"/>
+            <a:ext cx="1658880" cy="937273"/>
+          </a:xfrm>
+          <a:prstGeom prst="flowChartProcess">
+            <a:avLst/>
+          </a:prstGeom>
+          <a:solidFill>
+            <a:schemeClr val="accent3">
+              <a:alpha val="57000"/>
+            </a:schemeClr>
+          </a:solidFill>
+          <a:ln>
+            <a:noFill/>
+          </a:ln>
+        </p:spPr>
+        <p:style>
+          <a:lnRef idx="2">
+            <a:schemeClr val="accent1">
+              <a:shade val="50000"/>
+            </a:schemeClr>
+          </a:lnRef>
+          <a:fillRef idx="1">
+            <a:schemeClr val="accent1"/>
+          </a:fillRef>
+          <a:effectRef idx="0">
+            <a:schemeClr val="accent1"/>
+          </a:effectRef>
+          <a:fontRef idx="minor">
+            <a:schemeClr val="lt1"/>
+          </a:fontRef>
+        </p:style>
+        <p:txBody>
+          <a:bodyPr lIns="82945" tIns="41473" rIns="82945" bIns="41473" rtlCol="0" anchor="ctr"/>
+          <a:lstStyle/>
+          <a:p>
+            <a:pPr algn="ctr"/>
+            <a:endParaRPr lang="en-US"/>
+          </a:p>
+        </p:txBody>
+      </p:sp>
+      <p:sp>
+        <p:nvSpPr>
+          <p:cNvPr id="24" name="TextBox 23"/>
+          <p:cNvSpPr txBox="1"/>
+          <p:nvPr/>
+        </p:nvSpPr>
+        <p:spPr>
+          <a:xfrm>
+            <a:off x="6813836" y="2508614"/>
+            <a:ext cx="1824807" cy="251288"/>
+          </a:xfrm>
+          <a:prstGeom prst="rect">
+            <a:avLst/>
+          </a:prstGeom>
+          <a:noFill/>
+        </p:spPr>
+        <p:txBody>
+          <a:bodyPr wrap="square" lIns="82945" tIns="41473" rIns="82945" bIns="41473" rtlCol="0">
+            <a:spAutoFit/>
+          </a:bodyPr>
+          <a:lstStyle/>
+          <a:p>
+            <a:r>
+              <a:rPr lang="en-US" sz="1100" dirty="0">
+                <a:solidFill>
+                  <a:schemeClr val="bg1"/>
+                </a:solidFill>
+              </a:rPr>
+              <a:t>Data formatting</a:t>
+            </a:r>
+          </a:p>
+        </p:txBody>
+      </p:sp>
+      <p:sp>
+        <p:nvSpPr>
+          <p:cNvPr id="25" name="Flowchart: Document 24"/>
+          <p:cNvSpPr/>
+          <p:nvPr/>
+        </p:nvSpPr>
+        <p:spPr>
+          <a:xfrm>
+            <a:off x="7680787" y="1878986"/>
+            <a:ext cx="761931" cy="553018"/>
+          </a:xfrm>
+          <a:prstGeom prst="flowChartDocument">
+            <a:avLst/>
+          </a:prstGeom>
+          <a:solidFill>
+            <a:schemeClr val="bg1">
+              <a:lumMod val="65000"/>
+            </a:schemeClr>
+          </a:solidFill>
+          <a:ln>
+            <a:solidFill>
+              <a:schemeClr val="bg1"/>
+            </a:solidFill>
+          </a:ln>
+        </p:spPr>
+        <p:style>
+          <a:lnRef idx="2">
+            <a:schemeClr val="accent1">
+              <a:shade val="50000"/>
+            </a:schemeClr>
+          </a:lnRef>
+          <a:fillRef idx="1">
+            <a:schemeClr val="accent1"/>
+          </a:fillRef>
+          <a:effectRef idx="0">
+            <a:schemeClr val="accent1"/>
+          </a:effectRef>
+          <a:fontRef idx="minor">
+            <a:schemeClr val="lt1"/>
+          </a:fontRef>
+        </p:style>
+        <p:txBody>
+          <a:bodyPr lIns="82945" tIns="41473" rIns="82945" bIns="41473" rtlCol="0" anchor="ctr"/>
+          <a:lstStyle/>
+          <a:p>
+            <a:pPr algn="ctr"/>
+            <a:endParaRPr lang="en-US"/>
+          </a:p>
+        </p:txBody>
+      </p:sp>
+      <p:sp>
+        <p:nvSpPr>
+          <p:cNvPr id="26" name="TextBox 25"/>
+          <p:cNvSpPr txBox="1"/>
+          <p:nvPr/>
+        </p:nvSpPr>
+        <p:spPr>
+          <a:xfrm>
+            <a:off x="7680787" y="1878987"/>
+            <a:ext cx="761931" cy="251288"/>
+          </a:xfrm>
+          <a:prstGeom prst="rect">
+            <a:avLst/>
+          </a:prstGeom>
+          <a:noFill/>
+        </p:spPr>
+        <p:txBody>
+          <a:bodyPr wrap="square" lIns="82945" tIns="41473" rIns="82945" bIns="41473" rtlCol="0">
+            <a:spAutoFit/>
+          </a:bodyPr>
+          <a:lstStyle/>
+          <a:p>
+            <a:r>
+              <a:rPr lang="en-US" sz="1100" dirty="0" err="1">
+                <a:solidFill>
+                  <a:schemeClr val="bg1"/>
+                </a:solidFill>
+              </a:rPr>
+              <a:t>rjson</a:t>
+            </a:r>
+            <a:endParaRPr lang="en-US" sz="1100" dirty="0">
+              <a:solidFill>
+                <a:schemeClr val="bg1"/>
+              </a:solidFill>
+            </a:endParaRPr>
+          </a:p>
+        </p:txBody>
+      </p:sp>
+      <p:sp>
+        <p:nvSpPr>
+          <p:cNvPr id="27" name="Flowchart: Document 26"/>
+          <p:cNvSpPr/>
+          <p:nvPr/>
+        </p:nvSpPr>
+        <p:spPr>
+          <a:xfrm>
+            <a:off x="6852958" y="1878985"/>
+            <a:ext cx="761931" cy="553018"/>
+          </a:xfrm>
+          <a:prstGeom prst="flowChartDocument">
+            <a:avLst/>
+          </a:prstGeom>
+          <a:solidFill>
+            <a:schemeClr val="bg1">
+              <a:lumMod val="65000"/>
+            </a:schemeClr>
+          </a:solidFill>
+          <a:ln>
+            <a:solidFill>
+              <a:schemeClr val="bg1"/>
+            </a:solidFill>
+          </a:ln>
+        </p:spPr>
+        <p:style>
+          <a:lnRef idx="2">
+            <a:schemeClr val="accent1">
+              <a:shade val="50000"/>
+            </a:schemeClr>
+          </a:lnRef>
+          <a:fillRef idx="1">
+            <a:schemeClr val="accent1"/>
+          </a:fillRef>
+          <a:effectRef idx="0">
+            <a:schemeClr val="accent1"/>
+          </a:effectRef>
+          <a:fontRef idx="minor">
+            <a:schemeClr val="lt1"/>
+          </a:fontRef>
+        </p:style>
+        <p:txBody>
+          <a:bodyPr lIns="82945" tIns="41473" rIns="82945" bIns="41473" rtlCol="0" anchor="ctr"/>
+          <a:lstStyle/>
+          <a:p>
+            <a:pPr algn="ctr"/>
+            <a:endParaRPr lang="en-US"/>
+          </a:p>
+        </p:txBody>
+      </p:sp>
+      <p:sp>
+        <p:nvSpPr>
+          <p:cNvPr id="28" name="TextBox 27"/>
+          <p:cNvSpPr txBox="1"/>
+          <p:nvPr/>
+        </p:nvSpPr>
+        <p:spPr>
+          <a:xfrm>
+            <a:off x="6852958" y="1878986"/>
+            <a:ext cx="761931" cy="422310"/>
+          </a:xfrm>
+          <a:prstGeom prst="rect">
+            <a:avLst/>
+          </a:prstGeom>
+          <a:noFill/>
+        </p:spPr>
+        <p:txBody>
+          <a:bodyPr wrap="square" lIns="82945" tIns="41473" rIns="82945" bIns="41473" rtlCol="0">
+            <a:spAutoFit/>
+          </a:bodyPr>
+          <a:lstStyle/>
+          <a:p>
+            <a:r>
+              <a:rPr lang="en-US" sz="1100" dirty="0" err="1">
+                <a:solidFill>
+                  <a:schemeClr val="bg1"/>
+                </a:solidFill>
+              </a:rPr>
+              <a:t>p</a:t>
+            </a:r>
+            <a:r>
+              <a:rPr lang="en-US" sz="1100" dirty="0" err="1" smtClean="0">
+                <a:solidFill>
+                  <a:schemeClr val="bg1"/>
+                </a:solidFill>
+              </a:rPr>
+              <a:t>lyr</a:t>
+            </a:r>
+            <a:r>
+              <a:rPr lang="en-US" sz="1100" dirty="0" smtClean="0">
+                <a:solidFill>
+                  <a:schemeClr val="bg1"/>
+                </a:solidFill>
+              </a:rPr>
+              <a:t>, reshape2</a:t>
+            </a:r>
+            <a:endParaRPr lang="en-US" sz="1100" dirty="0">
+              <a:solidFill>
+                <a:schemeClr val="bg1"/>
+              </a:solidFill>
+            </a:endParaRPr>
+          </a:p>
+        </p:txBody>
+      </p:sp>
+      <p:sp>
+        <p:nvSpPr>
+          <p:cNvPr id="29" name="Left Brace 28"/>
+          <p:cNvSpPr/>
+          <p:nvPr/>
+        </p:nvSpPr>
+        <p:spPr>
+          <a:xfrm rot="5400000">
+            <a:off x="7133533" y="549906"/>
+            <a:ext cx="190874" cy="2427495"/>
+          </a:xfrm>
+          <a:prstGeom prst="leftBrace">
+            <a:avLst/>
+          </a:prstGeom>
+          <a:ln w="19050">
+            <a:solidFill>
+              <a:schemeClr val="tx1">
+                <a:lumMod val="50000"/>
+                <a:lumOff val="50000"/>
+              </a:schemeClr>
+            </a:solidFill>
+          </a:ln>
+        </p:spPr>
+        <p:style>
+          <a:lnRef idx="1">
+            <a:schemeClr val="accent1"/>
+          </a:lnRef>
+          <a:fillRef idx="0">
+            <a:schemeClr val="accent1"/>
+          </a:fillRef>
+          <a:effectRef idx="0">
+            <a:schemeClr val="accent1"/>
+          </a:effectRef>
+          <a:fontRef idx="minor">
+            <a:schemeClr val="tx1"/>
+          </a:fontRef>
+        </p:style>
+        <p:txBody>
+          <a:bodyPr lIns="82945" tIns="41473" rIns="82945" bIns="41473" rtlCol="0" anchor="ctr"/>
+          <a:lstStyle/>
+          <a:p>
+            <a:pPr algn="ctr"/>
+            <a:endParaRPr lang="en-US"/>
+          </a:p>
+        </p:txBody>
+      </p:sp>
+      <p:cxnSp>
+        <p:nvCxnSpPr>
+          <p:cNvPr id="30" name="Straight Arrow Connector 29"/>
+          <p:cNvCxnSpPr/>
+          <p:nvPr/>
+        </p:nvCxnSpPr>
+        <p:spPr>
+          <a:xfrm>
+            <a:off x="4372042" y="1962977"/>
+            <a:ext cx="991877" cy="417"/>
+          </a:xfrm>
+          <a:prstGeom prst="straightConnector1">
+            <a:avLst/>
+          </a:prstGeom>
+          <a:ln w="25400">
+            <a:solidFill>
+              <a:schemeClr val="tx1">
+                <a:lumMod val="65000"/>
+                <a:lumOff val="35000"/>
+              </a:schemeClr>
+            </a:solidFill>
+            <a:headEnd type="none" w="lg" len="med"/>
+            <a:tailEnd type="triangle" w="lg" len="med"/>
+          </a:ln>
+        </p:spPr>
+        <p:style>
+          <a:lnRef idx="1">
+            <a:schemeClr val="accent1"/>
+          </a:lnRef>
+          <a:fillRef idx="0">
+            <a:schemeClr val="accent1"/>
+          </a:fillRef>
+          <a:effectRef idx="0">
+            <a:schemeClr val="accent1"/>
+          </a:effectRef>
+          <a:fontRef idx="minor">
+            <a:schemeClr val="tx1"/>
+          </a:fontRef>
+        </p:style>
+      </p:cxnSp>
+      <p:cxnSp>
+        <p:nvCxnSpPr>
+          <p:cNvPr id="31" name="Straight Arrow Connector 30"/>
+          <p:cNvCxnSpPr/>
+          <p:nvPr/>
+        </p:nvCxnSpPr>
+        <p:spPr>
+          <a:xfrm>
+            <a:off x="4364640" y="2179486"/>
+            <a:ext cx="991877" cy="417"/>
+          </a:xfrm>
+          <a:prstGeom prst="straightConnector1">
+            <a:avLst/>
+          </a:prstGeom>
+          <a:ln w="25400">
+            <a:solidFill>
+              <a:schemeClr val="tx1">
+                <a:lumMod val="65000"/>
+                <a:lumOff val="35000"/>
+              </a:schemeClr>
+            </a:solidFill>
+            <a:headEnd type="triangle" w="lg" len="med"/>
+            <a:tailEnd type="none" w="lg" len="med"/>
+          </a:ln>
+        </p:spPr>
+        <p:style>
+          <a:lnRef idx="1">
+            <a:schemeClr val="accent1"/>
+          </a:lnRef>
+          <a:fillRef idx="0">
+            <a:schemeClr val="accent1"/>
+          </a:fillRef>
+          <a:effectRef idx="0">
+            <a:schemeClr val="accent1"/>
+          </a:effectRef>
+          <a:fontRef idx="minor">
+            <a:schemeClr val="tx1"/>
+          </a:fontRef>
+        </p:style>
+      </p:cxnSp>
+    </p:spTree>
+    <p:extLst>
+      <p:ext uri="{BB962C8B-B14F-4D97-AF65-F5344CB8AC3E}">
+        <p14:creationId xmlns:p14="http://schemas.microsoft.com/office/powerpoint/2010/main" val="4129066931"/>
       </p:ext>
     </p:extLst>
   </p:cSld>

--- a/paper/images/images.pptx
+++ b/paper/images/images.pptx
@@ -4,10 +4,14 @@
   <p:sldMasterIdLst>
     <p:sldMasterId id="2147483648" r:id="rId1"/>
   </p:sldMasterIdLst>
+  <p:notesMasterIdLst>
+    <p:notesMasterId r:id="rId6"/>
+  </p:notesMasterIdLst>
   <p:sldIdLst>
     <p:sldId id="256" r:id="rId2"/>
     <p:sldId id="257" r:id="rId3"/>
     <p:sldId id="258" r:id="rId4"/>
+    <p:sldId id="259" r:id="rId5"/>
   </p:sldIdLst>
   <p:sldSz cx="9144000" cy="6858000" type="screen4x3"/>
   <p:notesSz cx="6858000" cy="9144000"/>
@@ -107,6 +111,356 @@
     </a:lvl9pPr>
   </p:defaultTextStyle>
 </p:presentation>
+</file>
+
+<file path=ppt/notesMasters/notesMaster1.xml><?xml version="1.0" encoding="utf-8"?>
+<p:notesMaster xmlns:a="http://schemas.openxmlformats.org/drawingml/2006/main" xmlns:r="http://schemas.openxmlformats.org/officeDocument/2006/relationships" xmlns:p="http://schemas.openxmlformats.org/presentationml/2006/main">
+  <p:cSld>
+    <p:bg>
+      <p:bgRef idx="1001">
+        <a:schemeClr val="bg1"/>
+      </p:bgRef>
+    </p:bg>
+    <p:spTree>
+      <p:nvGrpSpPr>
+        <p:cNvPr id="1" name=""/>
+        <p:cNvGrpSpPr/>
+        <p:nvPr/>
+      </p:nvGrpSpPr>
+      <p:grpSpPr>
+        <a:xfrm>
+          <a:off x="0" y="0"/>
+          <a:ext cx="0" cy="0"/>
+          <a:chOff x="0" y="0"/>
+          <a:chExt cx="0" cy="0"/>
+        </a:xfrm>
+      </p:grpSpPr>
+      <p:sp>
+        <p:nvSpPr>
+          <p:cNvPr id="2" name="Header Placeholder 1"/>
+          <p:cNvSpPr>
+            <a:spLocks noGrp="1"/>
+          </p:cNvSpPr>
+          <p:nvPr>
+            <p:ph type="hdr" sz="quarter"/>
+          </p:nvPr>
+        </p:nvSpPr>
+        <p:spPr>
+          <a:xfrm>
+            <a:off x="0" y="0"/>
+            <a:ext cx="2971800" cy="457200"/>
+          </a:xfrm>
+          <a:prstGeom prst="rect">
+            <a:avLst/>
+          </a:prstGeom>
+        </p:spPr>
+        <p:txBody>
+          <a:bodyPr vert="horz" lIns="91440" tIns="45720" rIns="91440" bIns="45720" rtlCol="0"/>
+          <a:lstStyle>
+            <a:lvl1pPr algn="l">
+              <a:defRPr sz="1200"/>
+            </a:lvl1pPr>
+          </a:lstStyle>
+          <a:p>
+            <a:endParaRPr lang="en-US"/>
+          </a:p>
+        </p:txBody>
+      </p:sp>
+      <p:sp>
+        <p:nvSpPr>
+          <p:cNvPr id="3" name="Date Placeholder 2"/>
+          <p:cNvSpPr>
+            <a:spLocks noGrp="1"/>
+          </p:cNvSpPr>
+          <p:nvPr>
+            <p:ph type="dt" idx="1"/>
+          </p:nvPr>
+        </p:nvSpPr>
+        <p:spPr>
+          <a:xfrm>
+            <a:off x="3884613" y="0"/>
+            <a:ext cx="2971800" cy="457200"/>
+          </a:xfrm>
+          <a:prstGeom prst="rect">
+            <a:avLst/>
+          </a:prstGeom>
+        </p:spPr>
+        <p:txBody>
+          <a:bodyPr vert="horz" lIns="91440" tIns="45720" rIns="91440" bIns="45720" rtlCol="0"/>
+          <a:lstStyle>
+            <a:lvl1pPr algn="r">
+              <a:defRPr sz="1200"/>
+            </a:lvl1pPr>
+          </a:lstStyle>
+          <a:p>
+            <a:fld id="{5A27FBCC-FB8B-4E3F-B0DB-E6CF72579A33}" type="datetimeFigureOut">
+              <a:rPr lang="en-US" smtClean="0"/>
+              <a:t>2/13/2014</a:t>
+            </a:fld>
+            <a:endParaRPr lang="en-US"/>
+          </a:p>
+        </p:txBody>
+      </p:sp>
+      <p:sp>
+        <p:nvSpPr>
+          <p:cNvPr id="4" name="Slide Image Placeholder 3"/>
+          <p:cNvSpPr>
+            <a:spLocks noGrp="1" noRot="1" noChangeAspect="1"/>
+          </p:cNvSpPr>
+          <p:nvPr>
+            <p:ph type="sldImg" idx="2"/>
+          </p:nvPr>
+        </p:nvSpPr>
+        <p:spPr>
+          <a:xfrm>
+            <a:off x="1143000" y="685800"/>
+            <a:ext cx="4572000" cy="3429000"/>
+          </a:xfrm>
+          <a:prstGeom prst="rect">
+            <a:avLst/>
+          </a:prstGeom>
+          <a:noFill/>
+          <a:ln w="12700">
+            <a:solidFill>
+              <a:prstClr val="black"/>
+            </a:solidFill>
+          </a:ln>
+        </p:spPr>
+        <p:txBody>
+          <a:bodyPr vert="horz" lIns="91440" tIns="45720" rIns="91440" bIns="45720" rtlCol="0" anchor="ctr"/>
+          <a:lstStyle/>
+          <a:p>
+            <a:endParaRPr lang="en-US"/>
+          </a:p>
+        </p:txBody>
+      </p:sp>
+      <p:sp>
+        <p:nvSpPr>
+          <p:cNvPr id="5" name="Notes Placeholder 4"/>
+          <p:cNvSpPr>
+            <a:spLocks noGrp="1"/>
+          </p:cNvSpPr>
+          <p:nvPr>
+            <p:ph type="body" sz="quarter" idx="3"/>
+          </p:nvPr>
+        </p:nvSpPr>
+        <p:spPr>
+          <a:xfrm>
+            <a:off x="685800" y="4343400"/>
+            <a:ext cx="5486400" cy="4114800"/>
+          </a:xfrm>
+          <a:prstGeom prst="rect">
+            <a:avLst/>
+          </a:prstGeom>
+        </p:spPr>
+        <p:txBody>
+          <a:bodyPr vert="horz" lIns="91440" tIns="45720" rIns="91440" bIns="45720" rtlCol="0"/>
+          <a:lstStyle/>
+          <a:p>
+            <a:pPr lvl="0"/>
+            <a:r>
+              <a:rPr lang="en-US" smtClean="0"/>
+              <a:t>Click to edit Master text styles</a:t>
+            </a:r>
+          </a:p>
+          <a:p>
+            <a:pPr lvl="1"/>
+            <a:r>
+              <a:rPr lang="en-US" smtClean="0"/>
+              <a:t>Second level</a:t>
+            </a:r>
+          </a:p>
+          <a:p>
+            <a:pPr lvl="2"/>
+            <a:r>
+              <a:rPr lang="en-US" smtClean="0"/>
+              <a:t>Third level</a:t>
+            </a:r>
+          </a:p>
+          <a:p>
+            <a:pPr lvl="3"/>
+            <a:r>
+              <a:rPr lang="en-US" smtClean="0"/>
+              <a:t>Fourth level</a:t>
+            </a:r>
+          </a:p>
+          <a:p>
+            <a:pPr lvl="4"/>
+            <a:r>
+              <a:rPr lang="en-US" smtClean="0"/>
+              <a:t>Fifth level</a:t>
+            </a:r>
+            <a:endParaRPr lang="en-US"/>
+          </a:p>
+        </p:txBody>
+      </p:sp>
+      <p:sp>
+        <p:nvSpPr>
+          <p:cNvPr id="6" name="Footer Placeholder 5"/>
+          <p:cNvSpPr>
+            <a:spLocks noGrp="1"/>
+          </p:cNvSpPr>
+          <p:nvPr>
+            <p:ph type="ftr" sz="quarter" idx="4"/>
+          </p:nvPr>
+        </p:nvSpPr>
+        <p:spPr>
+          <a:xfrm>
+            <a:off x="0" y="8685213"/>
+            <a:ext cx="2971800" cy="457200"/>
+          </a:xfrm>
+          <a:prstGeom prst="rect">
+            <a:avLst/>
+          </a:prstGeom>
+        </p:spPr>
+        <p:txBody>
+          <a:bodyPr vert="horz" lIns="91440" tIns="45720" rIns="91440" bIns="45720" rtlCol="0" anchor="b"/>
+          <a:lstStyle>
+            <a:lvl1pPr algn="l">
+              <a:defRPr sz="1200"/>
+            </a:lvl1pPr>
+          </a:lstStyle>
+          <a:p>
+            <a:endParaRPr lang="en-US"/>
+          </a:p>
+        </p:txBody>
+      </p:sp>
+      <p:sp>
+        <p:nvSpPr>
+          <p:cNvPr id="7" name="Slide Number Placeholder 6"/>
+          <p:cNvSpPr>
+            <a:spLocks noGrp="1"/>
+          </p:cNvSpPr>
+          <p:nvPr>
+            <p:ph type="sldNum" sz="quarter" idx="5"/>
+          </p:nvPr>
+        </p:nvSpPr>
+        <p:spPr>
+          <a:xfrm>
+            <a:off x="3884613" y="8685213"/>
+            <a:ext cx="2971800" cy="457200"/>
+          </a:xfrm>
+          <a:prstGeom prst="rect">
+            <a:avLst/>
+          </a:prstGeom>
+        </p:spPr>
+        <p:txBody>
+          <a:bodyPr vert="horz" lIns="91440" tIns="45720" rIns="91440" bIns="45720" rtlCol="0" anchor="b"/>
+          <a:lstStyle>
+            <a:lvl1pPr algn="r">
+              <a:defRPr sz="1200"/>
+            </a:lvl1pPr>
+          </a:lstStyle>
+          <a:p>
+            <a:fld id="{134579F4-1B15-4EA7-A8C3-74A09CF6A4A3}" type="slidenum">
+              <a:rPr lang="en-US" smtClean="0"/>
+              <a:t>‹#›</a:t>
+            </a:fld>
+            <a:endParaRPr lang="en-US"/>
+          </a:p>
+        </p:txBody>
+      </p:sp>
+    </p:spTree>
+    <p:extLst>
+      <p:ext uri="{BB962C8B-B14F-4D97-AF65-F5344CB8AC3E}">
+        <p14:creationId xmlns:p14="http://schemas.microsoft.com/office/powerpoint/2010/main" val="3513889833"/>
+      </p:ext>
+    </p:extLst>
+  </p:cSld>
+  <p:clrMap bg1="lt1" tx1="dk1" bg2="lt2" tx2="dk2" accent1="accent1" accent2="accent2" accent3="accent3" accent4="accent4" accent5="accent5" accent6="accent6" hlink="hlink" folHlink="folHlink"/>
+  <p:notesStyle>
+    <a:lvl1pPr marL="0" algn="l" defTabSz="914400" rtl="0" eaLnBrk="1" latinLnBrk="0" hangingPunct="1">
+      <a:defRPr sz="1200" kern="1200">
+        <a:solidFill>
+          <a:schemeClr val="tx1"/>
+        </a:solidFill>
+        <a:latin typeface="+mn-lt"/>
+        <a:ea typeface="+mn-ea"/>
+        <a:cs typeface="+mn-cs"/>
+      </a:defRPr>
+    </a:lvl1pPr>
+    <a:lvl2pPr marL="457200" algn="l" defTabSz="914400" rtl="0" eaLnBrk="1" latinLnBrk="0" hangingPunct="1">
+      <a:defRPr sz="1200" kern="1200">
+        <a:solidFill>
+          <a:schemeClr val="tx1"/>
+        </a:solidFill>
+        <a:latin typeface="+mn-lt"/>
+        <a:ea typeface="+mn-ea"/>
+        <a:cs typeface="+mn-cs"/>
+      </a:defRPr>
+    </a:lvl2pPr>
+    <a:lvl3pPr marL="914400" algn="l" defTabSz="914400" rtl="0" eaLnBrk="1" latinLnBrk="0" hangingPunct="1">
+      <a:defRPr sz="1200" kern="1200">
+        <a:solidFill>
+          <a:schemeClr val="tx1"/>
+        </a:solidFill>
+        <a:latin typeface="+mn-lt"/>
+        <a:ea typeface="+mn-ea"/>
+        <a:cs typeface="+mn-cs"/>
+      </a:defRPr>
+    </a:lvl3pPr>
+    <a:lvl4pPr marL="1371600" algn="l" defTabSz="914400" rtl="0" eaLnBrk="1" latinLnBrk="0" hangingPunct="1">
+      <a:defRPr sz="1200" kern="1200">
+        <a:solidFill>
+          <a:schemeClr val="tx1"/>
+        </a:solidFill>
+        <a:latin typeface="+mn-lt"/>
+        <a:ea typeface="+mn-ea"/>
+        <a:cs typeface="+mn-cs"/>
+      </a:defRPr>
+    </a:lvl4pPr>
+    <a:lvl5pPr marL="1828800" algn="l" defTabSz="914400" rtl="0" eaLnBrk="1" latinLnBrk="0" hangingPunct="1">
+      <a:defRPr sz="1200" kern="1200">
+        <a:solidFill>
+          <a:schemeClr val="tx1"/>
+        </a:solidFill>
+        <a:latin typeface="+mn-lt"/>
+        <a:ea typeface="+mn-ea"/>
+        <a:cs typeface="+mn-cs"/>
+      </a:defRPr>
+    </a:lvl5pPr>
+    <a:lvl6pPr marL="2286000" algn="l" defTabSz="914400" rtl="0" eaLnBrk="1" latinLnBrk="0" hangingPunct="1">
+      <a:defRPr sz="1200" kern="1200">
+        <a:solidFill>
+          <a:schemeClr val="tx1"/>
+        </a:solidFill>
+        <a:latin typeface="+mn-lt"/>
+        <a:ea typeface="+mn-ea"/>
+        <a:cs typeface="+mn-cs"/>
+      </a:defRPr>
+    </a:lvl6pPr>
+    <a:lvl7pPr marL="2743200" algn="l" defTabSz="914400" rtl="0" eaLnBrk="1" latinLnBrk="0" hangingPunct="1">
+      <a:defRPr sz="1200" kern="1200">
+        <a:solidFill>
+          <a:schemeClr val="tx1"/>
+        </a:solidFill>
+        <a:latin typeface="+mn-lt"/>
+        <a:ea typeface="+mn-ea"/>
+        <a:cs typeface="+mn-cs"/>
+      </a:defRPr>
+    </a:lvl7pPr>
+    <a:lvl8pPr marL="3200400" algn="l" defTabSz="914400" rtl="0" eaLnBrk="1" latinLnBrk="0" hangingPunct="1">
+      <a:defRPr sz="1200" kern="1200">
+        <a:solidFill>
+          <a:schemeClr val="tx1"/>
+        </a:solidFill>
+        <a:latin typeface="+mn-lt"/>
+        <a:ea typeface="+mn-ea"/>
+        <a:cs typeface="+mn-cs"/>
+      </a:defRPr>
+    </a:lvl8pPr>
+    <a:lvl9pPr marL="3657600" algn="l" defTabSz="914400" rtl="0" eaLnBrk="1" latinLnBrk="0" hangingPunct="1">
+      <a:defRPr sz="1200" kern="1200">
+        <a:solidFill>
+          <a:schemeClr val="tx1"/>
+        </a:solidFill>
+        <a:latin typeface="+mn-lt"/>
+        <a:ea typeface="+mn-ea"/>
+        <a:cs typeface="+mn-cs"/>
+      </a:defRPr>
+    </a:lvl9pPr>
+  </p:notesStyle>
+</p:notesMaster>
 </file>
 
 <file path=ppt/slideLayouts/slideLayout1.xml><?xml version="1.0" encoding="utf-8"?>
@@ -290,7 +644,7 @@
           <a:p>
             <a:fld id="{74E2AFB1-44FA-4B2E-A4A2-D5E551A12BE2}" type="datetimeFigureOut">
               <a:rPr lang="en-US" smtClean="0"/>
-              <a:t>1/13/2014</a:t>
+              <a:t>2/13/2014</a:t>
             </a:fld>
             <a:endParaRPr lang="en-US"/>
           </a:p>
@@ -460,7 +814,7 @@
           <a:p>
             <a:fld id="{74E2AFB1-44FA-4B2E-A4A2-D5E551A12BE2}" type="datetimeFigureOut">
               <a:rPr lang="en-US" smtClean="0"/>
-              <a:t>1/13/2014</a:t>
+              <a:t>2/13/2014</a:t>
             </a:fld>
             <a:endParaRPr lang="en-US"/>
           </a:p>
@@ -640,7 +994,7 @@
           <a:p>
             <a:fld id="{74E2AFB1-44FA-4B2E-A4A2-D5E551A12BE2}" type="datetimeFigureOut">
               <a:rPr lang="en-US" smtClean="0"/>
-              <a:t>1/13/2014</a:t>
+              <a:t>2/13/2014</a:t>
             </a:fld>
             <a:endParaRPr lang="en-US"/>
           </a:p>
@@ -810,7 +1164,7 @@
           <a:p>
             <a:fld id="{74E2AFB1-44FA-4B2E-A4A2-D5E551A12BE2}" type="datetimeFigureOut">
               <a:rPr lang="en-US" smtClean="0"/>
-              <a:t>1/13/2014</a:t>
+              <a:t>2/13/2014</a:t>
             </a:fld>
             <a:endParaRPr lang="en-US"/>
           </a:p>
@@ -1056,7 +1410,7 @@
           <a:p>
             <a:fld id="{74E2AFB1-44FA-4B2E-A4A2-D5E551A12BE2}" type="datetimeFigureOut">
               <a:rPr lang="en-US" smtClean="0"/>
-              <a:t>1/13/2014</a:t>
+              <a:t>2/13/2014</a:t>
             </a:fld>
             <a:endParaRPr lang="en-US"/>
           </a:p>
@@ -1344,7 +1698,7 @@
           <a:p>
             <a:fld id="{74E2AFB1-44FA-4B2E-A4A2-D5E551A12BE2}" type="datetimeFigureOut">
               <a:rPr lang="en-US" smtClean="0"/>
-              <a:t>1/13/2014</a:t>
+              <a:t>2/13/2014</a:t>
             </a:fld>
             <a:endParaRPr lang="en-US"/>
           </a:p>
@@ -1766,7 +2120,7 @@
           <a:p>
             <a:fld id="{74E2AFB1-44FA-4B2E-A4A2-D5E551A12BE2}" type="datetimeFigureOut">
               <a:rPr lang="en-US" smtClean="0"/>
-              <a:t>1/13/2014</a:t>
+              <a:t>2/13/2014</a:t>
             </a:fld>
             <a:endParaRPr lang="en-US"/>
           </a:p>
@@ -1884,7 +2238,7 @@
           <a:p>
             <a:fld id="{74E2AFB1-44FA-4B2E-A4A2-D5E551A12BE2}" type="datetimeFigureOut">
               <a:rPr lang="en-US" smtClean="0"/>
-              <a:t>1/13/2014</a:t>
+              <a:t>2/13/2014</a:t>
             </a:fld>
             <a:endParaRPr lang="en-US"/>
           </a:p>
@@ -1979,7 +2333,7 @@
           <a:p>
             <a:fld id="{74E2AFB1-44FA-4B2E-A4A2-D5E551A12BE2}" type="datetimeFigureOut">
               <a:rPr lang="en-US" smtClean="0"/>
-              <a:t>1/13/2014</a:t>
+              <a:t>2/13/2014</a:t>
             </a:fld>
             <a:endParaRPr lang="en-US"/>
           </a:p>
@@ -2256,7 +2610,7 @@
           <a:p>
             <a:fld id="{74E2AFB1-44FA-4B2E-A4A2-D5E551A12BE2}" type="datetimeFigureOut">
               <a:rPr lang="en-US" smtClean="0"/>
-              <a:t>1/13/2014</a:t>
+              <a:t>2/13/2014</a:t>
             </a:fld>
             <a:endParaRPr lang="en-US"/>
           </a:p>
@@ -2509,7 +2863,7 @@
           <a:p>
             <a:fld id="{74E2AFB1-44FA-4B2E-A4A2-D5E551A12BE2}" type="datetimeFigureOut">
               <a:rPr lang="en-US" smtClean="0"/>
-              <a:t>1/13/2014</a:t>
+              <a:t>2/13/2014</a:t>
             </a:fld>
             <a:endParaRPr lang="en-US"/>
           </a:p>
@@ -2722,7 +3076,7 @@
           <a:p>
             <a:fld id="{74E2AFB1-44FA-4B2E-A4A2-D5E551A12BE2}" type="datetimeFigureOut">
               <a:rPr lang="en-US" smtClean="0"/>
-              <a:t>1/13/2014</a:t>
+              <a:t>2/13/2014</a:t>
             </a:fld>
             <a:endParaRPr lang="en-US"/>
           </a:p>
@@ -3097,49 +3451,11 @@
           <a:chExt cx="0" cy="0"/>
         </a:xfrm>
       </p:grpSpPr>
-      <p:sp>
-        <p:nvSpPr>
-          <p:cNvPr id="2" name="Title 1"/>
-          <p:cNvSpPr>
-            <a:spLocks noGrp="1"/>
-          </p:cNvSpPr>
-          <p:nvPr>
-            <p:ph type="ctrTitle"/>
-          </p:nvPr>
-        </p:nvSpPr>
-        <p:spPr/>
-        <p:txBody>
-          <a:bodyPr/>
-          <a:lstStyle/>
-          <a:p>
-            <a:endParaRPr lang="en-US"/>
-          </a:p>
-        </p:txBody>
-      </p:sp>
-      <p:sp>
-        <p:nvSpPr>
-          <p:cNvPr id="3" name="Subtitle 2"/>
-          <p:cNvSpPr>
-            <a:spLocks noGrp="1"/>
-          </p:cNvSpPr>
-          <p:nvPr>
-            <p:ph type="subTitle" idx="1"/>
-          </p:nvPr>
-        </p:nvSpPr>
-        <p:spPr/>
-        <p:txBody>
-          <a:bodyPr/>
-          <a:lstStyle/>
-          <a:p>
-            <a:endParaRPr lang="en-US"/>
-          </a:p>
-        </p:txBody>
-      </p:sp>
       <p:pic>
         <p:nvPicPr>
-          <p:cNvPr id="4" name="Picture 3"/>
+          <p:cNvPr id="1026" name="Picture 2"/>
           <p:cNvPicPr>
-            <a:picLocks noChangeAspect="1"/>
+            <a:picLocks noChangeAspect="1" noChangeArrowheads="1"/>
           </p:cNvPicPr>
           <p:nvPr/>
         </p:nvPicPr>
@@ -3151,18 +3467,42 @@
               </a:ext>
             </a:extLst>
           </a:blip>
+          <a:srcRect/>
           <a:stretch>
             <a:fillRect/>
           </a:stretch>
         </p:blipFill>
-        <p:spPr>
+        <p:spPr bwMode="auto">
           <a:xfrm>
-            <a:off x="0" y="484046"/>
-            <a:ext cx="9144000" cy="5889907"/>
+            <a:off x="0" y="533400"/>
+            <a:ext cx="9144000" cy="5597290"/>
           </a:xfrm>
           <a:prstGeom prst="rect">
             <a:avLst/>
           </a:prstGeom>
+          <a:noFill/>
+          <a:ln>
+            <a:noFill/>
+          </a:ln>
+          <a:extLst>
+            <a:ext uri="{909E8E84-426E-40DD-AFC4-6F175D3DCCD1}">
+              <a14:hiddenFill xmlns:a14="http://schemas.microsoft.com/office/drawing/2010/main">
+                <a:solidFill>
+                  <a:schemeClr val="accent1"/>
+                </a:solidFill>
+              </a14:hiddenFill>
+            </a:ext>
+            <a:ext uri="{91240B29-F687-4F45-9708-019B960494DF}">
+              <a14:hiddenLine xmlns:a14="http://schemas.microsoft.com/office/drawing/2010/main" w="9525">
+                <a:solidFill>
+                  <a:schemeClr val="tx1"/>
+                </a:solidFill>
+                <a:miter lim="800000"/>
+                <a:headEnd/>
+                <a:tailEnd/>
+              </a14:hiddenLine>
+            </a:ext>
+          </a:extLst>
         </p:spPr>
       </p:pic>
       <p:sp>
@@ -3174,7 +3514,7 @@
         <p:spPr>
           <a:xfrm>
             <a:off x="0" y="899652"/>
-            <a:ext cx="3657600" cy="2224548"/>
+            <a:ext cx="3657600" cy="2072148"/>
           </a:xfrm>
           <a:prstGeom prst="rect">
             <a:avLst/>
@@ -3220,7 +3560,7 @@
         <p:spPr>
           <a:xfrm>
             <a:off x="3733800" y="899652"/>
-            <a:ext cx="5410200" cy="2224548"/>
+            <a:ext cx="5410200" cy="2072148"/>
           </a:xfrm>
           <a:prstGeom prst="rect">
             <a:avLst/>
@@ -3265,7 +3605,7 @@
         </p:nvSpPr>
         <p:spPr>
           <a:xfrm>
-            <a:off x="0" y="3338049"/>
+            <a:off x="0" y="3251784"/>
             <a:ext cx="9144000" cy="3094895"/>
           </a:xfrm>
           <a:prstGeom prst="rect">
@@ -3414,7 +3754,7 @@
         </p:nvSpPr>
         <p:spPr>
           <a:xfrm>
-            <a:off x="60960" y="3276600"/>
+            <a:off x="60960" y="3190335"/>
             <a:ext cx="320040" cy="320040"/>
           </a:xfrm>
           <a:prstGeom prst="ellipse">
@@ -5512,6 +5852,6756 @@
 </p:sld>
 </file>
 
+<file path=ppt/slides/slide4.xml><?xml version="1.0" encoding="utf-8"?>
+<p:sld xmlns:a="http://schemas.openxmlformats.org/drawingml/2006/main" xmlns:r="http://schemas.openxmlformats.org/officeDocument/2006/relationships" xmlns:p="http://schemas.openxmlformats.org/presentationml/2006/main">
+  <p:cSld>
+    <p:spTree>
+      <p:nvGrpSpPr>
+        <p:cNvPr id="1" name=""/>
+        <p:cNvGrpSpPr/>
+        <p:nvPr/>
+      </p:nvGrpSpPr>
+      <p:grpSpPr>
+        <a:xfrm>
+          <a:off x="0" y="0"/>
+          <a:ext cx="0" cy="0"/>
+          <a:chOff x="0" y="0"/>
+          <a:chExt cx="0" cy="0"/>
+        </a:xfrm>
+      </p:grpSpPr>
+      <p:grpSp>
+        <p:nvGrpSpPr>
+          <p:cNvPr id="2076" name="Group 2075"/>
+          <p:cNvGrpSpPr/>
+          <p:nvPr/>
+        </p:nvGrpSpPr>
+        <p:grpSpPr>
+          <a:xfrm>
+            <a:off x="83942" y="-121416"/>
+            <a:ext cx="8824442" cy="10413666"/>
+            <a:chOff x="83942" y="-121416"/>
+            <a:chExt cx="8824442" cy="10413666"/>
+          </a:xfrm>
+        </p:grpSpPr>
+        <p:sp>
+          <p:nvSpPr>
+            <p:cNvPr id="2067" name="Rectangle 2066"/>
+            <p:cNvSpPr/>
+            <p:nvPr/>
+          </p:nvSpPr>
+          <p:spPr>
+            <a:xfrm>
+              <a:off x="91440" y="-121416"/>
+              <a:ext cx="8804262" cy="10402155"/>
+            </a:xfrm>
+            <a:prstGeom prst="rect">
+              <a:avLst/>
+            </a:prstGeom>
+            <a:solidFill>
+              <a:schemeClr val="bg1"/>
+            </a:solidFill>
+            <a:ln>
+              <a:solidFill>
+                <a:schemeClr val="bg1"/>
+              </a:solidFill>
+            </a:ln>
+          </p:spPr>
+          <p:style>
+            <a:lnRef idx="2">
+              <a:schemeClr val="accent1">
+                <a:shade val="50000"/>
+              </a:schemeClr>
+            </a:lnRef>
+            <a:fillRef idx="1">
+              <a:schemeClr val="accent1"/>
+            </a:fillRef>
+            <a:effectRef idx="0">
+              <a:schemeClr val="accent1"/>
+            </a:effectRef>
+            <a:fontRef idx="minor">
+              <a:schemeClr val="lt1"/>
+            </a:fontRef>
+          </p:style>
+          <p:txBody>
+            <a:bodyPr rtlCol="0" anchor="ctr"/>
+            <a:lstStyle/>
+            <a:p>
+              <a:pPr algn="ctr"/>
+              <a:endParaRPr lang="en-US"/>
+            </a:p>
+          </p:txBody>
+        </p:sp>
+        <p:grpSp>
+          <p:nvGrpSpPr>
+            <p:cNvPr id="2072" name="Group 2071"/>
+            <p:cNvGrpSpPr/>
+            <p:nvPr/>
+          </p:nvGrpSpPr>
+          <p:grpSpPr>
+            <a:xfrm>
+              <a:off x="221102" y="6856836"/>
+              <a:ext cx="4343400" cy="3435414"/>
+              <a:chOff x="221102" y="6852441"/>
+              <a:chExt cx="4343400" cy="3435414"/>
+            </a:xfrm>
+          </p:grpSpPr>
+          <p:pic>
+            <p:nvPicPr>
+              <p:cNvPr id="2065" name="Picture 12"/>
+              <p:cNvPicPr>
+                <a:picLocks noChangeAspect="1" noChangeArrowheads="1"/>
+              </p:cNvPicPr>
+              <p:nvPr/>
+            </p:nvPicPr>
+            <p:blipFill>
+              <a:blip r:embed="rId2">
+                <a:extLst>
+                  <a:ext uri="{28A0092B-C50C-407E-A947-70E740481C1C}">
+                    <a14:useLocalDpi xmlns:a14="http://schemas.microsoft.com/office/drawing/2010/main" val="0"/>
+                  </a:ext>
+                </a:extLst>
+              </a:blip>
+              <a:srcRect/>
+              <a:stretch>
+                <a:fillRect/>
+              </a:stretch>
+            </p:blipFill>
+            <p:spPr bwMode="auto">
+              <a:xfrm>
+                <a:off x="1729433" y="6867999"/>
+                <a:ext cx="2696960" cy="3419856"/>
+              </a:xfrm>
+              <a:prstGeom prst="rect">
+                <a:avLst/>
+              </a:prstGeom>
+              <a:noFill/>
+              <a:ln>
+                <a:noFill/>
+              </a:ln>
+              <a:extLst>
+                <a:ext uri="{909E8E84-426E-40DD-AFC4-6F175D3DCCD1}">
+                  <a14:hiddenFill xmlns:a14="http://schemas.microsoft.com/office/drawing/2010/main">
+                    <a:solidFill>
+                      <a:schemeClr val="accent1"/>
+                    </a:solidFill>
+                  </a14:hiddenFill>
+                </a:ext>
+                <a:ext uri="{91240B29-F687-4F45-9708-019B960494DF}">
+                  <a14:hiddenLine xmlns:a14="http://schemas.microsoft.com/office/drawing/2010/main" w="9525">
+                    <a:solidFill>
+                      <a:schemeClr val="tx1"/>
+                    </a:solidFill>
+                    <a:miter lim="800000"/>
+                    <a:headEnd/>
+                    <a:tailEnd/>
+                  </a14:hiddenLine>
+                </a:ext>
+              </a:extLst>
+            </p:spPr>
+          </p:pic>
+          <p:grpSp>
+            <p:nvGrpSpPr>
+              <p:cNvPr id="278" name="Group 277"/>
+              <p:cNvGrpSpPr/>
+              <p:nvPr/>
+            </p:nvGrpSpPr>
+            <p:grpSpPr>
+              <a:xfrm>
+                <a:off x="221102" y="6852441"/>
+                <a:ext cx="4343400" cy="3420626"/>
+                <a:chOff x="228600" y="-76200"/>
+                <a:chExt cx="4343400" cy="3420626"/>
+              </a:xfrm>
+            </p:grpSpPr>
+            <p:sp>
+              <p:nvSpPr>
+                <p:cNvPr id="280" name="Rectangle 279"/>
+                <p:cNvSpPr/>
+                <p:nvPr/>
+              </p:nvSpPr>
+              <p:spPr>
+                <a:xfrm>
+                  <a:off x="228600" y="-76200"/>
+                  <a:ext cx="4343400" cy="3418114"/>
+                </a:xfrm>
+                <a:prstGeom prst="rect">
+                  <a:avLst/>
+                </a:prstGeom>
+                <a:noFill/>
+                <a:ln>
+                  <a:solidFill>
+                    <a:schemeClr val="bg1">
+                      <a:lumMod val="50000"/>
+                    </a:schemeClr>
+                  </a:solidFill>
+                </a:ln>
+              </p:spPr>
+              <p:style>
+                <a:lnRef idx="2">
+                  <a:schemeClr val="accent1">
+                    <a:shade val="50000"/>
+                  </a:schemeClr>
+                </a:lnRef>
+                <a:fillRef idx="1">
+                  <a:schemeClr val="accent1"/>
+                </a:fillRef>
+                <a:effectRef idx="0">
+                  <a:schemeClr val="accent1"/>
+                </a:effectRef>
+                <a:fontRef idx="minor">
+                  <a:schemeClr val="lt1"/>
+                </a:fontRef>
+              </p:style>
+              <p:txBody>
+                <a:bodyPr rtlCol="0" anchor="ctr"/>
+                <a:lstStyle/>
+                <a:p>
+                  <a:pPr algn="ctr"/>
+                  <a:endParaRPr lang="en-US"/>
+                </a:p>
+              </p:txBody>
+            </p:sp>
+            <p:grpSp>
+              <p:nvGrpSpPr>
+                <p:cNvPr id="281" name="Group 280"/>
+                <p:cNvGrpSpPr>
+                  <a:grpSpLocks noChangeAspect="1"/>
+                </p:cNvGrpSpPr>
+                <p:nvPr/>
+              </p:nvGrpSpPr>
+              <p:grpSpPr>
+                <a:xfrm>
+                  <a:off x="228600" y="2475746"/>
+                  <a:ext cx="1339932" cy="868680"/>
+                  <a:chOff x="1143000" y="1752600"/>
+                  <a:chExt cx="4466440" cy="2895600"/>
+                </a:xfrm>
+              </p:grpSpPr>
+              <p:grpSp>
+                <p:nvGrpSpPr>
+                  <p:cNvPr id="282" name="Group 281"/>
+                  <p:cNvGrpSpPr/>
+                  <p:nvPr/>
+                </p:nvGrpSpPr>
+                <p:grpSpPr>
+                  <a:xfrm>
+                    <a:off x="1143000" y="1752600"/>
+                    <a:ext cx="4419600" cy="2895600"/>
+                    <a:chOff x="1143000" y="1752600"/>
+                    <a:chExt cx="4419600" cy="2895600"/>
+                  </a:xfrm>
+                </p:grpSpPr>
+                <p:sp>
+                  <p:nvSpPr>
+                    <p:cNvPr id="285" name="Rectangle 284"/>
+                    <p:cNvSpPr/>
+                    <p:nvPr/>
+                  </p:nvSpPr>
+                  <p:spPr>
+                    <a:xfrm>
+                      <a:off x="1143000" y="1752600"/>
+                      <a:ext cx="2209800" cy="1295400"/>
+                    </a:xfrm>
+                    <a:prstGeom prst="rect">
+                      <a:avLst/>
+                    </a:prstGeom>
+                    <a:solidFill>
+                      <a:schemeClr val="bg1">
+                        <a:lumMod val="95000"/>
+                      </a:schemeClr>
+                    </a:solidFill>
+                    <a:ln>
+                      <a:noFill/>
+                    </a:ln>
+                  </p:spPr>
+                  <p:style>
+                    <a:lnRef idx="2">
+                      <a:schemeClr val="accent1">
+                        <a:shade val="50000"/>
+                      </a:schemeClr>
+                    </a:lnRef>
+                    <a:fillRef idx="1">
+                      <a:schemeClr val="accent1"/>
+                    </a:fillRef>
+                    <a:effectRef idx="0">
+                      <a:schemeClr val="accent1"/>
+                    </a:effectRef>
+                    <a:fontRef idx="minor">
+                      <a:schemeClr val="lt1"/>
+                    </a:fontRef>
+                  </p:style>
+                  <p:txBody>
+                    <a:bodyPr rtlCol="0" anchor="ctr"/>
+                    <a:lstStyle/>
+                    <a:p>
+                      <a:pPr algn="ctr"/>
+                      <a:endParaRPr lang="en-US"/>
+                    </a:p>
+                  </p:txBody>
+                </p:sp>
+                <p:pic>
+                  <p:nvPicPr>
+                    <p:cNvPr id="286" name="Picture 4"/>
+                    <p:cNvPicPr>
+                      <a:picLocks noChangeAspect="1" noChangeArrowheads="1"/>
+                    </p:cNvPicPr>
+                    <p:nvPr/>
+                  </p:nvPicPr>
+                  <p:blipFill>
+                    <a:blip r:embed="rId3" cstate="print">
+                      <a:extLst>
+                        <a:ext uri="{28A0092B-C50C-407E-A947-70E740481C1C}">
+                          <a14:useLocalDpi xmlns:a14="http://schemas.microsoft.com/office/drawing/2010/main" val="0"/>
+                        </a:ext>
+                      </a:extLst>
+                    </a:blip>
+                    <a:srcRect/>
+                    <a:stretch>
+                      <a:fillRect/>
+                    </a:stretch>
+                  </p:blipFill>
+                  <p:spPr bwMode="auto">
+                    <a:xfrm>
+                      <a:off x="1326904" y="2001245"/>
+                      <a:ext cx="1828800" cy="798021"/>
+                    </a:xfrm>
+                    <a:prstGeom prst="rect">
+                      <a:avLst/>
+                    </a:prstGeom>
+                    <a:noFill/>
+                    <a:ln>
+                      <a:noFill/>
+                    </a:ln>
+                    <a:extLst>
+                      <a:ext uri="{909E8E84-426E-40DD-AFC4-6F175D3DCCD1}">
+                        <a14:hiddenFill xmlns:a14="http://schemas.microsoft.com/office/drawing/2010/main">
+                          <a:solidFill>
+                            <a:schemeClr val="accent1"/>
+                          </a:solidFill>
+                        </a14:hiddenFill>
+                      </a:ext>
+                      <a:ext uri="{91240B29-F687-4F45-9708-019B960494DF}">
+                        <a14:hiddenLine xmlns:a14="http://schemas.microsoft.com/office/drawing/2010/main" w="9525">
+                          <a:solidFill>
+                            <a:schemeClr val="tx1"/>
+                          </a:solidFill>
+                          <a:miter lim="800000"/>
+                          <a:headEnd/>
+                          <a:tailEnd/>
+                        </a14:hiddenLine>
+                      </a:ext>
+                    </a:extLst>
+                  </p:spPr>
+                </p:pic>
+                <p:grpSp>
+                  <p:nvGrpSpPr>
+                    <p:cNvPr id="287" name="Group 286"/>
+                    <p:cNvGrpSpPr/>
+                    <p:nvPr/>
+                  </p:nvGrpSpPr>
+                  <p:grpSpPr>
+                    <a:xfrm>
+                      <a:off x="3349752" y="1766597"/>
+                      <a:ext cx="2212848" cy="1267406"/>
+                      <a:chOff x="7772400" y="1447800"/>
+                      <a:chExt cx="2212848" cy="1267406"/>
+                    </a:xfrm>
+                  </p:grpSpPr>
+                  <p:pic>
+                    <p:nvPicPr>
+                      <p:cNvPr id="303" name="Picture 2"/>
+                      <p:cNvPicPr>
+                        <a:picLocks noChangeAspect="1" noChangeArrowheads="1"/>
+                      </p:cNvPicPr>
+                      <p:nvPr/>
+                    </p:nvPicPr>
+                    <p:blipFill>
+                      <a:blip r:embed="rId4" cstate="print">
+                        <a:extLst>
+                          <a:ext uri="{28A0092B-C50C-407E-A947-70E740481C1C}">
+                            <a14:useLocalDpi xmlns:a14="http://schemas.microsoft.com/office/drawing/2010/main" val="0"/>
+                          </a:ext>
+                        </a:extLst>
+                      </a:blip>
+                      <a:srcRect/>
+                      <a:stretch>
+                        <a:fillRect/>
+                      </a:stretch>
+                    </p:blipFill>
+                    <p:spPr bwMode="auto">
+                      <a:xfrm>
+                        <a:off x="7772400" y="1447801"/>
+                        <a:ext cx="2212848" cy="1267405"/>
+                      </a:xfrm>
+                      <a:prstGeom prst="rect">
+                        <a:avLst/>
+                      </a:prstGeom>
+                      <a:noFill/>
+                      <a:ln>
+                        <a:noFill/>
+                      </a:ln>
+                      <a:extLst>
+                        <a:ext uri="{909E8E84-426E-40DD-AFC4-6F175D3DCCD1}">
+                          <a14:hiddenFill xmlns:a14="http://schemas.microsoft.com/office/drawing/2010/main">
+                            <a:solidFill>
+                              <a:schemeClr val="accent1"/>
+                            </a:solidFill>
+                          </a14:hiddenFill>
+                        </a:ext>
+                        <a:ext uri="{91240B29-F687-4F45-9708-019B960494DF}">
+                          <a14:hiddenLine xmlns:a14="http://schemas.microsoft.com/office/drawing/2010/main" w="9525">
+                            <a:solidFill>
+                              <a:schemeClr val="tx1"/>
+                            </a:solidFill>
+                            <a:miter lim="800000"/>
+                            <a:headEnd/>
+                            <a:tailEnd/>
+                          </a14:hiddenLine>
+                        </a:ext>
+                      </a:extLst>
+                    </p:spPr>
+                  </p:pic>
+                  <p:sp>
+                    <p:nvSpPr>
+                      <p:cNvPr id="304" name="Rectangle 303"/>
+                      <p:cNvSpPr/>
+                      <p:nvPr/>
+                    </p:nvSpPr>
+                    <p:spPr>
+                      <a:xfrm>
+                        <a:off x="7772401" y="1447800"/>
+                        <a:ext cx="381000" cy="228600"/>
+                      </a:xfrm>
+                      <a:prstGeom prst="rect">
+                        <a:avLst/>
+                      </a:prstGeom>
+                      <a:solidFill>
+                        <a:schemeClr val="bg1"/>
+                      </a:solidFill>
+                      <a:ln>
+                        <a:noFill/>
+                      </a:ln>
+                    </p:spPr>
+                    <p:style>
+                      <a:lnRef idx="2">
+                        <a:schemeClr val="accent1">
+                          <a:shade val="50000"/>
+                        </a:schemeClr>
+                      </a:lnRef>
+                      <a:fillRef idx="1">
+                        <a:schemeClr val="accent1"/>
+                      </a:fillRef>
+                      <a:effectRef idx="0">
+                        <a:schemeClr val="accent1"/>
+                      </a:effectRef>
+                      <a:fontRef idx="minor">
+                        <a:schemeClr val="lt1"/>
+                      </a:fontRef>
+                    </p:style>
+                    <p:txBody>
+                      <a:bodyPr rtlCol="0" anchor="ctr"/>
+                      <a:lstStyle/>
+                      <a:p>
+                        <a:pPr algn="ctr"/>
+                        <a:endParaRPr lang="en-US"/>
+                      </a:p>
+                    </p:txBody>
+                  </p:sp>
+                </p:grpSp>
+                <p:grpSp>
+                  <p:nvGrpSpPr>
+                    <p:cNvPr id="288" name="Group 287"/>
+                    <p:cNvGrpSpPr>
+                      <a:grpSpLocks noChangeAspect="1"/>
+                    </p:cNvGrpSpPr>
+                    <p:nvPr/>
+                  </p:nvGrpSpPr>
+                  <p:grpSpPr>
+                    <a:xfrm>
+                      <a:off x="1395350" y="3337560"/>
+                      <a:ext cx="944979" cy="1005840"/>
+                      <a:chOff x="6282046" y="1523997"/>
+                      <a:chExt cx="2099954" cy="2235200"/>
+                    </a:xfrm>
+                  </p:grpSpPr>
+                  <p:pic>
+                    <p:nvPicPr>
+                      <p:cNvPr id="300" name="Picture 3"/>
+                      <p:cNvPicPr>
+                        <a:picLocks noChangeAspect="1" noChangeArrowheads="1"/>
+                      </p:cNvPicPr>
+                      <p:nvPr/>
+                    </p:nvPicPr>
+                    <p:blipFill rotWithShape="1">
+                      <a:blip r:embed="rId5" cstate="print">
+                        <a:extLst>
+                          <a:ext uri="{28A0092B-C50C-407E-A947-70E740481C1C}">
+                            <a14:useLocalDpi xmlns:a14="http://schemas.microsoft.com/office/drawing/2010/main" val="0"/>
+                          </a:ext>
+                        </a:extLst>
+                      </a:blip>
+                      <a:srcRect l="8207" b="4009"/>
+                      <a:stretch/>
+                    </p:blipFill>
+                    <p:spPr bwMode="auto">
+                      <a:xfrm>
+                        <a:off x="6282046" y="1555706"/>
+                        <a:ext cx="2080903" cy="2203491"/>
+                      </a:xfrm>
+                      <a:prstGeom prst="rect">
+                        <a:avLst/>
+                      </a:prstGeom>
+                      <a:noFill/>
+                      <a:ln>
+                        <a:noFill/>
+                      </a:ln>
+                      <a:extLst>
+                        <a:ext uri="{909E8E84-426E-40DD-AFC4-6F175D3DCCD1}">
+                          <a14:hiddenFill xmlns:a14="http://schemas.microsoft.com/office/drawing/2010/main">
+                            <a:solidFill>
+                              <a:schemeClr val="accent1"/>
+                            </a:solidFill>
+                          </a14:hiddenFill>
+                        </a:ext>
+                        <a:ext uri="{91240B29-F687-4F45-9708-019B960494DF}">
+                          <a14:hiddenLine xmlns:a14="http://schemas.microsoft.com/office/drawing/2010/main" w="9525">
+                            <a:solidFill>
+                              <a:schemeClr val="tx1"/>
+                            </a:solidFill>
+                            <a:miter lim="800000"/>
+                            <a:headEnd/>
+                            <a:tailEnd/>
+                          </a14:hiddenLine>
+                        </a:ext>
+                      </a:extLst>
+                    </p:spPr>
+                  </p:pic>
+                  <p:cxnSp>
+                    <p:nvCxnSpPr>
+                      <p:cNvPr id="301" name="Straight Connector 300"/>
+                      <p:cNvCxnSpPr/>
+                      <p:nvPr/>
+                    </p:nvCxnSpPr>
+                    <p:spPr>
+                      <a:xfrm>
+                        <a:off x="6282046" y="1523997"/>
+                        <a:ext cx="0" cy="2235200"/>
+                      </a:xfrm>
+                      <a:prstGeom prst="line">
+                        <a:avLst/>
+                      </a:prstGeom>
+                      <a:ln>
+                        <a:solidFill>
+                          <a:schemeClr val="bg1">
+                            <a:lumMod val="50000"/>
+                          </a:schemeClr>
+                        </a:solidFill>
+                      </a:ln>
+                    </p:spPr>
+                    <p:style>
+                      <a:lnRef idx="1">
+                        <a:schemeClr val="accent1"/>
+                      </a:lnRef>
+                      <a:fillRef idx="0">
+                        <a:schemeClr val="accent1"/>
+                      </a:fillRef>
+                      <a:effectRef idx="0">
+                        <a:schemeClr val="accent1"/>
+                      </a:effectRef>
+                      <a:fontRef idx="minor">
+                        <a:schemeClr val="tx1"/>
+                      </a:fontRef>
+                    </p:style>
+                  </p:cxnSp>
+                  <p:cxnSp>
+                    <p:nvCxnSpPr>
+                      <p:cNvPr id="302" name="Straight Connector 301"/>
+                      <p:cNvCxnSpPr/>
+                      <p:nvPr/>
+                    </p:nvCxnSpPr>
+                    <p:spPr>
+                      <a:xfrm flipH="1">
+                        <a:off x="6282046" y="3759197"/>
+                        <a:ext cx="2099954" cy="0"/>
+                      </a:xfrm>
+                      <a:prstGeom prst="line">
+                        <a:avLst/>
+                      </a:prstGeom>
+                      <a:ln>
+                        <a:solidFill>
+                          <a:schemeClr val="bg1">
+                            <a:lumMod val="50000"/>
+                          </a:schemeClr>
+                        </a:solidFill>
+                      </a:ln>
+                    </p:spPr>
+                    <p:style>
+                      <a:lnRef idx="1">
+                        <a:schemeClr val="accent1"/>
+                      </a:lnRef>
+                      <a:fillRef idx="0">
+                        <a:schemeClr val="accent1"/>
+                      </a:fillRef>
+                      <a:effectRef idx="0">
+                        <a:schemeClr val="accent1"/>
+                      </a:effectRef>
+                      <a:fontRef idx="minor">
+                        <a:schemeClr val="tx1"/>
+                      </a:fontRef>
+                    </p:style>
+                  </p:cxnSp>
+                </p:grpSp>
+                <p:grpSp>
+                  <p:nvGrpSpPr>
+                    <p:cNvPr id="289" name="Group 288"/>
+                    <p:cNvGrpSpPr/>
+                    <p:nvPr/>
+                  </p:nvGrpSpPr>
+                  <p:grpSpPr>
+                    <a:xfrm>
+                      <a:off x="2844685" y="3337560"/>
+                      <a:ext cx="944979" cy="1002422"/>
+                      <a:chOff x="6400800" y="4036216"/>
+                      <a:chExt cx="944979" cy="1002422"/>
+                    </a:xfrm>
+                  </p:grpSpPr>
+                  <p:pic>
+                    <p:nvPicPr>
+                      <p:cNvPr id="297" name="Picture 5"/>
+                      <p:cNvPicPr>
+                        <a:picLocks noChangeAspect="1" noChangeArrowheads="1"/>
+                      </p:cNvPicPr>
+                      <p:nvPr/>
+                    </p:nvPicPr>
+                    <p:blipFill>
+                      <a:blip r:embed="rId6" cstate="print">
+                        <a:extLst>
+                          <a:ext uri="{28A0092B-C50C-407E-A947-70E740481C1C}">
+                            <a14:useLocalDpi xmlns:a14="http://schemas.microsoft.com/office/drawing/2010/main" val="0"/>
+                          </a:ext>
+                        </a:extLst>
+                      </a:blip>
+                      <a:srcRect/>
+                      <a:stretch>
+                        <a:fillRect/>
+                      </a:stretch>
+                    </p:blipFill>
+                    <p:spPr bwMode="auto">
+                      <a:xfrm>
+                        <a:off x="6400800" y="4036216"/>
+                        <a:ext cx="932688" cy="1002422"/>
+                      </a:xfrm>
+                      <a:prstGeom prst="rect">
+                        <a:avLst/>
+                      </a:prstGeom>
+                      <a:noFill/>
+                      <a:ln>
+                        <a:noFill/>
+                      </a:ln>
+                      <a:extLst>
+                        <a:ext uri="{909E8E84-426E-40DD-AFC4-6F175D3DCCD1}">
+                          <a14:hiddenFill xmlns:a14="http://schemas.microsoft.com/office/drawing/2010/main">
+                            <a:solidFill>
+                              <a:schemeClr val="accent1"/>
+                            </a:solidFill>
+                          </a14:hiddenFill>
+                        </a:ext>
+                        <a:ext uri="{91240B29-F687-4F45-9708-019B960494DF}">
+                          <a14:hiddenLine xmlns:a14="http://schemas.microsoft.com/office/drawing/2010/main" w="9525">
+                            <a:solidFill>
+                              <a:schemeClr val="tx1"/>
+                            </a:solidFill>
+                            <a:miter lim="800000"/>
+                            <a:headEnd/>
+                            <a:tailEnd/>
+                          </a14:hiddenLine>
+                        </a:ext>
+                      </a:extLst>
+                    </p:spPr>
+                  </p:pic>
+                  <p:cxnSp>
+                    <p:nvCxnSpPr>
+                      <p:cNvPr id="298" name="Straight Connector 297"/>
+                      <p:cNvCxnSpPr/>
+                      <p:nvPr/>
+                    </p:nvCxnSpPr>
+                    <p:spPr>
+                      <a:xfrm>
+                        <a:off x="6400800" y="4036216"/>
+                        <a:ext cx="0" cy="1002422"/>
+                      </a:xfrm>
+                      <a:prstGeom prst="line">
+                        <a:avLst/>
+                      </a:prstGeom>
+                      <a:ln>
+                        <a:solidFill>
+                          <a:schemeClr val="bg1">
+                            <a:lumMod val="50000"/>
+                          </a:schemeClr>
+                        </a:solidFill>
+                      </a:ln>
+                    </p:spPr>
+                    <p:style>
+                      <a:lnRef idx="1">
+                        <a:schemeClr val="accent1"/>
+                      </a:lnRef>
+                      <a:fillRef idx="0">
+                        <a:schemeClr val="accent1"/>
+                      </a:fillRef>
+                      <a:effectRef idx="0">
+                        <a:schemeClr val="accent1"/>
+                      </a:effectRef>
+                      <a:fontRef idx="minor">
+                        <a:schemeClr val="tx1"/>
+                      </a:fontRef>
+                    </p:style>
+                  </p:cxnSp>
+                  <p:cxnSp>
+                    <p:nvCxnSpPr>
+                      <p:cNvPr id="299" name="Straight Connector 298"/>
+                      <p:cNvCxnSpPr/>
+                      <p:nvPr/>
+                    </p:nvCxnSpPr>
+                    <p:spPr>
+                      <a:xfrm flipH="1">
+                        <a:off x="6400800" y="5038638"/>
+                        <a:ext cx="944979" cy="0"/>
+                      </a:xfrm>
+                      <a:prstGeom prst="line">
+                        <a:avLst/>
+                      </a:prstGeom>
+                      <a:ln>
+                        <a:solidFill>
+                          <a:schemeClr val="bg1">
+                            <a:lumMod val="50000"/>
+                          </a:schemeClr>
+                        </a:solidFill>
+                      </a:ln>
+                    </p:spPr>
+                    <p:style>
+                      <a:lnRef idx="1">
+                        <a:schemeClr val="accent1"/>
+                      </a:lnRef>
+                      <a:fillRef idx="0">
+                        <a:schemeClr val="accent1"/>
+                      </a:fillRef>
+                      <a:effectRef idx="0">
+                        <a:schemeClr val="accent1"/>
+                      </a:effectRef>
+                      <a:fontRef idx="minor">
+                        <a:schemeClr val="tx1"/>
+                      </a:fontRef>
+                    </p:style>
+                  </p:cxnSp>
+                </p:grpSp>
+                <p:grpSp>
+                  <p:nvGrpSpPr>
+                    <p:cNvPr id="290" name="Group 289"/>
+                    <p:cNvGrpSpPr/>
+                    <p:nvPr/>
+                  </p:nvGrpSpPr>
+                  <p:grpSpPr>
+                    <a:xfrm>
+                      <a:off x="4290950" y="3337560"/>
+                      <a:ext cx="990600" cy="1002422"/>
+                      <a:chOff x="6400800" y="1173840"/>
+                      <a:chExt cx="990600" cy="1002422"/>
+                    </a:xfrm>
+                  </p:grpSpPr>
+                  <p:pic>
+                    <p:nvPicPr>
+                      <p:cNvPr id="294" name="Picture 6"/>
+                      <p:cNvPicPr>
+                        <a:picLocks noChangeAspect="1" noChangeArrowheads="1"/>
+                      </p:cNvPicPr>
+                      <p:nvPr/>
+                    </p:nvPicPr>
+                    <p:blipFill>
+                      <a:blip r:embed="rId7" cstate="print">
+                        <a:extLst>
+                          <a:ext uri="{28A0092B-C50C-407E-A947-70E740481C1C}">
+                            <a14:useLocalDpi xmlns:a14="http://schemas.microsoft.com/office/drawing/2010/main" val="0"/>
+                          </a:ext>
+                        </a:extLst>
+                      </a:blip>
+                      <a:srcRect/>
+                      <a:stretch>
+                        <a:fillRect/>
+                      </a:stretch>
+                    </p:blipFill>
+                    <p:spPr bwMode="auto">
+                      <a:xfrm>
+                        <a:off x="6458712" y="1289696"/>
+                        <a:ext cx="932688" cy="886566"/>
+                      </a:xfrm>
+                      <a:prstGeom prst="rect">
+                        <a:avLst/>
+                      </a:prstGeom>
+                      <a:noFill/>
+                      <a:ln>
+                        <a:noFill/>
+                      </a:ln>
+                      <a:extLst>
+                        <a:ext uri="{909E8E84-426E-40DD-AFC4-6F175D3DCCD1}">
+                          <a14:hiddenFill xmlns:a14="http://schemas.microsoft.com/office/drawing/2010/main">
+                            <a:solidFill>
+                              <a:schemeClr val="accent1"/>
+                            </a:solidFill>
+                          </a14:hiddenFill>
+                        </a:ext>
+                        <a:ext uri="{91240B29-F687-4F45-9708-019B960494DF}">
+                          <a14:hiddenLine xmlns:a14="http://schemas.microsoft.com/office/drawing/2010/main" w="9525">
+                            <a:solidFill>
+                              <a:schemeClr val="tx1"/>
+                            </a:solidFill>
+                            <a:miter lim="800000"/>
+                            <a:headEnd/>
+                            <a:tailEnd/>
+                          </a14:hiddenLine>
+                        </a:ext>
+                      </a:extLst>
+                    </p:spPr>
+                  </p:pic>
+                  <p:cxnSp>
+                    <p:nvCxnSpPr>
+                      <p:cNvPr id="295" name="Straight Connector 294"/>
+                      <p:cNvCxnSpPr/>
+                      <p:nvPr/>
+                    </p:nvCxnSpPr>
+                    <p:spPr>
+                      <a:xfrm>
+                        <a:off x="6400800" y="1173840"/>
+                        <a:ext cx="0" cy="1002422"/>
+                      </a:xfrm>
+                      <a:prstGeom prst="line">
+                        <a:avLst/>
+                      </a:prstGeom>
+                      <a:ln>
+                        <a:solidFill>
+                          <a:schemeClr val="bg1">
+                            <a:lumMod val="50000"/>
+                          </a:schemeClr>
+                        </a:solidFill>
+                      </a:ln>
+                    </p:spPr>
+                    <p:style>
+                      <a:lnRef idx="1">
+                        <a:schemeClr val="accent1"/>
+                      </a:lnRef>
+                      <a:fillRef idx="0">
+                        <a:schemeClr val="accent1"/>
+                      </a:fillRef>
+                      <a:effectRef idx="0">
+                        <a:schemeClr val="accent1"/>
+                      </a:effectRef>
+                      <a:fontRef idx="minor">
+                        <a:schemeClr val="tx1"/>
+                      </a:fontRef>
+                    </p:style>
+                  </p:cxnSp>
+                  <p:cxnSp>
+                    <p:nvCxnSpPr>
+                      <p:cNvPr id="296" name="Straight Connector 295"/>
+                      <p:cNvCxnSpPr/>
+                      <p:nvPr/>
+                    </p:nvCxnSpPr>
+                    <p:spPr>
+                      <a:xfrm flipH="1">
+                        <a:off x="6400800" y="2176262"/>
+                        <a:ext cx="944979" cy="0"/>
+                      </a:xfrm>
+                      <a:prstGeom prst="line">
+                        <a:avLst/>
+                      </a:prstGeom>
+                      <a:ln>
+                        <a:solidFill>
+                          <a:schemeClr val="bg1">
+                            <a:lumMod val="50000"/>
+                          </a:schemeClr>
+                        </a:solidFill>
+                      </a:ln>
+                    </p:spPr>
+                    <p:style>
+                      <a:lnRef idx="1">
+                        <a:schemeClr val="accent1"/>
+                      </a:lnRef>
+                      <a:fillRef idx="0">
+                        <a:schemeClr val="accent1"/>
+                      </a:fillRef>
+                      <a:effectRef idx="0">
+                        <a:schemeClr val="accent1"/>
+                      </a:effectRef>
+                      <a:fontRef idx="minor">
+                        <a:schemeClr val="tx1"/>
+                      </a:fontRef>
+                    </p:style>
+                  </p:cxnSp>
+                </p:grpSp>
+                <p:cxnSp>
+                  <p:nvCxnSpPr>
+                    <p:cNvPr id="291" name="Straight Connector 290"/>
+                    <p:cNvCxnSpPr/>
+                    <p:nvPr/>
+                  </p:nvCxnSpPr>
+                  <p:spPr>
+                    <a:xfrm>
+                      <a:off x="1143000" y="3048000"/>
+                      <a:ext cx="4419600" cy="0"/>
+                    </a:xfrm>
+                    <a:prstGeom prst="line">
+                      <a:avLst/>
+                    </a:prstGeom>
+                    <a:ln w="25400">
+                      <a:solidFill>
+                        <a:schemeClr val="accent2"/>
+                      </a:solidFill>
+                    </a:ln>
+                  </p:spPr>
+                  <p:style>
+                    <a:lnRef idx="1">
+                      <a:schemeClr val="accent1"/>
+                    </a:lnRef>
+                    <a:fillRef idx="0">
+                      <a:schemeClr val="accent1"/>
+                    </a:fillRef>
+                    <a:effectRef idx="0">
+                      <a:schemeClr val="accent1"/>
+                    </a:effectRef>
+                    <a:fontRef idx="minor">
+                      <a:schemeClr val="tx1"/>
+                    </a:fontRef>
+                  </p:style>
+                </p:cxnSp>
+                <p:cxnSp>
+                  <p:nvCxnSpPr>
+                    <p:cNvPr id="292" name="Straight Connector 291"/>
+                    <p:cNvCxnSpPr>
+                      <a:stCxn id="293" idx="0"/>
+                    </p:cNvCxnSpPr>
+                    <p:nvPr/>
+                  </p:nvCxnSpPr>
+                  <p:spPr>
+                    <a:xfrm>
+                      <a:off x="3352800" y="1752600"/>
+                      <a:ext cx="0" cy="1295400"/>
+                    </a:xfrm>
+                    <a:prstGeom prst="line">
+                      <a:avLst/>
+                    </a:prstGeom>
+                    <a:ln w="25400">
+                      <a:solidFill>
+                        <a:schemeClr val="accent2"/>
+                      </a:solidFill>
+                    </a:ln>
+                  </p:spPr>
+                  <p:style>
+                    <a:lnRef idx="1">
+                      <a:schemeClr val="accent1"/>
+                    </a:lnRef>
+                    <a:fillRef idx="0">
+                      <a:schemeClr val="accent1"/>
+                    </a:fillRef>
+                    <a:effectRef idx="0">
+                      <a:schemeClr val="accent1"/>
+                    </a:effectRef>
+                    <a:fontRef idx="minor">
+                      <a:schemeClr val="tx1"/>
+                    </a:fontRef>
+                  </p:style>
+                </p:cxnSp>
+                <p:sp>
+                  <p:nvSpPr>
+                    <p:cNvPr id="293" name="Rectangle 292"/>
+                    <p:cNvSpPr/>
+                    <p:nvPr/>
+                  </p:nvSpPr>
+                  <p:spPr>
+                    <a:xfrm>
+                      <a:off x="1143000" y="1752600"/>
+                      <a:ext cx="4419600" cy="2895600"/>
+                    </a:xfrm>
+                    <a:prstGeom prst="rect">
+                      <a:avLst/>
+                    </a:prstGeom>
+                    <a:noFill/>
+                    <a:ln>
+                      <a:solidFill>
+                        <a:schemeClr val="accent2"/>
+                      </a:solidFill>
+                    </a:ln>
+                  </p:spPr>
+                  <p:style>
+                    <a:lnRef idx="2">
+                      <a:schemeClr val="accent1">
+                        <a:shade val="50000"/>
+                      </a:schemeClr>
+                    </a:lnRef>
+                    <a:fillRef idx="1">
+                      <a:schemeClr val="accent1"/>
+                    </a:fillRef>
+                    <a:effectRef idx="0">
+                      <a:schemeClr val="accent1"/>
+                    </a:effectRef>
+                    <a:fontRef idx="minor">
+                      <a:schemeClr val="lt1"/>
+                    </a:fontRef>
+                  </p:style>
+                  <p:txBody>
+                    <a:bodyPr rtlCol="0" anchor="ctr"/>
+                    <a:lstStyle/>
+                    <a:p>
+                      <a:pPr algn="ctr"/>
+                      <a:endParaRPr lang="en-US"/>
+                    </a:p>
+                  </p:txBody>
+                </p:sp>
+              </p:grpSp>
+              <p:sp>
+                <p:nvSpPr>
+                  <p:cNvPr id="283" name="Rectangle 282"/>
+                  <p:cNvSpPr/>
+                  <p:nvPr/>
+                </p:nvSpPr>
+                <p:spPr>
+                  <a:xfrm>
+                    <a:off x="2587447" y="3048000"/>
+                    <a:ext cx="2975150" cy="1600200"/>
+                  </a:xfrm>
+                  <a:prstGeom prst="rect">
+                    <a:avLst/>
+                  </a:prstGeom>
+                  <a:solidFill>
+                    <a:schemeClr val="tx1">
+                      <a:lumMod val="50000"/>
+                      <a:lumOff val="50000"/>
+                      <a:alpha val="45000"/>
+                    </a:schemeClr>
+                  </a:solidFill>
+                  <a:ln>
+                    <a:noFill/>
+                  </a:ln>
+                </p:spPr>
+                <p:style>
+                  <a:lnRef idx="2">
+                    <a:schemeClr val="accent1">
+                      <a:shade val="50000"/>
+                    </a:schemeClr>
+                  </a:lnRef>
+                  <a:fillRef idx="1">
+                    <a:schemeClr val="accent1"/>
+                  </a:fillRef>
+                  <a:effectRef idx="0">
+                    <a:schemeClr val="accent1"/>
+                  </a:effectRef>
+                  <a:fontRef idx="minor">
+                    <a:schemeClr val="lt1"/>
+                  </a:fontRef>
+                </p:style>
+                <p:txBody>
+                  <a:bodyPr rtlCol="0" anchor="ctr"/>
+                  <a:lstStyle/>
+                  <a:p>
+                    <a:pPr algn="ctr"/>
+                    <a:endParaRPr lang="en-US"/>
+                  </a:p>
+                </p:txBody>
+              </p:sp>
+              <p:sp>
+                <p:nvSpPr>
+                  <p:cNvPr id="284" name="Rectangle 283"/>
+                  <p:cNvSpPr/>
+                  <p:nvPr/>
+                </p:nvSpPr>
+                <p:spPr>
+                  <a:xfrm>
+                    <a:off x="1143000" y="1752600"/>
+                    <a:ext cx="4466440" cy="1295400"/>
+                  </a:xfrm>
+                  <a:prstGeom prst="rect">
+                    <a:avLst/>
+                  </a:prstGeom>
+                  <a:solidFill>
+                    <a:schemeClr val="tx1">
+                      <a:lumMod val="50000"/>
+                      <a:lumOff val="50000"/>
+                      <a:alpha val="45000"/>
+                    </a:schemeClr>
+                  </a:solidFill>
+                  <a:ln>
+                    <a:noFill/>
+                  </a:ln>
+                </p:spPr>
+                <p:style>
+                  <a:lnRef idx="2">
+                    <a:schemeClr val="accent1">
+                      <a:shade val="50000"/>
+                    </a:schemeClr>
+                  </a:lnRef>
+                  <a:fillRef idx="1">
+                    <a:schemeClr val="accent1"/>
+                  </a:fillRef>
+                  <a:effectRef idx="0">
+                    <a:schemeClr val="accent1"/>
+                  </a:effectRef>
+                  <a:fontRef idx="minor">
+                    <a:schemeClr val="lt1"/>
+                  </a:fontRef>
+                </p:style>
+                <p:txBody>
+                  <a:bodyPr rtlCol="0" anchor="ctr"/>
+                  <a:lstStyle/>
+                  <a:p>
+                    <a:pPr algn="ctr"/>
+                    <a:endParaRPr lang="en-US"/>
+                  </a:p>
+                </p:txBody>
+              </p:sp>
+            </p:grpSp>
+          </p:grpSp>
+          <p:sp>
+            <p:nvSpPr>
+              <p:cNvPr id="2066" name="Rectangle 2065"/>
+              <p:cNvSpPr/>
+              <p:nvPr/>
+            </p:nvSpPr>
+            <p:spPr>
+              <a:xfrm>
+                <a:off x="3200400" y="7878989"/>
+                <a:ext cx="685800" cy="1656631"/>
+              </a:xfrm>
+              <a:prstGeom prst="rect">
+                <a:avLst/>
+              </a:prstGeom>
+              <a:noFill/>
+              <a:ln>
+                <a:solidFill>
+                  <a:schemeClr val="accent2"/>
+                </a:solidFill>
+              </a:ln>
+            </p:spPr>
+            <p:style>
+              <a:lnRef idx="2">
+                <a:schemeClr val="accent1">
+                  <a:shade val="50000"/>
+                </a:schemeClr>
+              </a:lnRef>
+              <a:fillRef idx="1">
+                <a:schemeClr val="accent1"/>
+              </a:fillRef>
+              <a:effectRef idx="0">
+                <a:schemeClr val="accent1"/>
+              </a:effectRef>
+              <a:fontRef idx="minor">
+                <a:schemeClr val="lt1"/>
+              </a:fontRef>
+            </p:style>
+            <p:txBody>
+              <a:bodyPr rtlCol="0" anchor="ctr"/>
+              <a:lstStyle/>
+              <a:p>
+                <a:pPr algn="ctr"/>
+                <a:endParaRPr lang="en-US"/>
+              </a:p>
+            </p:txBody>
+          </p:sp>
+          <p:sp>
+            <p:nvSpPr>
+              <p:cNvPr id="396" name="TextBox 395"/>
+              <p:cNvSpPr txBox="1"/>
+              <p:nvPr/>
+            </p:nvSpPr>
+            <p:spPr>
+              <a:xfrm>
+                <a:off x="3070229" y="7572737"/>
+                <a:ext cx="1166865" cy="292388"/>
+              </a:xfrm>
+              <a:prstGeom prst="rect">
+                <a:avLst/>
+              </a:prstGeom>
+              <a:noFill/>
+            </p:spPr>
+            <p:txBody>
+              <a:bodyPr wrap="square" rtlCol="0">
+                <a:spAutoFit/>
+              </a:bodyPr>
+              <a:lstStyle/>
+              <a:p>
+                <a:r>
+                  <a:rPr lang="en-US" sz="1300" dirty="0" smtClean="0"/>
+                  <a:t>Great Plains</a:t>
+                </a:r>
+                <a:endParaRPr lang="en-US" sz="1300" dirty="0"/>
+              </a:p>
+            </p:txBody>
+          </p:sp>
+        </p:grpSp>
+        <p:grpSp>
+          <p:nvGrpSpPr>
+            <p:cNvPr id="2075" name="Group 2074"/>
+            <p:cNvGrpSpPr/>
+            <p:nvPr/>
+          </p:nvGrpSpPr>
+          <p:grpSpPr>
+            <a:xfrm>
+              <a:off x="4564210" y="6856836"/>
+              <a:ext cx="4343400" cy="3418114"/>
+              <a:chOff x="4572000" y="6852441"/>
+              <a:chExt cx="4343400" cy="3418114"/>
+            </a:xfrm>
+          </p:grpSpPr>
+          <p:pic>
+            <p:nvPicPr>
+              <p:cNvPr id="2068" name="Picture 13"/>
+              <p:cNvPicPr>
+                <a:picLocks noChangeAspect="1" noChangeArrowheads="1"/>
+              </p:cNvPicPr>
+              <p:nvPr/>
+            </p:nvPicPr>
+            <p:blipFill>
+              <a:blip r:embed="rId8">
+                <a:extLst>
+                  <a:ext uri="{28A0092B-C50C-407E-A947-70E740481C1C}">
+                    <a14:useLocalDpi xmlns:a14="http://schemas.microsoft.com/office/drawing/2010/main" val="0"/>
+                  </a:ext>
+                </a:extLst>
+              </a:blip>
+              <a:srcRect/>
+              <a:stretch>
+                <a:fillRect/>
+              </a:stretch>
+            </p:blipFill>
+            <p:spPr bwMode="auto">
+              <a:xfrm>
+                <a:off x="5619133" y="6867999"/>
+                <a:ext cx="3276226" cy="3374136"/>
+              </a:xfrm>
+              <a:prstGeom prst="rect">
+                <a:avLst/>
+              </a:prstGeom>
+              <a:noFill/>
+              <a:ln>
+                <a:noFill/>
+              </a:ln>
+              <a:extLst>
+                <a:ext uri="{909E8E84-426E-40DD-AFC4-6F175D3DCCD1}">
+                  <a14:hiddenFill xmlns:a14="http://schemas.microsoft.com/office/drawing/2010/main">
+                    <a:solidFill>
+                      <a:schemeClr val="accent1"/>
+                    </a:solidFill>
+                  </a14:hiddenFill>
+                </a:ext>
+                <a:ext uri="{91240B29-F687-4F45-9708-019B960494DF}">
+                  <a14:hiddenLine xmlns:a14="http://schemas.microsoft.com/office/drawing/2010/main" w="9525">
+                    <a:solidFill>
+                      <a:schemeClr val="tx1"/>
+                    </a:solidFill>
+                    <a:miter lim="800000"/>
+                    <a:headEnd/>
+                    <a:tailEnd/>
+                  </a14:hiddenLine>
+                </a:ext>
+              </a:extLst>
+            </p:spPr>
+          </p:pic>
+          <p:sp>
+            <p:nvSpPr>
+              <p:cNvPr id="368" name="Rectangle 367"/>
+              <p:cNvSpPr/>
+              <p:nvPr/>
+            </p:nvSpPr>
+            <p:spPr>
+              <a:xfrm>
+                <a:off x="4572000" y="6852441"/>
+                <a:ext cx="4343400" cy="3418114"/>
+              </a:xfrm>
+              <a:prstGeom prst="rect">
+                <a:avLst/>
+              </a:prstGeom>
+              <a:noFill/>
+              <a:ln>
+                <a:solidFill>
+                  <a:schemeClr val="bg1">
+                    <a:lumMod val="50000"/>
+                  </a:schemeClr>
+                </a:solidFill>
+              </a:ln>
+            </p:spPr>
+            <p:style>
+              <a:lnRef idx="2">
+                <a:schemeClr val="accent1">
+                  <a:shade val="50000"/>
+                </a:schemeClr>
+              </a:lnRef>
+              <a:fillRef idx="1">
+                <a:schemeClr val="accent1"/>
+              </a:fillRef>
+              <a:effectRef idx="0">
+                <a:schemeClr val="accent1"/>
+              </a:effectRef>
+              <a:fontRef idx="minor">
+                <a:schemeClr val="lt1"/>
+              </a:fontRef>
+            </p:style>
+            <p:txBody>
+              <a:bodyPr rtlCol="0" anchor="ctr"/>
+              <a:lstStyle/>
+              <a:p>
+                <a:pPr algn="ctr"/>
+                <a:endParaRPr lang="en-US"/>
+              </a:p>
+            </p:txBody>
+          </p:sp>
+          <p:grpSp>
+            <p:nvGrpSpPr>
+              <p:cNvPr id="405" name="Group 404"/>
+              <p:cNvGrpSpPr>
+                <a:grpSpLocks noChangeAspect="1"/>
+              </p:cNvGrpSpPr>
+              <p:nvPr/>
+            </p:nvGrpSpPr>
+            <p:grpSpPr>
+              <a:xfrm>
+                <a:off x="4572000" y="9401875"/>
+                <a:ext cx="1325880" cy="868680"/>
+                <a:chOff x="1143000" y="1752600"/>
+                <a:chExt cx="4419600" cy="2895600"/>
+              </a:xfrm>
+            </p:grpSpPr>
+            <p:grpSp>
+              <p:nvGrpSpPr>
+                <p:cNvPr id="406" name="Group 405"/>
+                <p:cNvGrpSpPr/>
+                <p:nvPr/>
+              </p:nvGrpSpPr>
+              <p:grpSpPr>
+                <a:xfrm>
+                  <a:off x="1143000" y="1752600"/>
+                  <a:ext cx="4419600" cy="2895600"/>
+                  <a:chOff x="1143000" y="1752600"/>
+                  <a:chExt cx="4419600" cy="2895600"/>
+                </a:xfrm>
+              </p:grpSpPr>
+              <p:sp>
+                <p:nvSpPr>
+                  <p:cNvPr id="409" name="Rectangle 408"/>
+                  <p:cNvSpPr/>
+                  <p:nvPr/>
+                </p:nvSpPr>
+                <p:spPr>
+                  <a:xfrm>
+                    <a:off x="1143000" y="1752600"/>
+                    <a:ext cx="2209800" cy="1295400"/>
+                  </a:xfrm>
+                  <a:prstGeom prst="rect">
+                    <a:avLst/>
+                  </a:prstGeom>
+                  <a:solidFill>
+                    <a:schemeClr val="bg1">
+                      <a:lumMod val="95000"/>
+                    </a:schemeClr>
+                  </a:solidFill>
+                  <a:ln>
+                    <a:noFill/>
+                  </a:ln>
+                </p:spPr>
+                <p:style>
+                  <a:lnRef idx="2">
+                    <a:schemeClr val="accent1">
+                      <a:shade val="50000"/>
+                    </a:schemeClr>
+                  </a:lnRef>
+                  <a:fillRef idx="1">
+                    <a:schemeClr val="accent1"/>
+                  </a:fillRef>
+                  <a:effectRef idx="0">
+                    <a:schemeClr val="accent1"/>
+                  </a:effectRef>
+                  <a:fontRef idx="minor">
+                    <a:schemeClr val="lt1"/>
+                  </a:fontRef>
+                </p:style>
+                <p:txBody>
+                  <a:bodyPr rtlCol="0" anchor="ctr"/>
+                  <a:lstStyle/>
+                  <a:p>
+                    <a:pPr algn="ctr"/>
+                    <a:endParaRPr lang="en-US"/>
+                  </a:p>
+                </p:txBody>
+              </p:sp>
+              <p:pic>
+                <p:nvPicPr>
+                  <p:cNvPr id="410" name="Picture 4"/>
+                  <p:cNvPicPr>
+                    <a:picLocks noChangeAspect="1" noChangeArrowheads="1"/>
+                  </p:cNvPicPr>
+                  <p:nvPr/>
+                </p:nvPicPr>
+                <p:blipFill>
+                  <a:blip r:embed="rId3" cstate="print">
+                    <a:extLst>
+                      <a:ext uri="{28A0092B-C50C-407E-A947-70E740481C1C}">
+                        <a14:useLocalDpi xmlns:a14="http://schemas.microsoft.com/office/drawing/2010/main" val="0"/>
+                      </a:ext>
+                    </a:extLst>
+                  </a:blip>
+                  <a:srcRect/>
+                  <a:stretch>
+                    <a:fillRect/>
+                  </a:stretch>
+                </p:blipFill>
+                <p:spPr bwMode="auto">
+                  <a:xfrm>
+                    <a:off x="1326904" y="2001245"/>
+                    <a:ext cx="1828800" cy="798021"/>
+                  </a:xfrm>
+                  <a:prstGeom prst="rect">
+                    <a:avLst/>
+                  </a:prstGeom>
+                  <a:noFill/>
+                  <a:ln>
+                    <a:noFill/>
+                  </a:ln>
+                  <a:extLst>
+                    <a:ext uri="{909E8E84-426E-40DD-AFC4-6F175D3DCCD1}">
+                      <a14:hiddenFill xmlns:a14="http://schemas.microsoft.com/office/drawing/2010/main">
+                        <a:solidFill>
+                          <a:schemeClr val="accent1"/>
+                        </a:solidFill>
+                      </a14:hiddenFill>
+                    </a:ext>
+                    <a:ext uri="{91240B29-F687-4F45-9708-019B960494DF}">
+                      <a14:hiddenLine xmlns:a14="http://schemas.microsoft.com/office/drawing/2010/main" w="9525">
+                        <a:solidFill>
+                          <a:schemeClr val="tx1"/>
+                        </a:solidFill>
+                        <a:miter lim="800000"/>
+                        <a:headEnd/>
+                        <a:tailEnd/>
+                      </a14:hiddenLine>
+                    </a:ext>
+                  </a:extLst>
+                </p:spPr>
+              </p:pic>
+              <p:grpSp>
+                <p:nvGrpSpPr>
+                  <p:cNvPr id="411" name="Group 410"/>
+                  <p:cNvGrpSpPr/>
+                  <p:nvPr/>
+                </p:nvGrpSpPr>
+                <p:grpSpPr>
+                  <a:xfrm>
+                    <a:off x="3349752" y="1766597"/>
+                    <a:ext cx="2212848" cy="1267406"/>
+                    <a:chOff x="7772400" y="1447800"/>
+                    <a:chExt cx="2212848" cy="1267406"/>
+                  </a:xfrm>
+                </p:grpSpPr>
+                <p:pic>
+                  <p:nvPicPr>
+                    <p:cNvPr id="427" name="Picture 2"/>
+                    <p:cNvPicPr>
+                      <a:picLocks noChangeAspect="1" noChangeArrowheads="1"/>
+                    </p:cNvPicPr>
+                    <p:nvPr/>
+                  </p:nvPicPr>
+                  <p:blipFill>
+                    <a:blip r:embed="rId4" cstate="print">
+                      <a:extLst>
+                        <a:ext uri="{28A0092B-C50C-407E-A947-70E740481C1C}">
+                          <a14:useLocalDpi xmlns:a14="http://schemas.microsoft.com/office/drawing/2010/main" val="0"/>
+                        </a:ext>
+                      </a:extLst>
+                    </a:blip>
+                    <a:srcRect/>
+                    <a:stretch>
+                      <a:fillRect/>
+                    </a:stretch>
+                  </p:blipFill>
+                  <p:spPr bwMode="auto">
+                    <a:xfrm>
+                      <a:off x="7772400" y="1447801"/>
+                      <a:ext cx="2212848" cy="1267405"/>
+                    </a:xfrm>
+                    <a:prstGeom prst="rect">
+                      <a:avLst/>
+                    </a:prstGeom>
+                    <a:noFill/>
+                    <a:ln>
+                      <a:noFill/>
+                    </a:ln>
+                    <a:extLst>
+                      <a:ext uri="{909E8E84-426E-40DD-AFC4-6F175D3DCCD1}">
+                        <a14:hiddenFill xmlns:a14="http://schemas.microsoft.com/office/drawing/2010/main">
+                          <a:solidFill>
+                            <a:schemeClr val="accent1"/>
+                          </a:solidFill>
+                        </a14:hiddenFill>
+                      </a:ext>
+                      <a:ext uri="{91240B29-F687-4F45-9708-019B960494DF}">
+                        <a14:hiddenLine xmlns:a14="http://schemas.microsoft.com/office/drawing/2010/main" w="9525">
+                          <a:solidFill>
+                            <a:schemeClr val="tx1"/>
+                          </a:solidFill>
+                          <a:miter lim="800000"/>
+                          <a:headEnd/>
+                          <a:tailEnd/>
+                        </a14:hiddenLine>
+                      </a:ext>
+                    </a:extLst>
+                  </p:spPr>
+                </p:pic>
+                <p:sp>
+                  <p:nvSpPr>
+                    <p:cNvPr id="428" name="Rectangle 427"/>
+                    <p:cNvSpPr/>
+                    <p:nvPr/>
+                  </p:nvSpPr>
+                  <p:spPr>
+                    <a:xfrm>
+                      <a:off x="7772401" y="1447800"/>
+                      <a:ext cx="381000" cy="228600"/>
+                    </a:xfrm>
+                    <a:prstGeom prst="rect">
+                      <a:avLst/>
+                    </a:prstGeom>
+                    <a:solidFill>
+                      <a:schemeClr val="bg1"/>
+                    </a:solidFill>
+                    <a:ln>
+                      <a:noFill/>
+                    </a:ln>
+                  </p:spPr>
+                  <p:style>
+                    <a:lnRef idx="2">
+                      <a:schemeClr val="accent1">
+                        <a:shade val="50000"/>
+                      </a:schemeClr>
+                    </a:lnRef>
+                    <a:fillRef idx="1">
+                      <a:schemeClr val="accent1"/>
+                    </a:fillRef>
+                    <a:effectRef idx="0">
+                      <a:schemeClr val="accent1"/>
+                    </a:effectRef>
+                    <a:fontRef idx="minor">
+                      <a:schemeClr val="lt1"/>
+                    </a:fontRef>
+                  </p:style>
+                  <p:txBody>
+                    <a:bodyPr rtlCol="0" anchor="ctr"/>
+                    <a:lstStyle/>
+                    <a:p>
+                      <a:pPr algn="ctr"/>
+                      <a:endParaRPr lang="en-US"/>
+                    </a:p>
+                  </p:txBody>
+                </p:sp>
+              </p:grpSp>
+              <p:grpSp>
+                <p:nvGrpSpPr>
+                  <p:cNvPr id="412" name="Group 411"/>
+                  <p:cNvGrpSpPr>
+                    <a:grpSpLocks noChangeAspect="1"/>
+                  </p:cNvGrpSpPr>
+                  <p:nvPr/>
+                </p:nvGrpSpPr>
+                <p:grpSpPr>
+                  <a:xfrm>
+                    <a:off x="1395350" y="3337560"/>
+                    <a:ext cx="944979" cy="1005840"/>
+                    <a:chOff x="6282046" y="1523997"/>
+                    <a:chExt cx="2099954" cy="2235200"/>
+                  </a:xfrm>
+                </p:grpSpPr>
+                <p:pic>
+                  <p:nvPicPr>
+                    <p:cNvPr id="424" name="Picture 3"/>
+                    <p:cNvPicPr>
+                      <a:picLocks noChangeAspect="1" noChangeArrowheads="1"/>
+                    </p:cNvPicPr>
+                    <p:nvPr/>
+                  </p:nvPicPr>
+                  <p:blipFill rotWithShape="1">
+                    <a:blip r:embed="rId5" cstate="print">
+                      <a:extLst>
+                        <a:ext uri="{28A0092B-C50C-407E-A947-70E740481C1C}">
+                          <a14:useLocalDpi xmlns:a14="http://schemas.microsoft.com/office/drawing/2010/main" val="0"/>
+                        </a:ext>
+                      </a:extLst>
+                    </a:blip>
+                    <a:srcRect l="8207" b="4009"/>
+                    <a:stretch/>
+                  </p:blipFill>
+                  <p:spPr bwMode="auto">
+                    <a:xfrm>
+                      <a:off x="6282046" y="1555706"/>
+                      <a:ext cx="2080903" cy="2203491"/>
+                    </a:xfrm>
+                    <a:prstGeom prst="rect">
+                      <a:avLst/>
+                    </a:prstGeom>
+                    <a:noFill/>
+                    <a:ln>
+                      <a:noFill/>
+                    </a:ln>
+                    <a:extLst>
+                      <a:ext uri="{909E8E84-426E-40DD-AFC4-6F175D3DCCD1}">
+                        <a14:hiddenFill xmlns:a14="http://schemas.microsoft.com/office/drawing/2010/main">
+                          <a:solidFill>
+                            <a:schemeClr val="accent1"/>
+                          </a:solidFill>
+                        </a14:hiddenFill>
+                      </a:ext>
+                      <a:ext uri="{91240B29-F687-4F45-9708-019B960494DF}">
+                        <a14:hiddenLine xmlns:a14="http://schemas.microsoft.com/office/drawing/2010/main" w="9525">
+                          <a:solidFill>
+                            <a:schemeClr val="tx1"/>
+                          </a:solidFill>
+                          <a:miter lim="800000"/>
+                          <a:headEnd/>
+                          <a:tailEnd/>
+                        </a14:hiddenLine>
+                      </a:ext>
+                    </a:extLst>
+                  </p:spPr>
+                </p:pic>
+                <p:cxnSp>
+                  <p:nvCxnSpPr>
+                    <p:cNvPr id="425" name="Straight Connector 424"/>
+                    <p:cNvCxnSpPr/>
+                    <p:nvPr/>
+                  </p:nvCxnSpPr>
+                  <p:spPr>
+                    <a:xfrm>
+                      <a:off x="6282046" y="1523997"/>
+                      <a:ext cx="0" cy="2235200"/>
+                    </a:xfrm>
+                    <a:prstGeom prst="line">
+                      <a:avLst/>
+                    </a:prstGeom>
+                    <a:ln>
+                      <a:solidFill>
+                        <a:schemeClr val="bg1">
+                          <a:lumMod val="50000"/>
+                        </a:schemeClr>
+                      </a:solidFill>
+                    </a:ln>
+                  </p:spPr>
+                  <p:style>
+                    <a:lnRef idx="1">
+                      <a:schemeClr val="accent1"/>
+                    </a:lnRef>
+                    <a:fillRef idx="0">
+                      <a:schemeClr val="accent1"/>
+                    </a:fillRef>
+                    <a:effectRef idx="0">
+                      <a:schemeClr val="accent1"/>
+                    </a:effectRef>
+                    <a:fontRef idx="minor">
+                      <a:schemeClr val="tx1"/>
+                    </a:fontRef>
+                  </p:style>
+                </p:cxnSp>
+                <p:cxnSp>
+                  <p:nvCxnSpPr>
+                    <p:cNvPr id="426" name="Straight Connector 425"/>
+                    <p:cNvCxnSpPr/>
+                    <p:nvPr/>
+                  </p:nvCxnSpPr>
+                  <p:spPr>
+                    <a:xfrm flipH="1">
+                      <a:off x="6282046" y="3759197"/>
+                      <a:ext cx="2099954" cy="0"/>
+                    </a:xfrm>
+                    <a:prstGeom prst="line">
+                      <a:avLst/>
+                    </a:prstGeom>
+                    <a:ln>
+                      <a:solidFill>
+                        <a:schemeClr val="bg1">
+                          <a:lumMod val="50000"/>
+                        </a:schemeClr>
+                      </a:solidFill>
+                    </a:ln>
+                  </p:spPr>
+                  <p:style>
+                    <a:lnRef idx="1">
+                      <a:schemeClr val="accent1"/>
+                    </a:lnRef>
+                    <a:fillRef idx="0">
+                      <a:schemeClr val="accent1"/>
+                    </a:fillRef>
+                    <a:effectRef idx="0">
+                      <a:schemeClr val="accent1"/>
+                    </a:effectRef>
+                    <a:fontRef idx="minor">
+                      <a:schemeClr val="tx1"/>
+                    </a:fontRef>
+                  </p:style>
+                </p:cxnSp>
+              </p:grpSp>
+              <p:grpSp>
+                <p:nvGrpSpPr>
+                  <p:cNvPr id="413" name="Group 412"/>
+                  <p:cNvGrpSpPr/>
+                  <p:nvPr/>
+                </p:nvGrpSpPr>
+                <p:grpSpPr>
+                  <a:xfrm>
+                    <a:off x="2844685" y="3337560"/>
+                    <a:ext cx="944979" cy="1002422"/>
+                    <a:chOff x="6400800" y="4036216"/>
+                    <a:chExt cx="944979" cy="1002422"/>
+                  </a:xfrm>
+                </p:grpSpPr>
+                <p:pic>
+                  <p:nvPicPr>
+                    <p:cNvPr id="421" name="Picture 5"/>
+                    <p:cNvPicPr>
+                      <a:picLocks noChangeAspect="1" noChangeArrowheads="1"/>
+                    </p:cNvPicPr>
+                    <p:nvPr/>
+                  </p:nvPicPr>
+                  <p:blipFill>
+                    <a:blip r:embed="rId6" cstate="print">
+                      <a:extLst>
+                        <a:ext uri="{28A0092B-C50C-407E-A947-70E740481C1C}">
+                          <a14:useLocalDpi xmlns:a14="http://schemas.microsoft.com/office/drawing/2010/main" val="0"/>
+                        </a:ext>
+                      </a:extLst>
+                    </a:blip>
+                    <a:srcRect/>
+                    <a:stretch>
+                      <a:fillRect/>
+                    </a:stretch>
+                  </p:blipFill>
+                  <p:spPr bwMode="auto">
+                    <a:xfrm>
+                      <a:off x="6400800" y="4036216"/>
+                      <a:ext cx="932688" cy="1002422"/>
+                    </a:xfrm>
+                    <a:prstGeom prst="rect">
+                      <a:avLst/>
+                    </a:prstGeom>
+                    <a:noFill/>
+                    <a:ln>
+                      <a:noFill/>
+                    </a:ln>
+                    <a:extLst>
+                      <a:ext uri="{909E8E84-426E-40DD-AFC4-6F175D3DCCD1}">
+                        <a14:hiddenFill xmlns:a14="http://schemas.microsoft.com/office/drawing/2010/main">
+                          <a:solidFill>
+                            <a:schemeClr val="accent1"/>
+                          </a:solidFill>
+                        </a14:hiddenFill>
+                      </a:ext>
+                      <a:ext uri="{91240B29-F687-4F45-9708-019B960494DF}">
+                        <a14:hiddenLine xmlns:a14="http://schemas.microsoft.com/office/drawing/2010/main" w="9525">
+                          <a:solidFill>
+                            <a:schemeClr val="tx1"/>
+                          </a:solidFill>
+                          <a:miter lim="800000"/>
+                          <a:headEnd/>
+                          <a:tailEnd/>
+                        </a14:hiddenLine>
+                      </a:ext>
+                    </a:extLst>
+                  </p:spPr>
+                </p:pic>
+                <p:cxnSp>
+                  <p:nvCxnSpPr>
+                    <p:cNvPr id="422" name="Straight Connector 421"/>
+                    <p:cNvCxnSpPr/>
+                    <p:nvPr/>
+                  </p:nvCxnSpPr>
+                  <p:spPr>
+                    <a:xfrm>
+                      <a:off x="6400800" y="4036216"/>
+                      <a:ext cx="0" cy="1002422"/>
+                    </a:xfrm>
+                    <a:prstGeom prst="line">
+                      <a:avLst/>
+                    </a:prstGeom>
+                    <a:ln>
+                      <a:solidFill>
+                        <a:schemeClr val="bg1">
+                          <a:lumMod val="50000"/>
+                        </a:schemeClr>
+                      </a:solidFill>
+                    </a:ln>
+                  </p:spPr>
+                  <p:style>
+                    <a:lnRef idx="1">
+                      <a:schemeClr val="accent1"/>
+                    </a:lnRef>
+                    <a:fillRef idx="0">
+                      <a:schemeClr val="accent1"/>
+                    </a:fillRef>
+                    <a:effectRef idx="0">
+                      <a:schemeClr val="accent1"/>
+                    </a:effectRef>
+                    <a:fontRef idx="minor">
+                      <a:schemeClr val="tx1"/>
+                    </a:fontRef>
+                  </p:style>
+                </p:cxnSp>
+                <p:cxnSp>
+                  <p:nvCxnSpPr>
+                    <p:cNvPr id="423" name="Straight Connector 422"/>
+                    <p:cNvCxnSpPr/>
+                    <p:nvPr/>
+                  </p:nvCxnSpPr>
+                  <p:spPr>
+                    <a:xfrm flipH="1">
+                      <a:off x="6400800" y="5038638"/>
+                      <a:ext cx="944979" cy="0"/>
+                    </a:xfrm>
+                    <a:prstGeom prst="line">
+                      <a:avLst/>
+                    </a:prstGeom>
+                    <a:ln>
+                      <a:solidFill>
+                        <a:schemeClr val="bg1">
+                          <a:lumMod val="50000"/>
+                        </a:schemeClr>
+                      </a:solidFill>
+                    </a:ln>
+                  </p:spPr>
+                  <p:style>
+                    <a:lnRef idx="1">
+                      <a:schemeClr val="accent1"/>
+                    </a:lnRef>
+                    <a:fillRef idx="0">
+                      <a:schemeClr val="accent1"/>
+                    </a:fillRef>
+                    <a:effectRef idx="0">
+                      <a:schemeClr val="accent1"/>
+                    </a:effectRef>
+                    <a:fontRef idx="minor">
+                      <a:schemeClr val="tx1"/>
+                    </a:fontRef>
+                  </p:style>
+                </p:cxnSp>
+              </p:grpSp>
+              <p:grpSp>
+                <p:nvGrpSpPr>
+                  <p:cNvPr id="414" name="Group 413"/>
+                  <p:cNvGrpSpPr/>
+                  <p:nvPr/>
+                </p:nvGrpSpPr>
+                <p:grpSpPr>
+                  <a:xfrm>
+                    <a:off x="4290950" y="3337560"/>
+                    <a:ext cx="990600" cy="1002422"/>
+                    <a:chOff x="6400800" y="1173840"/>
+                    <a:chExt cx="990600" cy="1002422"/>
+                  </a:xfrm>
+                </p:grpSpPr>
+                <p:pic>
+                  <p:nvPicPr>
+                    <p:cNvPr id="418" name="Picture 6"/>
+                    <p:cNvPicPr>
+                      <a:picLocks noChangeAspect="1" noChangeArrowheads="1"/>
+                    </p:cNvPicPr>
+                    <p:nvPr/>
+                  </p:nvPicPr>
+                  <p:blipFill>
+                    <a:blip r:embed="rId7" cstate="print">
+                      <a:extLst>
+                        <a:ext uri="{28A0092B-C50C-407E-A947-70E740481C1C}">
+                          <a14:useLocalDpi xmlns:a14="http://schemas.microsoft.com/office/drawing/2010/main" val="0"/>
+                        </a:ext>
+                      </a:extLst>
+                    </a:blip>
+                    <a:srcRect/>
+                    <a:stretch>
+                      <a:fillRect/>
+                    </a:stretch>
+                  </p:blipFill>
+                  <p:spPr bwMode="auto">
+                    <a:xfrm>
+                      <a:off x="6458712" y="1289696"/>
+                      <a:ext cx="932688" cy="886566"/>
+                    </a:xfrm>
+                    <a:prstGeom prst="rect">
+                      <a:avLst/>
+                    </a:prstGeom>
+                    <a:noFill/>
+                    <a:ln>
+                      <a:noFill/>
+                    </a:ln>
+                    <a:extLst>
+                      <a:ext uri="{909E8E84-426E-40DD-AFC4-6F175D3DCCD1}">
+                        <a14:hiddenFill xmlns:a14="http://schemas.microsoft.com/office/drawing/2010/main">
+                          <a:solidFill>
+                            <a:schemeClr val="accent1"/>
+                          </a:solidFill>
+                        </a14:hiddenFill>
+                      </a:ext>
+                      <a:ext uri="{91240B29-F687-4F45-9708-019B960494DF}">
+                        <a14:hiddenLine xmlns:a14="http://schemas.microsoft.com/office/drawing/2010/main" w="9525">
+                          <a:solidFill>
+                            <a:schemeClr val="tx1"/>
+                          </a:solidFill>
+                          <a:miter lim="800000"/>
+                          <a:headEnd/>
+                          <a:tailEnd/>
+                        </a14:hiddenLine>
+                      </a:ext>
+                    </a:extLst>
+                  </p:spPr>
+                </p:pic>
+                <p:cxnSp>
+                  <p:nvCxnSpPr>
+                    <p:cNvPr id="419" name="Straight Connector 418"/>
+                    <p:cNvCxnSpPr/>
+                    <p:nvPr/>
+                  </p:nvCxnSpPr>
+                  <p:spPr>
+                    <a:xfrm>
+                      <a:off x="6400800" y="1173840"/>
+                      <a:ext cx="0" cy="1002422"/>
+                    </a:xfrm>
+                    <a:prstGeom prst="line">
+                      <a:avLst/>
+                    </a:prstGeom>
+                    <a:ln>
+                      <a:solidFill>
+                        <a:schemeClr val="bg1">
+                          <a:lumMod val="50000"/>
+                        </a:schemeClr>
+                      </a:solidFill>
+                    </a:ln>
+                  </p:spPr>
+                  <p:style>
+                    <a:lnRef idx="1">
+                      <a:schemeClr val="accent1"/>
+                    </a:lnRef>
+                    <a:fillRef idx="0">
+                      <a:schemeClr val="accent1"/>
+                    </a:fillRef>
+                    <a:effectRef idx="0">
+                      <a:schemeClr val="accent1"/>
+                    </a:effectRef>
+                    <a:fontRef idx="minor">
+                      <a:schemeClr val="tx1"/>
+                    </a:fontRef>
+                  </p:style>
+                </p:cxnSp>
+                <p:cxnSp>
+                  <p:nvCxnSpPr>
+                    <p:cNvPr id="420" name="Straight Connector 419"/>
+                    <p:cNvCxnSpPr/>
+                    <p:nvPr/>
+                  </p:nvCxnSpPr>
+                  <p:spPr>
+                    <a:xfrm flipH="1">
+                      <a:off x="6400800" y="2176262"/>
+                      <a:ext cx="944979" cy="0"/>
+                    </a:xfrm>
+                    <a:prstGeom prst="line">
+                      <a:avLst/>
+                    </a:prstGeom>
+                    <a:ln>
+                      <a:solidFill>
+                        <a:schemeClr val="bg1">
+                          <a:lumMod val="50000"/>
+                        </a:schemeClr>
+                      </a:solidFill>
+                    </a:ln>
+                  </p:spPr>
+                  <p:style>
+                    <a:lnRef idx="1">
+                      <a:schemeClr val="accent1"/>
+                    </a:lnRef>
+                    <a:fillRef idx="0">
+                      <a:schemeClr val="accent1"/>
+                    </a:fillRef>
+                    <a:effectRef idx="0">
+                      <a:schemeClr val="accent1"/>
+                    </a:effectRef>
+                    <a:fontRef idx="minor">
+                      <a:schemeClr val="tx1"/>
+                    </a:fontRef>
+                  </p:style>
+                </p:cxnSp>
+              </p:grpSp>
+              <p:cxnSp>
+                <p:nvCxnSpPr>
+                  <p:cNvPr id="415" name="Straight Connector 414"/>
+                  <p:cNvCxnSpPr/>
+                  <p:nvPr/>
+                </p:nvCxnSpPr>
+                <p:spPr>
+                  <a:xfrm>
+                    <a:off x="1143000" y="3048000"/>
+                    <a:ext cx="4419600" cy="0"/>
+                  </a:xfrm>
+                  <a:prstGeom prst="line">
+                    <a:avLst/>
+                  </a:prstGeom>
+                  <a:ln w="25400">
+                    <a:solidFill>
+                      <a:schemeClr val="accent2"/>
+                    </a:solidFill>
+                  </a:ln>
+                </p:spPr>
+                <p:style>
+                  <a:lnRef idx="1">
+                    <a:schemeClr val="accent1"/>
+                  </a:lnRef>
+                  <a:fillRef idx="0">
+                    <a:schemeClr val="accent1"/>
+                  </a:fillRef>
+                  <a:effectRef idx="0">
+                    <a:schemeClr val="accent1"/>
+                  </a:effectRef>
+                  <a:fontRef idx="minor">
+                    <a:schemeClr val="tx1"/>
+                  </a:fontRef>
+                </p:style>
+              </p:cxnSp>
+              <p:cxnSp>
+                <p:nvCxnSpPr>
+                  <p:cNvPr id="416" name="Straight Connector 415"/>
+                  <p:cNvCxnSpPr>
+                    <a:stCxn id="417" idx="0"/>
+                  </p:cNvCxnSpPr>
+                  <p:nvPr/>
+                </p:nvCxnSpPr>
+                <p:spPr>
+                  <a:xfrm>
+                    <a:off x="3352800" y="1752600"/>
+                    <a:ext cx="0" cy="1295400"/>
+                  </a:xfrm>
+                  <a:prstGeom prst="line">
+                    <a:avLst/>
+                  </a:prstGeom>
+                  <a:ln w="25400">
+                    <a:solidFill>
+                      <a:schemeClr val="accent2"/>
+                    </a:solidFill>
+                  </a:ln>
+                </p:spPr>
+                <p:style>
+                  <a:lnRef idx="1">
+                    <a:schemeClr val="accent1"/>
+                  </a:lnRef>
+                  <a:fillRef idx="0">
+                    <a:schemeClr val="accent1"/>
+                  </a:fillRef>
+                  <a:effectRef idx="0">
+                    <a:schemeClr val="accent1"/>
+                  </a:effectRef>
+                  <a:fontRef idx="minor">
+                    <a:schemeClr val="tx1"/>
+                  </a:fontRef>
+                </p:style>
+              </p:cxnSp>
+              <p:sp>
+                <p:nvSpPr>
+                  <p:cNvPr id="417" name="Rectangle 416"/>
+                  <p:cNvSpPr/>
+                  <p:nvPr/>
+                </p:nvSpPr>
+                <p:spPr>
+                  <a:xfrm>
+                    <a:off x="1143000" y="1752600"/>
+                    <a:ext cx="4419600" cy="2895600"/>
+                  </a:xfrm>
+                  <a:prstGeom prst="rect">
+                    <a:avLst/>
+                  </a:prstGeom>
+                  <a:noFill/>
+                  <a:ln>
+                    <a:solidFill>
+                      <a:schemeClr val="accent2"/>
+                    </a:solidFill>
+                  </a:ln>
+                </p:spPr>
+                <p:style>
+                  <a:lnRef idx="2">
+                    <a:schemeClr val="accent1">
+                      <a:shade val="50000"/>
+                    </a:schemeClr>
+                  </a:lnRef>
+                  <a:fillRef idx="1">
+                    <a:schemeClr val="accent1"/>
+                  </a:fillRef>
+                  <a:effectRef idx="0">
+                    <a:schemeClr val="accent1"/>
+                  </a:effectRef>
+                  <a:fontRef idx="minor">
+                    <a:schemeClr val="lt1"/>
+                  </a:fontRef>
+                </p:style>
+                <p:txBody>
+                  <a:bodyPr rtlCol="0" anchor="ctr"/>
+                  <a:lstStyle/>
+                  <a:p>
+                    <a:pPr algn="ctr"/>
+                    <a:endParaRPr lang="en-US"/>
+                  </a:p>
+                </p:txBody>
+              </p:sp>
+            </p:grpSp>
+            <p:sp>
+              <p:nvSpPr>
+                <p:cNvPr id="407" name="Rectangle 406"/>
+                <p:cNvSpPr/>
+                <p:nvPr/>
+              </p:nvSpPr>
+              <p:spPr>
+                <a:xfrm>
+                  <a:off x="4114800" y="3048000"/>
+                  <a:ext cx="1447800" cy="1600200"/>
+                </a:xfrm>
+                <a:prstGeom prst="rect">
+                  <a:avLst/>
+                </a:prstGeom>
+                <a:solidFill>
+                  <a:schemeClr val="tx1">
+                    <a:lumMod val="50000"/>
+                    <a:lumOff val="50000"/>
+                    <a:alpha val="45000"/>
+                  </a:schemeClr>
+                </a:solidFill>
+                <a:ln>
+                  <a:noFill/>
+                </a:ln>
+              </p:spPr>
+              <p:style>
+                <a:lnRef idx="2">
+                  <a:schemeClr val="accent1">
+                    <a:shade val="50000"/>
+                  </a:schemeClr>
+                </a:lnRef>
+                <a:fillRef idx="1">
+                  <a:schemeClr val="accent1"/>
+                </a:fillRef>
+                <a:effectRef idx="0">
+                  <a:schemeClr val="accent1"/>
+                </a:effectRef>
+                <a:fontRef idx="minor">
+                  <a:schemeClr val="lt1"/>
+                </a:fontRef>
+              </p:style>
+              <p:txBody>
+                <a:bodyPr rtlCol="0" anchor="ctr"/>
+                <a:lstStyle/>
+                <a:p>
+                  <a:pPr algn="ctr"/>
+                  <a:endParaRPr lang="en-US"/>
+                </a:p>
+              </p:txBody>
+            </p:sp>
+            <p:sp>
+              <p:nvSpPr>
+                <p:cNvPr id="408" name="Rectangle 407"/>
+                <p:cNvSpPr/>
+                <p:nvPr/>
+              </p:nvSpPr>
+              <p:spPr>
+                <a:xfrm>
+                  <a:off x="1143000" y="1752600"/>
+                  <a:ext cx="4419600" cy="1295400"/>
+                </a:xfrm>
+                <a:prstGeom prst="rect">
+                  <a:avLst/>
+                </a:prstGeom>
+                <a:solidFill>
+                  <a:schemeClr val="tx1">
+                    <a:lumMod val="50000"/>
+                    <a:lumOff val="50000"/>
+                    <a:alpha val="45000"/>
+                  </a:schemeClr>
+                </a:solidFill>
+                <a:ln>
+                  <a:noFill/>
+                </a:ln>
+              </p:spPr>
+              <p:style>
+                <a:lnRef idx="2">
+                  <a:schemeClr val="accent1">
+                    <a:shade val="50000"/>
+                  </a:schemeClr>
+                </a:lnRef>
+                <a:fillRef idx="1">
+                  <a:schemeClr val="accent1"/>
+                </a:fillRef>
+                <a:effectRef idx="0">
+                  <a:schemeClr val="accent1"/>
+                </a:effectRef>
+                <a:fontRef idx="minor">
+                  <a:schemeClr val="lt1"/>
+                </a:fontRef>
+              </p:style>
+              <p:txBody>
+                <a:bodyPr rtlCol="0" anchor="ctr"/>
+                <a:lstStyle/>
+                <a:p>
+                  <a:pPr algn="ctr"/>
+                  <a:endParaRPr lang="en-US"/>
+                </a:p>
+              </p:txBody>
+            </p:sp>
+          </p:grpSp>
+        </p:grpSp>
+        <p:grpSp>
+          <p:nvGrpSpPr>
+            <p:cNvPr id="31" name="Group 30"/>
+            <p:cNvGrpSpPr/>
+            <p:nvPr/>
+          </p:nvGrpSpPr>
+          <p:grpSpPr>
+            <a:xfrm>
+              <a:off x="227595" y="3436379"/>
+              <a:ext cx="4350959" cy="3419856"/>
+              <a:chOff x="227595" y="3341914"/>
+              <a:chExt cx="4350959" cy="3419856"/>
+            </a:xfrm>
+          </p:grpSpPr>
+          <p:pic>
+            <p:nvPicPr>
+              <p:cNvPr id="95" name="Picture 10"/>
+              <p:cNvPicPr>
+                <a:picLocks noChangeAspect="1" noChangeArrowheads="1"/>
+              </p:cNvPicPr>
+              <p:nvPr/>
+            </p:nvPicPr>
+            <p:blipFill>
+              <a:blip r:embed="rId9">
+                <a:extLst>
+                  <a:ext uri="{28A0092B-C50C-407E-A947-70E740481C1C}">
+                    <a14:useLocalDpi xmlns:a14="http://schemas.microsoft.com/office/drawing/2010/main" val="0"/>
+                  </a:ext>
+                </a:extLst>
+              </a:blip>
+              <a:srcRect/>
+              <a:stretch>
+                <a:fillRect/>
+              </a:stretch>
+            </p:blipFill>
+            <p:spPr bwMode="auto">
+              <a:xfrm>
+                <a:off x="1248675" y="3341914"/>
+                <a:ext cx="3304487" cy="3419856"/>
+              </a:xfrm>
+              <a:prstGeom prst="rect">
+                <a:avLst/>
+              </a:prstGeom>
+              <a:noFill/>
+              <a:ln>
+                <a:noFill/>
+              </a:ln>
+              <a:extLst>
+                <a:ext uri="{909E8E84-426E-40DD-AFC4-6F175D3DCCD1}">
+                  <a14:hiddenFill xmlns:a14="http://schemas.microsoft.com/office/drawing/2010/main">
+                    <a:solidFill>
+                      <a:schemeClr val="accent1"/>
+                    </a:solidFill>
+                  </a14:hiddenFill>
+                </a:ext>
+                <a:ext uri="{91240B29-F687-4F45-9708-019B960494DF}">
+                  <a14:hiddenLine xmlns:a14="http://schemas.microsoft.com/office/drawing/2010/main" w="9525">
+                    <a:solidFill>
+                      <a:schemeClr val="tx1"/>
+                    </a:solidFill>
+                    <a:miter lim="800000"/>
+                    <a:headEnd/>
+                    <a:tailEnd/>
+                  </a14:hiddenLine>
+                </a:ext>
+              </a:extLst>
+            </p:spPr>
+          </p:pic>
+          <p:sp>
+            <p:nvSpPr>
+              <p:cNvPr id="96" name="Rectangle 95"/>
+              <p:cNvSpPr/>
+              <p:nvPr/>
+            </p:nvSpPr>
+            <p:spPr>
+              <a:xfrm>
+                <a:off x="235154" y="3343656"/>
+                <a:ext cx="4343400" cy="3418114"/>
+              </a:xfrm>
+              <a:prstGeom prst="rect">
+                <a:avLst/>
+              </a:prstGeom>
+              <a:noFill/>
+              <a:ln>
+                <a:solidFill>
+                  <a:schemeClr val="bg1">
+                    <a:lumMod val="50000"/>
+                  </a:schemeClr>
+                </a:solidFill>
+              </a:ln>
+            </p:spPr>
+            <p:style>
+              <a:lnRef idx="2">
+                <a:schemeClr val="accent1">
+                  <a:shade val="50000"/>
+                </a:schemeClr>
+              </a:lnRef>
+              <a:fillRef idx="1">
+                <a:schemeClr val="accent1"/>
+              </a:fillRef>
+              <a:effectRef idx="0">
+                <a:schemeClr val="accent1"/>
+              </a:effectRef>
+              <a:fontRef idx="minor">
+                <a:schemeClr val="lt1"/>
+              </a:fontRef>
+            </p:style>
+            <p:txBody>
+              <a:bodyPr rtlCol="0" anchor="ctr"/>
+              <a:lstStyle/>
+              <a:p>
+                <a:pPr algn="ctr"/>
+                <a:endParaRPr lang="en-US"/>
+              </a:p>
+            </p:txBody>
+          </p:sp>
+          <p:grpSp>
+            <p:nvGrpSpPr>
+              <p:cNvPr id="97" name="Group 96"/>
+              <p:cNvGrpSpPr>
+                <a:grpSpLocks noChangeAspect="1"/>
+              </p:cNvGrpSpPr>
+              <p:nvPr/>
+            </p:nvGrpSpPr>
+            <p:grpSpPr>
+              <a:xfrm>
+                <a:off x="227595" y="5893090"/>
+                <a:ext cx="1333439" cy="868680"/>
+                <a:chOff x="1117803" y="1752600"/>
+                <a:chExt cx="4444797" cy="2895600"/>
+              </a:xfrm>
+            </p:grpSpPr>
+            <p:grpSp>
+              <p:nvGrpSpPr>
+                <p:cNvPr id="98" name="Group 97"/>
+                <p:cNvGrpSpPr/>
+                <p:nvPr/>
+              </p:nvGrpSpPr>
+              <p:grpSpPr>
+                <a:xfrm>
+                  <a:off x="1143000" y="1752600"/>
+                  <a:ext cx="4419600" cy="2895600"/>
+                  <a:chOff x="1143000" y="1752600"/>
+                  <a:chExt cx="4419600" cy="2895600"/>
+                </a:xfrm>
+              </p:grpSpPr>
+              <p:sp>
+                <p:nvSpPr>
+                  <p:cNvPr id="101" name="Rectangle 100"/>
+                  <p:cNvSpPr/>
+                  <p:nvPr/>
+                </p:nvSpPr>
+                <p:spPr>
+                  <a:xfrm>
+                    <a:off x="1143000" y="1752600"/>
+                    <a:ext cx="2209800" cy="1295400"/>
+                  </a:xfrm>
+                  <a:prstGeom prst="rect">
+                    <a:avLst/>
+                  </a:prstGeom>
+                  <a:solidFill>
+                    <a:schemeClr val="bg1">
+                      <a:lumMod val="95000"/>
+                    </a:schemeClr>
+                  </a:solidFill>
+                  <a:ln>
+                    <a:noFill/>
+                  </a:ln>
+                </p:spPr>
+                <p:style>
+                  <a:lnRef idx="2">
+                    <a:schemeClr val="accent1">
+                      <a:shade val="50000"/>
+                    </a:schemeClr>
+                  </a:lnRef>
+                  <a:fillRef idx="1">
+                    <a:schemeClr val="accent1"/>
+                  </a:fillRef>
+                  <a:effectRef idx="0">
+                    <a:schemeClr val="accent1"/>
+                  </a:effectRef>
+                  <a:fontRef idx="minor">
+                    <a:schemeClr val="lt1"/>
+                  </a:fontRef>
+                </p:style>
+                <p:txBody>
+                  <a:bodyPr rtlCol="0" anchor="ctr"/>
+                  <a:lstStyle/>
+                  <a:p>
+                    <a:pPr algn="ctr"/>
+                    <a:endParaRPr lang="en-US"/>
+                  </a:p>
+                </p:txBody>
+              </p:sp>
+              <p:pic>
+                <p:nvPicPr>
+                  <p:cNvPr id="102" name="Picture 4"/>
+                  <p:cNvPicPr>
+                    <a:picLocks noChangeAspect="1" noChangeArrowheads="1"/>
+                  </p:cNvPicPr>
+                  <p:nvPr/>
+                </p:nvPicPr>
+                <p:blipFill>
+                  <a:blip r:embed="rId3" cstate="print">
+                    <a:extLst>
+                      <a:ext uri="{28A0092B-C50C-407E-A947-70E740481C1C}">
+                        <a14:useLocalDpi xmlns:a14="http://schemas.microsoft.com/office/drawing/2010/main" val="0"/>
+                      </a:ext>
+                    </a:extLst>
+                  </a:blip>
+                  <a:srcRect/>
+                  <a:stretch>
+                    <a:fillRect/>
+                  </a:stretch>
+                </p:blipFill>
+                <p:spPr bwMode="auto">
+                  <a:xfrm>
+                    <a:off x="1326904" y="2001245"/>
+                    <a:ext cx="1828800" cy="798021"/>
+                  </a:xfrm>
+                  <a:prstGeom prst="rect">
+                    <a:avLst/>
+                  </a:prstGeom>
+                  <a:noFill/>
+                  <a:ln>
+                    <a:noFill/>
+                  </a:ln>
+                  <a:extLst>
+                    <a:ext uri="{909E8E84-426E-40DD-AFC4-6F175D3DCCD1}">
+                      <a14:hiddenFill xmlns:a14="http://schemas.microsoft.com/office/drawing/2010/main">
+                        <a:solidFill>
+                          <a:schemeClr val="accent1"/>
+                        </a:solidFill>
+                      </a14:hiddenFill>
+                    </a:ext>
+                    <a:ext uri="{91240B29-F687-4F45-9708-019B960494DF}">
+                      <a14:hiddenLine xmlns:a14="http://schemas.microsoft.com/office/drawing/2010/main" w="9525">
+                        <a:solidFill>
+                          <a:schemeClr val="tx1"/>
+                        </a:solidFill>
+                        <a:miter lim="800000"/>
+                        <a:headEnd/>
+                        <a:tailEnd/>
+                      </a14:hiddenLine>
+                    </a:ext>
+                  </a:extLst>
+                </p:spPr>
+              </p:pic>
+              <p:grpSp>
+                <p:nvGrpSpPr>
+                  <p:cNvPr id="103" name="Group 102"/>
+                  <p:cNvGrpSpPr/>
+                  <p:nvPr/>
+                </p:nvGrpSpPr>
+                <p:grpSpPr>
+                  <a:xfrm>
+                    <a:off x="3349752" y="1766597"/>
+                    <a:ext cx="2212848" cy="1267406"/>
+                    <a:chOff x="7772400" y="1447800"/>
+                    <a:chExt cx="2212848" cy="1267406"/>
+                  </a:xfrm>
+                </p:grpSpPr>
+                <p:pic>
+                  <p:nvPicPr>
+                    <p:cNvPr id="119" name="Picture 2"/>
+                    <p:cNvPicPr>
+                      <a:picLocks noChangeAspect="1" noChangeArrowheads="1"/>
+                    </p:cNvPicPr>
+                    <p:nvPr/>
+                  </p:nvPicPr>
+                  <p:blipFill>
+                    <a:blip r:embed="rId4" cstate="print">
+                      <a:extLst>
+                        <a:ext uri="{28A0092B-C50C-407E-A947-70E740481C1C}">
+                          <a14:useLocalDpi xmlns:a14="http://schemas.microsoft.com/office/drawing/2010/main" val="0"/>
+                        </a:ext>
+                      </a:extLst>
+                    </a:blip>
+                    <a:srcRect/>
+                    <a:stretch>
+                      <a:fillRect/>
+                    </a:stretch>
+                  </p:blipFill>
+                  <p:spPr bwMode="auto">
+                    <a:xfrm>
+                      <a:off x="7772400" y="1447801"/>
+                      <a:ext cx="2212848" cy="1267405"/>
+                    </a:xfrm>
+                    <a:prstGeom prst="rect">
+                      <a:avLst/>
+                    </a:prstGeom>
+                    <a:noFill/>
+                    <a:ln>
+                      <a:noFill/>
+                    </a:ln>
+                    <a:extLst>
+                      <a:ext uri="{909E8E84-426E-40DD-AFC4-6F175D3DCCD1}">
+                        <a14:hiddenFill xmlns:a14="http://schemas.microsoft.com/office/drawing/2010/main">
+                          <a:solidFill>
+                            <a:schemeClr val="accent1"/>
+                          </a:solidFill>
+                        </a14:hiddenFill>
+                      </a:ext>
+                      <a:ext uri="{91240B29-F687-4F45-9708-019B960494DF}">
+                        <a14:hiddenLine xmlns:a14="http://schemas.microsoft.com/office/drawing/2010/main" w="9525">
+                          <a:solidFill>
+                            <a:schemeClr val="tx1"/>
+                          </a:solidFill>
+                          <a:miter lim="800000"/>
+                          <a:headEnd/>
+                          <a:tailEnd/>
+                        </a14:hiddenLine>
+                      </a:ext>
+                    </a:extLst>
+                  </p:spPr>
+                </p:pic>
+                <p:sp>
+                  <p:nvSpPr>
+                    <p:cNvPr id="120" name="Rectangle 119"/>
+                    <p:cNvSpPr/>
+                    <p:nvPr/>
+                  </p:nvSpPr>
+                  <p:spPr>
+                    <a:xfrm>
+                      <a:off x="7772401" y="1447800"/>
+                      <a:ext cx="381000" cy="228600"/>
+                    </a:xfrm>
+                    <a:prstGeom prst="rect">
+                      <a:avLst/>
+                    </a:prstGeom>
+                    <a:solidFill>
+                      <a:schemeClr val="bg1"/>
+                    </a:solidFill>
+                    <a:ln>
+                      <a:noFill/>
+                    </a:ln>
+                  </p:spPr>
+                  <p:style>
+                    <a:lnRef idx="2">
+                      <a:schemeClr val="accent1">
+                        <a:shade val="50000"/>
+                      </a:schemeClr>
+                    </a:lnRef>
+                    <a:fillRef idx="1">
+                      <a:schemeClr val="accent1"/>
+                    </a:fillRef>
+                    <a:effectRef idx="0">
+                      <a:schemeClr val="accent1"/>
+                    </a:effectRef>
+                    <a:fontRef idx="minor">
+                      <a:schemeClr val="lt1"/>
+                    </a:fontRef>
+                  </p:style>
+                  <p:txBody>
+                    <a:bodyPr rtlCol="0" anchor="ctr"/>
+                    <a:lstStyle/>
+                    <a:p>
+                      <a:pPr algn="ctr"/>
+                      <a:endParaRPr lang="en-US"/>
+                    </a:p>
+                  </p:txBody>
+                </p:sp>
+              </p:grpSp>
+              <p:grpSp>
+                <p:nvGrpSpPr>
+                  <p:cNvPr id="104" name="Group 103"/>
+                  <p:cNvGrpSpPr>
+                    <a:grpSpLocks noChangeAspect="1"/>
+                  </p:cNvGrpSpPr>
+                  <p:nvPr/>
+                </p:nvGrpSpPr>
+                <p:grpSpPr>
+                  <a:xfrm>
+                    <a:off x="1395350" y="3337560"/>
+                    <a:ext cx="944979" cy="1005840"/>
+                    <a:chOff x="6282046" y="1523997"/>
+                    <a:chExt cx="2099954" cy="2235200"/>
+                  </a:xfrm>
+                </p:grpSpPr>
+                <p:pic>
+                  <p:nvPicPr>
+                    <p:cNvPr id="116" name="Picture 3"/>
+                    <p:cNvPicPr>
+                      <a:picLocks noChangeAspect="1" noChangeArrowheads="1"/>
+                    </p:cNvPicPr>
+                    <p:nvPr/>
+                  </p:nvPicPr>
+                  <p:blipFill rotWithShape="1">
+                    <a:blip r:embed="rId5" cstate="print">
+                      <a:extLst>
+                        <a:ext uri="{28A0092B-C50C-407E-A947-70E740481C1C}">
+                          <a14:useLocalDpi xmlns:a14="http://schemas.microsoft.com/office/drawing/2010/main" val="0"/>
+                        </a:ext>
+                      </a:extLst>
+                    </a:blip>
+                    <a:srcRect l="8207" b="4009"/>
+                    <a:stretch/>
+                  </p:blipFill>
+                  <p:spPr bwMode="auto">
+                    <a:xfrm>
+                      <a:off x="6282046" y="1555706"/>
+                      <a:ext cx="2080903" cy="2203491"/>
+                    </a:xfrm>
+                    <a:prstGeom prst="rect">
+                      <a:avLst/>
+                    </a:prstGeom>
+                    <a:noFill/>
+                    <a:ln>
+                      <a:noFill/>
+                    </a:ln>
+                    <a:extLst>
+                      <a:ext uri="{909E8E84-426E-40DD-AFC4-6F175D3DCCD1}">
+                        <a14:hiddenFill xmlns:a14="http://schemas.microsoft.com/office/drawing/2010/main">
+                          <a:solidFill>
+                            <a:schemeClr val="accent1"/>
+                          </a:solidFill>
+                        </a14:hiddenFill>
+                      </a:ext>
+                      <a:ext uri="{91240B29-F687-4F45-9708-019B960494DF}">
+                        <a14:hiddenLine xmlns:a14="http://schemas.microsoft.com/office/drawing/2010/main" w="9525">
+                          <a:solidFill>
+                            <a:schemeClr val="tx1"/>
+                          </a:solidFill>
+                          <a:miter lim="800000"/>
+                          <a:headEnd/>
+                          <a:tailEnd/>
+                        </a14:hiddenLine>
+                      </a:ext>
+                    </a:extLst>
+                  </p:spPr>
+                </p:pic>
+                <p:cxnSp>
+                  <p:nvCxnSpPr>
+                    <p:cNvPr id="117" name="Straight Connector 116"/>
+                    <p:cNvCxnSpPr/>
+                    <p:nvPr/>
+                  </p:nvCxnSpPr>
+                  <p:spPr>
+                    <a:xfrm>
+                      <a:off x="6282046" y="1523997"/>
+                      <a:ext cx="0" cy="2235200"/>
+                    </a:xfrm>
+                    <a:prstGeom prst="line">
+                      <a:avLst/>
+                    </a:prstGeom>
+                    <a:ln>
+                      <a:solidFill>
+                        <a:schemeClr val="bg1">
+                          <a:lumMod val="50000"/>
+                        </a:schemeClr>
+                      </a:solidFill>
+                    </a:ln>
+                  </p:spPr>
+                  <p:style>
+                    <a:lnRef idx="1">
+                      <a:schemeClr val="accent1"/>
+                    </a:lnRef>
+                    <a:fillRef idx="0">
+                      <a:schemeClr val="accent1"/>
+                    </a:fillRef>
+                    <a:effectRef idx="0">
+                      <a:schemeClr val="accent1"/>
+                    </a:effectRef>
+                    <a:fontRef idx="minor">
+                      <a:schemeClr val="tx1"/>
+                    </a:fontRef>
+                  </p:style>
+                </p:cxnSp>
+                <p:cxnSp>
+                  <p:nvCxnSpPr>
+                    <p:cNvPr id="118" name="Straight Connector 117"/>
+                    <p:cNvCxnSpPr/>
+                    <p:nvPr/>
+                  </p:nvCxnSpPr>
+                  <p:spPr>
+                    <a:xfrm flipH="1">
+                      <a:off x="6282046" y="3759197"/>
+                      <a:ext cx="2099954" cy="0"/>
+                    </a:xfrm>
+                    <a:prstGeom prst="line">
+                      <a:avLst/>
+                    </a:prstGeom>
+                    <a:ln>
+                      <a:solidFill>
+                        <a:schemeClr val="bg1">
+                          <a:lumMod val="50000"/>
+                        </a:schemeClr>
+                      </a:solidFill>
+                    </a:ln>
+                  </p:spPr>
+                  <p:style>
+                    <a:lnRef idx="1">
+                      <a:schemeClr val="accent1"/>
+                    </a:lnRef>
+                    <a:fillRef idx="0">
+                      <a:schemeClr val="accent1"/>
+                    </a:fillRef>
+                    <a:effectRef idx="0">
+                      <a:schemeClr val="accent1"/>
+                    </a:effectRef>
+                    <a:fontRef idx="minor">
+                      <a:schemeClr val="tx1"/>
+                    </a:fontRef>
+                  </p:style>
+                </p:cxnSp>
+              </p:grpSp>
+              <p:grpSp>
+                <p:nvGrpSpPr>
+                  <p:cNvPr id="105" name="Group 104"/>
+                  <p:cNvGrpSpPr/>
+                  <p:nvPr/>
+                </p:nvGrpSpPr>
+                <p:grpSpPr>
+                  <a:xfrm>
+                    <a:off x="2844685" y="3337560"/>
+                    <a:ext cx="944979" cy="1002422"/>
+                    <a:chOff x="6400800" y="4036216"/>
+                    <a:chExt cx="944979" cy="1002422"/>
+                  </a:xfrm>
+                </p:grpSpPr>
+                <p:pic>
+                  <p:nvPicPr>
+                    <p:cNvPr id="113" name="Picture 5"/>
+                    <p:cNvPicPr>
+                      <a:picLocks noChangeAspect="1" noChangeArrowheads="1"/>
+                    </p:cNvPicPr>
+                    <p:nvPr/>
+                  </p:nvPicPr>
+                  <p:blipFill>
+                    <a:blip r:embed="rId6" cstate="print">
+                      <a:extLst>
+                        <a:ext uri="{28A0092B-C50C-407E-A947-70E740481C1C}">
+                          <a14:useLocalDpi xmlns:a14="http://schemas.microsoft.com/office/drawing/2010/main" val="0"/>
+                        </a:ext>
+                      </a:extLst>
+                    </a:blip>
+                    <a:srcRect/>
+                    <a:stretch>
+                      <a:fillRect/>
+                    </a:stretch>
+                  </p:blipFill>
+                  <p:spPr bwMode="auto">
+                    <a:xfrm>
+                      <a:off x="6400800" y="4036216"/>
+                      <a:ext cx="932688" cy="1002422"/>
+                    </a:xfrm>
+                    <a:prstGeom prst="rect">
+                      <a:avLst/>
+                    </a:prstGeom>
+                    <a:noFill/>
+                    <a:ln>
+                      <a:noFill/>
+                    </a:ln>
+                    <a:extLst>
+                      <a:ext uri="{909E8E84-426E-40DD-AFC4-6F175D3DCCD1}">
+                        <a14:hiddenFill xmlns:a14="http://schemas.microsoft.com/office/drawing/2010/main">
+                          <a:solidFill>
+                            <a:schemeClr val="accent1"/>
+                          </a:solidFill>
+                        </a14:hiddenFill>
+                      </a:ext>
+                      <a:ext uri="{91240B29-F687-4F45-9708-019B960494DF}">
+                        <a14:hiddenLine xmlns:a14="http://schemas.microsoft.com/office/drawing/2010/main" w="9525">
+                          <a:solidFill>
+                            <a:schemeClr val="tx1"/>
+                          </a:solidFill>
+                          <a:miter lim="800000"/>
+                          <a:headEnd/>
+                          <a:tailEnd/>
+                        </a14:hiddenLine>
+                      </a:ext>
+                    </a:extLst>
+                  </p:spPr>
+                </p:pic>
+                <p:cxnSp>
+                  <p:nvCxnSpPr>
+                    <p:cNvPr id="114" name="Straight Connector 113"/>
+                    <p:cNvCxnSpPr/>
+                    <p:nvPr/>
+                  </p:nvCxnSpPr>
+                  <p:spPr>
+                    <a:xfrm>
+                      <a:off x="6400800" y="4036216"/>
+                      <a:ext cx="0" cy="1002422"/>
+                    </a:xfrm>
+                    <a:prstGeom prst="line">
+                      <a:avLst/>
+                    </a:prstGeom>
+                    <a:ln>
+                      <a:solidFill>
+                        <a:schemeClr val="bg1">
+                          <a:lumMod val="50000"/>
+                        </a:schemeClr>
+                      </a:solidFill>
+                    </a:ln>
+                  </p:spPr>
+                  <p:style>
+                    <a:lnRef idx="1">
+                      <a:schemeClr val="accent1"/>
+                    </a:lnRef>
+                    <a:fillRef idx="0">
+                      <a:schemeClr val="accent1"/>
+                    </a:fillRef>
+                    <a:effectRef idx="0">
+                      <a:schemeClr val="accent1"/>
+                    </a:effectRef>
+                    <a:fontRef idx="minor">
+                      <a:schemeClr val="tx1"/>
+                    </a:fontRef>
+                  </p:style>
+                </p:cxnSp>
+                <p:cxnSp>
+                  <p:nvCxnSpPr>
+                    <p:cNvPr id="115" name="Straight Connector 114"/>
+                    <p:cNvCxnSpPr/>
+                    <p:nvPr/>
+                  </p:nvCxnSpPr>
+                  <p:spPr>
+                    <a:xfrm flipH="1">
+                      <a:off x="6400800" y="5038638"/>
+                      <a:ext cx="944979" cy="0"/>
+                    </a:xfrm>
+                    <a:prstGeom prst="line">
+                      <a:avLst/>
+                    </a:prstGeom>
+                    <a:ln>
+                      <a:solidFill>
+                        <a:schemeClr val="bg1">
+                          <a:lumMod val="50000"/>
+                        </a:schemeClr>
+                      </a:solidFill>
+                    </a:ln>
+                  </p:spPr>
+                  <p:style>
+                    <a:lnRef idx="1">
+                      <a:schemeClr val="accent1"/>
+                    </a:lnRef>
+                    <a:fillRef idx="0">
+                      <a:schemeClr val="accent1"/>
+                    </a:fillRef>
+                    <a:effectRef idx="0">
+                      <a:schemeClr val="accent1"/>
+                    </a:effectRef>
+                    <a:fontRef idx="minor">
+                      <a:schemeClr val="tx1"/>
+                    </a:fontRef>
+                  </p:style>
+                </p:cxnSp>
+              </p:grpSp>
+              <p:grpSp>
+                <p:nvGrpSpPr>
+                  <p:cNvPr id="106" name="Group 105"/>
+                  <p:cNvGrpSpPr/>
+                  <p:nvPr/>
+                </p:nvGrpSpPr>
+                <p:grpSpPr>
+                  <a:xfrm>
+                    <a:off x="4290950" y="3337560"/>
+                    <a:ext cx="990600" cy="1002422"/>
+                    <a:chOff x="6400800" y="1173840"/>
+                    <a:chExt cx="990600" cy="1002422"/>
+                  </a:xfrm>
+                </p:grpSpPr>
+                <p:pic>
+                  <p:nvPicPr>
+                    <p:cNvPr id="110" name="Picture 6"/>
+                    <p:cNvPicPr>
+                      <a:picLocks noChangeAspect="1" noChangeArrowheads="1"/>
+                    </p:cNvPicPr>
+                    <p:nvPr/>
+                  </p:nvPicPr>
+                  <p:blipFill>
+                    <a:blip r:embed="rId7" cstate="print">
+                      <a:extLst>
+                        <a:ext uri="{28A0092B-C50C-407E-A947-70E740481C1C}">
+                          <a14:useLocalDpi xmlns:a14="http://schemas.microsoft.com/office/drawing/2010/main" val="0"/>
+                        </a:ext>
+                      </a:extLst>
+                    </a:blip>
+                    <a:srcRect/>
+                    <a:stretch>
+                      <a:fillRect/>
+                    </a:stretch>
+                  </p:blipFill>
+                  <p:spPr bwMode="auto">
+                    <a:xfrm>
+                      <a:off x="6458712" y="1289696"/>
+                      <a:ext cx="932688" cy="886566"/>
+                    </a:xfrm>
+                    <a:prstGeom prst="rect">
+                      <a:avLst/>
+                    </a:prstGeom>
+                    <a:noFill/>
+                    <a:ln>
+                      <a:noFill/>
+                    </a:ln>
+                    <a:extLst>
+                      <a:ext uri="{909E8E84-426E-40DD-AFC4-6F175D3DCCD1}">
+                        <a14:hiddenFill xmlns:a14="http://schemas.microsoft.com/office/drawing/2010/main">
+                          <a:solidFill>
+                            <a:schemeClr val="accent1"/>
+                          </a:solidFill>
+                        </a14:hiddenFill>
+                      </a:ext>
+                      <a:ext uri="{91240B29-F687-4F45-9708-019B960494DF}">
+                        <a14:hiddenLine xmlns:a14="http://schemas.microsoft.com/office/drawing/2010/main" w="9525">
+                          <a:solidFill>
+                            <a:schemeClr val="tx1"/>
+                          </a:solidFill>
+                          <a:miter lim="800000"/>
+                          <a:headEnd/>
+                          <a:tailEnd/>
+                        </a14:hiddenLine>
+                      </a:ext>
+                    </a:extLst>
+                  </p:spPr>
+                </p:pic>
+                <p:cxnSp>
+                  <p:nvCxnSpPr>
+                    <p:cNvPr id="111" name="Straight Connector 110"/>
+                    <p:cNvCxnSpPr/>
+                    <p:nvPr/>
+                  </p:nvCxnSpPr>
+                  <p:spPr>
+                    <a:xfrm>
+                      <a:off x="6400800" y="1173840"/>
+                      <a:ext cx="0" cy="1002422"/>
+                    </a:xfrm>
+                    <a:prstGeom prst="line">
+                      <a:avLst/>
+                    </a:prstGeom>
+                    <a:ln>
+                      <a:solidFill>
+                        <a:schemeClr val="bg1">
+                          <a:lumMod val="50000"/>
+                        </a:schemeClr>
+                      </a:solidFill>
+                    </a:ln>
+                  </p:spPr>
+                  <p:style>
+                    <a:lnRef idx="1">
+                      <a:schemeClr val="accent1"/>
+                    </a:lnRef>
+                    <a:fillRef idx="0">
+                      <a:schemeClr val="accent1"/>
+                    </a:fillRef>
+                    <a:effectRef idx="0">
+                      <a:schemeClr val="accent1"/>
+                    </a:effectRef>
+                    <a:fontRef idx="minor">
+                      <a:schemeClr val="tx1"/>
+                    </a:fontRef>
+                  </p:style>
+                </p:cxnSp>
+                <p:cxnSp>
+                  <p:nvCxnSpPr>
+                    <p:cNvPr id="112" name="Straight Connector 111"/>
+                    <p:cNvCxnSpPr/>
+                    <p:nvPr/>
+                  </p:nvCxnSpPr>
+                  <p:spPr>
+                    <a:xfrm flipH="1">
+                      <a:off x="6400800" y="2176262"/>
+                      <a:ext cx="944979" cy="0"/>
+                    </a:xfrm>
+                    <a:prstGeom prst="line">
+                      <a:avLst/>
+                    </a:prstGeom>
+                    <a:ln>
+                      <a:solidFill>
+                        <a:schemeClr val="bg1">
+                          <a:lumMod val="50000"/>
+                        </a:schemeClr>
+                      </a:solidFill>
+                    </a:ln>
+                  </p:spPr>
+                  <p:style>
+                    <a:lnRef idx="1">
+                      <a:schemeClr val="accent1"/>
+                    </a:lnRef>
+                    <a:fillRef idx="0">
+                      <a:schemeClr val="accent1"/>
+                    </a:fillRef>
+                    <a:effectRef idx="0">
+                      <a:schemeClr val="accent1"/>
+                    </a:effectRef>
+                    <a:fontRef idx="minor">
+                      <a:schemeClr val="tx1"/>
+                    </a:fontRef>
+                  </p:style>
+                </p:cxnSp>
+              </p:grpSp>
+              <p:cxnSp>
+                <p:nvCxnSpPr>
+                  <p:cNvPr id="107" name="Straight Connector 106"/>
+                  <p:cNvCxnSpPr/>
+                  <p:nvPr/>
+                </p:nvCxnSpPr>
+                <p:spPr>
+                  <a:xfrm>
+                    <a:off x="1143000" y="3048000"/>
+                    <a:ext cx="4419600" cy="0"/>
+                  </a:xfrm>
+                  <a:prstGeom prst="line">
+                    <a:avLst/>
+                  </a:prstGeom>
+                  <a:ln w="25400">
+                    <a:solidFill>
+                      <a:schemeClr val="accent2"/>
+                    </a:solidFill>
+                  </a:ln>
+                </p:spPr>
+                <p:style>
+                  <a:lnRef idx="1">
+                    <a:schemeClr val="accent1"/>
+                  </a:lnRef>
+                  <a:fillRef idx="0">
+                    <a:schemeClr val="accent1"/>
+                  </a:fillRef>
+                  <a:effectRef idx="0">
+                    <a:schemeClr val="accent1"/>
+                  </a:effectRef>
+                  <a:fontRef idx="minor">
+                    <a:schemeClr val="tx1"/>
+                  </a:fontRef>
+                </p:style>
+              </p:cxnSp>
+              <p:cxnSp>
+                <p:nvCxnSpPr>
+                  <p:cNvPr id="108" name="Straight Connector 107"/>
+                  <p:cNvCxnSpPr>
+                    <a:stCxn id="109" idx="0"/>
+                  </p:cNvCxnSpPr>
+                  <p:nvPr/>
+                </p:nvCxnSpPr>
+                <p:spPr>
+                  <a:xfrm>
+                    <a:off x="3352800" y="1752600"/>
+                    <a:ext cx="0" cy="1295400"/>
+                  </a:xfrm>
+                  <a:prstGeom prst="line">
+                    <a:avLst/>
+                  </a:prstGeom>
+                  <a:ln w="25400">
+                    <a:solidFill>
+                      <a:schemeClr val="accent2"/>
+                    </a:solidFill>
+                  </a:ln>
+                </p:spPr>
+                <p:style>
+                  <a:lnRef idx="1">
+                    <a:schemeClr val="accent1"/>
+                  </a:lnRef>
+                  <a:fillRef idx="0">
+                    <a:schemeClr val="accent1"/>
+                  </a:fillRef>
+                  <a:effectRef idx="0">
+                    <a:schemeClr val="accent1"/>
+                  </a:effectRef>
+                  <a:fontRef idx="minor">
+                    <a:schemeClr val="tx1"/>
+                  </a:fontRef>
+                </p:style>
+              </p:cxnSp>
+              <p:sp>
+                <p:nvSpPr>
+                  <p:cNvPr id="109" name="Rectangle 108"/>
+                  <p:cNvSpPr/>
+                  <p:nvPr/>
+                </p:nvSpPr>
+                <p:spPr>
+                  <a:xfrm>
+                    <a:off x="1143000" y="1752600"/>
+                    <a:ext cx="4419600" cy="2895600"/>
+                  </a:xfrm>
+                  <a:prstGeom prst="rect">
+                    <a:avLst/>
+                  </a:prstGeom>
+                  <a:noFill/>
+                  <a:ln>
+                    <a:solidFill>
+                      <a:schemeClr val="accent2"/>
+                    </a:solidFill>
+                  </a:ln>
+                </p:spPr>
+                <p:style>
+                  <a:lnRef idx="2">
+                    <a:schemeClr val="accent1">
+                      <a:shade val="50000"/>
+                    </a:schemeClr>
+                  </a:lnRef>
+                  <a:fillRef idx="1">
+                    <a:schemeClr val="accent1"/>
+                  </a:fillRef>
+                  <a:effectRef idx="0">
+                    <a:schemeClr val="accent1"/>
+                  </a:effectRef>
+                  <a:fontRef idx="minor">
+                    <a:schemeClr val="lt1"/>
+                  </a:fontRef>
+                </p:style>
+                <p:txBody>
+                  <a:bodyPr rtlCol="0" anchor="ctr"/>
+                  <a:lstStyle/>
+                  <a:p>
+                    <a:pPr algn="ctr"/>
+                    <a:endParaRPr lang="en-US"/>
+                  </a:p>
+                </p:txBody>
+              </p:sp>
+            </p:grpSp>
+            <p:sp>
+              <p:nvSpPr>
+                <p:cNvPr id="99" name="Rectangle 98"/>
+                <p:cNvSpPr/>
+                <p:nvPr/>
+              </p:nvSpPr>
+              <p:spPr>
+                <a:xfrm>
+                  <a:off x="1117803" y="3048000"/>
+                  <a:ext cx="2895600" cy="1600200"/>
+                </a:xfrm>
+                <a:prstGeom prst="rect">
+                  <a:avLst/>
+                </a:prstGeom>
+                <a:solidFill>
+                  <a:schemeClr val="tx1">
+                    <a:lumMod val="50000"/>
+                    <a:lumOff val="50000"/>
+                    <a:alpha val="45000"/>
+                  </a:schemeClr>
+                </a:solidFill>
+                <a:ln>
+                  <a:noFill/>
+                </a:ln>
+              </p:spPr>
+              <p:style>
+                <a:lnRef idx="2">
+                  <a:schemeClr val="accent1">
+                    <a:shade val="50000"/>
+                  </a:schemeClr>
+                </a:lnRef>
+                <a:fillRef idx="1">
+                  <a:schemeClr val="accent1"/>
+                </a:fillRef>
+                <a:effectRef idx="0">
+                  <a:schemeClr val="accent1"/>
+                </a:effectRef>
+                <a:fontRef idx="minor">
+                  <a:schemeClr val="lt1"/>
+                </a:fontRef>
+              </p:style>
+              <p:txBody>
+                <a:bodyPr rtlCol="0" anchor="ctr"/>
+                <a:lstStyle/>
+                <a:p>
+                  <a:pPr algn="ctr"/>
+                  <a:endParaRPr lang="en-US"/>
+                </a:p>
+              </p:txBody>
+            </p:sp>
+            <p:sp>
+              <p:nvSpPr>
+                <p:cNvPr id="100" name="Rectangle 99"/>
+                <p:cNvSpPr/>
+                <p:nvPr/>
+              </p:nvSpPr>
+              <p:spPr>
+                <a:xfrm>
+                  <a:off x="1143000" y="1752600"/>
+                  <a:ext cx="4419600" cy="1295400"/>
+                </a:xfrm>
+                <a:prstGeom prst="rect">
+                  <a:avLst/>
+                </a:prstGeom>
+                <a:solidFill>
+                  <a:schemeClr val="tx1">
+                    <a:lumMod val="50000"/>
+                    <a:lumOff val="50000"/>
+                    <a:alpha val="45000"/>
+                  </a:schemeClr>
+                </a:solidFill>
+                <a:ln>
+                  <a:noFill/>
+                </a:ln>
+              </p:spPr>
+              <p:style>
+                <a:lnRef idx="2">
+                  <a:schemeClr val="accent1">
+                    <a:shade val="50000"/>
+                  </a:schemeClr>
+                </a:lnRef>
+                <a:fillRef idx="1">
+                  <a:schemeClr val="accent1"/>
+                </a:fillRef>
+                <a:effectRef idx="0">
+                  <a:schemeClr val="accent1"/>
+                </a:effectRef>
+                <a:fontRef idx="minor">
+                  <a:schemeClr val="lt1"/>
+                </a:fontRef>
+              </p:style>
+              <p:txBody>
+                <a:bodyPr rtlCol="0" anchor="ctr"/>
+                <a:lstStyle/>
+                <a:p>
+                  <a:pPr algn="ctr"/>
+                  <a:endParaRPr lang="en-US"/>
+                </a:p>
+              </p:txBody>
+            </p:sp>
+          </p:grpSp>
+        </p:grpSp>
+        <p:sp>
+          <p:nvSpPr>
+            <p:cNvPr id="2059" name="Oval 2058"/>
+            <p:cNvSpPr/>
+            <p:nvPr/>
+          </p:nvSpPr>
+          <p:spPr>
+            <a:xfrm>
+              <a:off x="2403096" y="4089230"/>
+              <a:ext cx="274320" cy="274320"/>
+            </a:xfrm>
+            <a:prstGeom prst="ellipse">
+              <a:avLst/>
+            </a:prstGeom>
+            <a:noFill/>
+            <a:ln>
+              <a:solidFill>
+                <a:schemeClr val="accent2"/>
+              </a:solidFill>
+            </a:ln>
+          </p:spPr>
+          <p:style>
+            <a:lnRef idx="2">
+              <a:schemeClr val="accent1">
+                <a:shade val="50000"/>
+              </a:schemeClr>
+            </a:lnRef>
+            <a:fillRef idx="1">
+              <a:schemeClr val="accent1"/>
+            </a:fillRef>
+            <a:effectRef idx="0">
+              <a:schemeClr val="accent1"/>
+            </a:effectRef>
+            <a:fontRef idx="minor">
+              <a:schemeClr val="lt1"/>
+            </a:fontRef>
+          </p:style>
+          <p:txBody>
+            <a:bodyPr rtlCol="0" anchor="ctr"/>
+            <a:lstStyle/>
+            <a:p>
+              <a:pPr algn="ctr"/>
+              <a:endParaRPr lang="en-US"/>
+            </a:p>
+          </p:txBody>
+        </p:sp>
+        <p:sp>
+          <p:nvSpPr>
+            <p:cNvPr id="2060" name="TextBox 2059"/>
+            <p:cNvSpPr txBox="1"/>
+            <p:nvPr/>
+          </p:nvSpPr>
+          <p:spPr>
+            <a:xfrm>
+              <a:off x="2090444" y="3822412"/>
+              <a:ext cx="1166865" cy="292388"/>
+            </a:xfrm>
+            <a:prstGeom prst="rect">
+              <a:avLst/>
+            </a:prstGeom>
+            <a:noFill/>
+          </p:spPr>
+          <p:txBody>
+            <a:bodyPr wrap="square" rtlCol="0">
+              <a:spAutoFit/>
+            </a:bodyPr>
+            <a:lstStyle/>
+            <a:p>
+              <a:r>
+                <a:rPr lang="en-US" sz="1300" dirty="0" smtClean="0"/>
+                <a:t>Education</a:t>
+              </a:r>
+              <a:endParaRPr lang="en-US" sz="1300" dirty="0"/>
+            </a:p>
+          </p:txBody>
+        </p:sp>
+        <p:grpSp>
+          <p:nvGrpSpPr>
+            <p:cNvPr id="2074" name="Group 2073"/>
+            <p:cNvGrpSpPr/>
+            <p:nvPr/>
+          </p:nvGrpSpPr>
+          <p:grpSpPr>
+            <a:xfrm>
+              <a:off x="4564984" y="3419856"/>
+              <a:ext cx="4343400" cy="3436880"/>
+              <a:chOff x="4579498" y="3433631"/>
+              <a:chExt cx="4343400" cy="3436880"/>
+            </a:xfrm>
+          </p:grpSpPr>
+          <p:pic>
+            <p:nvPicPr>
+              <p:cNvPr id="2061" name="Picture 11"/>
+              <p:cNvPicPr>
+                <a:picLocks noChangeAspect="1" noChangeArrowheads="1"/>
+              </p:cNvPicPr>
+              <p:nvPr/>
+            </p:nvPicPr>
+            <p:blipFill>
+              <a:blip r:embed="rId10">
+                <a:extLst>
+                  <a:ext uri="{28A0092B-C50C-407E-A947-70E740481C1C}">
+                    <a14:useLocalDpi xmlns:a14="http://schemas.microsoft.com/office/drawing/2010/main" val="0"/>
+                  </a:ext>
+                </a:extLst>
+              </a:blip>
+              <a:srcRect/>
+              <a:stretch>
+                <a:fillRect/>
+              </a:stretch>
+            </p:blipFill>
+            <p:spPr bwMode="auto">
+              <a:xfrm>
+                <a:off x="5602217" y="3435914"/>
+                <a:ext cx="3300984" cy="3377044"/>
+              </a:xfrm>
+              <a:prstGeom prst="rect">
+                <a:avLst/>
+              </a:prstGeom>
+              <a:noFill/>
+              <a:ln>
+                <a:noFill/>
+              </a:ln>
+              <a:extLst>
+                <a:ext uri="{909E8E84-426E-40DD-AFC4-6F175D3DCCD1}">
+                  <a14:hiddenFill xmlns:a14="http://schemas.microsoft.com/office/drawing/2010/main">
+                    <a:solidFill>
+                      <a:schemeClr val="accent1"/>
+                    </a:solidFill>
+                  </a14:hiddenFill>
+                </a:ext>
+                <a:ext uri="{91240B29-F687-4F45-9708-019B960494DF}">
+                  <a14:hiddenLine xmlns:a14="http://schemas.microsoft.com/office/drawing/2010/main" w="9525">
+                    <a:solidFill>
+                      <a:schemeClr val="tx1"/>
+                    </a:solidFill>
+                    <a:miter lim="800000"/>
+                    <a:headEnd/>
+                    <a:tailEnd/>
+                  </a14:hiddenLine>
+                </a:ext>
+              </a:extLst>
+            </p:spPr>
+          </p:pic>
+          <p:sp>
+            <p:nvSpPr>
+              <p:cNvPr id="133" name="Rectangle 132"/>
+              <p:cNvSpPr/>
+              <p:nvPr/>
+            </p:nvSpPr>
+            <p:spPr>
+              <a:xfrm>
+                <a:off x="4579498" y="3433631"/>
+                <a:ext cx="4343400" cy="3436880"/>
+              </a:xfrm>
+              <a:prstGeom prst="rect">
+                <a:avLst/>
+              </a:prstGeom>
+              <a:noFill/>
+              <a:ln>
+                <a:solidFill>
+                  <a:schemeClr val="bg1">
+                    <a:lumMod val="50000"/>
+                  </a:schemeClr>
+                </a:solidFill>
+              </a:ln>
+            </p:spPr>
+            <p:style>
+              <a:lnRef idx="2">
+                <a:schemeClr val="accent1">
+                  <a:shade val="50000"/>
+                </a:schemeClr>
+              </a:lnRef>
+              <a:fillRef idx="1">
+                <a:schemeClr val="accent1"/>
+              </a:fillRef>
+              <a:effectRef idx="0">
+                <a:schemeClr val="accent1"/>
+              </a:effectRef>
+              <a:fontRef idx="minor">
+                <a:schemeClr val="lt1"/>
+              </a:fontRef>
+            </p:style>
+            <p:txBody>
+              <a:bodyPr rtlCol="0" anchor="ctr"/>
+              <a:lstStyle/>
+              <a:p>
+                <a:pPr algn="ctr"/>
+                <a:endParaRPr lang="en-US"/>
+              </a:p>
+            </p:txBody>
+          </p:sp>
+          <p:grpSp>
+            <p:nvGrpSpPr>
+              <p:cNvPr id="134" name="Group 133"/>
+              <p:cNvGrpSpPr>
+                <a:grpSpLocks noChangeAspect="1"/>
+              </p:cNvGrpSpPr>
+              <p:nvPr/>
+            </p:nvGrpSpPr>
+            <p:grpSpPr>
+              <a:xfrm>
+                <a:off x="4579498" y="6001831"/>
+                <a:ext cx="1325880" cy="868680"/>
+                <a:chOff x="1143000" y="1752600"/>
+                <a:chExt cx="4419600" cy="2895600"/>
+              </a:xfrm>
+            </p:grpSpPr>
+            <p:grpSp>
+              <p:nvGrpSpPr>
+                <p:cNvPr id="135" name="Group 134"/>
+                <p:cNvGrpSpPr/>
+                <p:nvPr/>
+              </p:nvGrpSpPr>
+              <p:grpSpPr>
+                <a:xfrm>
+                  <a:off x="1143000" y="1752600"/>
+                  <a:ext cx="4419600" cy="2895600"/>
+                  <a:chOff x="1143000" y="1752600"/>
+                  <a:chExt cx="4419600" cy="2895600"/>
+                </a:xfrm>
+              </p:grpSpPr>
+              <p:sp>
+                <p:nvSpPr>
+                  <p:cNvPr id="138" name="Rectangle 137"/>
+                  <p:cNvSpPr/>
+                  <p:nvPr/>
+                </p:nvSpPr>
+                <p:spPr>
+                  <a:xfrm>
+                    <a:off x="1143000" y="1752600"/>
+                    <a:ext cx="2209800" cy="1295400"/>
+                  </a:xfrm>
+                  <a:prstGeom prst="rect">
+                    <a:avLst/>
+                  </a:prstGeom>
+                  <a:solidFill>
+                    <a:schemeClr val="bg1">
+                      <a:lumMod val="95000"/>
+                    </a:schemeClr>
+                  </a:solidFill>
+                  <a:ln>
+                    <a:noFill/>
+                  </a:ln>
+                </p:spPr>
+                <p:style>
+                  <a:lnRef idx="2">
+                    <a:schemeClr val="accent1">
+                      <a:shade val="50000"/>
+                    </a:schemeClr>
+                  </a:lnRef>
+                  <a:fillRef idx="1">
+                    <a:schemeClr val="accent1"/>
+                  </a:fillRef>
+                  <a:effectRef idx="0">
+                    <a:schemeClr val="accent1"/>
+                  </a:effectRef>
+                  <a:fontRef idx="minor">
+                    <a:schemeClr val="lt1"/>
+                  </a:fontRef>
+                </p:style>
+                <p:txBody>
+                  <a:bodyPr rtlCol="0" anchor="ctr"/>
+                  <a:lstStyle/>
+                  <a:p>
+                    <a:pPr algn="ctr"/>
+                    <a:endParaRPr lang="en-US"/>
+                  </a:p>
+                </p:txBody>
+              </p:sp>
+              <p:pic>
+                <p:nvPicPr>
+                  <p:cNvPr id="139" name="Picture 4"/>
+                  <p:cNvPicPr>
+                    <a:picLocks noChangeAspect="1" noChangeArrowheads="1"/>
+                  </p:cNvPicPr>
+                  <p:nvPr/>
+                </p:nvPicPr>
+                <p:blipFill>
+                  <a:blip r:embed="rId3" cstate="print">
+                    <a:extLst>
+                      <a:ext uri="{28A0092B-C50C-407E-A947-70E740481C1C}">
+                        <a14:useLocalDpi xmlns:a14="http://schemas.microsoft.com/office/drawing/2010/main" val="0"/>
+                      </a:ext>
+                    </a:extLst>
+                  </a:blip>
+                  <a:srcRect/>
+                  <a:stretch>
+                    <a:fillRect/>
+                  </a:stretch>
+                </p:blipFill>
+                <p:spPr bwMode="auto">
+                  <a:xfrm>
+                    <a:off x="1326904" y="2001245"/>
+                    <a:ext cx="1828800" cy="798021"/>
+                  </a:xfrm>
+                  <a:prstGeom prst="rect">
+                    <a:avLst/>
+                  </a:prstGeom>
+                  <a:noFill/>
+                  <a:ln>
+                    <a:noFill/>
+                  </a:ln>
+                  <a:extLst>
+                    <a:ext uri="{909E8E84-426E-40DD-AFC4-6F175D3DCCD1}">
+                      <a14:hiddenFill xmlns:a14="http://schemas.microsoft.com/office/drawing/2010/main">
+                        <a:solidFill>
+                          <a:schemeClr val="accent1"/>
+                        </a:solidFill>
+                      </a14:hiddenFill>
+                    </a:ext>
+                    <a:ext uri="{91240B29-F687-4F45-9708-019B960494DF}">
+                      <a14:hiddenLine xmlns:a14="http://schemas.microsoft.com/office/drawing/2010/main" w="9525">
+                        <a:solidFill>
+                          <a:schemeClr val="tx1"/>
+                        </a:solidFill>
+                        <a:miter lim="800000"/>
+                        <a:headEnd/>
+                        <a:tailEnd/>
+                      </a14:hiddenLine>
+                    </a:ext>
+                  </a:extLst>
+                </p:spPr>
+              </p:pic>
+              <p:grpSp>
+                <p:nvGrpSpPr>
+                  <p:cNvPr id="140" name="Group 139"/>
+                  <p:cNvGrpSpPr/>
+                  <p:nvPr/>
+                </p:nvGrpSpPr>
+                <p:grpSpPr>
+                  <a:xfrm>
+                    <a:off x="3349752" y="1766597"/>
+                    <a:ext cx="2212848" cy="1267406"/>
+                    <a:chOff x="7772400" y="1447800"/>
+                    <a:chExt cx="2212848" cy="1267406"/>
+                  </a:xfrm>
+                </p:grpSpPr>
+                <p:pic>
+                  <p:nvPicPr>
+                    <p:cNvPr id="156" name="Picture 2"/>
+                    <p:cNvPicPr>
+                      <a:picLocks noChangeAspect="1" noChangeArrowheads="1"/>
+                    </p:cNvPicPr>
+                    <p:nvPr/>
+                  </p:nvPicPr>
+                  <p:blipFill>
+                    <a:blip r:embed="rId4" cstate="print">
+                      <a:extLst>
+                        <a:ext uri="{28A0092B-C50C-407E-A947-70E740481C1C}">
+                          <a14:useLocalDpi xmlns:a14="http://schemas.microsoft.com/office/drawing/2010/main" val="0"/>
+                        </a:ext>
+                      </a:extLst>
+                    </a:blip>
+                    <a:srcRect/>
+                    <a:stretch>
+                      <a:fillRect/>
+                    </a:stretch>
+                  </p:blipFill>
+                  <p:spPr bwMode="auto">
+                    <a:xfrm>
+                      <a:off x="7772400" y="1447801"/>
+                      <a:ext cx="2212848" cy="1267405"/>
+                    </a:xfrm>
+                    <a:prstGeom prst="rect">
+                      <a:avLst/>
+                    </a:prstGeom>
+                    <a:noFill/>
+                    <a:ln>
+                      <a:noFill/>
+                    </a:ln>
+                    <a:extLst>
+                      <a:ext uri="{909E8E84-426E-40DD-AFC4-6F175D3DCCD1}">
+                        <a14:hiddenFill xmlns:a14="http://schemas.microsoft.com/office/drawing/2010/main">
+                          <a:solidFill>
+                            <a:schemeClr val="accent1"/>
+                          </a:solidFill>
+                        </a14:hiddenFill>
+                      </a:ext>
+                      <a:ext uri="{91240B29-F687-4F45-9708-019B960494DF}">
+                        <a14:hiddenLine xmlns:a14="http://schemas.microsoft.com/office/drawing/2010/main" w="9525">
+                          <a:solidFill>
+                            <a:schemeClr val="tx1"/>
+                          </a:solidFill>
+                          <a:miter lim="800000"/>
+                          <a:headEnd/>
+                          <a:tailEnd/>
+                        </a14:hiddenLine>
+                      </a:ext>
+                    </a:extLst>
+                  </p:spPr>
+                </p:pic>
+                <p:sp>
+                  <p:nvSpPr>
+                    <p:cNvPr id="157" name="Rectangle 156"/>
+                    <p:cNvSpPr/>
+                    <p:nvPr/>
+                  </p:nvSpPr>
+                  <p:spPr>
+                    <a:xfrm>
+                      <a:off x="7772401" y="1447800"/>
+                      <a:ext cx="381000" cy="228600"/>
+                    </a:xfrm>
+                    <a:prstGeom prst="rect">
+                      <a:avLst/>
+                    </a:prstGeom>
+                    <a:solidFill>
+                      <a:schemeClr val="bg1"/>
+                    </a:solidFill>
+                    <a:ln>
+                      <a:noFill/>
+                    </a:ln>
+                  </p:spPr>
+                  <p:style>
+                    <a:lnRef idx="2">
+                      <a:schemeClr val="accent1">
+                        <a:shade val="50000"/>
+                      </a:schemeClr>
+                    </a:lnRef>
+                    <a:fillRef idx="1">
+                      <a:schemeClr val="accent1"/>
+                    </a:fillRef>
+                    <a:effectRef idx="0">
+                      <a:schemeClr val="accent1"/>
+                    </a:effectRef>
+                    <a:fontRef idx="minor">
+                      <a:schemeClr val="lt1"/>
+                    </a:fontRef>
+                  </p:style>
+                  <p:txBody>
+                    <a:bodyPr rtlCol="0" anchor="ctr"/>
+                    <a:lstStyle/>
+                    <a:p>
+                      <a:pPr algn="ctr"/>
+                      <a:endParaRPr lang="en-US"/>
+                    </a:p>
+                  </p:txBody>
+                </p:sp>
+              </p:grpSp>
+              <p:grpSp>
+                <p:nvGrpSpPr>
+                  <p:cNvPr id="141" name="Group 140"/>
+                  <p:cNvGrpSpPr>
+                    <a:grpSpLocks noChangeAspect="1"/>
+                  </p:cNvGrpSpPr>
+                  <p:nvPr/>
+                </p:nvGrpSpPr>
+                <p:grpSpPr>
+                  <a:xfrm>
+                    <a:off x="1395350" y="3337560"/>
+                    <a:ext cx="944979" cy="1005840"/>
+                    <a:chOff x="6282046" y="1523997"/>
+                    <a:chExt cx="2099954" cy="2235200"/>
+                  </a:xfrm>
+                </p:grpSpPr>
+                <p:pic>
+                  <p:nvPicPr>
+                    <p:cNvPr id="153" name="Picture 3"/>
+                    <p:cNvPicPr>
+                      <a:picLocks noChangeAspect="1" noChangeArrowheads="1"/>
+                    </p:cNvPicPr>
+                    <p:nvPr/>
+                  </p:nvPicPr>
+                  <p:blipFill rotWithShape="1">
+                    <a:blip r:embed="rId5" cstate="print">
+                      <a:extLst>
+                        <a:ext uri="{28A0092B-C50C-407E-A947-70E740481C1C}">
+                          <a14:useLocalDpi xmlns:a14="http://schemas.microsoft.com/office/drawing/2010/main" val="0"/>
+                        </a:ext>
+                      </a:extLst>
+                    </a:blip>
+                    <a:srcRect l="8207" b="4009"/>
+                    <a:stretch/>
+                  </p:blipFill>
+                  <p:spPr bwMode="auto">
+                    <a:xfrm>
+                      <a:off x="6282046" y="1555706"/>
+                      <a:ext cx="2080903" cy="2203491"/>
+                    </a:xfrm>
+                    <a:prstGeom prst="rect">
+                      <a:avLst/>
+                    </a:prstGeom>
+                    <a:noFill/>
+                    <a:ln>
+                      <a:noFill/>
+                    </a:ln>
+                    <a:extLst>
+                      <a:ext uri="{909E8E84-426E-40DD-AFC4-6F175D3DCCD1}">
+                        <a14:hiddenFill xmlns:a14="http://schemas.microsoft.com/office/drawing/2010/main">
+                          <a:solidFill>
+                            <a:schemeClr val="accent1"/>
+                          </a:solidFill>
+                        </a14:hiddenFill>
+                      </a:ext>
+                      <a:ext uri="{91240B29-F687-4F45-9708-019B960494DF}">
+                        <a14:hiddenLine xmlns:a14="http://schemas.microsoft.com/office/drawing/2010/main" w="9525">
+                          <a:solidFill>
+                            <a:schemeClr val="tx1"/>
+                          </a:solidFill>
+                          <a:miter lim="800000"/>
+                          <a:headEnd/>
+                          <a:tailEnd/>
+                        </a14:hiddenLine>
+                      </a:ext>
+                    </a:extLst>
+                  </p:spPr>
+                </p:pic>
+                <p:cxnSp>
+                  <p:nvCxnSpPr>
+                    <p:cNvPr id="154" name="Straight Connector 153"/>
+                    <p:cNvCxnSpPr/>
+                    <p:nvPr/>
+                  </p:nvCxnSpPr>
+                  <p:spPr>
+                    <a:xfrm>
+                      <a:off x="6282046" y="1523997"/>
+                      <a:ext cx="0" cy="2235200"/>
+                    </a:xfrm>
+                    <a:prstGeom prst="line">
+                      <a:avLst/>
+                    </a:prstGeom>
+                    <a:ln>
+                      <a:solidFill>
+                        <a:schemeClr val="bg1">
+                          <a:lumMod val="50000"/>
+                        </a:schemeClr>
+                      </a:solidFill>
+                    </a:ln>
+                  </p:spPr>
+                  <p:style>
+                    <a:lnRef idx="1">
+                      <a:schemeClr val="accent1"/>
+                    </a:lnRef>
+                    <a:fillRef idx="0">
+                      <a:schemeClr val="accent1"/>
+                    </a:fillRef>
+                    <a:effectRef idx="0">
+                      <a:schemeClr val="accent1"/>
+                    </a:effectRef>
+                    <a:fontRef idx="minor">
+                      <a:schemeClr val="tx1"/>
+                    </a:fontRef>
+                  </p:style>
+                </p:cxnSp>
+                <p:cxnSp>
+                  <p:nvCxnSpPr>
+                    <p:cNvPr id="155" name="Straight Connector 154"/>
+                    <p:cNvCxnSpPr/>
+                    <p:nvPr/>
+                  </p:nvCxnSpPr>
+                  <p:spPr>
+                    <a:xfrm flipH="1">
+                      <a:off x="6282046" y="3759197"/>
+                      <a:ext cx="2099954" cy="0"/>
+                    </a:xfrm>
+                    <a:prstGeom prst="line">
+                      <a:avLst/>
+                    </a:prstGeom>
+                    <a:ln>
+                      <a:solidFill>
+                        <a:schemeClr val="bg1">
+                          <a:lumMod val="50000"/>
+                        </a:schemeClr>
+                      </a:solidFill>
+                    </a:ln>
+                  </p:spPr>
+                  <p:style>
+                    <a:lnRef idx="1">
+                      <a:schemeClr val="accent1"/>
+                    </a:lnRef>
+                    <a:fillRef idx="0">
+                      <a:schemeClr val="accent1"/>
+                    </a:fillRef>
+                    <a:effectRef idx="0">
+                      <a:schemeClr val="accent1"/>
+                    </a:effectRef>
+                    <a:fontRef idx="minor">
+                      <a:schemeClr val="tx1"/>
+                    </a:fontRef>
+                  </p:style>
+                </p:cxnSp>
+              </p:grpSp>
+              <p:grpSp>
+                <p:nvGrpSpPr>
+                  <p:cNvPr id="142" name="Group 141"/>
+                  <p:cNvGrpSpPr/>
+                  <p:nvPr/>
+                </p:nvGrpSpPr>
+                <p:grpSpPr>
+                  <a:xfrm>
+                    <a:off x="2844685" y="3337560"/>
+                    <a:ext cx="944979" cy="1002422"/>
+                    <a:chOff x="6400800" y="4036216"/>
+                    <a:chExt cx="944979" cy="1002422"/>
+                  </a:xfrm>
+                </p:grpSpPr>
+                <p:pic>
+                  <p:nvPicPr>
+                    <p:cNvPr id="150" name="Picture 5"/>
+                    <p:cNvPicPr>
+                      <a:picLocks noChangeAspect="1" noChangeArrowheads="1"/>
+                    </p:cNvPicPr>
+                    <p:nvPr/>
+                  </p:nvPicPr>
+                  <p:blipFill>
+                    <a:blip r:embed="rId6" cstate="print">
+                      <a:extLst>
+                        <a:ext uri="{28A0092B-C50C-407E-A947-70E740481C1C}">
+                          <a14:useLocalDpi xmlns:a14="http://schemas.microsoft.com/office/drawing/2010/main" val="0"/>
+                        </a:ext>
+                      </a:extLst>
+                    </a:blip>
+                    <a:srcRect/>
+                    <a:stretch>
+                      <a:fillRect/>
+                    </a:stretch>
+                  </p:blipFill>
+                  <p:spPr bwMode="auto">
+                    <a:xfrm>
+                      <a:off x="6400800" y="4036216"/>
+                      <a:ext cx="932688" cy="1002422"/>
+                    </a:xfrm>
+                    <a:prstGeom prst="rect">
+                      <a:avLst/>
+                    </a:prstGeom>
+                    <a:noFill/>
+                    <a:ln>
+                      <a:noFill/>
+                    </a:ln>
+                    <a:extLst>
+                      <a:ext uri="{909E8E84-426E-40DD-AFC4-6F175D3DCCD1}">
+                        <a14:hiddenFill xmlns:a14="http://schemas.microsoft.com/office/drawing/2010/main">
+                          <a:solidFill>
+                            <a:schemeClr val="accent1"/>
+                          </a:solidFill>
+                        </a14:hiddenFill>
+                      </a:ext>
+                      <a:ext uri="{91240B29-F687-4F45-9708-019B960494DF}">
+                        <a14:hiddenLine xmlns:a14="http://schemas.microsoft.com/office/drawing/2010/main" w="9525">
+                          <a:solidFill>
+                            <a:schemeClr val="tx1"/>
+                          </a:solidFill>
+                          <a:miter lim="800000"/>
+                          <a:headEnd/>
+                          <a:tailEnd/>
+                        </a14:hiddenLine>
+                      </a:ext>
+                    </a:extLst>
+                  </p:spPr>
+                </p:pic>
+                <p:cxnSp>
+                  <p:nvCxnSpPr>
+                    <p:cNvPr id="151" name="Straight Connector 150"/>
+                    <p:cNvCxnSpPr/>
+                    <p:nvPr/>
+                  </p:nvCxnSpPr>
+                  <p:spPr>
+                    <a:xfrm>
+                      <a:off x="6400800" y="4036216"/>
+                      <a:ext cx="0" cy="1002422"/>
+                    </a:xfrm>
+                    <a:prstGeom prst="line">
+                      <a:avLst/>
+                    </a:prstGeom>
+                    <a:ln>
+                      <a:solidFill>
+                        <a:schemeClr val="bg1">
+                          <a:lumMod val="50000"/>
+                        </a:schemeClr>
+                      </a:solidFill>
+                    </a:ln>
+                  </p:spPr>
+                  <p:style>
+                    <a:lnRef idx="1">
+                      <a:schemeClr val="accent1"/>
+                    </a:lnRef>
+                    <a:fillRef idx="0">
+                      <a:schemeClr val="accent1"/>
+                    </a:fillRef>
+                    <a:effectRef idx="0">
+                      <a:schemeClr val="accent1"/>
+                    </a:effectRef>
+                    <a:fontRef idx="minor">
+                      <a:schemeClr val="tx1"/>
+                    </a:fontRef>
+                  </p:style>
+                </p:cxnSp>
+                <p:cxnSp>
+                  <p:nvCxnSpPr>
+                    <p:cNvPr id="152" name="Straight Connector 151"/>
+                    <p:cNvCxnSpPr/>
+                    <p:nvPr/>
+                  </p:nvCxnSpPr>
+                  <p:spPr>
+                    <a:xfrm flipH="1">
+                      <a:off x="6400800" y="5038638"/>
+                      <a:ext cx="944979" cy="0"/>
+                    </a:xfrm>
+                    <a:prstGeom prst="line">
+                      <a:avLst/>
+                    </a:prstGeom>
+                    <a:ln>
+                      <a:solidFill>
+                        <a:schemeClr val="bg1">
+                          <a:lumMod val="50000"/>
+                        </a:schemeClr>
+                      </a:solidFill>
+                    </a:ln>
+                  </p:spPr>
+                  <p:style>
+                    <a:lnRef idx="1">
+                      <a:schemeClr val="accent1"/>
+                    </a:lnRef>
+                    <a:fillRef idx="0">
+                      <a:schemeClr val="accent1"/>
+                    </a:fillRef>
+                    <a:effectRef idx="0">
+                      <a:schemeClr val="accent1"/>
+                    </a:effectRef>
+                    <a:fontRef idx="minor">
+                      <a:schemeClr val="tx1"/>
+                    </a:fontRef>
+                  </p:style>
+                </p:cxnSp>
+              </p:grpSp>
+              <p:grpSp>
+                <p:nvGrpSpPr>
+                  <p:cNvPr id="143" name="Group 142"/>
+                  <p:cNvGrpSpPr/>
+                  <p:nvPr/>
+                </p:nvGrpSpPr>
+                <p:grpSpPr>
+                  <a:xfrm>
+                    <a:off x="4290950" y="3337560"/>
+                    <a:ext cx="990600" cy="1002422"/>
+                    <a:chOff x="6400800" y="1173840"/>
+                    <a:chExt cx="990600" cy="1002422"/>
+                  </a:xfrm>
+                </p:grpSpPr>
+                <p:pic>
+                  <p:nvPicPr>
+                    <p:cNvPr id="147" name="Picture 6"/>
+                    <p:cNvPicPr>
+                      <a:picLocks noChangeAspect="1" noChangeArrowheads="1"/>
+                    </p:cNvPicPr>
+                    <p:nvPr/>
+                  </p:nvPicPr>
+                  <p:blipFill>
+                    <a:blip r:embed="rId7" cstate="print">
+                      <a:extLst>
+                        <a:ext uri="{28A0092B-C50C-407E-A947-70E740481C1C}">
+                          <a14:useLocalDpi xmlns:a14="http://schemas.microsoft.com/office/drawing/2010/main" val="0"/>
+                        </a:ext>
+                      </a:extLst>
+                    </a:blip>
+                    <a:srcRect/>
+                    <a:stretch>
+                      <a:fillRect/>
+                    </a:stretch>
+                  </p:blipFill>
+                  <p:spPr bwMode="auto">
+                    <a:xfrm>
+                      <a:off x="6458712" y="1289696"/>
+                      <a:ext cx="932688" cy="886566"/>
+                    </a:xfrm>
+                    <a:prstGeom prst="rect">
+                      <a:avLst/>
+                    </a:prstGeom>
+                    <a:noFill/>
+                    <a:ln>
+                      <a:noFill/>
+                    </a:ln>
+                    <a:extLst>
+                      <a:ext uri="{909E8E84-426E-40DD-AFC4-6F175D3DCCD1}">
+                        <a14:hiddenFill xmlns:a14="http://schemas.microsoft.com/office/drawing/2010/main">
+                          <a:solidFill>
+                            <a:schemeClr val="accent1"/>
+                          </a:solidFill>
+                        </a14:hiddenFill>
+                      </a:ext>
+                      <a:ext uri="{91240B29-F687-4F45-9708-019B960494DF}">
+                        <a14:hiddenLine xmlns:a14="http://schemas.microsoft.com/office/drawing/2010/main" w="9525">
+                          <a:solidFill>
+                            <a:schemeClr val="tx1"/>
+                          </a:solidFill>
+                          <a:miter lim="800000"/>
+                          <a:headEnd/>
+                          <a:tailEnd/>
+                        </a14:hiddenLine>
+                      </a:ext>
+                    </a:extLst>
+                  </p:spPr>
+                </p:pic>
+                <p:cxnSp>
+                  <p:nvCxnSpPr>
+                    <p:cNvPr id="148" name="Straight Connector 147"/>
+                    <p:cNvCxnSpPr/>
+                    <p:nvPr/>
+                  </p:nvCxnSpPr>
+                  <p:spPr>
+                    <a:xfrm>
+                      <a:off x="6400800" y="1173840"/>
+                      <a:ext cx="0" cy="1002422"/>
+                    </a:xfrm>
+                    <a:prstGeom prst="line">
+                      <a:avLst/>
+                    </a:prstGeom>
+                    <a:ln>
+                      <a:solidFill>
+                        <a:schemeClr val="bg1">
+                          <a:lumMod val="50000"/>
+                        </a:schemeClr>
+                      </a:solidFill>
+                    </a:ln>
+                  </p:spPr>
+                  <p:style>
+                    <a:lnRef idx="1">
+                      <a:schemeClr val="accent1"/>
+                    </a:lnRef>
+                    <a:fillRef idx="0">
+                      <a:schemeClr val="accent1"/>
+                    </a:fillRef>
+                    <a:effectRef idx="0">
+                      <a:schemeClr val="accent1"/>
+                    </a:effectRef>
+                    <a:fontRef idx="minor">
+                      <a:schemeClr val="tx1"/>
+                    </a:fontRef>
+                  </p:style>
+                </p:cxnSp>
+                <p:cxnSp>
+                  <p:nvCxnSpPr>
+                    <p:cNvPr id="149" name="Straight Connector 148"/>
+                    <p:cNvCxnSpPr/>
+                    <p:nvPr/>
+                  </p:nvCxnSpPr>
+                  <p:spPr>
+                    <a:xfrm flipH="1">
+                      <a:off x="6400800" y="2176262"/>
+                      <a:ext cx="944979" cy="0"/>
+                    </a:xfrm>
+                    <a:prstGeom prst="line">
+                      <a:avLst/>
+                    </a:prstGeom>
+                    <a:ln>
+                      <a:solidFill>
+                        <a:schemeClr val="bg1">
+                          <a:lumMod val="50000"/>
+                        </a:schemeClr>
+                      </a:solidFill>
+                    </a:ln>
+                  </p:spPr>
+                  <p:style>
+                    <a:lnRef idx="1">
+                      <a:schemeClr val="accent1"/>
+                    </a:lnRef>
+                    <a:fillRef idx="0">
+                      <a:schemeClr val="accent1"/>
+                    </a:fillRef>
+                    <a:effectRef idx="0">
+                      <a:schemeClr val="accent1"/>
+                    </a:effectRef>
+                    <a:fontRef idx="minor">
+                      <a:schemeClr val="tx1"/>
+                    </a:fontRef>
+                  </p:style>
+                </p:cxnSp>
+              </p:grpSp>
+              <p:cxnSp>
+                <p:nvCxnSpPr>
+                  <p:cNvPr id="144" name="Straight Connector 143"/>
+                  <p:cNvCxnSpPr/>
+                  <p:nvPr/>
+                </p:nvCxnSpPr>
+                <p:spPr>
+                  <a:xfrm>
+                    <a:off x="1143000" y="3048000"/>
+                    <a:ext cx="4419600" cy="0"/>
+                  </a:xfrm>
+                  <a:prstGeom prst="line">
+                    <a:avLst/>
+                  </a:prstGeom>
+                  <a:ln w="25400">
+                    <a:solidFill>
+                      <a:schemeClr val="accent2"/>
+                    </a:solidFill>
+                  </a:ln>
+                </p:spPr>
+                <p:style>
+                  <a:lnRef idx="1">
+                    <a:schemeClr val="accent1"/>
+                  </a:lnRef>
+                  <a:fillRef idx="0">
+                    <a:schemeClr val="accent1"/>
+                  </a:fillRef>
+                  <a:effectRef idx="0">
+                    <a:schemeClr val="accent1"/>
+                  </a:effectRef>
+                  <a:fontRef idx="minor">
+                    <a:schemeClr val="tx1"/>
+                  </a:fontRef>
+                </p:style>
+              </p:cxnSp>
+              <p:cxnSp>
+                <p:nvCxnSpPr>
+                  <p:cNvPr id="145" name="Straight Connector 144"/>
+                  <p:cNvCxnSpPr>
+                    <a:stCxn id="146" idx="0"/>
+                  </p:cNvCxnSpPr>
+                  <p:nvPr/>
+                </p:nvCxnSpPr>
+                <p:spPr>
+                  <a:xfrm>
+                    <a:off x="3352800" y="1752600"/>
+                    <a:ext cx="0" cy="1295400"/>
+                  </a:xfrm>
+                  <a:prstGeom prst="line">
+                    <a:avLst/>
+                  </a:prstGeom>
+                  <a:ln w="25400">
+                    <a:solidFill>
+                      <a:schemeClr val="accent2"/>
+                    </a:solidFill>
+                  </a:ln>
+                </p:spPr>
+                <p:style>
+                  <a:lnRef idx="1">
+                    <a:schemeClr val="accent1"/>
+                  </a:lnRef>
+                  <a:fillRef idx="0">
+                    <a:schemeClr val="accent1"/>
+                  </a:fillRef>
+                  <a:effectRef idx="0">
+                    <a:schemeClr val="accent1"/>
+                  </a:effectRef>
+                  <a:fontRef idx="minor">
+                    <a:schemeClr val="tx1"/>
+                  </a:fontRef>
+                </p:style>
+              </p:cxnSp>
+              <p:sp>
+                <p:nvSpPr>
+                  <p:cNvPr id="146" name="Rectangle 145"/>
+                  <p:cNvSpPr/>
+                  <p:nvPr/>
+                </p:nvSpPr>
+                <p:spPr>
+                  <a:xfrm>
+                    <a:off x="1143000" y="1752600"/>
+                    <a:ext cx="4419600" cy="2895600"/>
+                  </a:xfrm>
+                  <a:prstGeom prst="rect">
+                    <a:avLst/>
+                  </a:prstGeom>
+                  <a:noFill/>
+                  <a:ln>
+                    <a:solidFill>
+                      <a:schemeClr val="accent2"/>
+                    </a:solidFill>
+                  </a:ln>
+                </p:spPr>
+                <p:style>
+                  <a:lnRef idx="2">
+                    <a:schemeClr val="accent1">
+                      <a:shade val="50000"/>
+                    </a:schemeClr>
+                  </a:lnRef>
+                  <a:fillRef idx="1">
+                    <a:schemeClr val="accent1"/>
+                  </a:fillRef>
+                  <a:effectRef idx="0">
+                    <a:schemeClr val="accent1"/>
+                  </a:effectRef>
+                  <a:fontRef idx="minor">
+                    <a:schemeClr val="lt1"/>
+                  </a:fontRef>
+                </p:style>
+                <p:txBody>
+                  <a:bodyPr rtlCol="0" anchor="ctr"/>
+                  <a:lstStyle/>
+                  <a:p>
+                    <a:pPr algn="ctr"/>
+                    <a:endParaRPr lang="en-US"/>
+                  </a:p>
+                </p:txBody>
+              </p:sp>
+            </p:grpSp>
+            <p:sp>
+              <p:nvSpPr>
+                <p:cNvPr id="136" name="Rectangle 135"/>
+                <p:cNvSpPr/>
+                <p:nvPr/>
+              </p:nvSpPr>
+              <p:spPr>
+                <a:xfrm>
+                  <a:off x="4114800" y="3048000"/>
+                  <a:ext cx="1447800" cy="1600200"/>
+                </a:xfrm>
+                <a:prstGeom prst="rect">
+                  <a:avLst/>
+                </a:prstGeom>
+                <a:solidFill>
+                  <a:schemeClr val="tx1">
+                    <a:lumMod val="50000"/>
+                    <a:lumOff val="50000"/>
+                    <a:alpha val="45000"/>
+                  </a:schemeClr>
+                </a:solidFill>
+                <a:ln>
+                  <a:noFill/>
+                </a:ln>
+              </p:spPr>
+              <p:style>
+                <a:lnRef idx="2">
+                  <a:schemeClr val="accent1">
+                    <a:shade val="50000"/>
+                  </a:schemeClr>
+                </a:lnRef>
+                <a:fillRef idx="1">
+                  <a:schemeClr val="accent1"/>
+                </a:fillRef>
+                <a:effectRef idx="0">
+                  <a:schemeClr val="accent1"/>
+                </a:effectRef>
+                <a:fontRef idx="minor">
+                  <a:schemeClr val="lt1"/>
+                </a:fontRef>
+              </p:style>
+              <p:txBody>
+                <a:bodyPr rtlCol="0" anchor="ctr"/>
+                <a:lstStyle/>
+                <a:p>
+                  <a:pPr algn="ctr"/>
+                  <a:endParaRPr lang="en-US"/>
+                </a:p>
+              </p:txBody>
+            </p:sp>
+            <p:sp>
+              <p:nvSpPr>
+                <p:cNvPr id="137" name="Rectangle 136"/>
+                <p:cNvSpPr/>
+                <p:nvPr/>
+              </p:nvSpPr>
+              <p:spPr>
+                <a:xfrm>
+                  <a:off x="1143000" y="1752600"/>
+                  <a:ext cx="4419600" cy="1295400"/>
+                </a:xfrm>
+                <a:prstGeom prst="rect">
+                  <a:avLst/>
+                </a:prstGeom>
+                <a:solidFill>
+                  <a:schemeClr val="tx1">
+                    <a:lumMod val="50000"/>
+                    <a:lumOff val="50000"/>
+                    <a:alpha val="45000"/>
+                  </a:schemeClr>
+                </a:solidFill>
+                <a:ln>
+                  <a:noFill/>
+                </a:ln>
+              </p:spPr>
+              <p:style>
+                <a:lnRef idx="2">
+                  <a:schemeClr val="accent1">
+                    <a:shade val="50000"/>
+                  </a:schemeClr>
+                </a:lnRef>
+                <a:fillRef idx="1">
+                  <a:schemeClr val="accent1"/>
+                </a:fillRef>
+                <a:effectRef idx="0">
+                  <a:schemeClr val="accent1"/>
+                </a:effectRef>
+                <a:fontRef idx="minor">
+                  <a:schemeClr val="lt1"/>
+                </a:fontRef>
+              </p:style>
+              <p:txBody>
+                <a:bodyPr rtlCol="0" anchor="ctr"/>
+                <a:lstStyle/>
+                <a:p>
+                  <a:pPr algn="ctr"/>
+                  <a:endParaRPr lang="en-US"/>
+                </a:p>
+              </p:txBody>
+            </p:sp>
+          </p:grpSp>
+          <p:sp>
+            <p:nvSpPr>
+              <p:cNvPr id="158" name="Rectangle 157"/>
+              <p:cNvSpPr/>
+              <p:nvPr/>
+            </p:nvSpPr>
+            <p:spPr>
+              <a:xfrm>
+                <a:off x="4586235" y="6390451"/>
+                <a:ext cx="434340" cy="480060"/>
+              </a:xfrm>
+              <a:prstGeom prst="rect">
+                <a:avLst/>
+              </a:prstGeom>
+              <a:solidFill>
+                <a:schemeClr val="tx1">
+                  <a:lumMod val="50000"/>
+                  <a:lumOff val="50000"/>
+                  <a:alpha val="45000"/>
+                </a:schemeClr>
+              </a:solidFill>
+              <a:ln>
+                <a:noFill/>
+              </a:ln>
+            </p:spPr>
+            <p:style>
+              <a:lnRef idx="2">
+                <a:schemeClr val="accent1">
+                  <a:shade val="50000"/>
+                </a:schemeClr>
+              </a:lnRef>
+              <a:fillRef idx="1">
+                <a:schemeClr val="accent1"/>
+              </a:fillRef>
+              <a:effectRef idx="0">
+                <a:schemeClr val="accent1"/>
+              </a:effectRef>
+              <a:fontRef idx="minor">
+                <a:schemeClr val="lt1"/>
+              </a:fontRef>
+            </p:style>
+            <p:txBody>
+              <a:bodyPr rtlCol="0" anchor="ctr"/>
+              <a:lstStyle/>
+              <a:p>
+                <a:pPr algn="ctr"/>
+                <a:endParaRPr lang="en-US"/>
+              </a:p>
+            </p:txBody>
+          </p:sp>
+        </p:grpSp>
+        <p:sp>
+          <p:nvSpPr>
+            <p:cNvPr id="305" name="Oval 304"/>
+            <p:cNvSpPr/>
+            <p:nvPr/>
+          </p:nvSpPr>
+          <p:spPr>
+            <a:xfrm>
+              <a:off x="83942" y="6716490"/>
+              <a:ext cx="320040" cy="320040"/>
+            </a:xfrm>
+            <a:prstGeom prst="ellipse">
+              <a:avLst/>
+            </a:prstGeom>
+            <a:solidFill>
+              <a:schemeClr val="accent2"/>
+            </a:solidFill>
+            <a:ln>
+              <a:solidFill>
+                <a:schemeClr val="bg1"/>
+              </a:solidFill>
+            </a:ln>
+          </p:spPr>
+          <p:style>
+            <a:lnRef idx="2">
+              <a:schemeClr val="accent1">
+                <a:shade val="50000"/>
+              </a:schemeClr>
+            </a:lnRef>
+            <a:fillRef idx="1">
+              <a:schemeClr val="accent1"/>
+            </a:fillRef>
+            <a:effectRef idx="0">
+              <a:schemeClr val="accent1"/>
+            </a:effectRef>
+            <a:fontRef idx="minor">
+              <a:schemeClr val="lt1"/>
+            </a:fontRef>
+          </p:style>
+          <p:txBody>
+            <a:bodyPr rtlCol="0" anchor="ctr"/>
+            <a:lstStyle/>
+            <a:p>
+              <a:pPr algn="ctr"/>
+              <a:r>
+                <a:rPr lang="en-US" dirty="0"/>
+                <a:t>5</a:t>
+              </a:r>
+              <a:endParaRPr lang="en-US" dirty="0"/>
+            </a:p>
+          </p:txBody>
+        </p:sp>
+        <p:sp>
+          <p:nvSpPr>
+            <p:cNvPr id="366" name="Oval 365"/>
+            <p:cNvSpPr/>
+            <p:nvPr/>
+          </p:nvSpPr>
+          <p:spPr>
+            <a:xfrm>
+              <a:off x="4404482" y="6716490"/>
+              <a:ext cx="320040" cy="320040"/>
+            </a:xfrm>
+            <a:prstGeom prst="ellipse">
+              <a:avLst/>
+            </a:prstGeom>
+            <a:solidFill>
+              <a:schemeClr val="accent2"/>
+            </a:solidFill>
+            <a:ln>
+              <a:solidFill>
+                <a:schemeClr val="bg1"/>
+              </a:solidFill>
+            </a:ln>
+          </p:spPr>
+          <p:style>
+            <a:lnRef idx="2">
+              <a:schemeClr val="accent1">
+                <a:shade val="50000"/>
+              </a:schemeClr>
+            </a:lnRef>
+            <a:fillRef idx="1">
+              <a:schemeClr val="accent1"/>
+            </a:fillRef>
+            <a:effectRef idx="0">
+              <a:schemeClr val="accent1"/>
+            </a:effectRef>
+            <a:fontRef idx="minor">
+              <a:schemeClr val="lt1"/>
+            </a:fontRef>
+          </p:style>
+          <p:txBody>
+            <a:bodyPr rtlCol="0" anchor="ctr"/>
+            <a:lstStyle/>
+            <a:p>
+              <a:pPr algn="ctr"/>
+              <a:r>
+                <a:rPr lang="en-US" dirty="0" smtClean="0"/>
+                <a:t>6</a:t>
+              </a:r>
+              <a:endParaRPr lang="en-US" dirty="0"/>
+            </a:p>
+          </p:txBody>
+        </p:sp>
+        <p:grpSp>
+          <p:nvGrpSpPr>
+            <p:cNvPr id="2070" name="Group 2069"/>
+            <p:cNvGrpSpPr/>
+            <p:nvPr/>
+          </p:nvGrpSpPr>
+          <p:grpSpPr>
+            <a:xfrm>
+              <a:off x="228600" y="0"/>
+              <a:ext cx="4357635" cy="3435914"/>
+              <a:chOff x="228600" y="0"/>
+              <a:chExt cx="4357635" cy="3435914"/>
+            </a:xfrm>
+          </p:grpSpPr>
+          <p:pic>
+            <p:nvPicPr>
+              <p:cNvPr id="2056" name="Picture 8"/>
+              <p:cNvPicPr>
+                <a:picLocks noChangeAspect="1" noChangeArrowheads="1"/>
+              </p:cNvPicPr>
+              <p:nvPr/>
+            </p:nvPicPr>
+            <p:blipFill>
+              <a:blip r:embed="rId11">
+                <a:extLst>
+                  <a:ext uri="{28A0092B-C50C-407E-A947-70E740481C1C}">
+                    <a14:useLocalDpi xmlns:a14="http://schemas.microsoft.com/office/drawing/2010/main" val="0"/>
+                  </a:ext>
+                </a:extLst>
+              </a:blip>
+              <a:srcRect/>
+              <a:stretch>
+                <a:fillRect/>
+              </a:stretch>
+            </p:blipFill>
+            <p:spPr bwMode="auto">
+              <a:xfrm>
+                <a:off x="242835" y="0"/>
+                <a:ext cx="4343400" cy="2682288"/>
+              </a:xfrm>
+              <a:prstGeom prst="rect">
+                <a:avLst/>
+              </a:prstGeom>
+              <a:noFill/>
+              <a:ln>
+                <a:noFill/>
+              </a:ln>
+              <a:extLst>
+                <a:ext uri="{909E8E84-426E-40DD-AFC4-6F175D3DCCD1}">
+                  <a14:hiddenFill xmlns:a14="http://schemas.microsoft.com/office/drawing/2010/main">
+                    <a:solidFill>
+                      <a:schemeClr val="accent1"/>
+                    </a:solidFill>
+                  </a14:hiddenFill>
+                </a:ext>
+                <a:ext uri="{91240B29-F687-4F45-9708-019B960494DF}">
+                  <a14:hiddenLine xmlns:a14="http://schemas.microsoft.com/office/drawing/2010/main" w="9525">
+                    <a:solidFill>
+                      <a:schemeClr val="tx1"/>
+                    </a:solidFill>
+                    <a:miter lim="800000"/>
+                    <a:headEnd/>
+                    <a:tailEnd/>
+                  </a14:hiddenLine>
+                </a:ext>
+              </a:extLst>
+            </p:spPr>
+          </p:pic>
+          <p:sp>
+            <p:nvSpPr>
+              <p:cNvPr id="27" name="Rectangle 26"/>
+              <p:cNvSpPr/>
+              <p:nvPr/>
+            </p:nvSpPr>
+            <p:spPr>
+              <a:xfrm>
+                <a:off x="228600" y="15288"/>
+                <a:ext cx="4343400" cy="3418114"/>
+              </a:xfrm>
+              <a:prstGeom prst="rect">
+                <a:avLst/>
+              </a:prstGeom>
+              <a:noFill/>
+              <a:ln>
+                <a:solidFill>
+                  <a:schemeClr val="bg1">
+                    <a:lumMod val="50000"/>
+                  </a:schemeClr>
+                </a:solidFill>
+              </a:ln>
+            </p:spPr>
+            <p:style>
+              <a:lnRef idx="2">
+                <a:schemeClr val="accent1">
+                  <a:shade val="50000"/>
+                </a:schemeClr>
+              </a:lnRef>
+              <a:fillRef idx="1">
+                <a:schemeClr val="accent1"/>
+              </a:fillRef>
+              <a:effectRef idx="0">
+                <a:schemeClr val="accent1"/>
+              </a:effectRef>
+              <a:fontRef idx="minor">
+                <a:schemeClr val="lt1"/>
+              </a:fontRef>
+            </p:style>
+            <p:txBody>
+              <a:bodyPr rtlCol="0" anchor="ctr"/>
+              <a:lstStyle/>
+              <a:p>
+                <a:pPr algn="ctr"/>
+                <a:endParaRPr lang="en-US"/>
+              </a:p>
+            </p:txBody>
+          </p:sp>
+          <p:grpSp>
+            <p:nvGrpSpPr>
+              <p:cNvPr id="26" name="Group 25"/>
+              <p:cNvGrpSpPr>
+                <a:grpSpLocks noChangeAspect="1"/>
+              </p:cNvGrpSpPr>
+              <p:nvPr/>
+            </p:nvGrpSpPr>
+            <p:grpSpPr>
+              <a:xfrm>
+                <a:off x="228600" y="2567234"/>
+                <a:ext cx="1325880" cy="868680"/>
+                <a:chOff x="1143000" y="1752600"/>
+                <a:chExt cx="4419600" cy="2895600"/>
+              </a:xfrm>
+            </p:grpSpPr>
+            <p:grpSp>
+              <p:nvGrpSpPr>
+                <p:cNvPr id="22" name="Group 21"/>
+                <p:cNvGrpSpPr/>
+                <p:nvPr/>
+              </p:nvGrpSpPr>
+              <p:grpSpPr>
+                <a:xfrm>
+                  <a:off x="1143000" y="1752600"/>
+                  <a:ext cx="4419600" cy="2895600"/>
+                  <a:chOff x="1143000" y="1752600"/>
+                  <a:chExt cx="4419600" cy="2895600"/>
+                </a:xfrm>
+              </p:grpSpPr>
+              <p:sp>
+                <p:nvSpPr>
+                  <p:cNvPr id="10" name="Rectangle 9"/>
+                  <p:cNvSpPr/>
+                  <p:nvPr/>
+                </p:nvSpPr>
+                <p:spPr>
+                  <a:xfrm>
+                    <a:off x="1143000" y="1752600"/>
+                    <a:ext cx="2209800" cy="1295400"/>
+                  </a:xfrm>
+                  <a:prstGeom prst="rect">
+                    <a:avLst/>
+                  </a:prstGeom>
+                  <a:solidFill>
+                    <a:schemeClr val="bg1">
+                      <a:lumMod val="95000"/>
+                    </a:schemeClr>
+                  </a:solidFill>
+                  <a:ln>
+                    <a:noFill/>
+                  </a:ln>
+                </p:spPr>
+                <p:style>
+                  <a:lnRef idx="2">
+                    <a:schemeClr val="accent1">
+                      <a:shade val="50000"/>
+                    </a:schemeClr>
+                  </a:lnRef>
+                  <a:fillRef idx="1">
+                    <a:schemeClr val="accent1"/>
+                  </a:fillRef>
+                  <a:effectRef idx="0">
+                    <a:schemeClr val="accent1"/>
+                  </a:effectRef>
+                  <a:fontRef idx="minor">
+                    <a:schemeClr val="lt1"/>
+                  </a:fontRef>
+                </p:style>
+                <p:txBody>
+                  <a:bodyPr rtlCol="0" anchor="ctr"/>
+                  <a:lstStyle/>
+                  <a:p>
+                    <a:pPr algn="ctr"/>
+                    <a:endParaRPr lang="en-US"/>
+                  </a:p>
+                </p:txBody>
+              </p:sp>
+              <p:pic>
+                <p:nvPicPr>
+                  <p:cNvPr id="2052" name="Picture 4"/>
+                  <p:cNvPicPr>
+                    <a:picLocks noChangeAspect="1" noChangeArrowheads="1"/>
+                  </p:cNvPicPr>
+                  <p:nvPr/>
+                </p:nvPicPr>
+                <p:blipFill>
+                  <a:blip r:embed="rId3" cstate="print">
+                    <a:extLst>
+                      <a:ext uri="{28A0092B-C50C-407E-A947-70E740481C1C}">
+                        <a14:useLocalDpi xmlns:a14="http://schemas.microsoft.com/office/drawing/2010/main" val="0"/>
+                      </a:ext>
+                    </a:extLst>
+                  </a:blip>
+                  <a:srcRect/>
+                  <a:stretch>
+                    <a:fillRect/>
+                  </a:stretch>
+                </p:blipFill>
+                <p:spPr bwMode="auto">
+                  <a:xfrm>
+                    <a:off x="1326904" y="2001245"/>
+                    <a:ext cx="1828800" cy="798021"/>
+                  </a:xfrm>
+                  <a:prstGeom prst="rect">
+                    <a:avLst/>
+                  </a:prstGeom>
+                  <a:noFill/>
+                  <a:ln>
+                    <a:noFill/>
+                  </a:ln>
+                  <a:extLst>
+                    <a:ext uri="{909E8E84-426E-40DD-AFC4-6F175D3DCCD1}">
+                      <a14:hiddenFill xmlns:a14="http://schemas.microsoft.com/office/drawing/2010/main">
+                        <a:solidFill>
+                          <a:schemeClr val="accent1"/>
+                        </a:solidFill>
+                      </a14:hiddenFill>
+                    </a:ext>
+                    <a:ext uri="{91240B29-F687-4F45-9708-019B960494DF}">
+                      <a14:hiddenLine xmlns:a14="http://schemas.microsoft.com/office/drawing/2010/main" w="9525">
+                        <a:solidFill>
+                          <a:schemeClr val="tx1"/>
+                        </a:solidFill>
+                        <a:miter lim="800000"/>
+                        <a:headEnd/>
+                        <a:tailEnd/>
+                      </a14:hiddenLine>
+                    </a:ext>
+                  </a:extLst>
+                </p:spPr>
+              </p:pic>
+              <p:grpSp>
+                <p:nvGrpSpPr>
+                  <p:cNvPr id="12" name="Group 11"/>
+                  <p:cNvGrpSpPr/>
+                  <p:nvPr/>
+                </p:nvGrpSpPr>
+                <p:grpSpPr>
+                  <a:xfrm>
+                    <a:off x="3349752" y="1766597"/>
+                    <a:ext cx="2212848" cy="1267406"/>
+                    <a:chOff x="7772400" y="1447800"/>
+                    <a:chExt cx="2212848" cy="1267406"/>
+                  </a:xfrm>
+                </p:grpSpPr>
+                <p:pic>
+                  <p:nvPicPr>
+                    <p:cNvPr id="2050" name="Picture 2"/>
+                    <p:cNvPicPr>
+                      <a:picLocks noChangeAspect="1" noChangeArrowheads="1"/>
+                    </p:cNvPicPr>
+                    <p:nvPr/>
+                  </p:nvPicPr>
+                  <p:blipFill>
+                    <a:blip r:embed="rId4" cstate="print">
+                      <a:extLst>
+                        <a:ext uri="{28A0092B-C50C-407E-A947-70E740481C1C}">
+                          <a14:useLocalDpi xmlns:a14="http://schemas.microsoft.com/office/drawing/2010/main" val="0"/>
+                        </a:ext>
+                      </a:extLst>
+                    </a:blip>
+                    <a:srcRect/>
+                    <a:stretch>
+                      <a:fillRect/>
+                    </a:stretch>
+                  </p:blipFill>
+                  <p:spPr bwMode="auto">
+                    <a:xfrm>
+                      <a:off x="7772400" y="1447801"/>
+                      <a:ext cx="2212848" cy="1267405"/>
+                    </a:xfrm>
+                    <a:prstGeom prst="rect">
+                      <a:avLst/>
+                    </a:prstGeom>
+                    <a:noFill/>
+                    <a:ln>
+                      <a:noFill/>
+                    </a:ln>
+                    <a:extLst>
+                      <a:ext uri="{909E8E84-426E-40DD-AFC4-6F175D3DCCD1}">
+                        <a14:hiddenFill xmlns:a14="http://schemas.microsoft.com/office/drawing/2010/main">
+                          <a:solidFill>
+                            <a:schemeClr val="accent1"/>
+                          </a:solidFill>
+                        </a14:hiddenFill>
+                      </a:ext>
+                      <a:ext uri="{91240B29-F687-4F45-9708-019B960494DF}">
+                        <a14:hiddenLine xmlns:a14="http://schemas.microsoft.com/office/drawing/2010/main" w="9525">
+                          <a:solidFill>
+                            <a:schemeClr val="tx1"/>
+                          </a:solidFill>
+                          <a:miter lim="800000"/>
+                          <a:headEnd/>
+                          <a:tailEnd/>
+                        </a14:hiddenLine>
+                      </a:ext>
+                    </a:extLst>
+                  </p:spPr>
+                </p:pic>
+                <p:sp>
+                  <p:nvSpPr>
+                    <p:cNvPr id="11" name="Rectangle 10"/>
+                    <p:cNvSpPr/>
+                    <p:nvPr/>
+                  </p:nvSpPr>
+                  <p:spPr>
+                    <a:xfrm>
+                      <a:off x="7772401" y="1447800"/>
+                      <a:ext cx="381000" cy="228600"/>
+                    </a:xfrm>
+                    <a:prstGeom prst="rect">
+                      <a:avLst/>
+                    </a:prstGeom>
+                    <a:solidFill>
+                      <a:schemeClr val="bg1"/>
+                    </a:solidFill>
+                    <a:ln>
+                      <a:noFill/>
+                    </a:ln>
+                  </p:spPr>
+                  <p:style>
+                    <a:lnRef idx="2">
+                      <a:schemeClr val="accent1">
+                        <a:shade val="50000"/>
+                      </a:schemeClr>
+                    </a:lnRef>
+                    <a:fillRef idx="1">
+                      <a:schemeClr val="accent1"/>
+                    </a:fillRef>
+                    <a:effectRef idx="0">
+                      <a:schemeClr val="accent1"/>
+                    </a:effectRef>
+                    <a:fontRef idx="minor">
+                      <a:schemeClr val="lt1"/>
+                    </a:fontRef>
+                  </p:style>
+                  <p:txBody>
+                    <a:bodyPr rtlCol="0" anchor="ctr"/>
+                    <a:lstStyle/>
+                    <a:p>
+                      <a:pPr algn="ctr"/>
+                      <a:endParaRPr lang="en-US"/>
+                    </a:p>
+                  </p:txBody>
+                </p:sp>
+              </p:grpSp>
+              <p:grpSp>
+                <p:nvGrpSpPr>
+                  <p:cNvPr id="18" name="Group 17"/>
+                  <p:cNvGrpSpPr>
+                    <a:grpSpLocks noChangeAspect="1"/>
+                  </p:cNvGrpSpPr>
+                  <p:nvPr/>
+                </p:nvGrpSpPr>
+                <p:grpSpPr>
+                  <a:xfrm>
+                    <a:off x="1395350" y="3337560"/>
+                    <a:ext cx="944979" cy="1005840"/>
+                    <a:chOff x="6282046" y="1523997"/>
+                    <a:chExt cx="2099954" cy="2235200"/>
+                  </a:xfrm>
+                </p:grpSpPr>
+                <p:pic>
+                  <p:nvPicPr>
+                    <p:cNvPr id="2051" name="Picture 3"/>
+                    <p:cNvPicPr>
+                      <a:picLocks noChangeAspect="1" noChangeArrowheads="1"/>
+                    </p:cNvPicPr>
+                    <p:nvPr/>
+                  </p:nvPicPr>
+                  <p:blipFill rotWithShape="1">
+                    <a:blip r:embed="rId5" cstate="print">
+                      <a:extLst>
+                        <a:ext uri="{28A0092B-C50C-407E-A947-70E740481C1C}">
+                          <a14:useLocalDpi xmlns:a14="http://schemas.microsoft.com/office/drawing/2010/main" val="0"/>
+                        </a:ext>
+                      </a:extLst>
+                    </a:blip>
+                    <a:srcRect l="8207" b="4009"/>
+                    <a:stretch/>
+                  </p:blipFill>
+                  <p:spPr bwMode="auto">
+                    <a:xfrm>
+                      <a:off x="6282046" y="1555706"/>
+                      <a:ext cx="2080903" cy="2203491"/>
+                    </a:xfrm>
+                    <a:prstGeom prst="rect">
+                      <a:avLst/>
+                    </a:prstGeom>
+                    <a:noFill/>
+                    <a:ln>
+                      <a:noFill/>
+                    </a:ln>
+                    <a:extLst>
+                      <a:ext uri="{909E8E84-426E-40DD-AFC4-6F175D3DCCD1}">
+                        <a14:hiddenFill xmlns:a14="http://schemas.microsoft.com/office/drawing/2010/main">
+                          <a:solidFill>
+                            <a:schemeClr val="accent1"/>
+                          </a:solidFill>
+                        </a14:hiddenFill>
+                      </a:ext>
+                      <a:ext uri="{91240B29-F687-4F45-9708-019B960494DF}">
+                        <a14:hiddenLine xmlns:a14="http://schemas.microsoft.com/office/drawing/2010/main" w="9525">
+                          <a:solidFill>
+                            <a:schemeClr val="tx1"/>
+                          </a:solidFill>
+                          <a:miter lim="800000"/>
+                          <a:headEnd/>
+                          <a:tailEnd/>
+                        </a14:hiddenLine>
+                      </a:ext>
+                    </a:extLst>
+                  </p:spPr>
+                </p:pic>
+                <p:cxnSp>
+                  <p:nvCxnSpPr>
+                    <p:cNvPr id="14" name="Straight Connector 13"/>
+                    <p:cNvCxnSpPr/>
+                    <p:nvPr/>
+                  </p:nvCxnSpPr>
+                  <p:spPr>
+                    <a:xfrm>
+                      <a:off x="6282046" y="1523997"/>
+                      <a:ext cx="0" cy="2235200"/>
+                    </a:xfrm>
+                    <a:prstGeom prst="line">
+                      <a:avLst/>
+                    </a:prstGeom>
+                    <a:ln>
+                      <a:solidFill>
+                        <a:schemeClr val="bg1">
+                          <a:lumMod val="50000"/>
+                        </a:schemeClr>
+                      </a:solidFill>
+                    </a:ln>
+                  </p:spPr>
+                  <p:style>
+                    <a:lnRef idx="1">
+                      <a:schemeClr val="accent1"/>
+                    </a:lnRef>
+                    <a:fillRef idx="0">
+                      <a:schemeClr val="accent1"/>
+                    </a:fillRef>
+                    <a:effectRef idx="0">
+                      <a:schemeClr val="accent1"/>
+                    </a:effectRef>
+                    <a:fontRef idx="minor">
+                      <a:schemeClr val="tx1"/>
+                    </a:fontRef>
+                  </p:style>
+                </p:cxnSp>
+                <p:cxnSp>
+                  <p:nvCxnSpPr>
+                    <p:cNvPr id="17" name="Straight Connector 16"/>
+                    <p:cNvCxnSpPr/>
+                    <p:nvPr/>
+                  </p:nvCxnSpPr>
+                  <p:spPr>
+                    <a:xfrm flipH="1">
+                      <a:off x="6282046" y="3759197"/>
+                      <a:ext cx="2099954" cy="0"/>
+                    </a:xfrm>
+                    <a:prstGeom prst="line">
+                      <a:avLst/>
+                    </a:prstGeom>
+                    <a:ln>
+                      <a:solidFill>
+                        <a:schemeClr val="bg1">
+                          <a:lumMod val="50000"/>
+                        </a:schemeClr>
+                      </a:solidFill>
+                    </a:ln>
+                  </p:spPr>
+                  <p:style>
+                    <a:lnRef idx="1">
+                      <a:schemeClr val="accent1"/>
+                    </a:lnRef>
+                    <a:fillRef idx="0">
+                      <a:schemeClr val="accent1"/>
+                    </a:fillRef>
+                    <a:effectRef idx="0">
+                      <a:schemeClr val="accent1"/>
+                    </a:effectRef>
+                    <a:fontRef idx="minor">
+                      <a:schemeClr val="tx1"/>
+                    </a:fontRef>
+                  </p:style>
+                </p:cxnSp>
+              </p:grpSp>
+              <p:grpSp>
+                <p:nvGrpSpPr>
+                  <p:cNvPr id="20" name="Group 19"/>
+                  <p:cNvGrpSpPr/>
+                  <p:nvPr/>
+                </p:nvGrpSpPr>
+                <p:grpSpPr>
+                  <a:xfrm>
+                    <a:off x="2844685" y="3337560"/>
+                    <a:ext cx="944979" cy="1002422"/>
+                    <a:chOff x="6400800" y="4036216"/>
+                    <a:chExt cx="944979" cy="1002422"/>
+                  </a:xfrm>
+                </p:grpSpPr>
+                <p:pic>
+                  <p:nvPicPr>
+                    <p:cNvPr id="2053" name="Picture 5"/>
+                    <p:cNvPicPr>
+                      <a:picLocks noChangeAspect="1" noChangeArrowheads="1"/>
+                    </p:cNvPicPr>
+                    <p:nvPr/>
+                  </p:nvPicPr>
+                  <p:blipFill>
+                    <a:blip r:embed="rId6" cstate="print">
+                      <a:extLst>
+                        <a:ext uri="{28A0092B-C50C-407E-A947-70E740481C1C}">
+                          <a14:useLocalDpi xmlns:a14="http://schemas.microsoft.com/office/drawing/2010/main" val="0"/>
+                        </a:ext>
+                      </a:extLst>
+                    </a:blip>
+                    <a:srcRect/>
+                    <a:stretch>
+                      <a:fillRect/>
+                    </a:stretch>
+                  </p:blipFill>
+                  <p:spPr bwMode="auto">
+                    <a:xfrm>
+                      <a:off x="6400800" y="4036216"/>
+                      <a:ext cx="932688" cy="1002422"/>
+                    </a:xfrm>
+                    <a:prstGeom prst="rect">
+                      <a:avLst/>
+                    </a:prstGeom>
+                    <a:noFill/>
+                    <a:ln>
+                      <a:noFill/>
+                    </a:ln>
+                    <a:extLst>
+                      <a:ext uri="{909E8E84-426E-40DD-AFC4-6F175D3DCCD1}">
+                        <a14:hiddenFill xmlns:a14="http://schemas.microsoft.com/office/drawing/2010/main">
+                          <a:solidFill>
+                            <a:schemeClr val="accent1"/>
+                          </a:solidFill>
+                        </a14:hiddenFill>
+                      </a:ext>
+                      <a:ext uri="{91240B29-F687-4F45-9708-019B960494DF}">
+                        <a14:hiddenLine xmlns:a14="http://schemas.microsoft.com/office/drawing/2010/main" w="9525">
+                          <a:solidFill>
+                            <a:schemeClr val="tx1"/>
+                          </a:solidFill>
+                          <a:miter lim="800000"/>
+                          <a:headEnd/>
+                          <a:tailEnd/>
+                        </a14:hiddenLine>
+                      </a:ext>
+                    </a:extLst>
+                  </p:spPr>
+                </p:pic>
+                <p:cxnSp>
+                  <p:nvCxnSpPr>
+                    <p:cNvPr id="23" name="Straight Connector 22"/>
+                    <p:cNvCxnSpPr/>
+                    <p:nvPr/>
+                  </p:nvCxnSpPr>
+                  <p:spPr>
+                    <a:xfrm>
+                      <a:off x="6400800" y="4036216"/>
+                      <a:ext cx="0" cy="1002422"/>
+                    </a:xfrm>
+                    <a:prstGeom prst="line">
+                      <a:avLst/>
+                    </a:prstGeom>
+                    <a:ln>
+                      <a:solidFill>
+                        <a:schemeClr val="bg1">
+                          <a:lumMod val="50000"/>
+                        </a:schemeClr>
+                      </a:solidFill>
+                    </a:ln>
+                  </p:spPr>
+                  <p:style>
+                    <a:lnRef idx="1">
+                      <a:schemeClr val="accent1"/>
+                    </a:lnRef>
+                    <a:fillRef idx="0">
+                      <a:schemeClr val="accent1"/>
+                    </a:fillRef>
+                    <a:effectRef idx="0">
+                      <a:schemeClr val="accent1"/>
+                    </a:effectRef>
+                    <a:fontRef idx="minor">
+                      <a:schemeClr val="tx1"/>
+                    </a:fontRef>
+                  </p:style>
+                </p:cxnSp>
+                <p:cxnSp>
+                  <p:nvCxnSpPr>
+                    <p:cNvPr id="24" name="Straight Connector 23"/>
+                    <p:cNvCxnSpPr/>
+                    <p:nvPr/>
+                  </p:nvCxnSpPr>
+                  <p:spPr>
+                    <a:xfrm flipH="1">
+                      <a:off x="6400800" y="5038638"/>
+                      <a:ext cx="944979" cy="0"/>
+                    </a:xfrm>
+                    <a:prstGeom prst="line">
+                      <a:avLst/>
+                    </a:prstGeom>
+                    <a:ln>
+                      <a:solidFill>
+                        <a:schemeClr val="bg1">
+                          <a:lumMod val="50000"/>
+                        </a:schemeClr>
+                      </a:solidFill>
+                    </a:ln>
+                  </p:spPr>
+                  <p:style>
+                    <a:lnRef idx="1">
+                      <a:schemeClr val="accent1"/>
+                    </a:lnRef>
+                    <a:fillRef idx="0">
+                      <a:schemeClr val="accent1"/>
+                    </a:fillRef>
+                    <a:effectRef idx="0">
+                      <a:schemeClr val="accent1"/>
+                    </a:effectRef>
+                    <a:fontRef idx="minor">
+                      <a:schemeClr val="tx1"/>
+                    </a:fontRef>
+                  </p:style>
+                </p:cxnSp>
+              </p:grpSp>
+              <p:grpSp>
+                <p:nvGrpSpPr>
+                  <p:cNvPr id="21" name="Group 20"/>
+                  <p:cNvGrpSpPr/>
+                  <p:nvPr/>
+                </p:nvGrpSpPr>
+                <p:grpSpPr>
+                  <a:xfrm>
+                    <a:off x="4290950" y="3337560"/>
+                    <a:ext cx="990600" cy="1002422"/>
+                    <a:chOff x="6400800" y="1173840"/>
+                    <a:chExt cx="990600" cy="1002422"/>
+                  </a:xfrm>
+                </p:grpSpPr>
+                <p:pic>
+                  <p:nvPicPr>
+                    <p:cNvPr id="2054" name="Picture 6"/>
+                    <p:cNvPicPr>
+                      <a:picLocks noChangeAspect="1" noChangeArrowheads="1"/>
+                    </p:cNvPicPr>
+                    <p:nvPr/>
+                  </p:nvPicPr>
+                  <p:blipFill>
+                    <a:blip r:embed="rId7" cstate="print">
+                      <a:extLst>
+                        <a:ext uri="{28A0092B-C50C-407E-A947-70E740481C1C}">
+                          <a14:useLocalDpi xmlns:a14="http://schemas.microsoft.com/office/drawing/2010/main" val="0"/>
+                        </a:ext>
+                      </a:extLst>
+                    </a:blip>
+                    <a:srcRect/>
+                    <a:stretch>
+                      <a:fillRect/>
+                    </a:stretch>
+                  </p:blipFill>
+                  <p:spPr bwMode="auto">
+                    <a:xfrm>
+                      <a:off x="6458712" y="1289696"/>
+                      <a:ext cx="932688" cy="886566"/>
+                    </a:xfrm>
+                    <a:prstGeom prst="rect">
+                      <a:avLst/>
+                    </a:prstGeom>
+                    <a:noFill/>
+                    <a:ln>
+                      <a:noFill/>
+                    </a:ln>
+                    <a:extLst>
+                      <a:ext uri="{909E8E84-426E-40DD-AFC4-6F175D3DCCD1}">
+                        <a14:hiddenFill xmlns:a14="http://schemas.microsoft.com/office/drawing/2010/main">
+                          <a:solidFill>
+                            <a:schemeClr val="accent1"/>
+                          </a:solidFill>
+                        </a14:hiddenFill>
+                      </a:ext>
+                      <a:ext uri="{91240B29-F687-4F45-9708-019B960494DF}">
+                        <a14:hiddenLine xmlns:a14="http://schemas.microsoft.com/office/drawing/2010/main" w="9525">
+                          <a:solidFill>
+                            <a:schemeClr val="tx1"/>
+                          </a:solidFill>
+                          <a:miter lim="800000"/>
+                          <a:headEnd/>
+                          <a:tailEnd/>
+                        </a14:hiddenLine>
+                      </a:ext>
+                    </a:extLst>
+                  </p:spPr>
+                </p:pic>
+                <p:cxnSp>
+                  <p:nvCxnSpPr>
+                    <p:cNvPr id="28" name="Straight Connector 27"/>
+                    <p:cNvCxnSpPr/>
+                    <p:nvPr/>
+                  </p:nvCxnSpPr>
+                  <p:spPr>
+                    <a:xfrm>
+                      <a:off x="6400800" y="1173840"/>
+                      <a:ext cx="0" cy="1002422"/>
+                    </a:xfrm>
+                    <a:prstGeom prst="line">
+                      <a:avLst/>
+                    </a:prstGeom>
+                    <a:ln>
+                      <a:solidFill>
+                        <a:schemeClr val="bg1">
+                          <a:lumMod val="50000"/>
+                        </a:schemeClr>
+                      </a:solidFill>
+                    </a:ln>
+                  </p:spPr>
+                  <p:style>
+                    <a:lnRef idx="1">
+                      <a:schemeClr val="accent1"/>
+                    </a:lnRef>
+                    <a:fillRef idx="0">
+                      <a:schemeClr val="accent1"/>
+                    </a:fillRef>
+                    <a:effectRef idx="0">
+                      <a:schemeClr val="accent1"/>
+                    </a:effectRef>
+                    <a:fontRef idx="minor">
+                      <a:schemeClr val="tx1"/>
+                    </a:fontRef>
+                  </p:style>
+                </p:cxnSp>
+                <p:cxnSp>
+                  <p:nvCxnSpPr>
+                    <p:cNvPr id="29" name="Straight Connector 28"/>
+                    <p:cNvCxnSpPr/>
+                    <p:nvPr/>
+                  </p:nvCxnSpPr>
+                  <p:spPr>
+                    <a:xfrm flipH="1">
+                      <a:off x="6400800" y="2176262"/>
+                      <a:ext cx="944979" cy="0"/>
+                    </a:xfrm>
+                    <a:prstGeom prst="line">
+                      <a:avLst/>
+                    </a:prstGeom>
+                    <a:ln>
+                      <a:solidFill>
+                        <a:schemeClr val="bg1">
+                          <a:lumMod val="50000"/>
+                        </a:schemeClr>
+                      </a:solidFill>
+                    </a:ln>
+                  </p:spPr>
+                  <p:style>
+                    <a:lnRef idx="1">
+                      <a:schemeClr val="accent1"/>
+                    </a:lnRef>
+                    <a:fillRef idx="0">
+                      <a:schemeClr val="accent1"/>
+                    </a:fillRef>
+                    <a:effectRef idx="0">
+                      <a:schemeClr val="accent1"/>
+                    </a:effectRef>
+                    <a:fontRef idx="minor">
+                      <a:schemeClr val="tx1"/>
+                    </a:fontRef>
+                  </p:style>
+                </p:cxnSp>
+              </p:grpSp>
+              <p:cxnSp>
+                <p:nvCxnSpPr>
+                  <p:cNvPr id="4" name="Straight Connector 3"/>
+                  <p:cNvCxnSpPr/>
+                  <p:nvPr/>
+                </p:nvCxnSpPr>
+                <p:spPr>
+                  <a:xfrm>
+                    <a:off x="1143000" y="3048000"/>
+                    <a:ext cx="4419600" cy="0"/>
+                  </a:xfrm>
+                  <a:prstGeom prst="line">
+                    <a:avLst/>
+                  </a:prstGeom>
+                  <a:ln w="25400">
+                    <a:solidFill>
+                      <a:schemeClr val="accent2"/>
+                    </a:solidFill>
+                  </a:ln>
+                </p:spPr>
+                <p:style>
+                  <a:lnRef idx="1">
+                    <a:schemeClr val="accent1"/>
+                  </a:lnRef>
+                  <a:fillRef idx="0">
+                    <a:schemeClr val="accent1"/>
+                  </a:fillRef>
+                  <a:effectRef idx="0">
+                    <a:schemeClr val="accent1"/>
+                  </a:effectRef>
+                  <a:fontRef idx="minor">
+                    <a:schemeClr val="tx1"/>
+                  </a:fontRef>
+                </p:style>
+              </p:cxnSp>
+              <p:cxnSp>
+                <p:nvCxnSpPr>
+                  <p:cNvPr id="5" name="Straight Connector 4"/>
+                  <p:cNvCxnSpPr>
+                    <a:stCxn id="2" idx="0"/>
+                  </p:cNvCxnSpPr>
+                  <p:nvPr/>
+                </p:nvCxnSpPr>
+                <p:spPr>
+                  <a:xfrm>
+                    <a:off x="3352800" y="1752600"/>
+                    <a:ext cx="0" cy="1295400"/>
+                  </a:xfrm>
+                  <a:prstGeom prst="line">
+                    <a:avLst/>
+                  </a:prstGeom>
+                  <a:ln w="25400">
+                    <a:solidFill>
+                      <a:schemeClr val="accent2"/>
+                    </a:solidFill>
+                  </a:ln>
+                </p:spPr>
+                <p:style>
+                  <a:lnRef idx="1">
+                    <a:schemeClr val="accent1"/>
+                  </a:lnRef>
+                  <a:fillRef idx="0">
+                    <a:schemeClr val="accent1"/>
+                  </a:fillRef>
+                  <a:effectRef idx="0">
+                    <a:schemeClr val="accent1"/>
+                  </a:effectRef>
+                  <a:fontRef idx="minor">
+                    <a:schemeClr val="tx1"/>
+                  </a:fontRef>
+                </p:style>
+              </p:cxnSp>
+              <p:sp>
+                <p:nvSpPr>
+                  <p:cNvPr id="2" name="Rectangle 1"/>
+                  <p:cNvSpPr/>
+                  <p:nvPr/>
+                </p:nvSpPr>
+                <p:spPr>
+                  <a:xfrm>
+                    <a:off x="1143000" y="1752600"/>
+                    <a:ext cx="4419600" cy="2895600"/>
+                  </a:xfrm>
+                  <a:prstGeom prst="rect">
+                    <a:avLst/>
+                  </a:prstGeom>
+                  <a:noFill/>
+                  <a:ln>
+                    <a:solidFill>
+                      <a:schemeClr val="accent2"/>
+                    </a:solidFill>
+                  </a:ln>
+                </p:spPr>
+                <p:style>
+                  <a:lnRef idx="2">
+                    <a:schemeClr val="accent1">
+                      <a:shade val="50000"/>
+                    </a:schemeClr>
+                  </a:lnRef>
+                  <a:fillRef idx="1">
+                    <a:schemeClr val="accent1"/>
+                  </a:fillRef>
+                  <a:effectRef idx="0">
+                    <a:schemeClr val="accent1"/>
+                  </a:effectRef>
+                  <a:fontRef idx="minor">
+                    <a:schemeClr val="lt1"/>
+                  </a:fontRef>
+                </p:style>
+                <p:txBody>
+                  <a:bodyPr rtlCol="0" anchor="ctr"/>
+                  <a:lstStyle/>
+                  <a:p>
+                    <a:pPr algn="ctr"/>
+                    <a:endParaRPr lang="en-US"/>
+                  </a:p>
+                </p:txBody>
+              </p:sp>
+            </p:grpSp>
+            <p:sp>
+              <p:nvSpPr>
+                <p:cNvPr id="33" name="Rectangle 32"/>
+                <p:cNvSpPr/>
+                <p:nvPr/>
+              </p:nvSpPr>
+              <p:spPr>
+                <a:xfrm>
+                  <a:off x="1143000" y="3048000"/>
+                  <a:ext cx="4419600" cy="1600200"/>
+                </a:xfrm>
+                <a:prstGeom prst="rect">
+                  <a:avLst/>
+                </a:prstGeom>
+                <a:solidFill>
+                  <a:schemeClr val="tx1">
+                    <a:lumMod val="50000"/>
+                    <a:lumOff val="50000"/>
+                    <a:alpha val="45000"/>
+                  </a:schemeClr>
+                </a:solidFill>
+                <a:ln>
+                  <a:noFill/>
+                </a:ln>
+              </p:spPr>
+              <p:style>
+                <a:lnRef idx="2">
+                  <a:schemeClr val="accent1">
+                    <a:shade val="50000"/>
+                  </a:schemeClr>
+                </a:lnRef>
+                <a:fillRef idx="1">
+                  <a:schemeClr val="accent1"/>
+                </a:fillRef>
+                <a:effectRef idx="0">
+                  <a:schemeClr val="accent1"/>
+                </a:effectRef>
+                <a:fontRef idx="minor">
+                  <a:schemeClr val="lt1"/>
+                </a:fontRef>
+              </p:style>
+              <p:txBody>
+                <a:bodyPr rtlCol="0" anchor="ctr"/>
+                <a:lstStyle/>
+                <a:p>
+                  <a:pPr algn="ctr"/>
+                  <a:endParaRPr lang="en-US"/>
+                </a:p>
+              </p:txBody>
+            </p:sp>
+            <p:sp>
+              <p:nvSpPr>
+                <p:cNvPr id="25" name="Rectangle 24"/>
+                <p:cNvSpPr/>
+                <p:nvPr/>
+              </p:nvSpPr>
+              <p:spPr>
+                <a:xfrm>
+                  <a:off x="1143000" y="1752600"/>
+                  <a:ext cx="2209800" cy="1295400"/>
+                </a:xfrm>
+                <a:prstGeom prst="rect">
+                  <a:avLst/>
+                </a:prstGeom>
+                <a:solidFill>
+                  <a:schemeClr val="tx1">
+                    <a:lumMod val="50000"/>
+                    <a:lumOff val="50000"/>
+                    <a:alpha val="45000"/>
+                  </a:schemeClr>
+                </a:solidFill>
+                <a:ln>
+                  <a:noFill/>
+                </a:ln>
+              </p:spPr>
+              <p:style>
+                <a:lnRef idx="2">
+                  <a:schemeClr val="accent1">
+                    <a:shade val="50000"/>
+                  </a:schemeClr>
+                </a:lnRef>
+                <a:fillRef idx="1">
+                  <a:schemeClr val="accent1"/>
+                </a:fillRef>
+                <a:effectRef idx="0">
+                  <a:schemeClr val="accent1"/>
+                </a:effectRef>
+                <a:fontRef idx="minor">
+                  <a:schemeClr val="lt1"/>
+                </a:fontRef>
+              </p:style>
+              <p:txBody>
+                <a:bodyPr rtlCol="0" anchor="ctr"/>
+                <a:lstStyle/>
+                <a:p>
+                  <a:pPr algn="ctr"/>
+                  <a:endParaRPr lang="en-US"/>
+                </a:p>
+              </p:txBody>
+            </p:sp>
+          </p:grpSp>
+        </p:grpSp>
+        <p:grpSp>
+          <p:nvGrpSpPr>
+            <p:cNvPr id="2049" name="Group 2048"/>
+            <p:cNvGrpSpPr/>
+            <p:nvPr/>
+          </p:nvGrpSpPr>
+          <p:grpSpPr>
+            <a:xfrm>
+              <a:off x="4564984" y="0"/>
+              <a:ext cx="4343400" cy="3420626"/>
+              <a:chOff x="4579498" y="-91440"/>
+              <a:chExt cx="4343400" cy="3420626"/>
+            </a:xfrm>
+          </p:grpSpPr>
+          <p:pic>
+            <p:nvPicPr>
+              <p:cNvPr id="2057" name="Picture 9"/>
+              <p:cNvPicPr>
+                <a:picLocks noChangeAspect="1" noChangeArrowheads="1"/>
+              </p:cNvPicPr>
+              <p:nvPr/>
+            </p:nvPicPr>
+            <p:blipFill>
+              <a:blip r:embed="rId12">
+                <a:extLst>
+                  <a:ext uri="{28A0092B-C50C-407E-A947-70E740481C1C}">
+                    <a14:useLocalDpi xmlns:a14="http://schemas.microsoft.com/office/drawing/2010/main" val="0"/>
+                  </a:ext>
+                </a:extLst>
+              </a:blip>
+              <a:srcRect/>
+              <a:stretch>
+                <a:fillRect/>
+              </a:stretch>
+            </p:blipFill>
+            <p:spPr bwMode="auto">
+              <a:xfrm>
+                <a:off x="6050219" y="-91440"/>
+                <a:ext cx="2872679" cy="3419856"/>
+              </a:xfrm>
+              <a:prstGeom prst="rect">
+                <a:avLst/>
+              </a:prstGeom>
+              <a:noFill/>
+              <a:ln>
+                <a:noFill/>
+              </a:ln>
+              <a:extLst>
+                <a:ext uri="{909E8E84-426E-40DD-AFC4-6F175D3DCCD1}">
+                  <a14:hiddenFill xmlns:a14="http://schemas.microsoft.com/office/drawing/2010/main">
+                    <a:solidFill>
+                      <a:schemeClr val="accent1"/>
+                    </a:solidFill>
+                  </a14:hiddenFill>
+                </a:ext>
+                <a:ext uri="{91240B29-F687-4F45-9708-019B960494DF}">
+                  <a14:hiddenLine xmlns:a14="http://schemas.microsoft.com/office/drawing/2010/main" w="9525">
+                    <a:solidFill>
+                      <a:schemeClr val="tx1"/>
+                    </a:solidFill>
+                    <a:miter lim="800000"/>
+                    <a:headEnd/>
+                    <a:tailEnd/>
+                  </a14:hiddenLine>
+                </a:ext>
+              </a:extLst>
+            </p:spPr>
+          </p:pic>
+          <p:sp>
+            <p:nvSpPr>
+              <p:cNvPr id="39" name="Rectangle 38"/>
+              <p:cNvSpPr/>
+              <p:nvPr/>
+            </p:nvSpPr>
+            <p:spPr>
+              <a:xfrm>
+                <a:off x="4579498" y="-88928"/>
+                <a:ext cx="4343400" cy="3418114"/>
+              </a:xfrm>
+              <a:prstGeom prst="rect">
+                <a:avLst/>
+              </a:prstGeom>
+              <a:noFill/>
+              <a:ln>
+                <a:solidFill>
+                  <a:schemeClr val="bg1">
+                    <a:lumMod val="50000"/>
+                  </a:schemeClr>
+                </a:solidFill>
+              </a:ln>
+            </p:spPr>
+            <p:style>
+              <a:lnRef idx="2">
+                <a:schemeClr val="accent1">
+                  <a:shade val="50000"/>
+                </a:schemeClr>
+              </a:lnRef>
+              <a:fillRef idx="1">
+                <a:schemeClr val="accent1"/>
+              </a:fillRef>
+              <a:effectRef idx="0">
+                <a:schemeClr val="accent1"/>
+              </a:effectRef>
+              <a:fontRef idx="minor">
+                <a:schemeClr val="lt1"/>
+              </a:fontRef>
+            </p:style>
+            <p:txBody>
+              <a:bodyPr rtlCol="0" anchor="ctr"/>
+              <a:lstStyle/>
+              <a:p>
+                <a:pPr algn="ctr"/>
+                <a:endParaRPr lang="en-US"/>
+              </a:p>
+            </p:txBody>
+          </p:sp>
+          <p:grpSp>
+            <p:nvGrpSpPr>
+              <p:cNvPr id="41" name="Group 40"/>
+              <p:cNvGrpSpPr>
+                <a:grpSpLocks noChangeAspect="1"/>
+              </p:cNvGrpSpPr>
+              <p:nvPr/>
+            </p:nvGrpSpPr>
+            <p:grpSpPr>
+              <a:xfrm>
+                <a:off x="4579498" y="2460506"/>
+                <a:ext cx="1325880" cy="868680"/>
+                <a:chOff x="1143000" y="1752600"/>
+                <a:chExt cx="4419600" cy="2895600"/>
+              </a:xfrm>
+            </p:grpSpPr>
+            <p:grpSp>
+              <p:nvGrpSpPr>
+                <p:cNvPr id="42" name="Group 41"/>
+                <p:cNvGrpSpPr/>
+                <p:nvPr/>
+              </p:nvGrpSpPr>
+              <p:grpSpPr>
+                <a:xfrm>
+                  <a:off x="1143000" y="1752600"/>
+                  <a:ext cx="4419600" cy="2895600"/>
+                  <a:chOff x="1143000" y="1752600"/>
+                  <a:chExt cx="4419600" cy="2895600"/>
+                </a:xfrm>
+              </p:grpSpPr>
+              <p:sp>
+                <p:nvSpPr>
+                  <p:cNvPr id="45" name="Rectangle 44"/>
+                  <p:cNvSpPr/>
+                  <p:nvPr/>
+                </p:nvSpPr>
+                <p:spPr>
+                  <a:xfrm>
+                    <a:off x="1143000" y="1752600"/>
+                    <a:ext cx="2209800" cy="1295400"/>
+                  </a:xfrm>
+                  <a:prstGeom prst="rect">
+                    <a:avLst/>
+                  </a:prstGeom>
+                  <a:solidFill>
+                    <a:schemeClr val="bg1">
+                      <a:lumMod val="95000"/>
+                    </a:schemeClr>
+                  </a:solidFill>
+                  <a:ln>
+                    <a:noFill/>
+                  </a:ln>
+                </p:spPr>
+                <p:style>
+                  <a:lnRef idx="2">
+                    <a:schemeClr val="accent1">
+                      <a:shade val="50000"/>
+                    </a:schemeClr>
+                  </a:lnRef>
+                  <a:fillRef idx="1">
+                    <a:schemeClr val="accent1"/>
+                  </a:fillRef>
+                  <a:effectRef idx="0">
+                    <a:schemeClr val="accent1"/>
+                  </a:effectRef>
+                  <a:fontRef idx="minor">
+                    <a:schemeClr val="lt1"/>
+                  </a:fontRef>
+                </p:style>
+                <p:txBody>
+                  <a:bodyPr rtlCol="0" anchor="ctr"/>
+                  <a:lstStyle/>
+                  <a:p>
+                    <a:pPr algn="ctr"/>
+                    <a:endParaRPr lang="en-US"/>
+                  </a:p>
+                </p:txBody>
+              </p:sp>
+              <p:pic>
+                <p:nvPicPr>
+                  <p:cNvPr id="46" name="Picture 4"/>
+                  <p:cNvPicPr>
+                    <a:picLocks noChangeAspect="1" noChangeArrowheads="1"/>
+                  </p:cNvPicPr>
+                  <p:nvPr/>
+                </p:nvPicPr>
+                <p:blipFill>
+                  <a:blip r:embed="rId3" cstate="print">
+                    <a:extLst>
+                      <a:ext uri="{28A0092B-C50C-407E-A947-70E740481C1C}">
+                        <a14:useLocalDpi xmlns:a14="http://schemas.microsoft.com/office/drawing/2010/main" val="0"/>
+                      </a:ext>
+                    </a:extLst>
+                  </a:blip>
+                  <a:srcRect/>
+                  <a:stretch>
+                    <a:fillRect/>
+                  </a:stretch>
+                </p:blipFill>
+                <p:spPr bwMode="auto">
+                  <a:xfrm>
+                    <a:off x="1326904" y="2001245"/>
+                    <a:ext cx="1828800" cy="798021"/>
+                  </a:xfrm>
+                  <a:prstGeom prst="rect">
+                    <a:avLst/>
+                  </a:prstGeom>
+                  <a:noFill/>
+                  <a:ln>
+                    <a:noFill/>
+                  </a:ln>
+                  <a:extLst>
+                    <a:ext uri="{909E8E84-426E-40DD-AFC4-6F175D3DCCD1}">
+                      <a14:hiddenFill xmlns:a14="http://schemas.microsoft.com/office/drawing/2010/main">
+                        <a:solidFill>
+                          <a:schemeClr val="accent1"/>
+                        </a:solidFill>
+                      </a14:hiddenFill>
+                    </a:ext>
+                    <a:ext uri="{91240B29-F687-4F45-9708-019B960494DF}">
+                      <a14:hiddenLine xmlns:a14="http://schemas.microsoft.com/office/drawing/2010/main" w="9525">
+                        <a:solidFill>
+                          <a:schemeClr val="tx1"/>
+                        </a:solidFill>
+                        <a:miter lim="800000"/>
+                        <a:headEnd/>
+                        <a:tailEnd/>
+                      </a14:hiddenLine>
+                    </a:ext>
+                  </a:extLst>
+                </p:spPr>
+              </p:pic>
+              <p:grpSp>
+                <p:nvGrpSpPr>
+                  <p:cNvPr id="47" name="Group 46"/>
+                  <p:cNvGrpSpPr/>
+                  <p:nvPr/>
+                </p:nvGrpSpPr>
+                <p:grpSpPr>
+                  <a:xfrm>
+                    <a:off x="3349752" y="1766597"/>
+                    <a:ext cx="2212848" cy="1267406"/>
+                    <a:chOff x="7772400" y="1447800"/>
+                    <a:chExt cx="2212848" cy="1267406"/>
+                  </a:xfrm>
+                </p:grpSpPr>
+                <p:pic>
+                  <p:nvPicPr>
+                    <p:cNvPr id="63" name="Picture 2"/>
+                    <p:cNvPicPr>
+                      <a:picLocks noChangeAspect="1" noChangeArrowheads="1"/>
+                    </p:cNvPicPr>
+                    <p:nvPr/>
+                  </p:nvPicPr>
+                  <p:blipFill>
+                    <a:blip r:embed="rId4" cstate="print">
+                      <a:extLst>
+                        <a:ext uri="{28A0092B-C50C-407E-A947-70E740481C1C}">
+                          <a14:useLocalDpi xmlns:a14="http://schemas.microsoft.com/office/drawing/2010/main" val="0"/>
+                        </a:ext>
+                      </a:extLst>
+                    </a:blip>
+                    <a:srcRect/>
+                    <a:stretch>
+                      <a:fillRect/>
+                    </a:stretch>
+                  </p:blipFill>
+                  <p:spPr bwMode="auto">
+                    <a:xfrm>
+                      <a:off x="7772400" y="1447801"/>
+                      <a:ext cx="2212848" cy="1267405"/>
+                    </a:xfrm>
+                    <a:prstGeom prst="rect">
+                      <a:avLst/>
+                    </a:prstGeom>
+                    <a:noFill/>
+                    <a:ln>
+                      <a:noFill/>
+                    </a:ln>
+                    <a:extLst>
+                      <a:ext uri="{909E8E84-426E-40DD-AFC4-6F175D3DCCD1}">
+                        <a14:hiddenFill xmlns:a14="http://schemas.microsoft.com/office/drawing/2010/main">
+                          <a:solidFill>
+                            <a:schemeClr val="accent1"/>
+                          </a:solidFill>
+                        </a14:hiddenFill>
+                      </a:ext>
+                      <a:ext uri="{91240B29-F687-4F45-9708-019B960494DF}">
+                        <a14:hiddenLine xmlns:a14="http://schemas.microsoft.com/office/drawing/2010/main" w="9525">
+                          <a:solidFill>
+                            <a:schemeClr val="tx1"/>
+                          </a:solidFill>
+                          <a:miter lim="800000"/>
+                          <a:headEnd/>
+                          <a:tailEnd/>
+                        </a14:hiddenLine>
+                      </a:ext>
+                    </a:extLst>
+                  </p:spPr>
+                </p:pic>
+                <p:sp>
+                  <p:nvSpPr>
+                    <p:cNvPr id="64" name="Rectangle 63"/>
+                    <p:cNvSpPr/>
+                    <p:nvPr/>
+                  </p:nvSpPr>
+                  <p:spPr>
+                    <a:xfrm>
+                      <a:off x="7772401" y="1447800"/>
+                      <a:ext cx="381000" cy="228600"/>
+                    </a:xfrm>
+                    <a:prstGeom prst="rect">
+                      <a:avLst/>
+                    </a:prstGeom>
+                    <a:solidFill>
+                      <a:schemeClr val="bg1"/>
+                    </a:solidFill>
+                    <a:ln>
+                      <a:noFill/>
+                    </a:ln>
+                  </p:spPr>
+                  <p:style>
+                    <a:lnRef idx="2">
+                      <a:schemeClr val="accent1">
+                        <a:shade val="50000"/>
+                      </a:schemeClr>
+                    </a:lnRef>
+                    <a:fillRef idx="1">
+                      <a:schemeClr val="accent1"/>
+                    </a:fillRef>
+                    <a:effectRef idx="0">
+                      <a:schemeClr val="accent1"/>
+                    </a:effectRef>
+                    <a:fontRef idx="minor">
+                      <a:schemeClr val="lt1"/>
+                    </a:fontRef>
+                  </p:style>
+                  <p:txBody>
+                    <a:bodyPr rtlCol="0" anchor="ctr"/>
+                    <a:lstStyle/>
+                    <a:p>
+                      <a:pPr algn="ctr"/>
+                      <a:endParaRPr lang="en-US"/>
+                    </a:p>
+                  </p:txBody>
+                </p:sp>
+              </p:grpSp>
+              <p:grpSp>
+                <p:nvGrpSpPr>
+                  <p:cNvPr id="48" name="Group 47"/>
+                  <p:cNvGrpSpPr>
+                    <a:grpSpLocks noChangeAspect="1"/>
+                  </p:cNvGrpSpPr>
+                  <p:nvPr/>
+                </p:nvGrpSpPr>
+                <p:grpSpPr>
+                  <a:xfrm>
+                    <a:off x="1395350" y="3337560"/>
+                    <a:ext cx="944979" cy="1005840"/>
+                    <a:chOff x="6282046" y="1523997"/>
+                    <a:chExt cx="2099954" cy="2235200"/>
+                  </a:xfrm>
+                </p:grpSpPr>
+                <p:pic>
+                  <p:nvPicPr>
+                    <p:cNvPr id="60" name="Picture 3"/>
+                    <p:cNvPicPr>
+                      <a:picLocks noChangeAspect="1" noChangeArrowheads="1"/>
+                    </p:cNvPicPr>
+                    <p:nvPr/>
+                  </p:nvPicPr>
+                  <p:blipFill rotWithShape="1">
+                    <a:blip r:embed="rId5" cstate="print">
+                      <a:extLst>
+                        <a:ext uri="{28A0092B-C50C-407E-A947-70E740481C1C}">
+                          <a14:useLocalDpi xmlns:a14="http://schemas.microsoft.com/office/drawing/2010/main" val="0"/>
+                        </a:ext>
+                      </a:extLst>
+                    </a:blip>
+                    <a:srcRect l="8207" b="4009"/>
+                    <a:stretch/>
+                  </p:blipFill>
+                  <p:spPr bwMode="auto">
+                    <a:xfrm>
+                      <a:off x="6282046" y="1555706"/>
+                      <a:ext cx="2080903" cy="2203491"/>
+                    </a:xfrm>
+                    <a:prstGeom prst="rect">
+                      <a:avLst/>
+                    </a:prstGeom>
+                    <a:noFill/>
+                    <a:ln>
+                      <a:noFill/>
+                    </a:ln>
+                    <a:extLst>
+                      <a:ext uri="{909E8E84-426E-40DD-AFC4-6F175D3DCCD1}">
+                        <a14:hiddenFill xmlns:a14="http://schemas.microsoft.com/office/drawing/2010/main">
+                          <a:solidFill>
+                            <a:schemeClr val="accent1"/>
+                          </a:solidFill>
+                        </a14:hiddenFill>
+                      </a:ext>
+                      <a:ext uri="{91240B29-F687-4F45-9708-019B960494DF}">
+                        <a14:hiddenLine xmlns:a14="http://schemas.microsoft.com/office/drawing/2010/main" w="9525">
+                          <a:solidFill>
+                            <a:schemeClr val="tx1"/>
+                          </a:solidFill>
+                          <a:miter lim="800000"/>
+                          <a:headEnd/>
+                          <a:tailEnd/>
+                        </a14:hiddenLine>
+                      </a:ext>
+                    </a:extLst>
+                  </p:spPr>
+                </p:pic>
+                <p:cxnSp>
+                  <p:nvCxnSpPr>
+                    <p:cNvPr id="61" name="Straight Connector 60"/>
+                    <p:cNvCxnSpPr/>
+                    <p:nvPr/>
+                  </p:nvCxnSpPr>
+                  <p:spPr>
+                    <a:xfrm>
+                      <a:off x="6282046" y="1523997"/>
+                      <a:ext cx="0" cy="2235200"/>
+                    </a:xfrm>
+                    <a:prstGeom prst="line">
+                      <a:avLst/>
+                    </a:prstGeom>
+                    <a:ln>
+                      <a:solidFill>
+                        <a:schemeClr val="bg1">
+                          <a:lumMod val="50000"/>
+                        </a:schemeClr>
+                      </a:solidFill>
+                    </a:ln>
+                  </p:spPr>
+                  <p:style>
+                    <a:lnRef idx="1">
+                      <a:schemeClr val="accent1"/>
+                    </a:lnRef>
+                    <a:fillRef idx="0">
+                      <a:schemeClr val="accent1"/>
+                    </a:fillRef>
+                    <a:effectRef idx="0">
+                      <a:schemeClr val="accent1"/>
+                    </a:effectRef>
+                    <a:fontRef idx="minor">
+                      <a:schemeClr val="tx1"/>
+                    </a:fontRef>
+                  </p:style>
+                </p:cxnSp>
+                <p:cxnSp>
+                  <p:nvCxnSpPr>
+                    <p:cNvPr id="62" name="Straight Connector 61"/>
+                    <p:cNvCxnSpPr/>
+                    <p:nvPr/>
+                  </p:nvCxnSpPr>
+                  <p:spPr>
+                    <a:xfrm flipH="1">
+                      <a:off x="6282046" y="3759197"/>
+                      <a:ext cx="2099954" cy="0"/>
+                    </a:xfrm>
+                    <a:prstGeom prst="line">
+                      <a:avLst/>
+                    </a:prstGeom>
+                    <a:ln>
+                      <a:solidFill>
+                        <a:schemeClr val="bg1">
+                          <a:lumMod val="50000"/>
+                        </a:schemeClr>
+                      </a:solidFill>
+                    </a:ln>
+                  </p:spPr>
+                  <p:style>
+                    <a:lnRef idx="1">
+                      <a:schemeClr val="accent1"/>
+                    </a:lnRef>
+                    <a:fillRef idx="0">
+                      <a:schemeClr val="accent1"/>
+                    </a:fillRef>
+                    <a:effectRef idx="0">
+                      <a:schemeClr val="accent1"/>
+                    </a:effectRef>
+                    <a:fontRef idx="minor">
+                      <a:schemeClr val="tx1"/>
+                    </a:fontRef>
+                  </p:style>
+                </p:cxnSp>
+              </p:grpSp>
+              <p:grpSp>
+                <p:nvGrpSpPr>
+                  <p:cNvPr id="49" name="Group 48"/>
+                  <p:cNvGrpSpPr/>
+                  <p:nvPr/>
+                </p:nvGrpSpPr>
+                <p:grpSpPr>
+                  <a:xfrm>
+                    <a:off x="2844685" y="3337560"/>
+                    <a:ext cx="944979" cy="1002422"/>
+                    <a:chOff x="6400800" y="4036216"/>
+                    <a:chExt cx="944979" cy="1002422"/>
+                  </a:xfrm>
+                </p:grpSpPr>
+                <p:pic>
+                  <p:nvPicPr>
+                    <p:cNvPr id="57" name="Picture 5"/>
+                    <p:cNvPicPr>
+                      <a:picLocks noChangeAspect="1" noChangeArrowheads="1"/>
+                    </p:cNvPicPr>
+                    <p:nvPr/>
+                  </p:nvPicPr>
+                  <p:blipFill>
+                    <a:blip r:embed="rId6" cstate="print">
+                      <a:extLst>
+                        <a:ext uri="{28A0092B-C50C-407E-A947-70E740481C1C}">
+                          <a14:useLocalDpi xmlns:a14="http://schemas.microsoft.com/office/drawing/2010/main" val="0"/>
+                        </a:ext>
+                      </a:extLst>
+                    </a:blip>
+                    <a:srcRect/>
+                    <a:stretch>
+                      <a:fillRect/>
+                    </a:stretch>
+                  </p:blipFill>
+                  <p:spPr bwMode="auto">
+                    <a:xfrm>
+                      <a:off x="6400800" y="4036216"/>
+                      <a:ext cx="932688" cy="1002422"/>
+                    </a:xfrm>
+                    <a:prstGeom prst="rect">
+                      <a:avLst/>
+                    </a:prstGeom>
+                    <a:noFill/>
+                    <a:ln>
+                      <a:noFill/>
+                    </a:ln>
+                    <a:extLst>
+                      <a:ext uri="{909E8E84-426E-40DD-AFC4-6F175D3DCCD1}">
+                        <a14:hiddenFill xmlns:a14="http://schemas.microsoft.com/office/drawing/2010/main">
+                          <a:solidFill>
+                            <a:schemeClr val="accent1"/>
+                          </a:solidFill>
+                        </a14:hiddenFill>
+                      </a:ext>
+                      <a:ext uri="{91240B29-F687-4F45-9708-019B960494DF}">
+                        <a14:hiddenLine xmlns:a14="http://schemas.microsoft.com/office/drawing/2010/main" w="9525">
+                          <a:solidFill>
+                            <a:schemeClr val="tx1"/>
+                          </a:solidFill>
+                          <a:miter lim="800000"/>
+                          <a:headEnd/>
+                          <a:tailEnd/>
+                        </a14:hiddenLine>
+                      </a:ext>
+                    </a:extLst>
+                  </p:spPr>
+                </p:pic>
+                <p:cxnSp>
+                  <p:nvCxnSpPr>
+                    <p:cNvPr id="58" name="Straight Connector 57"/>
+                    <p:cNvCxnSpPr/>
+                    <p:nvPr/>
+                  </p:nvCxnSpPr>
+                  <p:spPr>
+                    <a:xfrm>
+                      <a:off x="6400800" y="4036216"/>
+                      <a:ext cx="0" cy="1002422"/>
+                    </a:xfrm>
+                    <a:prstGeom prst="line">
+                      <a:avLst/>
+                    </a:prstGeom>
+                    <a:ln>
+                      <a:solidFill>
+                        <a:schemeClr val="bg1">
+                          <a:lumMod val="50000"/>
+                        </a:schemeClr>
+                      </a:solidFill>
+                    </a:ln>
+                  </p:spPr>
+                  <p:style>
+                    <a:lnRef idx="1">
+                      <a:schemeClr val="accent1"/>
+                    </a:lnRef>
+                    <a:fillRef idx="0">
+                      <a:schemeClr val="accent1"/>
+                    </a:fillRef>
+                    <a:effectRef idx="0">
+                      <a:schemeClr val="accent1"/>
+                    </a:effectRef>
+                    <a:fontRef idx="minor">
+                      <a:schemeClr val="tx1"/>
+                    </a:fontRef>
+                  </p:style>
+                </p:cxnSp>
+                <p:cxnSp>
+                  <p:nvCxnSpPr>
+                    <p:cNvPr id="59" name="Straight Connector 58"/>
+                    <p:cNvCxnSpPr/>
+                    <p:nvPr/>
+                  </p:nvCxnSpPr>
+                  <p:spPr>
+                    <a:xfrm flipH="1">
+                      <a:off x="6400800" y="5038638"/>
+                      <a:ext cx="944979" cy="0"/>
+                    </a:xfrm>
+                    <a:prstGeom prst="line">
+                      <a:avLst/>
+                    </a:prstGeom>
+                    <a:ln>
+                      <a:solidFill>
+                        <a:schemeClr val="bg1">
+                          <a:lumMod val="50000"/>
+                        </a:schemeClr>
+                      </a:solidFill>
+                    </a:ln>
+                  </p:spPr>
+                  <p:style>
+                    <a:lnRef idx="1">
+                      <a:schemeClr val="accent1"/>
+                    </a:lnRef>
+                    <a:fillRef idx="0">
+                      <a:schemeClr val="accent1"/>
+                    </a:fillRef>
+                    <a:effectRef idx="0">
+                      <a:schemeClr val="accent1"/>
+                    </a:effectRef>
+                    <a:fontRef idx="minor">
+                      <a:schemeClr val="tx1"/>
+                    </a:fontRef>
+                  </p:style>
+                </p:cxnSp>
+              </p:grpSp>
+              <p:grpSp>
+                <p:nvGrpSpPr>
+                  <p:cNvPr id="50" name="Group 49"/>
+                  <p:cNvGrpSpPr/>
+                  <p:nvPr/>
+                </p:nvGrpSpPr>
+                <p:grpSpPr>
+                  <a:xfrm>
+                    <a:off x="4290950" y="3337560"/>
+                    <a:ext cx="990600" cy="1002422"/>
+                    <a:chOff x="6400800" y="1173840"/>
+                    <a:chExt cx="990600" cy="1002422"/>
+                  </a:xfrm>
+                </p:grpSpPr>
+                <p:pic>
+                  <p:nvPicPr>
+                    <p:cNvPr id="54" name="Picture 6"/>
+                    <p:cNvPicPr>
+                      <a:picLocks noChangeAspect="1" noChangeArrowheads="1"/>
+                    </p:cNvPicPr>
+                    <p:nvPr/>
+                  </p:nvPicPr>
+                  <p:blipFill>
+                    <a:blip r:embed="rId7" cstate="print">
+                      <a:extLst>
+                        <a:ext uri="{28A0092B-C50C-407E-A947-70E740481C1C}">
+                          <a14:useLocalDpi xmlns:a14="http://schemas.microsoft.com/office/drawing/2010/main" val="0"/>
+                        </a:ext>
+                      </a:extLst>
+                    </a:blip>
+                    <a:srcRect/>
+                    <a:stretch>
+                      <a:fillRect/>
+                    </a:stretch>
+                  </p:blipFill>
+                  <p:spPr bwMode="auto">
+                    <a:xfrm>
+                      <a:off x="6458712" y="1289696"/>
+                      <a:ext cx="932688" cy="886566"/>
+                    </a:xfrm>
+                    <a:prstGeom prst="rect">
+                      <a:avLst/>
+                    </a:prstGeom>
+                    <a:noFill/>
+                    <a:ln>
+                      <a:noFill/>
+                    </a:ln>
+                    <a:extLst>
+                      <a:ext uri="{909E8E84-426E-40DD-AFC4-6F175D3DCCD1}">
+                        <a14:hiddenFill xmlns:a14="http://schemas.microsoft.com/office/drawing/2010/main">
+                          <a:solidFill>
+                            <a:schemeClr val="accent1"/>
+                          </a:solidFill>
+                        </a14:hiddenFill>
+                      </a:ext>
+                      <a:ext uri="{91240B29-F687-4F45-9708-019B960494DF}">
+                        <a14:hiddenLine xmlns:a14="http://schemas.microsoft.com/office/drawing/2010/main" w="9525">
+                          <a:solidFill>
+                            <a:schemeClr val="tx1"/>
+                          </a:solidFill>
+                          <a:miter lim="800000"/>
+                          <a:headEnd/>
+                          <a:tailEnd/>
+                        </a14:hiddenLine>
+                      </a:ext>
+                    </a:extLst>
+                  </p:spPr>
+                </p:pic>
+                <p:cxnSp>
+                  <p:nvCxnSpPr>
+                    <p:cNvPr id="55" name="Straight Connector 54"/>
+                    <p:cNvCxnSpPr/>
+                    <p:nvPr/>
+                  </p:nvCxnSpPr>
+                  <p:spPr>
+                    <a:xfrm>
+                      <a:off x="6400800" y="1173840"/>
+                      <a:ext cx="0" cy="1002422"/>
+                    </a:xfrm>
+                    <a:prstGeom prst="line">
+                      <a:avLst/>
+                    </a:prstGeom>
+                    <a:ln>
+                      <a:solidFill>
+                        <a:schemeClr val="bg1">
+                          <a:lumMod val="50000"/>
+                        </a:schemeClr>
+                      </a:solidFill>
+                    </a:ln>
+                  </p:spPr>
+                  <p:style>
+                    <a:lnRef idx="1">
+                      <a:schemeClr val="accent1"/>
+                    </a:lnRef>
+                    <a:fillRef idx="0">
+                      <a:schemeClr val="accent1"/>
+                    </a:fillRef>
+                    <a:effectRef idx="0">
+                      <a:schemeClr val="accent1"/>
+                    </a:effectRef>
+                    <a:fontRef idx="minor">
+                      <a:schemeClr val="tx1"/>
+                    </a:fontRef>
+                  </p:style>
+                </p:cxnSp>
+                <p:cxnSp>
+                  <p:nvCxnSpPr>
+                    <p:cNvPr id="56" name="Straight Connector 55"/>
+                    <p:cNvCxnSpPr/>
+                    <p:nvPr/>
+                  </p:nvCxnSpPr>
+                  <p:spPr>
+                    <a:xfrm flipH="1">
+                      <a:off x="6400800" y="2176262"/>
+                      <a:ext cx="944979" cy="0"/>
+                    </a:xfrm>
+                    <a:prstGeom prst="line">
+                      <a:avLst/>
+                    </a:prstGeom>
+                    <a:ln>
+                      <a:solidFill>
+                        <a:schemeClr val="bg1">
+                          <a:lumMod val="50000"/>
+                        </a:schemeClr>
+                      </a:solidFill>
+                    </a:ln>
+                  </p:spPr>
+                  <p:style>
+                    <a:lnRef idx="1">
+                      <a:schemeClr val="accent1"/>
+                    </a:lnRef>
+                    <a:fillRef idx="0">
+                      <a:schemeClr val="accent1"/>
+                    </a:fillRef>
+                    <a:effectRef idx="0">
+                      <a:schemeClr val="accent1"/>
+                    </a:effectRef>
+                    <a:fontRef idx="minor">
+                      <a:schemeClr val="tx1"/>
+                    </a:fontRef>
+                  </p:style>
+                </p:cxnSp>
+              </p:grpSp>
+              <p:cxnSp>
+                <p:nvCxnSpPr>
+                  <p:cNvPr id="51" name="Straight Connector 50"/>
+                  <p:cNvCxnSpPr/>
+                  <p:nvPr/>
+                </p:nvCxnSpPr>
+                <p:spPr>
+                  <a:xfrm>
+                    <a:off x="1143000" y="3048000"/>
+                    <a:ext cx="4419600" cy="0"/>
+                  </a:xfrm>
+                  <a:prstGeom prst="line">
+                    <a:avLst/>
+                  </a:prstGeom>
+                  <a:ln w="25400">
+                    <a:solidFill>
+                      <a:schemeClr val="accent2"/>
+                    </a:solidFill>
+                  </a:ln>
+                </p:spPr>
+                <p:style>
+                  <a:lnRef idx="1">
+                    <a:schemeClr val="accent1"/>
+                  </a:lnRef>
+                  <a:fillRef idx="0">
+                    <a:schemeClr val="accent1"/>
+                  </a:fillRef>
+                  <a:effectRef idx="0">
+                    <a:schemeClr val="accent1"/>
+                  </a:effectRef>
+                  <a:fontRef idx="minor">
+                    <a:schemeClr val="tx1"/>
+                  </a:fontRef>
+                </p:style>
+              </p:cxnSp>
+              <p:cxnSp>
+                <p:nvCxnSpPr>
+                  <p:cNvPr id="52" name="Straight Connector 51"/>
+                  <p:cNvCxnSpPr>
+                    <a:stCxn id="53" idx="0"/>
+                  </p:cNvCxnSpPr>
+                  <p:nvPr/>
+                </p:nvCxnSpPr>
+                <p:spPr>
+                  <a:xfrm>
+                    <a:off x="3352800" y="1752600"/>
+                    <a:ext cx="0" cy="1295400"/>
+                  </a:xfrm>
+                  <a:prstGeom prst="line">
+                    <a:avLst/>
+                  </a:prstGeom>
+                  <a:ln w="25400">
+                    <a:solidFill>
+                      <a:schemeClr val="accent2"/>
+                    </a:solidFill>
+                  </a:ln>
+                </p:spPr>
+                <p:style>
+                  <a:lnRef idx="1">
+                    <a:schemeClr val="accent1"/>
+                  </a:lnRef>
+                  <a:fillRef idx="0">
+                    <a:schemeClr val="accent1"/>
+                  </a:fillRef>
+                  <a:effectRef idx="0">
+                    <a:schemeClr val="accent1"/>
+                  </a:effectRef>
+                  <a:fontRef idx="minor">
+                    <a:schemeClr val="tx1"/>
+                  </a:fontRef>
+                </p:style>
+              </p:cxnSp>
+              <p:sp>
+                <p:nvSpPr>
+                  <p:cNvPr id="53" name="Rectangle 52"/>
+                  <p:cNvSpPr/>
+                  <p:nvPr/>
+                </p:nvSpPr>
+                <p:spPr>
+                  <a:xfrm>
+                    <a:off x="1143000" y="1752600"/>
+                    <a:ext cx="4419600" cy="2895600"/>
+                  </a:xfrm>
+                  <a:prstGeom prst="rect">
+                    <a:avLst/>
+                  </a:prstGeom>
+                  <a:noFill/>
+                  <a:ln>
+                    <a:solidFill>
+                      <a:schemeClr val="accent2"/>
+                    </a:solidFill>
+                  </a:ln>
+                </p:spPr>
+                <p:style>
+                  <a:lnRef idx="2">
+                    <a:schemeClr val="accent1">
+                      <a:shade val="50000"/>
+                    </a:schemeClr>
+                  </a:lnRef>
+                  <a:fillRef idx="1">
+                    <a:schemeClr val="accent1"/>
+                  </a:fillRef>
+                  <a:effectRef idx="0">
+                    <a:schemeClr val="accent1"/>
+                  </a:effectRef>
+                  <a:fontRef idx="minor">
+                    <a:schemeClr val="lt1"/>
+                  </a:fontRef>
+                </p:style>
+                <p:txBody>
+                  <a:bodyPr rtlCol="0" anchor="ctr"/>
+                  <a:lstStyle/>
+                  <a:p>
+                    <a:pPr algn="ctr"/>
+                    <a:endParaRPr lang="en-US"/>
+                  </a:p>
+                </p:txBody>
+              </p:sp>
+            </p:grpSp>
+            <p:sp>
+              <p:nvSpPr>
+                <p:cNvPr id="43" name="Rectangle 42"/>
+                <p:cNvSpPr/>
+                <p:nvPr/>
+              </p:nvSpPr>
+              <p:spPr>
+                <a:xfrm>
+                  <a:off x="2667000" y="3048000"/>
+                  <a:ext cx="2895600" cy="1600200"/>
+                </a:xfrm>
+                <a:prstGeom prst="rect">
+                  <a:avLst/>
+                </a:prstGeom>
+                <a:solidFill>
+                  <a:schemeClr val="tx1">
+                    <a:lumMod val="50000"/>
+                    <a:lumOff val="50000"/>
+                    <a:alpha val="45000"/>
+                  </a:schemeClr>
+                </a:solidFill>
+                <a:ln>
+                  <a:noFill/>
+                </a:ln>
+              </p:spPr>
+              <p:style>
+                <a:lnRef idx="2">
+                  <a:schemeClr val="accent1">
+                    <a:shade val="50000"/>
+                  </a:schemeClr>
+                </a:lnRef>
+                <a:fillRef idx="1">
+                  <a:schemeClr val="accent1"/>
+                </a:fillRef>
+                <a:effectRef idx="0">
+                  <a:schemeClr val="accent1"/>
+                </a:effectRef>
+                <a:fontRef idx="minor">
+                  <a:schemeClr val="lt1"/>
+                </a:fontRef>
+              </p:style>
+              <p:txBody>
+                <a:bodyPr rtlCol="0" anchor="ctr"/>
+                <a:lstStyle/>
+                <a:p>
+                  <a:pPr algn="ctr"/>
+                  <a:endParaRPr lang="en-US"/>
+                </a:p>
+              </p:txBody>
+            </p:sp>
+            <p:sp>
+              <p:nvSpPr>
+                <p:cNvPr id="44" name="Rectangle 43"/>
+                <p:cNvSpPr/>
+                <p:nvPr/>
+              </p:nvSpPr>
+              <p:spPr>
+                <a:xfrm>
+                  <a:off x="1143000" y="1752600"/>
+                  <a:ext cx="4419600" cy="1295400"/>
+                </a:xfrm>
+                <a:prstGeom prst="rect">
+                  <a:avLst/>
+                </a:prstGeom>
+                <a:solidFill>
+                  <a:schemeClr val="tx1">
+                    <a:lumMod val="50000"/>
+                    <a:lumOff val="50000"/>
+                    <a:alpha val="45000"/>
+                  </a:schemeClr>
+                </a:solidFill>
+                <a:ln>
+                  <a:noFill/>
+                </a:ln>
+              </p:spPr>
+              <p:style>
+                <a:lnRef idx="2">
+                  <a:schemeClr val="accent1">
+                    <a:shade val="50000"/>
+                  </a:schemeClr>
+                </a:lnRef>
+                <a:fillRef idx="1">
+                  <a:schemeClr val="accent1"/>
+                </a:fillRef>
+                <a:effectRef idx="0">
+                  <a:schemeClr val="accent1"/>
+                </a:effectRef>
+                <a:fontRef idx="minor">
+                  <a:schemeClr val="lt1"/>
+                </a:fontRef>
+              </p:style>
+              <p:txBody>
+                <a:bodyPr rtlCol="0" anchor="ctr"/>
+                <a:lstStyle/>
+                <a:p>
+                  <a:pPr algn="ctr"/>
+                  <a:endParaRPr lang="en-US"/>
+                </a:p>
+              </p:txBody>
+            </p:sp>
+          </p:grpSp>
+        </p:grpSp>
+        <p:sp>
+          <p:nvSpPr>
+            <p:cNvPr id="125" name="Oval 124"/>
+            <p:cNvSpPr/>
+            <p:nvPr/>
+          </p:nvSpPr>
+          <p:spPr>
+            <a:xfrm>
+              <a:off x="4411980" y="-114300"/>
+              <a:ext cx="320040" cy="320040"/>
+            </a:xfrm>
+            <a:prstGeom prst="ellipse">
+              <a:avLst/>
+            </a:prstGeom>
+            <a:solidFill>
+              <a:schemeClr val="accent2"/>
+            </a:solidFill>
+            <a:ln>
+              <a:solidFill>
+                <a:schemeClr val="bg1"/>
+              </a:solidFill>
+            </a:ln>
+          </p:spPr>
+          <p:style>
+            <a:lnRef idx="2">
+              <a:schemeClr val="accent1">
+                <a:shade val="50000"/>
+              </a:schemeClr>
+            </a:lnRef>
+            <a:fillRef idx="1">
+              <a:schemeClr val="accent1"/>
+            </a:fillRef>
+            <a:effectRef idx="0">
+              <a:schemeClr val="accent1"/>
+            </a:effectRef>
+            <a:fontRef idx="minor">
+              <a:schemeClr val="lt1"/>
+            </a:fontRef>
+          </p:style>
+          <p:txBody>
+            <a:bodyPr rtlCol="0" anchor="ctr"/>
+            <a:lstStyle/>
+            <a:p>
+              <a:pPr algn="ctr"/>
+              <a:r>
+                <a:rPr lang="en-US" dirty="0"/>
+                <a:t>2</a:t>
+              </a:r>
+              <a:endParaRPr lang="en-US" dirty="0"/>
+            </a:p>
+          </p:txBody>
+        </p:sp>
+        <p:sp>
+          <p:nvSpPr>
+            <p:cNvPr id="126" name="Oval 125"/>
+            <p:cNvSpPr/>
+            <p:nvPr/>
+          </p:nvSpPr>
+          <p:spPr>
+            <a:xfrm>
+              <a:off x="91440" y="3272612"/>
+              <a:ext cx="320040" cy="320040"/>
+            </a:xfrm>
+            <a:prstGeom prst="ellipse">
+              <a:avLst/>
+            </a:prstGeom>
+            <a:solidFill>
+              <a:schemeClr val="accent2"/>
+            </a:solidFill>
+            <a:ln>
+              <a:solidFill>
+                <a:schemeClr val="bg1"/>
+              </a:solidFill>
+            </a:ln>
+          </p:spPr>
+          <p:style>
+            <a:lnRef idx="2">
+              <a:schemeClr val="accent1">
+                <a:shade val="50000"/>
+              </a:schemeClr>
+            </a:lnRef>
+            <a:fillRef idx="1">
+              <a:schemeClr val="accent1"/>
+            </a:fillRef>
+            <a:effectRef idx="0">
+              <a:schemeClr val="accent1"/>
+            </a:effectRef>
+            <a:fontRef idx="minor">
+              <a:schemeClr val="lt1"/>
+            </a:fontRef>
+          </p:style>
+          <p:txBody>
+            <a:bodyPr rtlCol="0" anchor="ctr"/>
+            <a:lstStyle/>
+            <a:p>
+              <a:pPr algn="ctr"/>
+              <a:r>
+                <a:rPr lang="en-US" dirty="0" smtClean="0"/>
+                <a:t>3</a:t>
+              </a:r>
+              <a:endParaRPr lang="en-US" dirty="0"/>
+            </a:p>
+          </p:txBody>
+        </p:sp>
+        <p:sp>
+          <p:nvSpPr>
+            <p:cNvPr id="159" name="Oval 158"/>
+            <p:cNvSpPr/>
+            <p:nvPr/>
+          </p:nvSpPr>
+          <p:spPr>
+            <a:xfrm>
+              <a:off x="4411980" y="3275894"/>
+              <a:ext cx="320040" cy="320040"/>
+            </a:xfrm>
+            <a:prstGeom prst="ellipse">
+              <a:avLst/>
+            </a:prstGeom>
+            <a:solidFill>
+              <a:schemeClr val="accent2"/>
+            </a:solidFill>
+            <a:ln>
+              <a:solidFill>
+                <a:schemeClr val="bg1"/>
+              </a:solidFill>
+            </a:ln>
+          </p:spPr>
+          <p:style>
+            <a:lnRef idx="2">
+              <a:schemeClr val="accent1">
+                <a:shade val="50000"/>
+              </a:schemeClr>
+            </a:lnRef>
+            <a:fillRef idx="1">
+              <a:schemeClr val="accent1"/>
+            </a:fillRef>
+            <a:effectRef idx="0">
+              <a:schemeClr val="accent1"/>
+            </a:effectRef>
+            <a:fontRef idx="minor">
+              <a:schemeClr val="lt1"/>
+            </a:fontRef>
+          </p:style>
+          <p:txBody>
+            <a:bodyPr rtlCol="0" anchor="ctr"/>
+            <a:lstStyle/>
+            <a:p>
+              <a:pPr algn="ctr"/>
+              <a:r>
+                <a:rPr lang="en-US" dirty="0"/>
+                <a:t>4</a:t>
+              </a:r>
+              <a:endParaRPr lang="en-US" dirty="0"/>
+            </a:p>
+          </p:txBody>
+        </p:sp>
+        <p:sp>
+          <p:nvSpPr>
+            <p:cNvPr id="124" name="Oval 123"/>
+            <p:cNvSpPr/>
+            <p:nvPr/>
+          </p:nvSpPr>
+          <p:spPr>
+            <a:xfrm>
+              <a:off x="91440" y="-114300"/>
+              <a:ext cx="320040" cy="320040"/>
+            </a:xfrm>
+            <a:prstGeom prst="ellipse">
+              <a:avLst/>
+            </a:prstGeom>
+            <a:solidFill>
+              <a:schemeClr val="accent2"/>
+            </a:solidFill>
+            <a:ln>
+              <a:solidFill>
+                <a:schemeClr val="bg1"/>
+              </a:solidFill>
+            </a:ln>
+          </p:spPr>
+          <p:style>
+            <a:lnRef idx="2">
+              <a:schemeClr val="accent1">
+                <a:shade val="50000"/>
+              </a:schemeClr>
+            </a:lnRef>
+            <a:fillRef idx="1">
+              <a:schemeClr val="accent1"/>
+            </a:fillRef>
+            <a:effectRef idx="0">
+              <a:schemeClr val="accent1"/>
+            </a:effectRef>
+            <a:fontRef idx="minor">
+              <a:schemeClr val="lt1"/>
+            </a:fontRef>
+          </p:style>
+          <p:txBody>
+            <a:bodyPr rtlCol="0" anchor="ctr"/>
+            <a:lstStyle/>
+            <a:p>
+              <a:pPr algn="ctr"/>
+              <a:r>
+                <a:rPr lang="en-US" dirty="0" smtClean="0"/>
+                <a:t>1</a:t>
+              </a:r>
+              <a:endParaRPr lang="en-US" dirty="0"/>
+            </a:p>
+          </p:txBody>
+        </p:sp>
+        <p:sp>
+          <p:nvSpPr>
+            <p:cNvPr id="431" name="Rectangle 430"/>
+            <p:cNvSpPr/>
+            <p:nvPr/>
+          </p:nvSpPr>
+          <p:spPr>
+            <a:xfrm>
+              <a:off x="4578554" y="9792091"/>
+              <a:ext cx="434340" cy="480060"/>
+            </a:xfrm>
+            <a:prstGeom prst="rect">
+              <a:avLst/>
+            </a:prstGeom>
+            <a:solidFill>
+              <a:schemeClr val="tx1">
+                <a:lumMod val="50000"/>
+                <a:lumOff val="50000"/>
+                <a:alpha val="45000"/>
+              </a:schemeClr>
+            </a:solidFill>
+            <a:ln>
+              <a:noFill/>
+            </a:ln>
+          </p:spPr>
+          <p:style>
+            <a:lnRef idx="2">
+              <a:schemeClr val="accent1">
+                <a:shade val="50000"/>
+              </a:schemeClr>
+            </a:lnRef>
+            <a:fillRef idx="1">
+              <a:schemeClr val="accent1"/>
+            </a:fillRef>
+            <a:effectRef idx="0">
+              <a:schemeClr val="accent1"/>
+            </a:effectRef>
+            <a:fontRef idx="minor">
+              <a:schemeClr val="lt1"/>
+            </a:fontRef>
+          </p:style>
+          <p:txBody>
+            <a:bodyPr rtlCol="0" anchor="ctr"/>
+            <a:lstStyle/>
+            <a:p>
+              <a:pPr algn="ctr"/>
+              <a:endParaRPr lang="en-US"/>
+            </a:p>
+          </p:txBody>
+        </p:sp>
+      </p:grpSp>
+    </p:spTree>
+    <p:extLst>
+      <p:ext uri="{BB962C8B-B14F-4D97-AF65-F5344CB8AC3E}">
+        <p14:creationId xmlns:p14="http://schemas.microsoft.com/office/powerpoint/2010/main" val="3949335099"/>
+      </p:ext>
+    </p:extLst>
+  </p:cSld>
+  <p:clrMapOvr>
+    <a:masterClrMapping/>
+  </p:clrMapOvr>
+</p:sld>
+</file>
+
 <file path=ppt/theme/theme1.xml><?xml version="1.0" encoding="utf-8"?>
 <a:theme xmlns:a="http://schemas.openxmlformats.org/drawingml/2006/main" name="Office Theme">
   <a:themeElements>
@@ -5795,4 +12885,289 @@
   <a:objectDefaults/>
   <a:extraClrSchemeLst/>
 </a:theme>
+</file>
+
+<file path=ppt/theme/theme2.xml><?xml version="1.0" encoding="utf-8"?>
+<a:theme xmlns:a="http://schemas.openxmlformats.org/drawingml/2006/main" name="Office Theme">
+  <a:themeElements>
+    <a:clrScheme name="Office">
+      <a:dk1>
+        <a:sysClr val="windowText" lastClr="000000"/>
+      </a:dk1>
+      <a:lt1>
+        <a:sysClr val="window" lastClr="FFFFFF"/>
+      </a:lt1>
+      <a:dk2>
+        <a:srgbClr val="1F497D"/>
+      </a:dk2>
+      <a:lt2>
+        <a:srgbClr val="EEECE1"/>
+      </a:lt2>
+      <a:accent1>
+        <a:srgbClr val="4F81BD"/>
+      </a:accent1>
+      <a:accent2>
+        <a:srgbClr val="C0504D"/>
+      </a:accent2>
+      <a:accent3>
+        <a:srgbClr val="9BBB59"/>
+      </a:accent3>
+      <a:accent4>
+        <a:srgbClr val="8064A2"/>
+      </a:accent4>
+      <a:accent5>
+        <a:srgbClr val="4BACC6"/>
+      </a:accent5>
+      <a:accent6>
+        <a:srgbClr val="F79646"/>
+      </a:accent6>
+      <a:hlink>
+        <a:srgbClr val="0000FF"/>
+      </a:hlink>
+      <a:folHlink>
+        <a:srgbClr val="800080"/>
+      </a:folHlink>
+    </a:clrScheme>
+    <a:fontScheme name="Office">
+      <a:majorFont>
+        <a:latin typeface="Calibri"/>
+        <a:ea typeface=""/>
+        <a:cs typeface=""/>
+        <a:font script="Jpan" typeface="ＭＳ Ｐゴシック"/>
+        <a:font script="Hang" typeface="맑은 고딕"/>
+        <a:font script="Hans" typeface="宋体"/>
+        <a:font script="Hant" typeface="新細明體"/>
+        <a:font script="Arab" typeface="Times New Roman"/>
+        <a:font script="Hebr" typeface="Times New Roman"/>
+        <a:font script="Thai" typeface="Angsana New"/>
+        <a:font script="Ethi" typeface="Nyala"/>
+        <a:font script="Beng" typeface="Vrinda"/>
+        <a:font script="Gujr" typeface="Shruti"/>
+        <a:font script="Khmr" typeface="MoolBoran"/>
+        <a:font script="Knda" typeface="Tunga"/>
+        <a:font script="Guru" typeface="Raavi"/>
+        <a:font script="Cans" typeface="Euphemia"/>
+        <a:font script="Cher" typeface="Plantagenet Cherokee"/>
+        <a:font script="Yiii" typeface="Microsoft Yi Baiti"/>
+        <a:font script="Tibt" typeface="Microsoft Himalaya"/>
+        <a:font script="Thaa" typeface="MV Boli"/>
+        <a:font script="Deva" typeface="Mangal"/>
+        <a:font script="Telu" typeface="Gautami"/>
+        <a:font script="Taml" typeface="Latha"/>
+        <a:font script="Syrc" typeface="Estrangelo Edessa"/>
+        <a:font script="Orya" typeface="Kalinga"/>
+        <a:font script="Mlym" typeface="Kartika"/>
+        <a:font script="Laoo" typeface="DokChampa"/>
+        <a:font script="Sinh" typeface="Iskoola Pota"/>
+        <a:font script="Mong" typeface="Mongolian Baiti"/>
+        <a:font script="Viet" typeface="Times New Roman"/>
+        <a:font script="Uigh" typeface="Microsoft Uighur"/>
+        <a:font script="Geor" typeface="Sylfaen"/>
+      </a:majorFont>
+      <a:minorFont>
+        <a:latin typeface="Calibri"/>
+        <a:ea typeface=""/>
+        <a:cs typeface=""/>
+        <a:font script="Jpan" typeface="ＭＳ Ｐゴシック"/>
+        <a:font script="Hang" typeface="맑은 고딕"/>
+        <a:font script="Hans" typeface="宋体"/>
+        <a:font script="Hant" typeface="新細明體"/>
+        <a:font script="Arab" typeface="Arial"/>
+        <a:font script="Hebr" typeface="Arial"/>
+        <a:font script="Thai" typeface="Cordia New"/>
+        <a:font script="Ethi" typeface="Nyala"/>
+        <a:font script="Beng" typeface="Vrinda"/>
+        <a:font script="Gujr" typeface="Shruti"/>
+        <a:font script="Khmr" typeface="DaunPenh"/>
+        <a:font script="Knda" typeface="Tunga"/>
+        <a:font script="Guru" typeface="Raavi"/>
+        <a:font script="Cans" typeface="Euphemia"/>
+        <a:font script="Cher" typeface="Plantagenet Cherokee"/>
+        <a:font script="Yiii" typeface="Microsoft Yi Baiti"/>
+        <a:font script="Tibt" typeface="Microsoft Himalaya"/>
+        <a:font script="Thaa" typeface="MV Boli"/>
+        <a:font script="Deva" typeface="Mangal"/>
+        <a:font script="Telu" typeface="Gautami"/>
+        <a:font script="Taml" typeface="Latha"/>
+        <a:font script="Syrc" typeface="Estrangelo Edessa"/>
+        <a:font script="Orya" typeface="Kalinga"/>
+        <a:font script="Mlym" typeface="Kartika"/>
+        <a:font script="Laoo" typeface="DokChampa"/>
+        <a:font script="Sinh" typeface="Iskoola Pota"/>
+        <a:font script="Mong" typeface="Mongolian Baiti"/>
+        <a:font script="Viet" typeface="Arial"/>
+        <a:font script="Uigh" typeface="Microsoft Uighur"/>
+        <a:font script="Geor" typeface="Sylfaen"/>
+      </a:minorFont>
+    </a:fontScheme>
+    <a:fmtScheme name="Office">
+      <a:fillStyleLst>
+        <a:solidFill>
+          <a:schemeClr val="phClr"/>
+        </a:solidFill>
+        <a:gradFill rotWithShape="1">
+          <a:gsLst>
+            <a:gs pos="0">
+              <a:schemeClr val="phClr">
+                <a:tint val="50000"/>
+                <a:satMod val="300000"/>
+              </a:schemeClr>
+            </a:gs>
+            <a:gs pos="35000">
+              <a:schemeClr val="phClr">
+                <a:tint val="37000"/>
+                <a:satMod val="300000"/>
+              </a:schemeClr>
+            </a:gs>
+            <a:gs pos="100000">
+              <a:schemeClr val="phClr">
+                <a:tint val="15000"/>
+                <a:satMod val="350000"/>
+              </a:schemeClr>
+            </a:gs>
+          </a:gsLst>
+          <a:lin ang="16200000" scaled="1"/>
+        </a:gradFill>
+        <a:gradFill rotWithShape="1">
+          <a:gsLst>
+            <a:gs pos="0">
+              <a:schemeClr val="phClr">
+                <a:shade val="51000"/>
+                <a:satMod val="130000"/>
+              </a:schemeClr>
+            </a:gs>
+            <a:gs pos="80000">
+              <a:schemeClr val="phClr">
+                <a:shade val="93000"/>
+                <a:satMod val="130000"/>
+              </a:schemeClr>
+            </a:gs>
+            <a:gs pos="100000">
+              <a:schemeClr val="phClr">
+                <a:shade val="94000"/>
+                <a:satMod val="135000"/>
+              </a:schemeClr>
+            </a:gs>
+          </a:gsLst>
+          <a:lin ang="16200000" scaled="0"/>
+        </a:gradFill>
+      </a:fillStyleLst>
+      <a:lnStyleLst>
+        <a:ln w="9525" cap="flat" cmpd="sng" algn="ctr">
+          <a:solidFill>
+            <a:schemeClr val="phClr">
+              <a:shade val="95000"/>
+              <a:satMod val="105000"/>
+            </a:schemeClr>
+          </a:solidFill>
+          <a:prstDash val="solid"/>
+        </a:ln>
+        <a:ln w="25400" cap="flat" cmpd="sng" algn="ctr">
+          <a:solidFill>
+            <a:schemeClr val="phClr"/>
+          </a:solidFill>
+          <a:prstDash val="solid"/>
+        </a:ln>
+        <a:ln w="38100" cap="flat" cmpd="sng" algn="ctr">
+          <a:solidFill>
+            <a:schemeClr val="phClr"/>
+          </a:solidFill>
+          <a:prstDash val="solid"/>
+        </a:ln>
+      </a:lnStyleLst>
+      <a:effectStyleLst>
+        <a:effectStyle>
+          <a:effectLst>
+            <a:outerShdw blurRad="40000" dist="20000" dir="5400000" rotWithShape="0">
+              <a:srgbClr val="000000">
+                <a:alpha val="38000"/>
+              </a:srgbClr>
+            </a:outerShdw>
+          </a:effectLst>
+        </a:effectStyle>
+        <a:effectStyle>
+          <a:effectLst>
+            <a:outerShdw blurRad="40000" dist="23000" dir="5400000" rotWithShape="0">
+              <a:srgbClr val="000000">
+                <a:alpha val="35000"/>
+              </a:srgbClr>
+            </a:outerShdw>
+          </a:effectLst>
+        </a:effectStyle>
+        <a:effectStyle>
+          <a:effectLst>
+            <a:outerShdw blurRad="40000" dist="23000" dir="5400000" rotWithShape="0">
+              <a:srgbClr val="000000">
+                <a:alpha val="35000"/>
+              </a:srgbClr>
+            </a:outerShdw>
+          </a:effectLst>
+          <a:scene3d>
+            <a:camera prst="orthographicFront">
+              <a:rot lat="0" lon="0" rev="0"/>
+            </a:camera>
+            <a:lightRig rig="threePt" dir="t">
+              <a:rot lat="0" lon="0" rev="1200000"/>
+            </a:lightRig>
+          </a:scene3d>
+          <a:sp3d>
+            <a:bevelT w="63500" h="25400"/>
+          </a:sp3d>
+        </a:effectStyle>
+      </a:effectStyleLst>
+      <a:bgFillStyleLst>
+        <a:solidFill>
+          <a:schemeClr val="phClr"/>
+        </a:solidFill>
+        <a:gradFill rotWithShape="1">
+          <a:gsLst>
+            <a:gs pos="0">
+              <a:schemeClr val="phClr">
+                <a:tint val="40000"/>
+                <a:satMod val="350000"/>
+              </a:schemeClr>
+            </a:gs>
+            <a:gs pos="40000">
+              <a:schemeClr val="phClr">
+                <a:tint val="45000"/>
+                <a:shade val="99000"/>
+                <a:satMod val="350000"/>
+              </a:schemeClr>
+            </a:gs>
+            <a:gs pos="100000">
+              <a:schemeClr val="phClr">
+                <a:shade val="20000"/>
+                <a:satMod val="255000"/>
+              </a:schemeClr>
+            </a:gs>
+          </a:gsLst>
+          <a:path path="circle">
+            <a:fillToRect l="50000" t="-80000" r="50000" b="180000"/>
+          </a:path>
+        </a:gradFill>
+        <a:gradFill rotWithShape="1">
+          <a:gsLst>
+            <a:gs pos="0">
+              <a:schemeClr val="phClr">
+                <a:tint val="80000"/>
+                <a:satMod val="300000"/>
+              </a:schemeClr>
+            </a:gs>
+            <a:gs pos="100000">
+              <a:schemeClr val="phClr">
+                <a:shade val="30000"/>
+                <a:satMod val="200000"/>
+              </a:schemeClr>
+            </a:gs>
+          </a:gsLst>
+          <a:path path="circle">
+            <a:fillToRect l="50000" t="50000" r="50000" b="50000"/>
+          </a:path>
+        </a:gradFill>
+      </a:bgFillStyleLst>
+    </a:fmtScheme>
+  </a:themeElements>
+  <a:objectDefaults/>
+  <a:extraClrSchemeLst/>
+</a:theme>
 </file>
--- a/paper/images/images.pptx
+++ b/paper/images/images.pptx
@@ -5,13 +5,15 @@
     <p:sldMasterId id="2147483648" r:id="rId1"/>
   </p:sldMasterIdLst>
   <p:notesMasterIdLst>
-    <p:notesMasterId r:id="rId6"/>
+    <p:notesMasterId r:id="rId8"/>
   </p:notesMasterIdLst>
   <p:sldIdLst>
     <p:sldId id="256" r:id="rId2"/>
     <p:sldId id="257" r:id="rId3"/>
     <p:sldId id="258" r:id="rId4"/>
     <p:sldId id="259" r:id="rId5"/>
+    <p:sldId id="260" r:id="rId6"/>
+    <p:sldId id="261" r:id="rId7"/>
   </p:sldIdLst>
   <p:sldSz cx="9144000" cy="6858000" type="screen4x3"/>
   <p:notesSz cx="6858000" cy="9144000"/>
@@ -195,7 +197,7 @@
           <a:p>
             <a:fld id="{5A27FBCC-FB8B-4E3F-B0DB-E6CF72579A33}" type="datetimeFigureOut">
               <a:rPr lang="en-US" smtClean="0"/>
-              <a:t>2/23/2014</a:t>
+              <a:t>3/7/2014</a:t>
             </a:fld>
             <a:endParaRPr lang="en-US"/>
           </a:p>
@@ -644,7 +646,7 @@
           <a:p>
             <a:fld id="{74E2AFB1-44FA-4B2E-A4A2-D5E551A12BE2}" type="datetimeFigureOut">
               <a:rPr lang="en-US" smtClean="0"/>
-              <a:t>2/23/2014</a:t>
+              <a:t>3/7/2014</a:t>
             </a:fld>
             <a:endParaRPr lang="en-US"/>
           </a:p>
@@ -814,7 +816,7 @@
           <a:p>
             <a:fld id="{74E2AFB1-44FA-4B2E-A4A2-D5E551A12BE2}" type="datetimeFigureOut">
               <a:rPr lang="en-US" smtClean="0"/>
-              <a:t>2/23/2014</a:t>
+              <a:t>3/7/2014</a:t>
             </a:fld>
             <a:endParaRPr lang="en-US"/>
           </a:p>
@@ -994,7 +996,7 @@
           <a:p>
             <a:fld id="{74E2AFB1-44FA-4B2E-A4A2-D5E551A12BE2}" type="datetimeFigureOut">
               <a:rPr lang="en-US" smtClean="0"/>
-              <a:t>2/23/2014</a:t>
+              <a:t>3/7/2014</a:t>
             </a:fld>
             <a:endParaRPr lang="en-US"/>
           </a:p>
@@ -1164,7 +1166,7 @@
           <a:p>
             <a:fld id="{74E2AFB1-44FA-4B2E-A4A2-D5E551A12BE2}" type="datetimeFigureOut">
               <a:rPr lang="en-US" smtClean="0"/>
-              <a:t>2/23/2014</a:t>
+              <a:t>3/7/2014</a:t>
             </a:fld>
             <a:endParaRPr lang="en-US"/>
           </a:p>
@@ -1410,7 +1412,7 @@
           <a:p>
             <a:fld id="{74E2AFB1-44FA-4B2E-A4A2-D5E551A12BE2}" type="datetimeFigureOut">
               <a:rPr lang="en-US" smtClean="0"/>
-              <a:t>2/23/2014</a:t>
+              <a:t>3/7/2014</a:t>
             </a:fld>
             <a:endParaRPr lang="en-US"/>
           </a:p>
@@ -1698,7 +1700,7 @@
           <a:p>
             <a:fld id="{74E2AFB1-44FA-4B2E-A4A2-D5E551A12BE2}" type="datetimeFigureOut">
               <a:rPr lang="en-US" smtClean="0"/>
-              <a:t>2/23/2014</a:t>
+              <a:t>3/7/2014</a:t>
             </a:fld>
             <a:endParaRPr lang="en-US"/>
           </a:p>
@@ -2120,7 +2122,7 @@
           <a:p>
             <a:fld id="{74E2AFB1-44FA-4B2E-A4A2-D5E551A12BE2}" type="datetimeFigureOut">
               <a:rPr lang="en-US" smtClean="0"/>
-              <a:t>2/23/2014</a:t>
+              <a:t>3/7/2014</a:t>
             </a:fld>
             <a:endParaRPr lang="en-US"/>
           </a:p>
@@ -2238,7 +2240,7 @@
           <a:p>
             <a:fld id="{74E2AFB1-44FA-4B2E-A4A2-D5E551A12BE2}" type="datetimeFigureOut">
               <a:rPr lang="en-US" smtClean="0"/>
-              <a:t>2/23/2014</a:t>
+              <a:t>3/7/2014</a:t>
             </a:fld>
             <a:endParaRPr lang="en-US"/>
           </a:p>
@@ -2333,7 +2335,7 @@
           <a:p>
             <a:fld id="{74E2AFB1-44FA-4B2E-A4A2-D5E551A12BE2}" type="datetimeFigureOut">
               <a:rPr lang="en-US" smtClean="0"/>
-              <a:t>2/23/2014</a:t>
+              <a:t>3/7/2014</a:t>
             </a:fld>
             <a:endParaRPr lang="en-US"/>
           </a:p>
@@ -2610,7 +2612,7 @@
           <a:p>
             <a:fld id="{74E2AFB1-44FA-4B2E-A4A2-D5E551A12BE2}" type="datetimeFigureOut">
               <a:rPr lang="en-US" smtClean="0"/>
-              <a:t>2/23/2014</a:t>
+              <a:t>3/7/2014</a:t>
             </a:fld>
             <a:endParaRPr lang="en-US"/>
           </a:p>
@@ -2863,7 +2865,7 @@
           <a:p>
             <a:fld id="{74E2AFB1-44FA-4B2E-A4A2-D5E551A12BE2}" type="datetimeFigureOut">
               <a:rPr lang="en-US" smtClean="0"/>
-              <a:t>2/23/2014</a:t>
+              <a:t>3/7/2014</a:t>
             </a:fld>
             <a:endParaRPr lang="en-US"/>
           </a:p>
@@ -3076,7 +3078,7 @@
           <a:p>
             <a:fld id="{74E2AFB1-44FA-4B2E-A4A2-D5E551A12BE2}" type="datetimeFigureOut">
               <a:rPr lang="en-US" smtClean="0"/>
-              <a:t>2/23/2014</a:t>
+              <a:t>3/7/2014</a:t>
             </a:fld>
             <a:endParaRPr lang="en-US"/>
           </a:p>
@@ -3453,13 +3455,13 @@
       </p:grpSpPr>
       <p:pic>
         <p:nvPicPr>
-          <p:cNvPr id="1026" name="Picture 2"/>
+          <p:cNvPr id="1027" name="Picture 3"/>
           <p:cNvPicPr>
             <a:picLocks noChangeAspect="1" noChangeArrowheads="1"/>
           </p:cNvPicPr>
           <p:nvPr/>
         </p:nvPicPr>
-        <p:blipFill>
+        <p:blipFill rotWithShape="1">
           <a:blip r:embed="rId2">
             <a:extLst>
               <a:ext uri="{28A0092B-C50C-407E-A947-70E740481C1C}">
@@ -3467,15 +3469,13 @@
               </a:ext>
             </a:extLst>
           </a:blip>
-          <a:srcRect/>
-          <a:stretch>
-            <a:fillRect/>
-          </a:stretch>
+          <a:srcRect r="17513"/>
+          <a:stretch/>
         </p:blipFill>
         <p:spPr bwMode="auto">
           <a:xfrm>
-            <a:off x="0" y="533400"/>
-            <a:ext cx="9144000" cy="5597290"/>
+            <a:off x="0" y="457200"/>
+            <a:ext cx="9144000" cy="6232479"/>
           </a:xfrm>
           <a:prstGeom prst="rect">
             <a:avLst/>
@@ -3514,7 +3514,7 @@
         <p:spPr>
           <a:xfrm>
             <a:off x="0" y="899652"/>
-            <a:ext cx="3657600" cy="2072148"/>
+            <a:ext cx="3657600" cy="2376948"/>
           </a:xfrm>
           <a:prstGeom prst="rect">
             <a:avLst/>
@@ -3560,7 +3560,7 @@
         <p:spPr>
           <a:xfrm>
             <a:off x="3733800" y="899652"/>
-            <a:ext cx="5410200" cy="2072148"/>
+            <a:ext cx="5410200" cy="2376948"/>
           </a:xfrm>
           <a:prstGeom prst="rect">
             <a:avLst/>
@@ -3605,7 +3605,7 @@
         </p:nvSpPr>
         <p:spPr>
           <a:xfrm>
-            <a:off x="0" y="3251784"/>
+            <a:off x="0" y="3579591"/>
             <a:ext cx="9144000" cy="3094895"/>
           </a:xfrm>
           <a:prstGeom prst="rect">
@@ -3754,7 +3754,7 @@
         </p:nvSpPr>
         <p:spPr>
           <a:xfrm>
-            <a:off x="60960" y="3190335"/>
+            <a:off x="60960" y="3518142"/>
             <a:ext cx="320040" cy="320040"/>
           </a:xfrm>
           <a:prstGeom prst="ellipse">
@@ -3827,6 +3827,58 @@
           <a:chExt cx="0" cy="0"/>
         </a:xfrm>
       </p:grpSpPr>
+      <p:sp>
+        <p:nvSpPr>
+          <p:cNvPr id="3" name="Rectangle 2"/>
+          <p:cNvSpPr/>
+          <p:nvPr/>
+        </p:nvSpPr>
+        <p:spPr>
+          <a:xfrm>
+            <a:off x="152400" y="1128148"/>
+            <a:ext cx="5029200" cy="5120252"/>
+          </a:xfrm>
+          <a:prstGeom prst="rect">
+            <a:avLst/>
+          </a:prstGeom>
+          <a:solidFill>
+            <a:schemeClr val="bg1"/>
+          </a:solidFill>
+          <a:ln>
+            <a:solidFill>
+              <a:schemeClr val="bg1"/>
+            </a:solidFill>
+          </a:ln>
+        </p:spPr>
+        <p:style>
+          <a:lnRef idx="2">
+            <a:schemeClr val="accent1">
+              <a:shade val="50000"/>
+            </a:schemeClr>
+          </a:lnRef>
+          <a:fillRef idx="1">
+            <a:schemeClr val="accent1"/>
+          </a:fillRef>
+          <a:effectRef idx="0">
+            <a:schemeClr val="accent1"/>
+          </a:effectRef>
+          <a:fontRef idx="minor">
+            <a:schemeClr val="lt1"/>
+          </a:fontRef>
+        </p:style>
+        <p:txBody>
+          <a:bodyPr rtlCol="0" anchor="ctr"/>
+          <a:lstStyle/>
+          <a:p>
+            <a:pPr algn="ctr"/>
+            <a:endParaRPr lang="en-US">
+              <a:solidFill>
+                <a:schemeClr val="bg1"/>
+              </a:solidFill>
+            </a:endParaRPr>
+          </a:p>
+        </p:txBody>
+      </p:sp>
       <p:pic>
         <p:nvPicPr>
           <p:cNvPr id="4" name="Picture 3"/>
@@ -3849,7 +3901,7 @@
         </p:blipFill>
         <p:spPr>
           <a:xfrm>
-            <a:off x="159936" y="1265935"/>
+            <a:off x="320509" y="1288698"/>
             <a:ext cx="2270894" cy="2286000"/>
           </a:xfrm>
           <a:prstGeom prst="rect">
@@ -3879,7 +3931,7 @@
         </p:blipFill>
         <p:spPr>
           <a:xfrm>
-            <a:off x="2409804" y="1265935"/>
+            <a:off x="2570377" y="1300573"/>
             <a:ext cx="2296093" cy="2286000"/>
           </a:xfrm>
           <a:prstGeom prst="rect">
@@ -3909,7 +3961,7 @@
         </p:blipFill>
         <p:spPr>
           <a:xfrm>
-            <a:off x="4665408" y="1265935"/>
+            <a:off x="320509" y="3737420"/>
             <a:ext cx="2226624" cy="2286000"/>
           </a:xfrm>
           <a:prstGeom prst="rect">
@@ -3939,7 +3991,7 @@
         </p:blipFill>
         <p:spPr>
           <a:xfrm>
-            <a:off x="6913728" y="1265935"/>
+            <a:off x="2634714" y="3737420"/>
             <a:ext cx="2200776" cy="2286000"/>
           </a:xfrm>
           <a:prstGeom prst="rect">
@@ -3955,8 +4007,8 @@
         </p:nvSpPr>
         <p:spPr>
           <a:xfrm>
-            <a:off x="60960" y="1126963"/>
-            <a:ext cx="320040" cy="320040"/>
+            <a:off x="221533" y="1149726"/>
+            <a:ext cx="228600" cy="228600"/>
           </a:xfrm>
           <a:prstGeom prst="ellipse">
             <a:avLst/>
@@ -3992,10 +4044,10 @@
           <a:p>
             <a:pPr algn="ctr"/>
             <a:r>
-              <a:rPr lang="en-US" dirty="0" smtClean="0"/>
+              <a:rPr lang="en-US" sz="1300" dirty="0" smtClean="0"/>
               <a:t>1</a:t>
             </a:r>
-            <a:endParaRPr lang="en-US" dirty="0"/>
+            <a:endParaRPr lang="en-US" sz="1300" dirty="0"/>
           </a:p>
         </p:txBody>
       </p:sp>
@@ -4007,8 +4059,8 @@
         </p:nvSpPr>
         <p:spPr>
           <a:xfrm>
-            <a:off x="2270760" y="1126963"/>
-            <a:ext cx="320040" cy="320040"/>
+            <a:off x="2431333" y="1149726"/>
+            <a:ext cx="228600" cy="228600"/>
           </a:xfrm>
           <a:prstGeom prst="ellipse">
             <a:avLst/>
@@ -4044,10 +4096,10 @@
           <a:p>
             <a:pPr algn="ctr"/>
             <a:r>
-              <a:rPr lang="en-US" dirty="0" smtClean="0"/>
+              <a:rPr lang="en-US" sz="1300" dirty="0" smtClean="0"/>
               <a:t>2</a:t>
             </a:r>
-            <a:endParaRPr lang="en-US" dirty="0"/>
+            <a:endParaRPr lang="en-US" sz="1300" dirty="0"/>
           </a:p>
         </p:txBody>
       </p:sp>
@@ -4059,8 +4111,8 @@
         </p:nvSpPr>
         <p:spPr>
           <a:xfrm>
-            <a:off x="4545877" y="1126963"/>
-            <a:ext cx="320040" cy="320040"/>
+            <a:off x="221533" y="3573711"/>
+            <a:ext cx="228600" cy="228600"/>
           </a:xfrm>
           <a:prstGeom prst="ellipse">
             <a:avLst/>
@@ -4096,10 +4148,10 @@
           <a:p>
             <a:pPr algn="ctr"/>
             <a:r>
-              <a:rPr lang="en-US" dirty="0" smtClean="0"/>
+              <a:rPr lang="en-US" sz="1300" dirty="0" smtClean="0"/>
               <a:t>3</a:t>
             </a:r>
-            <a:endParaRPr lang="en-US" dirty="0"/>
+            <a:endParaRPr lang="en-US" sz="1300" dirty="0"/>
           </a:p>
         </p:txBody>
       </p:sp>
@@ -4111,8 +4163,8 @@
         </p:nvSpPr>
         <p:spPr>
           <a:xfrm>
-            <a:off x="6753708" y="1126963"/>
-            <a:ext cx="320040" cy="320040"/>
+            <a:off x="2431333" y="3573711"/>
+            <a:ext cx="228600" cy="228600"/>
           </a:xfrm>
           <a:prstGeom prst="ellipse">
             <a:avLst/>
@@ -4148,10 +4200,168 @@
           <a:p>
             <a:pPr algn="ctr"/>
             <a:r>
-              <a:rPr lang="en-US" dirty="0" smtClean="0"/>
+              <a:rPr lang="en-US" sz="1300" dirty="0" smtClean="0"/>
               <a:t>4</a:t>
             </a:r>
-            <a:endParaRPr lang="en-US" dirty="0"/>
+            <a:endParaRPr lang="en-US" sz="1300" dirty="0"/>
+          </a:p>
+        </p:txBody>
+      </p:sp>
+      <p:sp>
+        <p:nvSpPr>
+          <p:cNvPr id="2" name="TextBox 1"/>
+          <p:cNvSpPr txBox="1"/>
+          <p:nvPr/>
+        </p:nvSpPr>
+        <p:spPr>
+          <a:xfrm>
+            <a:off x="368300" y="1128148"/>
+            <a:ext cx="1777934" cy="261610"/>
+          </a:xfrm>
+          <a:prstGeom prst="rect">
+            <a:avLst/>
+          </a:prstGeom>
+          <a:noFill/>
+        </p:spPr>
+        <p:txBody>
+          <a:bodyPr wrap="square" rtlCol="0">
+            <a:spAutoFit/>
+          </a:bodyPr>
+          <a:lstStyle/>
+          <a:p>
+            <a:r>
+              <a:rPr lang="en-US" sz="1100" dirty="0" smtClean="0">
+                <a:latin typeface="+mj-lt"/>
+                <a:cs typeface="Arial" panose="020B0604020202020204" pitchFamily="34" charset="0"/>
+              </a:rPr>
+              <a:t>Community Selection</a:t>
+            </a:r>
+            <a:endParaRPr lang="en-US" sz="1100" dirty="0">
+              <a:latin typeface="+mj-lt"/>
+              <a:cs typeface="Arial" panose="020B0604020202020204" pitchFamily="34" charset="0"/>
+            </a:endParaRPr>
+          </a:p>
+        </p:txBody>
+      </p:sp>
+      <p:sp>
+        <p:nvSpPr>
+          <p:cNvPr id="12" name="TextBox 11"/>
+          <p:cNvSpPr txBox="1"/>
+          <p:nvPr/>
+        </p:nvSpPr>
+        <p:spPr>
+          <a:xfrm>
+            <a:off x="2599732" y="1128148"/>
+            <a:ext cx="1777934" cy="261610"/>
+          </a:xfrm>
+          <a:prstGeom prst="rect">
+            <a:avLst/>
+          </a:prstGeom>
+          <a:noFill/>
+        </p:spPr>
+        <p:txBody>
+          <a:bodyPr wrap="square" rtlCol="0">
+            <a:spAutoFit/>
+          </a:bodyPr>
+          <a:lstStyle/>
+          <a:p>
+            <a:r>
+              <a:rPr lang="en-US" sz="1100" dirty="0" smtClean="0">
+                <a:latin typeface="+mj-lt"/>
+                <a:cs typeface="Arial" panose="020B0604020202020204" pitchFamily="34" charset="0"/>
+              </a:rPr>
+              <a:t>Region Selection</a:t>
+            </a:r>
+            <a:endParaRPr lang="en-US" sz="1100" dirty="0">
+              <a:latin typeface="+mj-lt"/>
+              <a:cs typeface="Arial" panose="020B0604020202020204" pitchFamily="34" charset="0"/>
+            </a:endParaRPr>
+          </a:p>
+        </p:txBody>
+      </p:sp>
+      <p:sp>
+        <p:nvSpPr>
+          <p:cNvPr id="13" name="TextBox 12"/>
+          <p:cNvSpPr txBox="1"/>
+          <p:nvPr/>
+        </p:nvSpPr>
+        <p:spPr>
+          <a:xfrm>
+            <a:off x="368300" y="3560574"/>
+            <a:ext cx="1777934" cy="261610"/>
+          </a:xfrm>
+          <a:prstGeom prst="rect">
+            <a:avLst/>
+          </a:prstGeom>
+          <a:noFill/>
+        </p:spPr>
+        <p:txBody>
+          <a:bodyPr wrap="square" rtlCol="0">
+            <a:spAutoFit/>
+          </a:bodyPr>
+          <a:lstStyle/>
+          <a:p>
+            <a:r>
+              <a:rPr lang="en-US" sz="1100" dirty="0" smtClean="0">
+                <a:latin typeface="+mj-lt"/>
+                <a:cs typeface="Arial" panose="020B0604020202020204" pitchFamily="34" charset="0"/>
+              </a:rPr>
+              <a:t>Urbanicity </a:t>
+            </a:r>
+            <a:r>
+              <a:rPr lang="en-US" sz="1100" dirty="0">
+                <a:latin typeface="+mj-lt"/>
+                <a:cs typeface="Arial" panose="020B0604020202020204" pitchFamily="34" charset="0"/>
+              </a:rPr>
+              <a:t>S</a:t>
+            </a:r>
+            <a:r>
+              <a:rPr lang="en-US" sz="1100" dirty="0" smtClean="0">
+                <a:latin typeface="+mj-lt"/>
+                <a:cs typeface="Arial" panose="020B0604020202020204" pitchFamily="34" charset="0"/>
+              </a:rPr>
+              <a:t>election</a:t>
+            </a:r>
+            <a:endParaRPr lang="en-US" sz="1100" dirty="0">
+              <a:latin typeface="+mj-lt"/>
+              <a:cs typeface="Arial" panose="020B0604020202020204" pitchFamily="34" charset="0"/>
+            </a:endParaRPr>
+          </a:p>
+        </p:txBody>
+      </p:sp>
+      <p:sp>
+        <p:nvSpPr>
+          <p:cNvPr id="14" name="TextBox 13"/>
+          <p:cNvSpPr txBox="1"/>
+          <p:nvPr/>
+        </p:nvSpPr>
+        <p:spPr>
+          <a:xfrm>
+            <a:off x="2599732" y="3560574"/>
+            <a:ext cx="2199744" cy="261610"/>
+          </a:xfrm>
+          <a:prstGeom prst="rect">
+            <a:avLst/>
+          </a:prstGeom>
+          <a:noFill/>
+        </p:spPr>
+        <p:txBody>
+          <a:bodyPr wrap="square" rtlCol="0">
+            <a:spAutoFit/>
+          </a:bodyPr>
+          <a:lstStyle/>
+          <a:p>
+            <a:r>
+              <a:rPr lang="en-US" sz="1100" dirty="0" smtClean="0">
+                <a:latin typeface="+mj-lt"/>
+                <a:cs typeface="Arial" panose="020B0604020202020204" pitchFamily="34" charset="0"/>
+              </a:rPr>
+              <a:t>All Community Selection</a:t>
+            </a:r>
+            <a:endParaRPr lang="en-US" sz="1100" dirty="0">
+              <a:latin typeface="+mj-lt"/>
+              <a:cs typeface="Arial" panose="020B0604020202020204" pitchFamily="34" charset="0"/>
+            </a:endParaRPr>
           </a:p>
         </p:txBody>
       </p:sp>
@@ -5877,8 +6087,8 @@
         </p:nvSpPr>
         <p:spPr>
           <a:xfrm>
-            <a:off x="91440" y="-121416"/>
-            <a:ext cx="8804262" cy="10402155"/>
+            <a:off x="91440" y="-121415"/>
+            <a:ext cx="8804262" cy="3702816"/>
           </a:xfrm>
           <a:prstGeom prst="rect">
             <a:avLst/>
@@ -5947,4282 +6157,6 @@
           </a:prstGeom>
         </p:spPr>
       </p:pic>
-      <p:pic>
-        <p:nvPicPr>
-          <p:cNvPr id="15" name="Picture 14"/>
-          <p:cNvPicPr>
-            <a:picLocks noChangeAspect="1"/>
-          </p:cNvPicPr>
-          <p:nvPr/>
-        </p:nvPicPr>
-        <p:blipFill>
-          <a:blip r:embed="rId3" cstate="print">
-            <a:extLst>
-              <a:ext uri="{28A0092B-C50C-407E-A947-70E740481C1C}">
-                <a14:useLocalDpi xmlns:a14="http://schemas.microsoft.com/office/drawing/2010/main" val="0"/>
-              </a:ext>
-            </a:extLst>
-          </a:blip>
-          <a:stretch>
-            <a:fillRect/>
-          </a:stretch>
-        </p:blipFill>
-        <p:spPr>
-          <a:xfrm>
-            <a:off x="1488768" y="3420626"/>
-            <a:ext cx="3089156" cy="3200399"/>
-          </a:xfrm>
-          <a:prstGeom prst="rect">
-            <a:avLst/>
-          </a:prstGeom>
-        </p:spPr>
-      </p:pic>
-      <p:pic>
-        <p:nvPicPr>
-          <p:cNvPr id="16" name="Picture 15"/>
-          <p:cNvPicPr>
-            <a:picLocks noChangeAspect="1"/>
-          </p:cNvPicPr>
-          <p:nvPr/>
-        </p:nvPicPr>
-        <p:blipFill>
-          <a:blip r:embed="rId4" cstate="print">
-            <a:extLst>
-              <a:ext uri="{28A0092B-C50C-407E-A947-70E740481C1C}">
-                <a14:useLocalDpi xmlns:a14="http://schemas.microsoft.com/office/drawing/2010/main" val="0"/>
-              </a:ext>
-            </a:extLst>
-          </a:blip>
-          <a:stretch>
-            <a:fillRect/>
-          </a:stretch>
-        </p:blipFill>
-        <p:spPr>
-          <a:xfrm>
-            <a:off x="5821852" y="3443445"/>
-            <a:ext cx="3089156" cy="3200399"/>
-          </a:xfrm>
-          <a:prstGeom prst="rect">
-            <a:avLst/>
-          </a:prstGeom>
-        </p:spPr>
-      </p:pic>
-      <p:pic>
-        <p:nvPicPr>
-          <p:cNvPr id="19" name="Picture 18"/>
-          <p:cNvPicPr>
-            <a:picLocks noChangeAspect="1"/>
-          </p:cNvPicPr>
-          <p:nvPr/>
-        </p:nvPicPr>
-        <p:blipFill>
-          <a:blip r:embed="rId5" cstate="print">
-            <a:extLst>
-              <a:ext uri="{28A0092B-C50C-407E-A947-70E740481C1C}">
-                <a14:useLocalDpi xmlns:a14="http://schemas.microsoft.com/office/drawing/2010/main" val="0"/>
-              </a:ext>
-            </a:extLst>
-          </a:blip>
-          <a:stretch>
-            <a:fillRect/>
-          </a:stretch>
-        </p:blipFill>
-        <p:spPr>
-          <a:xfrm>
-            <a:off x="1490873" y="6876578"/>
-            <a:ext cx="3089156" cy="3200399"/>
-          </a:xfrm>
-          <a:prstGeom prst="rect">
-            <a:avLst/>
-          </a:prstGeom>
-        </p:spPr>
-      </p:pic>
-      <p:pic>
-        <p:nvPicPr>
-          <p:cNvPr id="30" name="Picture 29"/>
-          <p:cNvPicPr>
-            <a:picLocks noChangeAspect="1"/>
-          </p:cNvPicPr>
-          <p:nvPr/>
-        </p:nvPicPr>
-        <p:blipFill>
-          <a:blip r:embed="rId6" cstate="print">
-            <a:extLst>
-              <a:ext uri="{28A0092B-C50C-407E-A947-70E740481C1C}">
-                <a14:useLocalDpi xmlns:a14="http://schemas.microsoft.com/office/drawing/2010/main" val="0"/>
-              </a:ext>
-            </a:extLst>
-          </a:blip>
-          <a:stretch>
-            <a:fillRect/>
-          </a:stretch>
-        </p:blipFill>
-        <p:spPr>
-          <a:xfrm>
-            <a:off x="5818454" y="6876578"/>
-            <a:ext cx="3089156" cy="3200399"/>
-          </a:xfrm>
-          <a:prstGeom prst="rect">
-            <a:avLst/>
-          </a:prstGeom>
-        </p:spPr>
-      </p:pic>
-      <p:grpSp>
-        <p:nvGrpSpPr>
-          <p:cNvPr id="2072" name="Group 2071"/>
-          <p:cNvGrpSpPr/>
-          <p:nvPr/>
-        </p:nvGrpSpPr>
-        <p:grpSpPr>
-          <a:xfrm>
-            <a:off x="221102" y="6856836"/>
-            <a:ext cx="4343400" cy="3420626"/>
-            <a:chOff x="221102" y="6852441"/>
-            <a:chExt cx="4343400" cy="3420626"/>
-          </a:xfrm>
-        </p:grpSpPr>
-        <p:grpSp>
-          <p:nvGrpSpPr>
-            <p:cNvPr id="278" name="Group 277"/>
-            <p:cNvGrpSpPr/>
-            <p:nvPr/>
-          </p:nvGrpSpPr>
-          <p:grpSpPr>
-            <a:xfrm>
-              <a:off x="221102" y="6852441"/>
-              <a:ext cx="4343400" cy="3420626"/>
-              <a:chOff x="228600" y="-76200"/>
-              <a:chExt cx="4343400" cy="3420626"/>
-            </a:xfrm>
-          </p:grpSpPr>
-          <p:sp>
-            <p:nvSpPr>
-              <p:cNvPr id="280" name="Rectangle 279"/>
-              <p:cNvSpPr/>
-              <p:nvPr/>
-            </p:nvSpPr>
-            <p:spPr>
-              <a:xfrm>
-                <a:off x="228600" y="-76200"/>
-                <a:ext cx="4343400" cy="3418114"/>
-              </a:xfrm>
-              <a:prstGeom prst="rect">
-                <a:avLst/>
-              </a:prstGeom>
-              <a:noFill/>
-              <a:ln>
-                <a:solidFill>
-                  <a:schemeClr val="bg1">
-                    <a:lumMod val="50000"/>
-                  </a:schemeClr>
-                </a:solidFill>
-              </a:ln>
-            </p:spPr>
-            <p:style>
-              <a:lnRef idx="2">
-                <a:schemeClr val="accent1">
-                  <a:shade val="50000"/>
-                </a:schemeClr>
-              </a:lnRef>
-              <a:fillRef idx="1">
-                <a:schemeClr val="accent1"/>
-              </a:fillRef>
-              <a:effectRef idx="0">
-                <a:schemeClr val="accent1"/>
-              </a:effectRef>
-              <a:fontRef idx="minor">
-                <a:schemeClr val="lt1"/>
-              </a:fontRef>
-            </p:style>
-            <p:txBody>
-              <a:bodyPr rtlCol="0" anchor="ctr"/>
-              <a:lstStyle/>
-              <a:p>
-                <a:pPr algn="ctr"/>
-                <a:endParaRPr lang="en-US"/>
-              </a:p>
-            </p:txBody>
-          </p:sp>
-          <p:grpSp>
-            <p:nvGrpSpPr>
-              <p:cNvPr id="281" name="Group 280"/>
-              <p:cNvGrpSpPr>
-                <a:grpSpLocks noChangeAspect="1"/>
-              </p:cNvGrpSpPr>
-              <p:nvPr/>
-            </p:nvGrpSpPr>
-            <p:grpSpPr>
-              <a:xfrm>
-                <a:off x="228600" y="2475746"/>
-                <a:ext cx="1339932" cy="868680"/>
-                <a:chOff x="1143000" y="1752600"/>
-                <a:chExt cx="4466440" cy="2895600"/>
-              </a:xfrm>
-            </p:grpSpPr>
-            <p:grpSp>
-              <p:nvGrpSpPr>
-                <p:cNvPr id="282" name="Group 281"/>
-                <p:cNvGrpSpPr/>
-                <p:nvPr/>
-              </p:nvGrpSpPr>
-              <p:grpSpPr>
-                <a:xfrm>
-                  <a:off x="1143000" y="1752600"/>
-                  <a:ext cx="4419600" cy="2895600"/>
-                  <a:chOff x="1143000" y="1752600"/>
-                  <a:chExt cx="4419600" cy="2895600"/>
-                </a:xfrm>
-              </p:grpSpPr>
-              <p:sp>
-                <p:nvSpPr>
-                  <p:cNvPr id="285" name="Rectangle 284"/>
-                  <p:cNvSpPr/>
-                  <p:nvPr/>
-                </p:nvSpPr>
-                <p:spPr>
-                  <a:xfrm>
-                    <a:off x="1143000" y="1752600"/>
-                    <a:ext cx="2209800" cy="1295400"/>
-                  </a:xfrm>
-                  <a:prstGeom prst="rect">
-                    <a:avLst/>
-                  </a:prstGeom>
-                  <a:solidFill>
-                    <a:schemeClr val="bg1">
-                      <a:lumMod val="95000"/>
-                    </a:schemeClr>
-                  </a:solidFill>
-                  <a:ln>
-                    <a:noFill/>
-                  </a:ln>
-                </p:spPr>
-                <p:style>
-                  <a:lnRef idx="2">
-                    <a:schemeClr val="accent1">
-                      <a:shade val="50000"/>
-                    </a:schemeClr>
-                  </a:lnRef>
-                  <a:fillRef idx="1">
-                    <a:schemeClr val="accent1"/>
-                  </a:fillRef>
-                  <a:effectRef idx="0">
-                    <a:schemeClr val="accent1"/>
-                  </a:effectRef>
-                  <a:fontRef idx="minor">
-                    <a:schemeClr val="lt1"/>
-                  </a:fontRef>
-                </p:style>
-                <p:txBody>
-                  <a:bodyPr rtlCol="0" anchor="ctr"/>
-                  <a:lstStyle/>
-                  <a:p>
-                    <a:pPr algn="ctr"/>
-                    <a:endParaRPr lang="en-US"/>
-                  </a:p>
-                </p:txBody>
-              </p:sp>
-              <p:pic>
-                <p:nvPicPr>
-                  <p:cNvPr id="286" name="Picture 4"/>
-                  <p:cNvPicPr>
-                    <a:picLocks noChangeAspect="1" noChangeArrowheads="1"/>
-                  </p:cNvPicPr>
-                  <p:nvPr/>
-                </p:nvPicPr>
-                <p:blipFill>
-                  <a:blip r:embed="rId7" cstate="print">
-                    <a:extLst>
-                      <a:ext uri="{28A0092B-C50C-407E-A947-70E740481C1C}">
-                        <a14:useLocalDpi xmlns:a14="http://schemas.microsoft.com/office/drawing/2010/main" val="0"/>
-                      </a:ext>
-                    </a:extLst>
-                  </a:blip>
-                  <a:srcRect/>
-                  <a:stretch>
-                    <a:fillRect/>
-                  </a:stretch>
-                </p:blipFill>
-                <p:spPr bwMode="auto">
-                  <a:xfrm>
-                    <a:off x="1326904" y="2001245"/>
-                    <a:ext cx="1828800" cy="798021"/>
-                  </a:xfrm>
-                  <a:prstGeom prst="rect">
-                    <a:avLst/>
-                  </a:prstGeom>
-                  <a:noFill/>
-                  <a:ln>
-                    <a:noFill/>
-                  </a:ln>
-                  <a:extLst>
-                    <a:ext uri="{909E8E84-426E-40DD-AFC4-6F175D3DCCD1}">
-                      <a14:hiddenFill xmlns:a14="http://schemas.microsoft.com/office/drawing/2010/main">
-                        <a:solidFill>
-                          <a:schemeClr val="accent1"/>
-                        </a:solidFill>
-                      </a14:hiddenFill>
-                    </a:ext>
-                    <a:ext uri="{91240B29-F687-4F45-9708-019B960494DF}">
-                      <a14:hiddenLine xmlns:a14="http://schemas.microsoft.com/office/drawing/2010/main" w="9525">
-                        <a:solidFill>
-                          <a:schemeClr val="tx1"/>
-                        </a:solidFill>
-                        <a:miter lim="800000"/>
-                        <a:headEnd/>
-                        <a:tailEnd/>
-                      </a14:hiddenLine>
-                    </a:ext>
-                  </a:extLst>
-                </p:spPr>
-              </p:pic>
-              <p:grpSp>
-                <p:nvGrpSpPr>
-                  <p:cNvPr id="287" name="Group 286"/>
-                  <p:cNvGrpSpPr/>
-                  <p:nvPr/>
-                </p:nvGrpSpPr>
-                <p:grpSpPr>
-                  <a:xfrm>
-                    <a:off x="3349752" y="1766597"/>
-                    <a:ext cx="2212848" cy="1267406"/>
-                    <a:chOff x="7772400" y="1447800"/>
-                    <a:chExt cx="2212848" cy="1267406"/>
-                  </a:xfrm>
-                </p:grpSpPr>
-                <p:pic>
-                  <p:nvPicPr>
-                    <p:cNvPr id="303" name="Picture 2"/>
-                    <p:cNvPicPr>
-                      <a:picLocks noChangeAspect="1" noChangeArrowheads="1"/>
-                    </p:cNvPicPr>
-                    <p:nvPr/>
-                  </p:nvPicPr>
-                  <p:blipFill>
-                    <a:blip r:embed="rId8" cstate="print">
-                      <a:extLst>
-                        <a:ext uri="{28A0092B-C50C-407E-A947-70E740481C1C}">
-                          <a14:useLocalDpi xmlns:a14="http://schemas.microsoft.com/office/drawing/2010/main" val="0"/>
-                        </a:ext>
-                      </a:extLst>
-                    </a:blip>
-                    <a:srcRect/>
-                    <a:stretch>
-                      <a:fillRect/>
-                    </a:stretch>
-                  </p:blipFill>
-                  <p:spPr bwMode="auto">
-                    <a:xfrm>
-                      <a:off x="7772400" y="1447801"/>
-                      <a:ext cx="2212848" cy="1267405"/>
-                    </a:xfrm>
-                    <a:prstGeom prst="rect">
-                      <a:avLst/>
-                    </a:prstGeom>
-                    <a:noFill/>
-                    <a:ln>
-                      <a:noFill/>
-                    </a:ln>
-                    <a:extLst>
-                      <a:ext uri="{909E8E84-426E-40DD-AFC4-6F175D3DCCD1}">
-                        <a14:hiddenFill xmlns:a14="http://schemas.microsoft.com/office/drawing/2010/main">
-                          <a:solidFill>
-                            <a:schemeClr val="accent1"/>
-                          </a:solidFill>
-                        </a14:hiddenFill>
-                      </a:ext>
-                      <a:ext uri="{91240B29-F687-4F45-9708-019B960494DF}">
-                        <a14:hiddenLine xmlns:a14="http://schemas.microsoft.com/office/drawing/2010/main" w="9525">
-                          <a:solidFill>
-                            <a:schemeClr val="tx1"/>
-                          </a:solidFill>
-                          <a:miter lim="800000"/>
-                          <a:headEnd/>
-                          <a:tailEnd/>
-                        </a14:hiddenLine>
-                      </a:ext>
-                    </a:extLst>
-                  </p:spPr>
-                </p:pic>
-                <p:sp>
-                  <p:nvSpPr>
-                    <p:cNvPr id="304" name="Rectangle 303"/>
-                    <p:cNvSpPr/>
-                    <p:nvPr/>
-                  </p:nvSpPr>
-                  <p:spPr>
-                    <a:xfrm>
-                      <a:off x="7772401" y="1447800"/>
-                      <a:ext cx="381000" cy="228600"/>
-                    </a:xfrm>
-                    <a:prstGeom prst="rect">
-                      <a:avLst/>
-                    </a:prstGeom>
-                    <a:solidFill>
-                      <a:schemeClr val="bg1"/>
-                    </a:solidFill>
-                    <a:ln>
-                      <a:noFill/>
-                    </a:ln>
-                  </p:spPr>
-                  <p:style>
-                    <a:lnRef idx="2">
-                      <a:schemeClr val="accent1">
-                        <a:shade val="50000"/>
-                      </a:schemeClr>
-                    </a:lnRef>
-                    <a:fillRef idx="1">
-                      <a:schemeClr val="accent1"/>
-                    </a:fillRef>
-                    <a:effectRef idx="0">
-                      <a:schemeClr val="accent1"/>
-                    </a:effectRef>
-                    <a:fontRef idx="minor">
-                      <a:schemeClr val="lt1"/>
-                    </a:fontRef>
-                  </p:style>
-                  <p:txBody>
-                    <a:bodyPr rtlCol="0" anchor="ctr"/>
-                    <a:lstStyle/>
-                    <a:p>
-                      <a:pPr algn="ctr"/>
-                      <a:endParaRPr lang="en-US"/>
-                    </a:p>
-                  </p:txBody>
-                </p:sp>
-              </p:grpSp>
-              <p:grpSp>
-                <p:nvGrpSpPr>
-                  <p:cNvPr id="288" name="Group 287"/>
-                  <p:cNvGrpSpPr>
-                    <a:grpSpLocks noChangeAspect="1"/>
-                  </p:cNvGrpSpPr>
-                  <p:nvPr/>
-                </p:nvGrpSpPr>
-                <p:grpSpPr>
-                  <a:xfrm>
-                    <a:off x="1395350" y="3337560"/>
-                    <a:ext cx="944979" cy="1005840"/>
-                    <a:chOff x="6282046" y="1523997"/>
-                    <a:chExt cx="2099954" cy="2235200"/>
-                  </a:xfrm>
-                </p:grpSpPr>
-                <p:pic>
-                  <p:nvPicPr>
-                    <p:cNvPr id="300" name="Picture 3"/>
-                    <p:cNvPicPr>
-                      <a:picLocks noChangeAspect="1" noChangeArrowheads="1"/>
-                    </p:cNvPicPr>
-                    <p:nvPr/>
-                  </p:nvPicPr>
-                  <p:blipFill rotWithShape="1">
-                    <a:blip r:embed="rId9" cstate="print">
-                      <a:extLst>
-                        <a:ext uri="{28A0092B-C50C-407E-A947-70E740481C1C}">
-                          <a14:useLocalDpi xmlns:a14="http://schemas.microsoft.com/office/drawing/2010/main" val="0"/>
-                        </a:ext>
-                      </a:extLst>
-                    </a:blip>
-                    <a:srcRect l="8207" b="4009"/>
-                    <a:stretch/>
-                  </p:blipFill>
-                  <p:spPr bwMode="auto">
-                    <a:xfrm>
-                      <a:off x="6282046" y="1555706"/>
-                      <a:ext cx="2080903" cy="2203491"/>
-                    </a:xfrm>
-                    <a:prstGeom prst="rect">
-                      <a:avLst/>
-                    </a:prstGeom>
-                    <a:noFill/>
-                    <a:ln>
-                      <a:noFill/>
-                    </a:ln>
-                    <a:extLst>
-                      <a:ext uri="{909E8E84-426E-40DD-AFC4-6F175D3DCCD1}">
-                        <a14:hiddenFill xmlns:a14="http://schemas.microsoft.com/office/drawing/2010/main">
-                          <a:solidFill>
-                            <a:schemeClr val="accent1"/>
-                          </a:solidFill>
-                        </a14:hiddenFill>
-                      </a:ext>
-                      <a:ext uri="{91240B29-F687-4F45-9708-019B960494DF}">
-                        <a14:hiddenLine xmlns:a14="http://schemas.microsoft.com/office/drawing/2010/main" w="9525">
-                          <a:solidFill>
-                            <a:schemeClr val="tx1"/>
-                          </a:solidFill>
-                          <a:miter lim="800000"/>
-                          <a:headEnd/>
-                          <a:tailEnd/>
-                        </a14:hiddenLine>
-                      </a:ext>
-                    </a:extLst>
-                  </p:spPr>
-                </p:pic>
-                <p:cxnSp>
-                  <p:nvCxnSpPr>
-                    <p:cNvPr id="301" name="Straight Connector 300"/>
-                    <p:cNvCxnSpPr/>
-                    <p:nvPr/>
-                  </p:nvCxnSpPr>
-                  <p:spPr>
-                    <a:xfrm>
-                      <a:off x="6282046" y="1523997"/>
-                      <a:ext cx="0" cy="2235200"/>
-                    </a:xfrm>
-                    <a:prstGeom prst="line">
-                      <a:avLst/>
-                    </a:prstGeom>
-                    <a:ln>
-                      <a:solidFill>
-                        <a:schemeClr val="bg1">
-                          <a:lumMod val="50000"/>
-                        </a:schemeClr>
-                      </a:solidFill>
-                    </a:ln>
-                  </p:spPr>
-                  <p:style>
-                    <a:lnRef idx="1">
-                      <a:schemeClr val="accent1"/>
-                    </a:lnRef>
-                    <a:fillRef idx="0">
-                      <a:schemeClr val="accent1"/>
-                    </a:fillRef>
-                    <a:effectRef idx="0">
-                      <a:schemeClr val="accent1"/>
-                    </a:effectRef>
-                    <a:fontRef idx="minor">
-                      <a:schemeClr val="tx1"/>
-                    </a:fontRef>
-                  </p:style>
-                </p:cxnSp>
-                <p:cxnSp>
-                  <p:nvCxnSpPr>
-                    <p:cNvPr id="302" name="Straight Connector 301"/>
-                    <p:cNvCxnSpPr/>
-                    <p:nvPr/>
-                  </p:nvCxnSpPr>
-                  <p:spPr>
-                    <a:xfrm flipH="1">
-                      <a:off x="6282046" y="3759197"/>
-                      <a:ext cx="2099954" cy="0"/>
-                    </a:xfrm>
-                    <a:prstGeom prst="line">
-                      <a:avLst/>
-                    </a:prstGeom>
-                    <a:ln>
-                      <a:solidFill>
-                        <a:schemeClr val="bg1">
-                          <a:lumMod val="50000"/>
-                        </a:schemeClr>
-                      </a:solidFill>
-                    </a:ln>
-                  </p:spPr>
-                  <p:style>
-                    <a:lnRef idx="1">
-                      <a:schemeClr val="accent1"/>
-                    </a:lnRef>
-                    <a:fillRef idx="0">
-                      <a:schemeClr val="accent1"/>
-                    </a:fillRef>
-                    <a:effectRef idx="0">
-                      <a:schemeClr val="accent1"/>
-                    </a:effectRef>
-                    <a:fontRef idx="minor">
-                      <a:schemeClr val="tx1"/>
-                    </a:fontRef>
-                  </p:style>
-                </p:cxnSp>
-              </p:grpSp>
-              <p:grpSp>
-                <p:nvGrpSpPr>
-                  <p:cNvPr id="289" name="Group 288"/>
-                  <p:cNvGrpSpPr/>
-                  <p:nvPr/>
-                </p:nvGrpSpPr>
-                <p:grpSpPr>
-                  <a:xfrm>
-                    <a:off x="2844685" y="3337560"/>
-                    <a:ext cx="944979" cy="1002422"/>
-                    <a:chOff x="6400800" y="4036216"/>
-                    <a:chExt cx="944979" cy="1002422"/>
-                  </a:xfrm>
-                </p:grpSpPr>
-                <p:pic>
-                  <p:nvPicPr>
-                    <p:cNvPr id="297" name="Picture 5"/>
-                    <p:cNvPicPr>
-                      <a:picLocks noChangeAspect="1" noChangeArrowheads="1"/>
-                    </p:cNvPicPr>
-                    <p:nvPr/>
-                  </p:nvPicPr>
-                  <p:blipFill>
-                    <a:blip r:embed="rId10" cstate="print">
-                      <a:extLst>
-                        <a:ext uri="{28A0092B-C50C-407E-A947-70E740481C1C}">
-                          <a14:useLocalDpi xmlns:a14="http://schemas.microsoft.com/office/drawing/2010/main" val="0"/>
-                        </a:ext>
-                      </a:extLst>
-                    </a:blip>
-                    <a:srcRect/>
-                    <a:stretch>
-                      <a:fillRect/>
-                    </a:stretch>
-                  </p:blipFill>
-                  <p:spPr bwMode="auto">
-                    <a:xfrm>
-                      <a:off x="6400800" y="4036216"/>
-                      <a:ext cx="932688" cy="1002422"/>
-                    </a:xfrm>
-                    <a:prstGeom prst="rect">
-                      <a:avLst/>
-                    </a:prstGeom>
-                    <a:noFill/>
-                    <a:ln>
-                      <a:noFill/>
-                    </a:ln>
-                    <a:extLst>
-                      <a:ext uri="{909E8E84-426E-40DD-AFC4-6F175D3DCCD1}">
-                        <a14:hiddenFill xmlns:a14="http://schemas.microsoft.com/office/drawing/2010/main">
-                          <a:solidFill>
-                            <a:schemeClr val="accent1"/>
-                          </a:solidFill>
-                        </a14:hiddenFill>
-                      </a:ext>
-                      <a:ext uri="{91240B29-F687-4F45-9708-019B960494DF}">
-                        <a14:hiddenLine xmlns:a14="http://schemas.microsoft.com/office/drawing/2010/main" w="9525">
-                          <a:solidFill>
-                            <a:schemeClr val="tx1"/>
-                          </a:solidFill>
-                          <a:miter lim="800000"/>
-                          <a:headEnd/>
-                          <a:tailEnd/>
-                        </a14:hiddenLine>
-                      </a:ext>
-                    </a:extLst>
-                  </p:spPr>
-                </p:pic>
-                <p:cxnSp>
-                  <p:nvCxnSpPr>
-                    <p:cNvPr id="298" name="Straight Connector 297"/>
-                    <p:cNvCxnSpPr/>
-                    <p:nvPr/>
-                  </p:nvCxnSpPr>
-                  <p:spPr>
-                    <a:xfrm>
-                      <a:off x="6400800" y="4036216"/>
-                      <a:ext cx="0" cy="1002422"/>
-                    </a:xfrm>
-                    <a:prstGeom prst="line">
-                      <a:avLst/>
-                    </a:prstGeom>
-                    <a:ln>
-                      <a:solidFill>
-                        <a:schemeClr val="bg1">
-                          <a:lumMod val="50000"/>
-                        </a:schemeClr>
-                      </a:solidFill>
-                    </a:ln>
-                  </p:spPr>
-                  <p:style>
-                    <a:lnRef idx="1">
-                      <a:schemeClr val="accent1"/>
-                    </a:lnRef>
-                    <a:fillRef idx="0">
-                      <a:schemeClr val="accent1"/>
-                    </a:fillRef>
-                    <a:effectRef idx="0">
-                      <a:schemeClr val="accent1"/>
-                    </a:effectRef>
-                    <a:fontRef idx="minor">
-                      <a:schemeClr val="tx1"/>
-                    </a:fontRef>
-                  </p:style>
-                </p:cxnSp>
-                <p:cxnSp>
-                  <p:nvCxnSpPr>
-                    <p:cNvPr id="299" name="Straight Connector 298"/>
-                    <p:cNvCxnSpPr/>
-                    <p:nvPr/>
-                  </p:nvCxnSpPr>
-                  <p:spPr>
-                    <a:xfrm flipH="1">
-                      <a:off x="6400800" y="5038638"/>
-                      <a:ext cx="944979" cy="0"/>
-                    </a:xfrm>
-                    <a:prstGeom prst="line">
-                      <a:avLst/>
-                    </a:prstGeom>
-                    <a:ln>
-                      <a:solidFill>
-                        <a:schemeClr val="bg1">
-                          <a:lumMod val="50000"/>
-                        </a:schemeClr>
-                      </a:solidFill>
-                    </a:ln>
-                  </p:spPr>
-                  <p:style>
-                    <a:lnRef idx="1">
-                      <a:schemeClr val="accent1"/>
-                    </a:lnRef>
-                    <a:fillRef idx="0">
-                      <a:schemeClr val="accent1"/>
-                    </a:fillRef>
-                    <a:effectRef idx="0">
-                      <a:schemeClr val="accent1"/>
-                    </a:effectRef>
-                    <a:fontRef idx="minor">
-                      <a:schemeClr val="tx1"/>
-                    </a:fontRef>
-                  </p:style>
-                </p:cxnSp>
-              </p:grpSp>
-              <p:grpSp>
-                <p:nvGrpSpPr>
-                  <p:cNvPr id="290" name="Group 289"/>
-                  <p:cNvGrpSpPr/>
-                  <p:nvPr/>
-                </p:nvGrpSpPr>
-                <p:grpSpPr>
-                  <a:xfrm>
-                    <a:off x="4290950" y="3337560"/>
-                    <a:ext cx="990600" cy="1002422"/>
-                    <a:chOff x="6400800" y="1173840"/>
-                    <a:chExt cx="990600" cy="1002422"/>
-                  </a:xfrm>
-                </p:grpSpPr>
-                <p:pic>
-                  <p:nvPicPr>
-                    <p:cNvPr id="294" name="Picture 6"/>
-                    <p:cNvPicPr>
-                      <a:picLocks noChangeAspect="1" noChangeArrowheads="1"/>
-                    </p:cNvPicPr>
-                    <p:nvPr/>
-                  </p:nvPicPr>
-                  <p:blipFill>
-                    <a:blip r:embed="rId11" cstate="print">
-                      <a:extLst>
-                        <a:ext uri="{28A0092B-C50C-407E-A947-70E740481C1C}">
-                          <a14:useLocalDpi xmlns:a14="http://schemas.microsoft.com/office/drawing/2010/main" val="0"/>
-                        </a:ext>
-                      </a:extLst>
-                    </a:blip>
-                    <a:srcRect/>
-                    <a:stretch>
-                      <a:fillRect/>
-                    </a:stretch>
-                  </p:blipFill>
-                  <p:spPr bwMode="auto">
-                    <a:xfrm>
-                      <a:off x="6458712" y="1289696"/>
-                      <a:ext cx="932688" cy="886566"/>
-                    </a:xfrm>
-                    <a:prstGeom prst="rect">
-                      <a:avLst/>
-                    </a:prstGeom>
-                    <a:noFill/>
-                    <a:ln>
-                      <a:noFill/>
-                    </a:ln>
-                    <a:extLst>
-                      <a:ext uri="{909E8E84-426E-40DD-AFC4-6F175D3DCCD1}">
-                        <a14:hiddenFill xmlns:a14="http://schemas.microsoft.com/office/drawing/2010/main">
-                          <a:solidFill>
-                            <a:schemeClr val="accent1"/>
-                          </a:solidFill>
-                        </a14:hiddenFill>
-                      </a:ext>
-                      <a:ext uri="{91240B29-F687-4F45-9708-019B960494DF}">
-                        <a14:hiddenLine xmlns:a14="http://schemas.microsoft.com/office/drawing/2010/main" w="9525">
-                          <a:solidFill>
-                            <a:schemeClr val="tx1"/>
-                          </a:solidFill>
-                          <a:miter lim="800000"/>
-                          <a:headEnd/>
-                          <a:tailEnd/>
-                        </a14:hiddenLine>
-                      </a:ext>
-                    </a:extLst>
-                  </p:spPr>
-                </p:pic>
-                <p:cxnSp>
-                  <p:nvCxnSpPr>
-                    <p:cNvPr id="295" name="Straight Connector 294"/>
-                    <p:cNvCxnSpPr/>
-                    <p:nvPr/>
-                  </p:nvCxnSpPr>
-                  <p:spPr>
-                    <a:xfrm>
-                      <a:off x="6400800" y="1173840"/>
-                      <a:ext cx="0" cy="1002422"/>
-                    </a:xfrm>
-                    <a:prstGeom prst="line">
-                      <a:avLst/>
-                    </a:prstGeom>
-                    <a:ln>
-                      <a:solidFill>
-                        <a:schemeClr val="bg1">
-                          <a:lumMod val="50000"/>
-                        </a:schemeClr>
-                      </a:solidFill>
-                    </a:ln>
-                  </p:spPr>
-                  <p:style>
-                    <a:lnRef idx="1">
-                      <a:schemeClr val="accent1"/>
-                    </a:lnRef>
-                    <a:fillRef idx="0">
-                      <a:schemeClr val="accent1"/>
-                    </a:fillRef>
-                    <a:effectRef idx="0">
-                      <a:schemeClr val="accent1"/>
-                    </a:effectRef>
-                    <a:fontRef idx="minor">
-                      <a:schemeClr val="tx1"/>
-                    </a:fontRef>
-                  </p:style>
-                </p:cxnSp>
-                <p:cxnSp>
-                  <p:nvCxnSpPr>
-                    <p:cNvPr id="296" name="Straight Connector 295"/>
-                    <p:cNvCxnSpPr/>
-                    <p:nvPr/>
-                  </p:nvCxnSpPr>
-                  <p:spPr>
-                    <a:xfrm flipH="1">
-                      <a:off x="6400800" y="2176262"/>
-                      <a:ext cx="944979" cy="0"/>
-                    </a:xfrm>
-                    <a:prstGeom prst="line">
-                      <a:avLst/>
-                    </a:prstGeom>
-                    <a:ln>
-                      <a:solidFill>
-                        <a:schemeClr val="bg1">
-                          <a:lumMod val="50000"/>
-                        </a:schemeClr>
-                      </a:solidFill>
-                    </a:ln>
-                  </p:spPr>
-                  <p:style>
-                    <a:lnRef idx="1">
-                      <a:schemeClr val="accent1"/>
-                    </a:lnRef>
-                    <a:fillRef idx="0">
-                      <a:schemeClr val="accent1"/>
-                    </a:fillRef>
-                    <a:effectRef idx="0">
-                      <a:schemeClr val="accent1"/>
-                    </a:effectRef>
-                    <a:fontRef idx="minor">
-                      <a:schemeClr val="tx1"/>
-                    </a:fontRef>
-                  </p:style>
-                </p:cxnSp>
-              </p:grpSp>
-              <p:cxnSp>
-                <p:nvCxnSpPr>
-                  <p:cNvPr id="291" name="Straight Connector 290"/>
-                  <p:cNvCxnSpPr/>
-                  <p:nvPr/>
-                </p:nvCxnSpPr>
-                <p:spPr>
-                  <a:xfrm>
-                    <a:off x="1143000" y="3048000"/>
-                    <a:ext cx="4419600" cy="0"/>
-                  </a:xfrm>
-                  <a:prstGeom prst="line">
-                    <a:avLst/>
-                  </a:prstGeom>
-                  <a:ln w="25400">
-                    <a:solidFill>
-                      <a:schemeClr val="accent2"/>
-                    </a:solidFill>
-                  </a:ln>
-                </p:spPr>
-                <p:style>
-                  <a:lnRef idx="1">
-                    <a:schemeClr val="accent1"/>
-                  </a:lnRef>
-                  <a:fillRef idx="0">
-                    <a:schemeClr val="accent1"/>
-                  </a:fillRef>
-                  <a:effectRef idx="0">
-                    <a:schemeClr val="accent1"/>
-                  </a:effectRef>
-                  <a:fontRef idx="minor">
-                    <a:schemeClr val="tx1"/>
-                  </a:fontRef>
-                </p:style>
-              </p:cxnSp>
-              <p:cxnSp>
-                <p:nvCxnSpPr>
-                  <p:cNvPr id="292" name="Straight Connector 291"/>
-                  <p:cNvCxnSpPr>
-                    <a:stCxn id="293" idx="0"/>
-                  </p:cNvCxnSpPr>
-                  <p:nvPr/>
-                </p:nvCxnSpPr>
-                <p:spPr>
-                  <a:xfrm>
-                    <a:off x="3352800" y="1752600"/>
-                    <a:ext cx="0" cy="1295400"/>
-                  </a:xfrm>
-                  <a:prstGeom prst="line">
-                    <a:avLst/>
-                  </a:prstGeom>
-                  <a:ln w="25400">
-                    <a:solidFill>
-                      <a:schemeClr val="accent2"/>
-                    </a:solidFill>
-                  </a:ln>
-                </p:spPr>
-                <p:style>
-                  <a:lnRef idx="1">
-                    <a:schemeClr val="accent1"/>
-                  </a:lnRef>
-                  <a:fillRef idx="0">
-                    <a:schemeClr val="accent1"/>
-                  </a:fillRef>
-                  <a:effectRef idx="0">
-                    <a:schemeClr val="accent1"/>
-                  </a:effectRef>
-                  <a:fontRef idx="minor">
-                    <a:schemeClr val="tx1"/>
-                  </a:fontRef>
-                </p:style>
-              </p:cxnSp>
-              <p:sp>
-                <p:nvSpPr>
-                  <p:cNvPr id="293" name="Rectangle 292"/>
-                  <p:cNvSpPr/>
-                  <p:nvPr/>
-                </p:nvSpPr>
-                <p:spPr>
-                  <a:xfrm>
-                    <a:off x="1143000" y="1752600"/>
-                    <a:ext cx="4419600" cy="2895600"/>
-                  </a:xfrm>
-                  <a:prstGeom prst="rect">
-                    <a:avLst/>
-                  </a:prstGeom>
-                  <a:noFill/>
-                  <a:ln>
-                    <a:solidFill>
-                      <a:schemeClr val="accent2"/>
-                    </a:solidFill>
-                  </a:ln>
-                </p:spPr>
-                <p:style>
-                  <a:lnRef idx="2">
-                    <a:schemeClr val="accent1">
-                      <a:shade val="50000"/>
-                    </a:schemeClr>
-                  </a:lnRef>
-                  <a:fillRef idx="1">
-                    <a:schemeClr val="accent1"/>
-                  </a:fillRef>
-                  <a:effectRef idx="0">
-                    <a:schemeClr val="accent1"/>
-                  </a:effectRef>
-                  <a:fontRef idx="minor">
-                    <a:schemeClr val="lt1"/>
-                  </a:fontRef>
-                </p:style>
-                <p:txBody>
-                  <a:bodyPr rtlCol="0" anchor="ctr"/>
-                  <a:lstStyle/>
-                  <a:p>
-                    <a:pPr algn="ctr"/>
-                    <a:endParaRPr lang="en-US"/>
-                  </a:p>
-                </p:txBody>
-              </p:sp>
-            </p:grpSp>
-            <p:sp>
-              <p:nvSpPr>
-                <p:cNvPr id="283" name="Rectangle 282"/>
-                <p:cNvSpPr/>
-                <p:nvPr/>
-              </p:nvSpPr>
-              <p:spPr>
-                <a:xfrm>
-                  <a:off x="2587447" y="3048000"/>
-                  <a:ext cx="2975150" cy="1600200"/>
-                </a:xfrm>
-                <a:prstGeom prst="rect">
-                  <a:avLst/>
-                </a:prstGeom>
-                <a:solidFill>
-                  <a:schemeClr val="tx1">
-                    <a:lumMod val="50000"/>
-                    <a:lumOff val="50000"/>
-                    <a:alpha val="45000"/>
-                  </a:schemeClr>
-                </a:solidFill>
-                <a:ln>
-                  <a:noFill/>
-                </a:ln>
-              </p:spPr>
-              <p:style>
-                <a:lnRef idx="2">
-                  <a:schemeClr val="accent1">
-                    <a:shade val="50000"/>
-                  </a:schemeClr>
-                </a:lnRef>
-                <a:fillRef idx="1">
-                  <a:schemeClr val="accent1"/>
-                </a:fillRef>
-                <a:effectRef idx="0">
-                  <a:schemeClr val="accent1"/>
-                </a:effectRef>
-                <a:fontRef idx="minor">
-                  <a:schemeClr val="lt1"/>
-                </a:fontRef>
-              </p:style>
-              <p:txBody>
-                <a:bodyPr rtlCol="0" anchor="ctr"/>
-                <a:lstStyle/>
-                <a:p>
-                  <a:pPr algn="ctr"/>
-                  <a:endParaRPr lang="en-US"/>
-                </a:p>
-              </p:txBody>
-            </p:sp>
-            <p:sp>
-              <p:nvSpPr>
-                <p:cNvPr id="284" name="Rectangle 283"/>
-                <p:cNvSpPr/>
-                <p:nvPr/>
-              </p:nvSpPr>
-              <p:spPr>
-                <a:xfrm>
-                  <a:off x="1143000" y="1752600"/>
-                  <a:ext cx="4466440" cy="1295400"/>
-                </a:xfrm>
-                <a:prstGeom prst="rect">
-                  <a:avLst/>
-                </a:prstGeom>
-                <a:solidFill>
-                  <a:schemeClr val="tx1">
-                    <a:lumMod val="50000"/>
-                    <a:lumOff val="50000"/>
-                    <a:alpha val="45000"/>
-                  </a:schemeClr>
-                </a:solidFill>
-                <a:ln>
-                  <a:noFill/>
-                </a:ln>
-              </p:spPr>
-              <p:style>
-                <a:lnRef idx="2">
-                  <a:schemeClr val="accent1">
-                    <a:shade val="50000"/>
-                  </a:schemeClr>
-                </a:lnRef>
-                <a:fillRef idx="1">
-                  <a:schemeClr val="accent1"/>
-                </a:fillRef>
-                <a:effectRef idx="0">
-                  <a:schemeClr val="accent1"/>
-                </a:effectRef>
-                <a:fontRef idx="minor">
-                  <a:schemeClr val="lt1"/>
-                </a:fontRef>
-              </p:style>
-              <p:txBody>
-                <a:bodyPr rtlCol="0" anchor="ctr"/>
-                <a:lstStyle/>
-                <a:p>
-                  <a:pPr algn="ctr"/>
-                  <a:endParaRPr lang="en-US"/>
-                </a:p>
-              </p:txBody>
-            </p:sp>
-          </p:grpSp>
-        </p:grpSp>
-        <p:sp>
-          <p:nvSpPr>
-            <p:cNvPr id="2066" name="Rectangle 2065"/>
-            <p:cNvSpPr/>
-            <p:nvPr/>
-          </p:nvSpPr>
-          <p:spPr>
-            <a:xfrm>
-              <a:off x="3087210" y="7611045"/>
-              <a:ext cx="785831" cy="1164813"/>
-            </a:xfrm>
-            <a:prstGeom prst="rect">
-              <a:avLst/>
-            </a:prstGeom>
-            <a:noFill/>
-            <a:ln>
-              <a:solidFill>
-                <a:schemeClr val="accent2"/>
-              </a:solidFill>
-            </a:ln>
-          </p:spPr>
-          <p:style>
-            <a:lnRef idx="2">
-              <a:schemeClr val="accent1">
-                <a:shade val="50000"/>
-              </a:schemeClr>
-            </a:lnRef>
-            <a:fillRef idx="1">
-              <a:schemeClr val="accent1"/>
-            </a:fillRef>
-            <a:effectRef idx="0">
-              <a:schemeClr val="accent1"/>
-            </a:effectRef>
-            <a:fontRef idx="minor">
-              <a:schemeClr val="lt1"/>
-            </a:fontRef>
-          </p:style>
-          <p:txBody>
-            <a:bodyPr rtlCol="0" anchor="ctr"/>
-            <a:lstStyle/>
-            <a:p>
-              <a:pPr algn="ctr"/>
-              <a:endParaRPr lang="en-US"/>
-            </a:p>
-          </p:txBody>
-        </p:sp>
-        <p:sp>
-          <p:nvSpPr>
-            <p:cNvPr id="396" name="TextBox 395"/>
-            <p:cNvSpPr txBox="1"/>
-            <p:nvPr/>
-          </p:nvSpPr>
-          <p:spPr>
-            <a:xfrm>
-              <a:off x="2988058" y="7304793"/>
-              <a:ext cx="1166865" cy="292388"/>
-            </a:xfrm>
-            <a:prstGeom prst="rect">
-              <a:avLst/>
-            </a:prstGeom>
-            <a:noFill/>
-          </p:spPr>
-          <p:txBody>
-            <a:bodyPr wrap="square" rtlCol="0">
-              <a:spAutoFit/>
-            </a:bodyPr>
-            <a:lstStyle/>
-            <a:p>
-              <a:r>
-                <a:rPr lang="en-US" sz="1300" dirty="0" smtClean="0"/>
-                <a:t>Great Plains</a:t>
-              </a:r>
-              <a:endParaRPr lang="en-US" sz="1300" dirty="0"/>
-            </a:p>
-          </p:txBody>
-        </p:sp>
-      </p:grpSp>
-      <p:grpSp>
-        <p:nvGrpSpPr>
-          <p:cNvPr id="2075" name="Group 2074"/>
-          <p:cNvGrpSpPr/>
-          <p:nvPr/>
-        </p:nvGrpSpPr>
-        <p:grpSpPr>
-          <a:xfrm>
-            <a:off x="4564210" y="6856836"/>
-            <a:ext cx="4343400" cy="3418114"/>
-            <a:chOff x="4572000" y="6852441"/>
-            <a:chExt cx="4343400" cy="3418114"/>
-          </a:xfrm>
-        </p:grpSpPr>
-        <p:sp>
-          <p:nvSpPr>
-            <p:cNvPr id="368" name="Rectangle 367"/>
-            <p:cNvSpPr/>
-            <p:nvPr/>
-          </p:nvSpPr>
-          <p:spPr>
-            <a:xfrm>
-              <a:off x="4572000" y="6852441"/>
-              <a:ext cx="4343400" cy="3418114"/>
-            </a:xfrm>
-            <a:prstGeom prst="rect">
-              <a:avLst/>
-            </a:prstGeom>
-            <a:noFill/>
-            <a:ln>
-              <a:solidFill>
-                <a:schemeClr val="bg1">
-                  <a:lumMod val="50000"/>
-                </a:schemeClr>
-              </a:solidFill>
-            </a:ln>
-          </p:spPr>
-          <p:style>
-            <a:lnRef idx="2">
-              <a:schemeClr val="accent1">
-                <a:shade val="50000"/>
-              </a:schemeClr>
-            </a:lnRef>
-            <a:fillRef idx="1">
-              <a:schemeClr val="accent1"/>
-            </a:fillRef>
-            <a:effectRef idx="0">
-              <a:schemeClr val="accent1"/>
-            </a:effectRef>
-            <a:fontRef idx="minor">
-              <a:schemeClr val="lt1"/>
-            </a:fontRef>
-          </p:style>
-          <p:txBody>
-            <a:bodyPr rtlCol="0" anchor="ctr"/>
-            <a:lstStyle/>
-            <a:p>
-              <a:pPr algn="ctr"/>
-              <a:endParaRPr lang="en-US"/>
-            </a:p>
-          </p:txBody>
-        </p:sp>
-        <p:grpSp>
-          <p:nvGrpSpPr>
-            <p:cNvPr id="405" name="Group 404"/>
-            <p:cNvGrpSpPr>
-              <a:grpSpLocks noChangeAspect="1"/>
-            </p:cNvGrpSpPr>
-            <p:nvPr/>
-          </p:nvGrpSpPr>
-          <p:grpSpPr>
-            <a:xfrm>
-              <a:off x="4572000" y="9401875"/>
-              <a:ext cx="1325880" cy="868680"/>
-              <a:chOff x="1143000" y="1752600"/>
-              <a:chExt cx="4419600" cy="2895600"/>
-            </a:xfrm>
-          </p:grpSpPr>
-          <p:grpSp>
-            <p:nvGrpSpPr>
-              <p:cNvPr id="406" name="Group 405"/>
-              <p:cNvGrpSpPr/>
-              <p:nvPr/>
-            </p:nvGrpSpPr>
-            <p:grpSpPr>
-              <a:xfrm>
-                <a:off x="1143000" y="1752600"/>
-                <a:ext cx="4419600" cy="2895600"/>
-                <a:chOff x="1143000" y="1752600"/>
-                <a:chExt cx="4419600" cy="2895600"/>
-              </a:xfrm>
-            </p:grpSpPr>
-            <p:sp>
-              <p:nvSpPr>
-                <p:cNvPr id="409" name="Rectangle 408"/>
-                <p:cNvSpPr/>
-                <p:nvPr/>
-              </p:nvSpPr>
-              <p:spPr>
-                <a:xfrm>
-                  <a:off x="1143000" y="1752600"/>
-                  <a:ext cx="2209800" cy="1295400"/>
-                </a:xfrm>
-                <a:prstGeom prst="rect">
-                  <a:avLst/>
-                </a:prstGeom>
-                <a:solidFill>
-                  <a:schemeClr val="bg1">
-                    <a:lumMod val="95000"/>
-                  </a:schemeClr>
-                </a:solidFill>
-                <a:ln>
-                  <a:noFill/>
-                </a:ln>
-              </p:spPr>
-              <p:style>
-                <a:lnRef idx="2">
-                  <a:schemeClr val="accent1">
-                    <a:shade val="50000"/>
-                  </a:schemeClr>
-                </a:lnRef>
-                <a:fillRef idx="1">
-                  <a:schemeClr val="accent1"/>
-                </a:fillRef>
-                <a:effectRef idx="0">
-                  <a:schemeClr val="accent1"/>
-                </a:effectRef>
-                <a:fontRef idx="minor">
-                  <a:schemeClr val="lt1"/>
-                </a:fontRef>
-              </p:style>
-              <p:txBody>
-                <a:bodyPr rtlCol="0" anchor="ctr"/>
-                <a:lstStyle/>
-                <a:p>
-                  <a:pPr algn="ctr"/>
-                  <a:endParaRPr lang="en-US"/>
-                </a:p>
-              </p:txBody>
-            </p:sp>
-            <p:pic>
-              <p:nvPicPr>
-                <p:cNvPr id="410" name="Picture 4"/>
-                <p:cNvPicPr>
-                  <a:picLocks noChangeAspect="1" noChangeArrowheads="1"/>
-                </p:cNvPicPr>
-                <p:nvPr/>
-              </p:nvPicPr>
-              <p:blipFill>
-                <a:blip r:embed="rId7" cstate="print">
-                  <a:extLst>
-                    <a:ext uri="{28A0092B-C50C-407E-A947-70E740481C1C}">
-                      <a14:useLocalDpi xmlns:a14="http://schemas.microsoft.com/office/drawing/2010/main" val="0"/>
-                    </a:ext>
-                  </a:extLst>
-                </a:blip>
-                <a:srcRect/>
-                <a:stretch>
-                  <a:fillRect/>
-                </a:stretch>
-              </p:blipFill>
-              <p:spPr bwMode="auto">
-                <a:xfrm>
-                  <a:off x="1326904" y="2001245"/>
-                  <a:ext cx="1828800" cy="798021"/>
-                </a:xfrm>
-                <a:prstGeom prst="rect">
-                  <a:avLst/>
-                </a:prstGeom>
-                <a:noFill/>
-                <a:ln>
-                  <a:noFill/>
-                </a:ln>
-                <a:extLst>
-                  <a:ext uri="{909E8E84-426E-40DD-AFC4-6F175D3DCCD1}">
-                    <a14:hiddenFill xmlns:a14="http://schemas.microsoft.com/office/drawing/2010/main">
-                      <a:solidFill>
-                        <a:schemeClr val="accent1"/>
-                      </a:solidFill>
-                    </a14:hiddenFill>
-                  </a:ext>
-                  <a:ext uri="{91240B29-F687-4F45-9708-019B960494DF}">
-                    <a14:hiddenLine xmlns:a14="http://schemas.microsoft.com/office/drawing/2010/main" w="9525">
-                      <a:solidFill>
-                        <a:schemeClr val="tx1"/>
-                      </a:solidFill>
-                      <a:miter lim="800000"/>
-                      <a:headEnd/>
-                      <a:tailEnd/>
-                    </a14:hiddenLine>
-                  </a:ext>
-                </a:extLst>
-              </p:spPr>
-            </p:pic>
-            <p:grpSp>
-              <p:nvGrpSpPr>
-                <p:cNvPr id="411" name="Group 410"/>
-                <p:cNvGrpSpPr/>
-                <p:nvPr/>
-              </p:nvGrpSpPr>
-              <p:grpSpPr>
-                <a:xfrm>
-                  <a:off x="3349752" y="1766597"/>
-                  <a:ext cx="2212848" cy="1267406"/>
-                  <a:chOff x="7772400" y="1447800"/>
-                  <a:chExt cx="2212848" cy="1267406"/>
-                </a:xfrm>
-              </p:grpSpPr>
-              <p:pic>
-                <p:nvPicPr>
-                  <p:cNvPr id="427" name="Picture 2"/>
-                  <p:cNvPicPr>
-                    <a:picLocks noChangeAspect="1" noChangeArrowheads="1"/>
-                  </p:cNvPicPr>
-                  <p:nvPr/>
-                </p:nvPicPr>
-                <p:blipFill>
-                  <a:blip r:embed="rId8" cstate="print">
-                    <a:extLst>
-                      <a:ext uri="{28A0092B-C50C-407E-A947-70E740481C1C}">
-                        <a14:useLocalDpi xmlns:a14="http://schemas.microsoft.com/office/drawing/2010/main" val="0"/>
-                      </a:ext>
-                    </a:extLst>
-                  </a:blip>
-                  <a:srcRect/>
-                  <a:stretch>
-                    <a:fillRect/>
-                  </a:stretch>
-                </p:blipFill>
-                <p:spPr bwMode="auto">
-                  <a:xfrm>
-                    <a:off x="7772400" y="1447801"/>
-                    <a:ext cx="2212848" cy="1267405"/>
-                  </a:xfrm>
-                  <a:prstGeom prst="rect">
-                    <a:avLst/>
-                  </a:prstGeom>
-                  <a:noFill/>
-                  <a:ln>
-                    <a:noFill/>
-                  </a:ln>
-                  <a:extLst>
-                    <a:ext uri="{909E8E84-426E-40DD-AFC4-6F175D3DCCD1}">
-                      <a14:hiddenFill xmlns:a14="http://schemas.microsoft.com/office/drawing/2010/main">
-                        <a:solidFill>
-                          <a:schemeClr val="accent1"/>
-                        </a:solidFill>
-                      </a14:hiddenFill>
-                    </a:ext>
-                    <a:ext uri="{91240B29-F687-4F45-9708-019B960494DF}">
-                      <a14:hiddenLine xmlns:a14="http://schemas.microsoft.com/office/drawing/2010/main" w="9525">
-                        <a:solidFill>
-                          <a:schemeClr val="tx1"/>
-                        </a:solidFill>
-                        <a:miter lim="800000"/>
-                        <a:headEnd/>
-                        <a:tailEnd/>
-                      </a14:hiddenLine>
-                    </a:ext>
-                  </a:extLst>
-                </p:spPr>
-              </p:pic>
-              <p:sp>
-                <p:nvSpPr>
-                  <p:cNvPr id="428" name="Rectangle 427"/>
-                  <p:cNvSpPr/>
-                  <p:nvPr/>
-                </p:nvSpPr>
-                <p:spPr>
-                  <a:xfrm>
-                    <a:off x="7772401" y="1447800"/>
-                    <a:ext cx="381000" cy="228600"/>
-                  </a:xfrm>
-                  <a:prstGeom prst="rect">
-                    <a:avLst/>
-                  </a:prstGeom>
-                  <a:solidFill>
-                    <a:schemeClr val="bg1"/>
-                  </a:solidFill>
-                  <a:ln>
-                    <a:noFill/>
-                  </a:ln>
-                </p:spPr>
-                <p:style>
-                  <a:lnRef idx="2">
-                    <a:schemeClr val="accent1">
-                      <a:shade val="50000"/>
-                    </a:schemeClr>
-                  </a:lnRef>
-                  <a:fillRef idx="1">
-                    <a:schemeClr val="accent1"/>
-                  </a:fillRef>
-                  <a:effectRef idx="0">
-                    <a:schemeClr val="accent1"/>
-                  </a:effectRef>
-                  <a:fontRef idx="minor">
-                    <a:schemeClr val="lt1"/>
-                  </a:fontRef>
-                </p:style>
-                <p:txBody>
-                  <a:bodyPr rtlCol="0" anchor="ctr"/>
-                  <a:lstStyle/>
-                  <a:p>
-                    <a:pPr algn="ctr"/>
-                    <a:endParaRPr lang="en-US"/>
-                  </a:p>
-                </p:txBody>
-              </p:sp>
-            </p:grpSp>
-            <p:grpSp>
-              <p:nvGrpSpPr>
-                <p:cNvPr id="412" name="Group 411"/>
-                <p:cNvGrpSpPr>
-                  <a:grpSpLocks noChangeAspect="1"/>
-                </p:cNvGrpSpPr>
-                <p:nvPr/>
-              </p:nvGrpSpPr>
-              <p:grpSpPr>
-                <a:xfrm>
-                  <a:off x="1395350" y="3337560"/>
-                  <a:ext cx="944979" cy="1005840"/>
-                  <a:chOff x="6282046" y="1523997"/>
-                  <a:chExt cx="2099954" cy="2235200"/>
-                </a:xfrm>
-              </p:grpSpPr>
-              <p:pic>
-                <p:nvPicPr>
-                  <p:cNvPr id="424" name="Picture 3"/>
-                  <p:cNvPicPr>
-                    <a:picLocks noChangeAspect="1" noChangeArrowheads="1"/>
-                  </p:cNvPicPr>
-                  <p:nvPr/>
-                </p:nvPicPr>
-                <p:blipFill rotWithShape="1">
-                  <a:blip r:embed="rId9" cstate="print">
-                    <a:extLst>
-                      <a:ext uri="{28A0092B-C50C-407E-A947-70E740481C1C}">
-                        <a14:useLocalDpi xmlns:a14="http://schemas.microsoft.com/office/drawing/2010/main" val="0"/>
-                      </a:ext>
-                    </a:extLst>
-                  </a:blip>
-                  <a:srcRect l="8207" b="4009"/>
-                  <a:stretch/>
-                </p:blipFill>
-                <p:spPr bwMode="auto">
-                  <a:xfrm>
-                    <a:off x="6282046" y="1555706"/>
-                    <a:ext cx="2080903" cy="2203491"/>
-                  </a:xfrm>
-                  <a:prstGeom prst="rect">
-                    <a:avLst/>
-                  </a:prstGeom>
-                  <a:noFill/>
-                  <a:ln>
-                    <a:noFill/>
-                  </a:ln>
-                  <a:extLst>
-                    <a:ext uri="{909E8E84-426E-40DD-AFC4-6F175D3DCCD1}">
-                      <a14:hiddenFill xmlns:a14="http://schemas.microsoft.com/office/drawing/2010/main">
-                        <a:solidFill>
-                          <a:schemeClr val="accent1"/>
-                        </a:solidFill>
-                      </a14:hiddenFill>
-                    </a:ext>
-                    <a:ext uri="{91240B29-F687-4F45-9708-019B960494DF}">
-                      <a14:hiddenLine xmlns:a14="http://schemas.microsoft.com/office/drawing/2010/main" w="9525">
-                        <a:solidFill>
-                          <a:schemeClr val="tx1"/>
-                        </a:solidFill>
-                        <a:miter lim="800000"/>
-                        <a:headEnd/>
-                        <a:tailEnd/>
-                      </a14:hiddenLine>
-                    </a:ext>
-                  </a:extLst>
-                </p:spPr>
-              </p:pic>
-              <p:cxnSp>
-                <p:nvCxnSpPr>
-                  <p:cNvPr id="425" name="Straight Connector 424"/>
-                  <p:cNvCxnSpPr/>
-                  <p:nvPr/>
-                </p:nvCxnSpPr>
-                <p:spPr>
-                  <a:xfrm>
-                    <a:off x="6282046" y="1523997"/>
-                    <a:ext cx="0" cy="2235200"/>
-                  </a:xfrm>
-                  <a:prstGeom prst="line">
-                    <a:avLst/>
-                  </a:prstGeom>
-                  <a:ln>
-                    <a:solidFill>
-                      <a:schemeClr val="bg1">
-                        <a:lumMod val="50000"/>
-                      </a:schemeClr>
-                    </a:solidFill>
-                  </a:ln>
-                </p:spPr>
-                <p:style>
-                  <a:lnRef idx="1">
-                    <a:schemeClr val="accent1"/>
-                  </a:lnRef>
-                  <a:fillRef idx="0">
-                    <a:schemeClr val="accent1"/>
-                  </a:fillRef>
-                  <a:effectRef idx="0">
-                    <a:schemeClr val="accent1"/>
-                  </a:effectRef>
-                  <a:fontRef idx="minor">
-                    <a:schemeClr val="tx1"/>
-                  </a:fontRef>
-                </p:style>
-              </p:cxnSp>
-              <p:cxnSp>
-                <p:nvCxnSpPr>
-                  <p:cNvPr id="426" name="Straight Connector 425"/>
-                  <p:cNvCxnSpPr/>
-                  <p:nvPr/>
-                </p:nvCxnSpPr>
-                <p:spPr>
-                  <a:xfrm flipH="1">
-                    <a:off x="6282046" y="3759197"/>
-                    <a:ext cx="2099954" cy="0"/>
-                  </a:xfrm>
-                  <a:prstGeom prst="line">
-                    <a:avLst/>
-                  </a:prstGeom>
-                  <a:ln>
-                    <a:solidFill>
-                      <a:schemeClr val="bg1">
-                        <a:lumMod val="50000"/>
-                      </a:schemeClr>
-                    </a:solidFill>
-                  </a:ln>
-                </p:spPr>
-                <p:style>
-                  <a:lnRef idx="1">
-                    <a:schemeClr val="accent1"/>
-                  </a:lnRef>
-                  <a:fillRef idx="0">
-                    <a:schemeClr val="accent1"/>
-                  </a:fillRef>
-                  <a:effectRef idx="0">
-                    <a:schemeClr val="accent1"/>
-                  </a:effectRef>
-                  <a:fontRef idx="minor">
-                    <a:schemeClr val="tx1"/>
-                  </a:fontRef>
-                </p:style>
-              </p:cxnSp>
-            </p:grpSp>
-            <p:grpSp>
-              <p:nvGrpSpPr>
-                <p:cNvPr id="413" name="Group 412"/>
-                <p:cNvGrpSpPr/>
-                <p:nvPr/>
-              </p:nvGrpSpPr>
-              <p:grpSpPr>
-                <a:xfrm>
-                  <a:off x="2844685" y="3337560"/>
-                  <a:ext cx="944979" cy="1002422"/>
-                  <a:chOff x="6400800" y="4036216"/>
-                  <a:chExt cx="944979" cy="1002422"/>
-                </a:xfrm>
-              </p:grpSpPr>
-              <p:pic>
-                <p:nvPicPr>
-                  <p:cNvPr id="421" name="Picture 5"/>
-                  <p:cNvPicPr>
-                    <a:picLocks noChangeAspect="1" noChangeArrowheads="1"/>
-                  </p:cNvPicPr>
-                  <p:nvPr/>
-                </p:nvPicPr>
-                <p:blipFill>
-                  <a:blip r:embed="rId10" cstate="print">
-                    <a:extLst>
-                      <a:ext uri="{28A0092B-C50C-407E-A947-70E740481C1C}">
-                        <a14:useLocalDpi xmlns:a14="http://schemas.microsoft.com/office/drawing/2010/main" val="0"/>
-                      </a:ext>
-                    </a:extLst>
-                  </a:blip>
-                  <a:srcRect/>
-                  <a:stretch>
-                    <a:fillRect/>
-                  </a:stretch>
-                </p:blipFill>
-                <p:spPr bwMode="auto">
-                  <a:xfrm>
-                    <a:off x="6400800" y="4036216"/>
-                    <a:ext cx="932688" cy="1002422"/>
-                  </a:xfrm>
-                  <a:prstGeom prst="rect">
-                    <a:avLst/>
-                  </a:prstGeom>
-                  <a:noFill/>
-                  <a:ln>
-                    <a:noFill/>
-                  </a:ln>
-                  <a:extLst>
-                    <a:ext uri="{909E8E84-426E-40DD-AFC4-6F175D3DCCD1}">
-                      <a14:hiddenFill xmlns:a14="http://schemas.microsoft.com/office/drawing/2010/main">
-                        <a:solidFill>
-                          <a:schemeClr val="accent1"/>
-                        </a:solidFill>
-                      </a14:hiddenFill>
-                    </a:ext>
-                    <a:ext uri="{91240B29-F687-4F45-9708-019B960494DF}">
-                      <a14:hiddenLine xmlns:a14="http://schemas.microsoft.com/office/drawing/2010/main" w="9525">
-                        <a:solidFill>
-                          <a:schemeClr val="tx1"/>
-                        </a:solidFill>
-                        <a:miter lim="800000"/>
-                        <a:headEnd/>
-                        <a:tailEnd/>
-                      </a14:hiddenLine>
-                    </a:ext>
-                  </a:extLst>
-                </p:spPr>
-              </p:pic>
-              <p:cxnSp>
-                <p:nvCxnSpPr>
-                  <p:cNvPr id="422" name="Straight Connector 421"/>
-                  <p:cNvCxnSpPr/>
-                  <p:nvPr/>
-                </p:nvCxnSpPr>
-                <p:spPr>
-                  <a:xfrm>
-                    <a:off x="6400800" y="4036216"/>
-                    <a:ext cx="0" cy="1002422"/>
-                  </a:xfrm>
-                  <a:prstGeom prst="line">
-                    <a:avLst/>
-                  </a:prstGeom>
-                  <a:ln>
-                    <a:solidFill>
-                      <a:schemeClr val="bg1">
-                        <a:lumMod val="50000"/>
-                      </a:schemeClr>
-                    </a:solidFill>
-                  </a:ln>
-                </p:spPr>
-                <p:style>
-                  <a:lnRef idx="1">
-                    <a:schemeClr val="accent1"/>
-                  </a:lnRef>
-                  <a:fillRef idx="0">
-                    <a:schemeClr val="accent1"/>
-                  </a:fillRef>
-                  <a:effectRef idx="0">
-                    <a:schemeClr val="accent1"/>
-                  </a:effectRef>
-                  <a:fontRef idx="minor">
-                    <a:schemeClr val="tx1"/>
-                  </a:fontRef>
-                </p:style>
-              </p:cxnSp>
-              <p:cxnSp>
-                <p:nvCxnSpPr>
-                  <p:cNvPr id="423" name="Straight Connector 422"/>
-                  <p:cNvCxnSpPr/>
-                  <p:nvPr/>
-                </p:nvCxnSpPr>
-                <p:spPr>
-                  <a:xfrm flipH="1">
-                    <a:off x="6400800" y="5038638"/>
-                    <a:ext cx="944979" cy="0"/>
-                  </a:xfrm>
-                  <a:prstGeom prst="line">
-                    <a:avLst/>
-                  </a:prstGeom>
-                  <a:ln>
-                    <a:solidFill>
-                      <a:schemeClr val="bg1">
-                        <a:lumMod val="50000"/>
-                      </a:schemeClr>
-                    </a:solidFill>
-                  </a:ln>
-                </p:spPr>
-                <p:style>
-                  <a:lnRef idx="1">
-                    <a:schemeClr val="accent1"/>
-                  </a:lnRef>
-                  <a:fillRef idx="0">
-                    <a:schemeClr val="accent1"/>
-                  </a:fillRef>
-                  <a:effectRef idx="0">
-                    <a:schemeClr val="accent1"/>
-                  </a:effectRef>
-                  <a:fontRef idx="minor">
-                    <a:schemeClr val="tx1"/>
-                  </a:fontRef>
-                </p:style>
-              </p:cxnSp>
-            </p:grpSp>
-            <p:grpSp>
-              <p:nvGrpSpPr>
-                <p:cNvPr id="414" name="Group 413"/>
-                <p:cNvGrpSpPr/>
-                <p:nvPr/>
-              </p:nvGrpSpPr>
-              <p:grpSpPr>
-                <a:xfrm>
-                  <a:off x="4290950" y="3337560"/>
-                  <a:ext cx="990600" cy="1002422"/>
-                  <a:chOff x="6400800" y="1173840"/>
-                  <a:chExt cx="990600" cy="1002422"/>
-                </a:xfrm>
-              </p:grpSpPr>
-              <p:pic>
-                <p:nvPicPr>
-                  <p:cNvPr id="418" name="Picture 6"/>
-                  <p:cNvPicPr>
-                    <a:picLocks noChangeAspect="1" noChangeArrowheads="1"/>
-                  </p:cNvPicPr>
-                  <p:nvPr/>
-                </p:nvPicPr>
-                <p:blipFill>
-                  <a:blip r:embed="rId11" cstate="print">
-                    <a:extLst>
-                      <a:ext uri="{28A0092B-C50C-407E-A947-70E740481C1C}">
-                        <a14:useLocalDpi xmlns:a14="http://schemas.microsoft.com/office/drawing/2010/main" val="0"/>
-                      </a:ext>
-                    </a:extLst>
-                  </a:blip>
-                  <a:srcRect/>
-                  <a:stretch>
-                    <a:fillRect/>
-                  </a:stretch>
-                </p:blipFill>
-                <p:spPr bwMode="auto">
-                  <a:xfrm>
-                    <a:off x="6458712" y="1289696"/>
-                    <a:ext cx="932688" cy="886566"/>
-                  </a:xfrm>
-                  <a:prstGeom prst="rect">
-                    <a:avLst/>
-                  </a:prstGeom>
-                  <a:noFill/>
-                  <a:ln>
-                    <a:noFill/>
-                  </a:ln>
-                  <a:extLst>
-                    <a:ext uri="{909E8E84-426E-40DD-AFC4-6F175D3DCCD1}">
-                      <a14:hiddenFill xmlns:a14="http://schemas.microsoft.com/office/drawing/2010/main">
-                        <a:solidFill>
-                          <a:schemeClr val="accent1"/>
-                        </a:solidFill>
-                      </a14:hiddenFill>
-                    </a:ext>
-                    <a:ext uri="{91240B29-F687-4F45-9708-019B960494DF}">
-                      <a14:hiddenLine xmlns:a14="http://schemas.microsoft.com/office/drawing/2010/main" w="9525">
-                        <a:solidFill>
-                          <a:schemeClr val="tx1"/>
-                        </a:solidFill>
-                        <a:miter lim="800000"/>
-                        <a:headEnd/>
-                        <a:tailEnd/>
-                      </a14:hiddenLine>
-                    </a:ext>
-                  </a:extLst>
-                </p:spPr>
-              </p:pic>
-              <p:cxnSp>
-                <p:nvCxnSpPr>
-                  <p:cNvPr id="419" name="Straight Connector 418"/>
-                  <p:cNvCxnSpPr/>
-                  <p:nvPr/>
-                </p:nvCxnSpPr>
-                <p:spPr>
-                  <a:xfrm>
-                    <a:off x="6400800" y="1173840"/>
-                    <a:ext cx="0" cy="1002422"/>
-                  </a:xfrm>
-                  <a:prstGeom prst="line">
-                    <a:avLst/>
-                  </a:prstGeom>
-                  <a:ln>
-                    <a:solidFill>
-                      <a:schemeClr val="bg1">
-                        <a:lumMod val="50000"/>
-                      </a:schemeClr>
-                    </a:solidFill>
-                  </a:ln>
-                </p:spPr>
-                <p:style>
-                  <a:lnRef idx="1">
-                    <a:schemeClr val="accent1"/>
-                  </a:lnRef>
-                  <a:fillRef idx="0">
-                    <a:schemeClr val="accent1"/>
-                  </a:fillRef>
-                  <a:effectRef idx="0">
-                    <a:schemeClr val="accent1"/>
-                  </a:effectRef>
-                  <a:fontRef idx="minor">
-                    <a:schemeClr val="tx1"/>
-                  </a:fontRef>
-                </p:style>
-              </p:cxnSp>
-              <p:cxnSp>
-                <p:nvCxnSpPr>
-                  <p:cNvPr id="420" name="Straight Connector 419"/>
-                  <p:cNvCxnSpPr/>
-                  <p:nvPr/>
-                </p:nvCxnSpPr>
-                <p:spPr>
-                  <a:xfrm flipH="1">
-                    <a:off x="6400800" y="2176262"/>
-                    <a:ext cx="944979" cy="0"/>
-                  </a:xfrm>
-                  <a:prstGeom prst="line">
-                    <a:avLst/>
-                  </a:prstGeom>
-                  <a:ln>
-                    <a:solidFill>
-                      <a:schemeClr val="bg1">
-                        <a:lumMod val="50000"/>
-                      </a:schemeClr>
-                    </a:solidFill>
-                  </a:ln>
-                </p:spPr>
-                <p:style>
-                  <a:lnRef idx="1">
-                    <a:schemeClr val="accent1"/>
-                  </a:lnRef>
-                  <a:fillRef idx="0">
-                    <a:schemeClr val="accent1"/>
-                  </a:fillRef>
-                  <a:effectRef idx="0">
-                    <a:schemeClr val="accent1"/>
-                  </a:effectRef>
-                  <a:fontRef idx="minor">
-                    <a:schemeClr val="tx1"/>
-                  </a:fontRef>
-                </p:style>
-              </p:cxnSp>
-            </p:grpSp>
-            <p:cxnSp>
-              <p:nvCxnSpPr>
-                <p:cNvPr id="415" name="Straight Connector 414"/>
-                <p:cNvCxnSpPr/>
-                <p:nvPr/>
-              </p:nvCxnSpPr>
-              <p:spPr>
-                <a:xfrm>
-                  <a:off x="1143000" y="3048000"/>
-                  <a:ext cx="4419600" cy="0"/>
-                </a:xfrm>
-                <a:prstGeom prst="line">
-                  <a:avLst/>
-                </a:prstGeom>
-                <a:ln w="25400">
-                  <a:solidFill>
-                    <a:schemeClr val="accent2"/>
-                  </a:solidFill>
-                </a:ln>
-              </p:spPr>
-              <p:style>
-                <a:lnRef idx="1">
-                  <a:schemeClr val="accent1"/>
-                </a:lnRef>
-                <a:fillRef idx="0">
-                  <a:schemeClr val="accent1"/>
-                </a:fillRef>
-                <a:effectRef idx="0">
-                  <a:schemeClr val="accent1"/>
-                </a:effectRef>
-                <a:fontRef idx="minor">
-                  <a:schemeClr val="tx1"/>
-                </a:fontRef>
-              </p:style>
-            </p:cxnSp>
-            <p:cxnSp>
-              <p:nvCxnSpPr>
-                <p:cNvPr id="416" name="Straight Connector 415"/>
-                <p:cNvCxnSpPr>
-                  <a:stCxn id="417" idx="0"/>
-                </p:cNvCxnSpPr>
-                <p:nvPr/>
-              </p:nvCxnSpPr>
-              <p:spPr>
-                <a:xfrm>
-                  <a:off x="3352800" y="1752600"/>
-                  <a:ext cx="0" cy="1295400"/>
-                </a:xfrm>
-                <a:prstGeom prst="line">
-                  <a:avLst/>
-                </a:prstGeom>
-                <a:ln w="25400">
-                  <a:solidFill>
-                    <a:schemeClr val="accent2"/>
-                  </a:solidFill>
-                </a:ln>
-              </p:spPr>
-              <p:style>
-                <a:lnRef idx="1">
-                  <a:schemeClr val="accent1"/>
-                </a:lnRef>
-                <a:fillRef idx="0">
-                  <a:schemeClr val="accent1"/>
-                </a:fillRef>
-                <a:effectRef idx="0">
-                  <a:schemeClr val="accent1"/>
-                </a:effectRef>
-                <a:fontRef idx="minor">
-                  <a:schemeClr val="tx1"/>
-                </a:fontRef>
-              </p:style>
-            </p:cxnSp>
-            <p:sp>
-              <p:nvSpPr>
-                <p:cNvPr id="417" name="Rectangle 416"/>
-                <p:cNvSpPr/>
-                <p:nvPr/>
-              </p:nvSpPr>
-              <p:spPr>
-                <a:xfrm>
-                  <a:off x="1143000" y="1752600"/>
-                  <a:ext cx="4419600" cy="2895600"/>
-                </a:xfrm>
-                <a:prstGeom prst="rect">
-                  <a:avLst/>
-                </a:prstGeom>
-                <a:noFill/>
-                <a:ln>
-                  <a:solidFill>
-                    <a:schemeClr val="accent2"/>
-                  </a:solidFill>
-                </a:ln>
-              </p:spPr>
-              <p:style>
-                <a:lnRef idx="2">
-                  <a:schemeClr val="accent1">
-                    <a:shade val="50000"/>
-                  </a:schemeClr>
-                </a:lnRef>
-                <a:fillRef idx="1">
-                  <a:schemeClr val="accent1"/>
-                </a:fillRef>
-                <a:effectRef idx="0">
-                  <a:schemeClr val="accent1"/>
-                </a:effectRef>
-                <a:fontRef idx="minor">
-                  <a:schemeClr val="lt1"/>
-                </a:fontRef>
-              </p:style>
-              <p:txBody>
-                <a:bodyPr rtlCol="0" anchor="ctr"/>
-                <a:lstStyle/>
-                <a:p>
-                  <a:pPr algn="ctr"/>
-                  <a:endParaRPr lang="en-US"/>
-                </a:p>
-              </p:txBody>
-            </p:sp>
-          </p:grpSp>
-          <p:sp>
-            <p:nvSpPr>
-              <p:cNvPr id="407" name="Rectangle 406"/>
-              <p:cNvSpPr/>
-              <p:nvPr/>
-            </p:nvSpPr>
-            <p:spPr>
-              <a:xfrm>
-                <a:off x="4114800" y="3048000"/>
-                <a:ext cx="1447800" cy="1600200"/>
-              </a:xfrm>
-              <a:prstGeom prst="rect">
-                <a:avLst/>
-              </a:prstGeom>
-              <a:solidFill>
-                <a:schemeClr val="tx1">
-                  <a:lumMod val="50000"/>
-                  <a:lumOff val="50000"/>
-                  <a:alpha val="45000"/>
-                </a:schemeClr>
-              </a:solidFill>
-              <a:ln>
-                <a:noFill/>
-              </a:ln>
-            </p:spPr>
-            <p:style>
-              <a:lnRef idx="2">
-                <a:schemeClr val="accent1">
-                  <a:shade val="50000"/>
-                </a:schemeClr>
-              </a:lnRef>
-              <a:fillRef idx="1">
-                <a:schemeClr val="accent1"/>
-              </a:fillRef>
-              <a:effectRef idx="0">
-                <a:schemeClr val="accent1"/>
-              </a:effectRef>
-              <a:fontRef idx="minor">
-                <a:schemeClr val="lt1"/>
-              </a:fontRef>
-            </p:style>
-            <p:txBody>
-              <a:bodyPr rtlCol="0" anchor="ctr"/>
-              <a:lstStyle/>
-              <a:p>
-                <a:pPr algn="ctr"/>
-                <a:endParaRPr lang="en-US"/>
-              </a:p>
-            </p:txBody>
-          </p:sp>
-          <p:sp>
-            <p:nvSpPr>
-              <p:cNvPr id="408" name="Rectangle 407"/>
-              <p:cNvSpPr/>
-              <p:nvPr/>
-            </p:nvSpPr>
-            <p:spPr>
-              <a:xfrm>
-                <a:off x="1143000" y="1752600"/>
-                <a:ext cx="4419600" cy="1295400"/>
-              </a:xfrm>
-              <a:prstGeom prst="rect">
-                <a:avLst/>
-              </a:prstGeom>
-              <a:solidFill>
-                <a:schemeClr val="tx1">
-                  <a:lumMod val="50000"/>
-                  <a:lumOff val="50000"/>
-                  <a:alpha val="45000"/>
-                </a:schemeClr>
-              </a:solidFill>
-              <a:ln>
-                <a:noFill/>
-              </a:ln>
-            </p:spPr>
-            <p:style>
-              <a:lnRef idx="2">
-                <a:schemeClr val="accent1">
-                  <a:shade val="50000"/>
-                </a:schemeClr>
-              </a:lnRef>
-              <a:fillRef idx="1">
-                <a:schemeClr val="accent1"/>
-              </a:fillRef>
-              <a:effectRef idx="0">
-                <a:schemeClr val="accent1"/>
-              </a:effectRef>
-              <a:fontRef idx="minor">
-                <a:schemeClr val="lt1"/>
-              </a:fontRef>
-            </p:style>
-            <p:txBody>
-              <a:bodyPr rtlCol="0" anchor="ctr"/>
-              <a:lstStyle/>
-              <a:p>
-                <a:pPr algn="ctr"/>
-                <a:endParaRPr lang="en-US"/>
-              </a:p>
-            </p:txBody>
-          </p:sp>
-        </p:grpSp>
-      </p:grpSp>
-      <p:grpSp>
-        <p:nvGrpSpPr>
-          <p:cNvPr id="31" name="Group 30"/>
-          <p:cNvGrpSpPr/>
-          <p:nvPr/>
-        </p:nvGrpSpPr>
-        <p:grpSpPr>
-          <a:xfrm>
-            <a:off x="227595" y="3438121"/>
-            <a:ext cx="4350959" cy="3418114"/>
-            <a:chOff x="227595" y="3343656"/>
-            <a:chExt cx="4350959" cy="3418114"/>
-          </a:xfrm>
-        </p:grpSpPr>
-        <p:sp>
-          <p:nvSpPr>
-            <p:cNvPr id="96" name="Rectangle 95"/>
-            <p:cNvSpPr/>
-            <p:nvPr/>
-          </p:nvSpPr>
-          <p:spPr>
-            <a:xfrm>
-              <a:off x="235154" y="3343656"/>
-              <a:ext cx="4343400" cy="3418114"/>
-            </a:xfrm>
-            <a:prstGeom prst="rect">
-              <a:avLst/>
-            </a:prstGeom>
-            <a:noFill/>
-            <a:ln>
-              <a:solidFill>
-                <a:schemeClr val="bg1">
-                  <a:lumMod val="50000"/>
-                </a:schemeClr>
-              </a:solidFill>
-            </a:ln>
-          </p:spPr>
-          <p:style>
-            <a:lnRef idx="2">
-              <a:schemeClr val="accent1">
-                <a:shade val="50000"/>
-              </a:schemeClr>
-            </a:lnRef>
-            <a:fillRef idx="1">
-              <a:schemeClr val="accent1"/>
-            </a:fillRef>
-            <a:effectRef idx="0">
-              <a:schemeClr val="accent1"/>
-            </a:effectRef>
-            <a:fontRef idx="minor">
-              <a:schemeClr val="lt1"/>
-            </a:fontRef>
-          </p:style>
-          <p:txBody>
-            <a:bodyPr rtlCol="0" anchor="ctr"/>
-            <a:lstStyle/>
-            <a:p>
-              <a:pPr algn="ctr"/>
-              <a:endParaRPr lang="en-US"/>
-            </a:p>
-          </p:txBody>
-        </p:sp>
-        <p:grpSp>
-          <p:nvGrpSpPr>
-            <p:cNvPr id="97" name="Group 96"/>
-            <p:cNvGrpSpPr>
-              <a:grpSpLocks noChangeAspect="1"/>
-            </p:cNvGrpSpPr>
-            <p:nvPr/>
-          </p:nvGrpSpPr>
-          <p:grpSpPr>
-            <a:xfrm>
-              <a:off x="227595" y="5893090"/>
-              <a:ext cx="1333439" cy="868680"/>
-              <a:chOff x="1117803" y="1752600"/>
-              <a:chExt cx="4444797" cy="2895600"/>
-            </a:xfrm>
-          </p:grpSpPr>
-          <p:grpSp>
-            <p:nvGrpSpPr>
-              <p:cNvPr id="98" name="Group 97"/>
-              <p:cNvGrpSpPr/>
-              <p:nvPr/>
-            </p:nvGrpSpPr>
-            <p:grpSpPr>
-              <a:xfrm>
-                <a:off x="1143000" y="1752600"/>
-                <a:ext cx="4419600" cy="2895600"/>
-                <a:chOff x="1143000" y="1752600"/>
-                <a:chExt cx="4419600" cy="2895600"/>
-              </a:xfrm>
-            </p:grpSpPr>
-            <p:sp>
-              <p:nvSpPr>
-                <p:cNvPr id="101" name="Rectangle 100"/>
-                <p:cNvSpPr/>
-                <p:nvPr/>
-              </p:nvSpPr>
-              <p:spPr>
-                <a:xfrm>
-                  <a:off x="1143000" y="1752600"/>
-                  <a:ext cx="2209800" cy="1295400"/>
-                </a:xfrm>
-                <a:prstGeom prst="rect">
-                  <a:avLst/>
-                </a:prstGeom>
-                <a:solidFill>
-                  <a:schemeClr val="bg1">
-                    <a:lumMod val="95000"/>
-                  </a:schemeClr>
-                </a:solidFill>
-                <a:ln>
-                  <a:noFill/>
-                </a:ln>
-              </p:spPr>
-              <p:style>
-                <a:lnRef idx="2">
-                  <a:schemeClr val="accent1">
-                    <a:shade val="50000"/>
-                  </a:schemeClr>
-                </a:lnRef>
-                <a:fillRef idx="1">
-                  <a:schemeClr val="accent1"/>
-                </a:fillRef>
-                <a:effectRef idx="0">
-                  <a:schemeClr val="accent1"/>
-                </a:effectRef>
-                <a:fontRef idx="minor">
-                  <a:schemeClr val="lt1"/>
-                </a:fontRef>
-              </p:style>
-              <p:txBody>
-                <a:bodyPr rtlCol="0" anchor="ctr"/>
-                <a:lstStyle/>
-                <a:p>
-                  <a:pPr algn="ctr"/>
-                  <a:endParaRPr lang="en-US"/>
-                </a:p>
-              </p:txBody>
-            </p:sp>
-            <p:pic>
-              <p:nvPicPr>
-                <p:cNvPr id="102" name="Picture 4"/>
-                <p:cNvPicPr>
-                  <a:picLocks noChangeAspect="1" noChangeArrowheads="1"/>
-                </p:cNvPicPr>
-                <p:nvPr/>
-              </p:nvPicPr>
-              <p:blipFill>
-                <a:blip r:embed="rId7" cstate="print">
-                  <a:extLst>
-                    <a:ext uri="{28A0092B-C50C-407E-A947-70E740481C1C}">
-                      <a14:useLocalDpi xmlns:a14="http://schemas.microsoft.com/office/drawing/2010/main" val="0"/>
-                    </a:ext>
-                  </a:extLst>
-                </a:blip>
-                <a:srcRect/>
-                <a:stretch>
-                  <a:fillRect/>
-                </a:stretch>
-              </p:blipFill>
-              <p:spPr bwMode="auto">
-                <a:xfrm>
-                  <a:off x="1326904" y="2001245"/>
-                  <a:ext cx="1828800" cy="798021"/>
-                </a:xfrm>
-                <a:prstGeom prst="rect">
-                  <a:avLst/>
-                </a:prstGeom>
-                <a:noFill/>
-                <a:ln>
-                  <a:noFill/>
-                </a:ln>
-                <a:extLst>
-                  <a:ext uri="{909E8E84-426E-40DD-AFC4-6F175D3DCCD1}">
-                    <a14:hiddenFill xmlns:a14="http://schemas.microsoft.com/office/drawing/2010/main">
-                      <a:solidFill>
-                        <a:schemeClr val="accent1"/>
-                      </a:solidFill>
-                    </a14:hiddenFill>
-                  </a:ext>
-                  <a:ext uri="{91240B29-F687-4F45-9708-019B960494DF}">
-                    <a14:hiddenLine xmlns:a14="http://schemas.microsoft.com/office/drawing/2010/main" w="9525">
-                      <a:solidFill>
-                        <a:schemeClr val="tx1"/>
-                      </a:solidFill>
-                      <a:miter lim="800000"/>
-                      <a:headEnd/>
-                      <a:tailEnd/>
-                    </a14:hiddenLine>
-                  </a:ext>
-                </a:extLst>
-              </p:spPr>
-            </p:pic>
-            <p:grpSp>
-              <p:nvGrpSpPr>
-                <p:cNvPr id="103" name="Group 102"/>
-                <p:cNvGrpSpPr/>
-                <p:nvPr/>
-              </p:nvGrpSpPr>
-              <p:grpSpPr>
-                <a:xfrm>
-                  <a:off x="3349752" y="1766597"/>
-                  <a:ext cx="2212848" cy="1267406"/>
-                  <a:chOff x="7772400" y="1447800"/>
-                  <a:chExt cx="2212848" cy="1267406"/>
-                </a:xfrm>
-              </p:grpSpPr>
-              <p:pic>
-                <p:nvPicPr>
-                  <p:cNvPr id="119" name="Picture 2"/>
-                  <p:cNvPicPr>
-                    <a:picLocks noChangeAspect="1" noChangeArrowheads="1"/>
-                  </p:cNvPicPr>
-                  <p:nvPr/>
-                </p:nvPicPr>
-                <p:blipFill>
-                  <a:blip r:embed="rId8" cstate="print">
-                    <a:extLst>
-                      <a:ext uri="{28A0092B-C50C-407E-A947-70E740481C1C}">
-                        <a14:useLocalDpi xmlns:a14="http://schemas.microsoft.com/office/drawing/2010/main" val="0"/>
-                      </a:ext>
-                    </a:extLst>
-                  </a:blip>
-                  <a:srcRect/>
-                  <a:stretch>
-                    <a:fillRect/>
-                  </a:stretch>
-                </p:blipFill>
-                <p:spPr bwMode="auto">
-                  <a:xfrm>
-                    <a:off x="7772400" y="1447801"/>
-                    <a:ext cx="2212848" cy="1267405"/>
-                  </a:xfrm>
-                  <a:prstGeom prst="rect">
-                    <a:avLst/>
-                  </a:prstGeom>
-                  <a:noFill/>
-                  <a:ln>
-                    <a:noFill/>
-                  </a:ln>
-                  <a:extLst>
-                    <a:ext uri="{909E8E84-426E-40DD-AFC4-6F175D3DCCD1}">
-                      <a14:hiddenFill xmlns:a14="http://schemas.microsoft.com/office/drawing/2010/main">
-                        <a:solidFill>
-                          <a:schemeClr val="accent1"/>
-                        </a:solidFill>
-                      </a14:hiddenFill>
-                    </a:ext>
-                    <a:ext uri="{91240B29-F687-4F45-9708-019B960494DF}">
-                      <a14:hiddenLine xmlns:a14="http://schemas.microsoft.com/office/drawing/2010/main" w="9525">
-                        <a:solidFill>
-                          <a:schemeClr val="tx1"/>
-                        </a:solidFill>
-                        <a:miter lim="800000"/>
-                        <a:headEnd/>
-                        <a:tailEnd/>
-                      </a14:hiddenLine>
-                    </a:ext>
-                  </a:extLst>
-                </p:spPr>
-              </p:pic>
-              <p:sp>
-                <p:nvSpPr>
-                  <p:cNvPr id="120" name="Rectangle 119"/>
-                  <p:cNvSpPr/>
-                  <p:nvPr/>
-                </p:nvSpPr>
-                <p:spPr>
-                  <a:xfrm>
-                    <a:off x="7772401" y="1447800"/>
-                    <a:ext cx="381000" cy="228600"/>
-                  </a:xfrm>
-                  <a:prstGeom prst="rect">
-                    <a:avLst/>
-                  </a:prstGeom>
-                  <a:solidFill>
-                    <a:schemeClr val="bg1"/>
-                  </a:solidFill>
-                  <a:ln>
-                    <a:noFill/>
-                  </a:ln>
-                </p:spPr>
-                <p:style>
-                  <a:lnRef idx="2">
-                    <a:schemeClr val="accent1">
-                      <a:shade val="50000"/>
-                    </a:schemeClr>
-                  </a:lnRef>
-                  <a:fillRef idx="1">
-                    <a:schemeClr val="accent1"/>
-                  </a:fillRef>
-                  <a:effectRef idx="0">
-                    <a:schemeClr val="accent1"/>
-                  </a:effectRef>
-                  <a:fontRef idx="minor">
-                    <a:schemeClr val="lt1"/>
-                  </a:fontRef>
-                </p:style>
-                <p:txBody>
-                  <a:bodyPr rtlCol="0" anchor="ctr"/>
-                  <a:lstStyle/>
-                  <a:p>
-                    <a:pPr algn="ctr"/>
-                    <a:endParaRPr lang="en-US"/>
-                  </a:p>
-                </p:txBody>
-              </p:sp>
-            </p:grpSp>
-            <p:grpSp>
-              <p:nvGrpSpPr>
-                <p:cNvPr id="104" name="Group 103"/>
-                <p:cNvGrpSpPr>
-                  <a:grpSpLocks noChangeAspect="1"/>
-                </p:cNvGrpSpPr>
-                <p:nvPr/>
-              </p:nvGrpSpPr>
-              <p:grpSpPr>
-                <a:xfrm>
-                  <a:off x="1395350" y="3337560"/>
-                  <a:ext cx="944979" cy="1005840"/>
-                  <a:chOff x="6282046" y="1523997"/>
-                  <a:chExt cx="2099954" cy="2235200"/>
-                </a:xfrm>
-              </p:grpSpPr>
-              <p:pic>
-                <p:nvPicPr>
-                  <p:cNvPr id="116" name="Picture 3"/>
-                  <p:cNvPicPr>
-                    <a:picLocks noChangeAspect="1" noChangeArrowheads="1"/>
-                  </p:cNvPicPr>
-                  <p:nvPr/>
-                </p:nvPicPr>
-                <p:blipFill rotWithShape="1">
-                  <a:blip r:embed="rId9" cstate="print">
-                    <a:extLst>
-                      <a:ext uri="{28A0092B-C50C-407E-A947-70E740481C1C}">
-                        <a14:useLocalDpi xmlns:a14="http://schemas.microsoft.com/office/drawing/2010/main" val="0"/>
-                      </a:ext>
-                    </a:extLst>
-                  </a:blip>
-                  <a:srcRect l="8207" b="4009"/>
-                  <a:stretch/>
-                </p:blipFill>
-                <p:spPr bwMode="auto">
-                  <a:xfrm>
-                    <a:off x="6282046" y="1555706"/>
-                    <a:ext cx="2080903" cy="2203491"/>
-                  </a:xfrm>
-                  <a:prstGeom prst="rect">
-                    <a:avLst/>
-                  </a:prstGeom>
-                  <a:noFill/>
-                  <a:ln>
-                    <a:noFill/>
-                  </a:ln>
-                  <a:extLst>
-                    <a:ext uri="{909E8E84-426E-40DD-AFC4-6F175D3DCCD1}">
-                      <a14:hiddenFill xmlns:a14="http://schemas.microsoft.com/office/drawing/2010/main">
-                        <a:solidFill>
-                          <a:schemeClr val="accent1"/>
-                        </a:solidFill>
-                      </a14:hiddenFill>
-                    </a:ext>
-                    <a:ext uri="{91240B29-F687-4F45-9708-019B960494DF}">
-                      <a14:hiddenLine xmlns:a14="http://schemas.microsoft.com/office/drawing/2010/main" w="9525">
-                        <a:solidFill>
-                          <a:schemeClr val="tx1"/>
-                        </a:solidFill>
-                        <a:miter lim="800000"/>
-                        <a:headEnd/>
-                        <a:tailEnd/>
-                      </a14:hiddenLine>
-                    </a:ext>
-                  </a:extLst>
-                </p:spPr>
-              </p:pic>
-              <p:cxnSp>
-                <p:nvCxnSpPr>
-                  <p:cNvPr id="117" name="Straight Connector 116"/>
-                  <p:cNvCxnSpPr/>
-                  <p:nvPr/>
-                </p:nvCxnSpPr>
-                <p:spPr>
-                  <a:xfrm>
-                    <a:off x="6282046" y="1523997"/>
-                    <a:ext cx="0" cy="2235200"/>
-                  </a:xfrm>
-                  <a:prstGeom prst="line">
-                    <a:avLst/>
-                  </a:prstGeom>
-                  <a:ln>
-                    <a:solidFill>
-                      <a:schemeClr val="bg1">
-                        <a:lumMod val="50000"/>
-                      </a:schemeClr>
-                    </a:solidFill>
-                  </a:ln>
-                </p:spPr>
-                <p:style>
-                  <a:lnRef idx="1">
-                    <a:schemeClr val="accent1"/>
-                  </a:lnRef>
-                  <a:fillRef idx="0">
-                    <a:schemeClr val="accent1"/>
-                  </a:fillRef>
-                  <a:effectRef idx="0">
-                    <a:schemeClr val="accent1"/>
-                  </a:effectRef>
-                  <a:fontRef idx="minor">
-                    <a:schemeClr val="tx1"/>
-                  </a:fontRef>
-                </p:style>
-              </p:cxnSp>
-              <p:cxnSp>
-                <p:nvCxnSpPr>
-                  <p:cNvPr id="118" name="Straight Connector 117"/>
-                  <p:cNvCxnSpPr/>
-                  <p:nvPr/>
-                </p:nvCxnSpPr>
-                <p:spPr>
-                  <a:xfrm flipH="1">
-                    <a:off x="6282046" y="3759197"/>
-                    <a:ext cx="2099954" cy="0"/>
-                  </a:xfrm>
-                  <a:prstGeom prst="line">
-                    <a:avLst/>
-                  </a:prstGeom>
-                  <a:ln>
-                    <a:solidFill>
-                      <a:schemeClr val="bg1">
-                        <a:lumMod val="50000"/>
-                      </a:schemeClr>
-                    </a:solidFill>
-                  </a:ln>
-                </p:spPr>
-                <p:style>
-                  <a:lnRef idx="1">
-                    <a:schemeClr val="accent1"/>
-                  </a:lnRef>
-                  <a:fillRef idx="0">
-                    <a:schemeClr val="accent1"/>
-                  </a:fillRef>
-                  <a:effectRef idx="0">
-                    <a:schemeClr val="accent1"/>
-                  </a:effectRef>
-                  <a:fontRef idx="minor">
-                    <a:schemeClr val="tx1"/>
-                  </a:fontRef>
-                </p:style>
-              </p:cxnSp>
-            </p:grpSp>
-            <p:grpSp>
-              <p:nvGrpSpPr>
-                <p:cNvPr id="105" name="Group 104"/>
-                <p:cNvGrpSpPr/>
-                <p:nvPr/>
-              </p:nvGrpSpPr>
-              <p:grpSpPr>
-                <a:xfrm>
-                  <a:off x="2844685" y="3337560"/>
-                  <a:ext cx="944979" cy="1002422"/>
-                  <a:chOff x="6400800" y="4036216"/>
-                  <a:chExt cx="944979" cy="1002422"/>
-                </a:xfrm>
-              </p:grpSpPr>
-              <p:pic>
-                <p:nvPicPr>
-                  <p:cNvPr id="113" name="Picture 5"/>
-                  <p:cNvPicPr>
-                    <a:picLocks noChangeAspect="1" noChangeArrowheads="1"/>
-                  </p:cNvPicPr>
-                  <p:nvPr/>
-                </p:nvPicPr>
-                <p:blipFill>
-                  <a:blip r:embed="rId10" cstate="print">
-                    <a:extLst>
-                      <a:ext uri="{28A0092B-C50C-407E-A947-70E740481C1C}">
-                        <a14:useLocalDpi xmlns:a14="http://schemas.microsoft.com/office/drawing/2010/main" val="0"/>
-                      </a:ext>
-                    </a:extLst>
-                  </a:blip>
-                  <a:srcRect/>
-                  <a:stretch>
-                    <a:fillRect/>
-                  </a:stretch>
-                </p:blipFill>
-                <p:spPr bwMode="auto">
-                  <a:xfrm>
-                    <a:off x="6400800" y="4036216"/>
-                    <a:ext cx="932688" cy="1002422"/>
-                  </a:xfrm>
-                  <a:prstGeom prst="rect">
-                    <a:avLst/>
-                  </a:prstGeom>
-                  <a:noFill/>
-                  <a:ln>
-                    <a:noFill/>
-                  </a:ln>
-                  <a:extLst>
-                    <a:ext uri="{909E8E84-426E-40DD-AFC4-6F175D3DCCD1}">
-                      <a14:hiddenFill xmlns:a14="http://schemas.microsoft.com/office/drawing/2010/main">
-                        <a:solidFill>
-                          <a:schemeClr val="accent1"/>
-                        </a:solidFill>
-                      </a14:hiddenFill>
-                    </a:ext>
-                    <a:ext uri="{91240B29-F687-4F45-9708-019B960494DF}">
-                      <a14:hiddenLine xmlns:a14="http://schemas.microsoft.com/office/drawing/2010/main" w="9525">
-                        <a:solidFill>
-                          <a:schemeClr val="tx1"/>
-                        </a:solidFill>
-                        <a:miter lim="800000"/>
-                        <a:headEnd/>
-                        <a:tailEnd/>
-                      </a14:hiddenLine>
-                    </a:ext>
-                  </a:extLst>
-                </p:spPr>
-              </p:pic>
-              <p:cxnSp>
-                <p:nvCxnSpPr>
-                  <p:cNvPr id="114" name="Straight Connector 113"/>
-                  <p:cNvCxnSpPr/>
-                  <p:nvPr/>
-                </p:nvCxnSpPr>
-                <p:spPr>
-                  <a:xfrm>
-                    <a:off x="6400800" y="4036216"/>
-                    <a:ext cx="0" cy="1002422"/>
-                  </a:xfrm>
-                  <a:prstGeom prst="line">
-                    <a:avLst/>
-                  </a:prstGeom>
-                  <a:ln>
-                    <a:solidFill>
-                      <a:schemeClr val="bg1">
-                        <a:lumMod val="50000"/>
-                      </a:schemeClr>
-                    </a:solidFill>
-                  </a:ln>
-                </p:spPr>
-                <p:style>
-                  <a:lnRef idx="1">
-                    <a:schemeClr val="accent1"/>
-                  </a:lnRef>
-                  <a:fillRef idx="0">
-                    <a:schemeClr val="accent1"/>
-                  </a:fillRef>
-                  <a:effectRef idx="0">
-                    <a:schemeClr val="accent1"/>
-                  </a:effectRef>
-                  <a:fontRef idx="minor">
-                    <a:schemeClr val="tx1"/>
-                  </a:fontRef>
-                </p:style>
-              </p:cxnSp>
-              <p:cxnSp>
-                <p:nvCxnSpPr>
-                  <p:cNvPr id="115" name="Straight Connector 114"/>
-                  <p:cNvCxnSpPr/>
-                  <p:nvPr/>
-                </p:nvCxnSpPr>
-                <p:spPr>
-                  <a:xfrm flipH="1">
-                    <a:off x="6400800" y="5038638"/>
-                    <a:ext cx="944979" cy="0"/>
-                  </a:xfrm>
-                  <a:prstGeom prst="line">
-                    <a:avLst/>
-                  </a:prstGeom>
-                  <a:ln>
-                    <a:solidFill>
-                      <a:schemeClr val="bg1">
-                        <a:lumMod val="50000"/>
-                      </a:schemeClr>
-                    </a:solidFill>
-                  </a:ln>
-                </p:spPr>
-                <p:style>
-                  <a:lnRef idx="1">
-                    <a:schemeClr val="accent1"/>
-                  </a:lnRef>
-                  <a:fillRef idx="0">
-                    <a:schemeClr val="accent1"/>
-                  </a:fillRef>
-                  <a:effectRef idx="0">
-                    <a:schemeClr val="accent1"/>
-                  </a:effectRef>
-                  <a:fontRef idx="minor">
-                    <a:schemeClr val="tx1"/>
-                  </a:fontRef>
-                </p:style>
-              </p:cxnSp>
-            </p:grpSp>
-            <p:grpSp>
-              <p:nvGrpSpPr>
-                <p:cNvPr id="106" name="Group 105"/>
-                <p:cNvGrpSpPr/>
-                <p:nvPr/>
-              </p:nvGrpSpPr>
-              <p:grpSpPr>
-                <a:xfrm>
-                  <a:off x="4290950" y="3337560"/>
-                  <a:ext cx="990600" cy="1002422"/>
-                  <a:chOff x="6400800" y="1173840"/>
-                  <a:chExt cx="990600" cy="1002422"/>
-                </a:xfrm>
-              </p:grpSpPr>
-              <p:pic>
-                <p:nvPicPr>
-                  <p:cNvPr id="110" name="Picture 6"/>
-                  <p:cNvPicPr>
-                    <a:picLocks noChangeAspect="1" noChangeArrowheads="1"/>
-                  </p:cNvPicPr>
-                  <p:nvPr/>
-                </p:nvPicPr>
-                <p:blipFill>
-                  <a:blip r:embed="rId11" cstate="print">
-                    <a:extLst>
-                      <a:ext uri="{28A0092B-C50C-407E-A947-70E740481C1C}">
-                        <a14:useLocalDpi xmlns:a14="http://schemas.microsoft.com/office/drawing/2010/main" val="0"/>
-                      </a:ext>
-                    </a:extLst>
-                  </a:blip>
-                  <a:srcRect/>
-                  <a:stretch>
-                    <a:fillRect/>
-                  </a:stretch>
-                </p:blipFill>
-                <p:spPr bwMode="auto">
-                  <a:xfrm>
-                    <a:off x="6458712" y="1289696"/>
-                    <a:ext cx="932688" cy="886566"/>
-                  </a:xfrm>
-                  <a:prstGeom prst="rect">
-                    <a:avLst/>
-                  </a:prstGeom>
-                  <a:noFill/>
-                  <a:ln>
-                    <a:noFill/>
-                  </a:ln>
-                  <a:extLst>
-                    <a:ext uri="{909E8E84-426E-40DD-AFC4-6F175D3DCCD1}">
-                      <a14:hiddenFill xmlns:a14="http://schemas.microsoft.com/office/drawing/2010/main">
-                        <a:solidFill>
-                          <a:schemeClr val="accent1"/>
-                        </a:solidFill>
-                      </a14:hiddenFill>
-                    </a:ext>
-                    <a:ext uri="{91240B29-F687-4F45-9708-019B960494DF}">
-                      <a14:hiddenLine xmlns:a14="http://schemas.microsoft.com/office/drawing/2010/main" w="9525">
-                        <a:solidFill>
-                          <a:schemeClr val="tx1"/>
-                        </a:solidFill>
-                        <a:miter lim="800000"/>
-                        <a:headEnd/>
-                        <a:tailEnd/>
-                      </a14:hiddenLine>
-                    </a:ext>
-                  </a:extLst>
-                </p:spPr>
-              </p:pic>
-              <p:cxnSp>
-                <p:nvCxnSpPr>
-                  <p:cNvPr id="111" name="Straight Connector 110"/>
-                  <p:cNvCxnSpPr/>
-                  <p:nvPr/>
-                </p:nvCxnSpPr>
-                <p:spPr>
-                  <a:xfrm>
-                    <a:off x="6400800" y="1173840"/>
-                    <a:ext cx="0" cy="1002422"/>
-                  </a:xfrm>
-                  <a:prstGeom prst="line">
-                    <a:avLst/>
-                  </a:prstGeom>
-                  <a:ln>
-                    <a:solidFill>
-                      <a:schemeClr val="bg1">
-                        <a:lumMod val="50000"/>
-                      </a:schemeClr>
-                    </a:solidFill>
-                  </a:ln>
-                </p:spPr>
-                <p:style>
-                  <a:lnRef idx="1">
-                    <a:schemeClr val="accent1"/>
-                  </a:lnRef>
-                  <a:fillRef idx="0">
-                    <a:schemeClr val="accent1"/>
-                  </a:fillRef>
-                  <a:effectRef idx="0">
-                    <a:schemeClr val="accent1"/>
-                  </a:effectRef>
-                  <a:fontRef idx="minor">
-                    <a:schemeClr val="tx1"/>
-                  </a:fontRef>
-                </p:style>
-              </p:cxnSp>
-              <p:cxnSp>
-                <p:nvCxnSpPr>
-                  <p:cNvPr id="112" name="Straight Connector 111"/>
-                  <p:cNvCxnSpPr/>
-                  <p:nvPr/>
-                </p:nvCxnSpPr>
-                <p:spPr>
-                  <a:xfrm flipH="1">
-                    <a:off x="6400800" y="2176262"/>
-                    <a:ext cx="944979" cy="0"/>
-                  </a:xfrm>
-                  <a:prstGeom prst="line">
-                    <a:avLst/>
-                  </a:prstGeom>
-                  <a:ln>
-                    <a:solidFill>
-                      <a:schemeClr val="bg1">
-                        <a:lumMod val="50000"/>
-                      </a:schemeClr>
-                    </a:solidFill>
-                  </a:ln>
-                </p:spPr>
-                <p:style>
-                  <a:lnRef idx="1">
-                    <a:schemeClr val="accent1"/>
-                  </a:lnRef>
-                  <a:fillRef idx="0">
-                    <a:schemeClr val="accent1"/>
-                  </a:fillRef>
-                  <a:effectRef idx="0">
-                    <a:schemeClr val="accent1"/>
-                  </a:effectRef>
-                  <a:fontRef idx="minor">
-                    <a:schemeClr val="tx1"/>
-                  </a:fontRef>
-                </p:style>
-              </p:cxnSp>
-            </p:grpSp>
-            <p:cxnSp>
-              <p:nvCxnSpPr>
-                <p:cNvPr id="107" name="Straight Connector 106"/>
-                <p:cNvCxnSpPr/>
-                <p:nvPr/>
-              </p:nvCxnSpPr>
-              <p:spPr>
-                <a:xfrm>
-                  <a:off x="1143000" y="3048000"/>
-                  <a:ext cx="4419600" cy="0"/>
-                </a:xfrm>
-                <a:prstGeom prst="line">
-                  <a:avLst/>
-                </a:prstGeom>
-                <a:ln w="25400">
-                  <a:solidFill>
-                    <a:schemeClr val="accent2"/>
-                  </a:solidFill>
-                </a:ln>
-              </p:spPr>
-              <p:style>
-                <a:lnRef idx="1">
-                  <a:schemeClr val="accent1"/>
-                </a:lnRef>
-                <a:fillRef idx="0">
-                  <a:schemeClr val="accent1"/>
-                </a:fillRef>
-                <a:effectRef idx="0">
-                  <a:schemeClr val="accent1"/>
-                </a:effectRef>
-                <a:fontRef idx="minor">
-                  <a:schemeClr val="tx1"/>
-                </a:fontRef>
-              </p:style>
-            </p:cxnSp>
-            <p:cxnSp>
-              <p:nvCxnSpPr>
-                <p:cNvPr id="108" name="Straight Connector 107"/>
-                <p:cNvCxnSpPr>
-                  <a:stCxn id="109" idx="0"/>
-                </p:cNvCxnSpPr>
-                <p:nvPr/>
-              </p:nvCxnSpPr>
-              <p:spPr>
-                <a:xfrm>
-                  <a:off x="3352800" y="1752600"/>
-                  <a:ext cx="0" cy="1295400"/>
-                </a:xfrm>
-                <a:prstGeom prst="line">
-                  <a:avLst/>
-                </a:prstGeom>
-                <a:ln w="25400">
-                  <a:solidFill>
-                    <a:schemeClr val="accent2"/>
-                  </a:solidFill>
-                </a:ln>
-              </p:spPr>
-              <p:style>
-                <a:lnRef idx="1">
-                  <a:schemeClr val="accent1"/>
-                </a:lnRef>
-                <a:fillRef idx="0">
-                  <a:schemeClr val="accent1"/>
-                </a:fillRef>
-                <a:effectRef idx="0">
-                  <a:schemeClr val="accent1"/>
-                </a:effectRef>
-                <a:fontRef idx="minor">
-                  <a:schemeClr val="tx1"/>
-                </a:fontRef>
-              </p:style>
-            </p:cxnSp>
-            <p:sp>
-              <p:nvSpPr>
-                <p:cNvPr id="109" name="Rectangle 108"/>
-                <p:cNvSpPr/>
-                <p:nvPr/>
-              </p:nvSpPr>
-              <p:spPr>
-                <a:xfrm>
-                  <a:off x="1143000" y="1752600"/>
-                  <a:ext cx="4419600" cy="2895600"/>
-                </a:xfrm>
-                <a:prstGeom prst="rect">
-                  <a:avLst/>
-                </a:prstGeom>
-                <a:noFill/>
-                <a:ln>
-                  <a:solidFill>
-                    <a:schemeClr val="accent2"/>
-                  </a:solidFill>
-                </a:ln>
-              </p:spPr>
-              <p:style>
-                <a:lnRef idx="2">
-                  <a:schemeClr val="accent1">
-                    <a:shade val="50000"/>
-                  </a:schemeClr>
-                </a:lnRef>
-                <a:fillRef idx="1">
-                  <a:schemeClr val="accent1"/>
-                </a:fillRef>
-                <a:effectRef idx="0">
-                  <a:schemeClr val="accent1"/>
-                </a:effectRef>
-                <a:fontRef idx="minor">
-                  <a:schemeClr val="lt1"/>
-                </a:fontRef>
-              </p:style>
-              <p:txBody>
-                <a:bodyPr rtlCol="0" anchor="ctr"/>
-                <a:lstStyle/>
-                <a:p>
-                  <a:pPr algn="ctr"/>
-                  <a:endParaRPr lang="en-US"/>
-                </a:p>
-              </p:txBody>
-            </p:sp>
-          </p:grpSp>
-          <p:sp>
-            <p:nvSpPr>
-              <p:cNvPr id="99" name="Rectangle 98"/>
-              <p:cNvSpPr/>
-              <p:nvPr/>
-            </p:nvSpPr>
-            <p:spPr>
-              <a:xfrm>
-                <a:off x="1117803" y="3048000"/>
-                <a:ext cx="2895600" cy="1600200"/>
-              </a:xfrm>
-              <a:prstGeom prst="rect">
-                <a:avLst/>
-              </a:prstGeom>
-              <a:solidFill>
-                <a:schemeClr val="tx1">
-                  <a:lumMod val="50000"/>
-                  <a:lumOff val="50000"/>
-                  <a:alpha val="45000"/>
-                </a:schemeClr>
-              </a:solidFill>
-              <a:ln>
-                <a:noFill/>
-              </a:ln>
-            </p:spPr>
-            <p:style>
-              <a:lnRef idx="2">
-                <a:schemeClr val="accent1">
-                  <a:shade val="50000"/>
-                </a:schemeClr>
-              </a:lnRef>
-              <a:fillRef idx="1">
-                <a:schemeClr val="accent1"/>
-              </a:fillRef>
-              <a:effectRef idx="0">
-                <a:schemeClr val="accent1"/>
-              </a:effectRef>
-              <a:fontRef idx="minor">
-                <a:schemeClr val="lt1"/>
-              </a:fontRef>
-            </p:style>
-            <p:txBody>
-              <a:bodyPr rtlCol="0" anchor="ctr"/>
-              <a:lstStyle/>
-              <a:p>
-                <a:pPr algn="ctr"/>
-                <a:endParaRPr lang="en-US"/>
-              </a:p>
-            </p:txBody>
-          </p:sp>
-          <p:sp>
-            <p:nvSpPr>
-              <p:cNvPr id="100" name="Rectangle 99"/>
-              <p:cNvSpPr/>
-              <p:nvPr/>
-            </p:nvSpPr>
-            <p:spPr>
-              <a:xfrm>
-                <a:off x="1143000" y="1752600"/>
-                <a:ext cx="4419600" cy="1295400"/>
-              </a:xfrm>
-              <a:prstGeom prst="rect">
-                <a:avLst/>
-              </a:prstGeom>
-              <a:solidFill>
-                <a:schemeClr val="tx1">
-                  <a:lumMod val="50000"/>
-                  <a:lumOff val="50000"/>
-                  <a:alpha val="45000"/>
-                </a:schemeClr>
-              </a:solidFill>
-              <a:ln>
-                <a:noFill/>
-              </a:ln>
-            </p:spPr>
-            <p:style>
-              <a:lnRef idx="2">
-                <a:schemeClr val="accent1">
-                  <a:shade val="50000"/>
-                </a:schemeClr>
-              </a:lnRef>
-              <a:fillRef idx="1">
-                <a:schemeClr val="accent1"/>
-              </a:fillRef>
-              <a:effectRef idx="0">
-                <a:schemeClr val="accent1"/>
-              </a:effectRef>
-              <a:fontRef idx="minor">
-                <a:schemeClr val="lt1"/>
-              </a:fontRef>
-            </p:style>
-            <p:txBody>
-              <a:bodyPr rtlCol="0" anchor="ctr"/>
-              <a:lstStyle/>
-              <a:p>
-                <a:pPr algn="ctr"/>
-                <a:endParaRPr lang="en-US"/>
-              </a:p>
-            </p:txBody>
-          </p:sp>
-        </p:grpSp>
-      </p:grpSp>
-      <p:sp>
-        <p:nvSpPr>
-          <p:cNvPr id="2059" name="Oval 2058"/>
-          <p:cNvSpPr/>
-          <p:nvPr/>
-        </p:nvSpPr>
-        <p:spPr>
-          <a:xfrm>
-            <a:off x="2642828" y="4041484"/>
-            <a:ext cx="274320" cy="274320"/>
-          </a:xfrm>
-          <a:prstGeom prst="ellipse">
-            <a:avLst/>
-          </a:prstGeom>
-          <a:noFill/>
-          <a:ln>
-            <a:solidFill>
-              <a:schemeClr val="accent2"/>
-            </a:solidFill>
-          </a:ln>
-        </p:spPr>
-        <p:style>
-          <a:lnRef idx="2">
-            <a:schemeClr val="accent1">
-              <a:shade val="50000"/>
-            </a:schemeClr>
-          </a:lnRef>
-          <a:fillRef idx="1">
-            <a:schemeClr val="accent1"/>
-          </a:fillRef>
-          <a:effectRef idx="0">
-            <a:schemeClr val="accent1"/>
-          </a:effectRef>
-          <a:fontRef idx="minor">
-            <a:schemeClr val="lt1"/>
-          </a:fontRef>
-        </p:style>
-        <p:txBody>
-          <a:bodyPr rtlCol="0" anchor="ctr"/>
-          <a:lstStyle/>
-          <a:p>
-            <a:pPr algn="ctr"/>
-            <a:endParaRPr lang="en-US"/>
-          </a:p>
-        </p:txBody>
-      </p:sp>
-      <p:sp>
-        <p:nvSpPr>
-          <p:cNvPr id="2060" name="TextBox 2059"/>
-          <p:cNvSpPr txBox="1"/>
-          <p:nvPr/>
-        </p:nvSpPr>
-        <p:spPr>
-          <a:xfrm>
-            <a:off x="2399188" y="3774666"/>
-            <a:ext cx="1166865" cy="292388"/>
-          </a:xfrm>
-          <a:prstGeom prst="rect">
-            <a:avLst/>
-          </a:prstGeom>
-          <a:noFill/>
-        </p:spPr>
-        <p:txBody>
-          <a:bodyPr wrap="square" rtlCol="0">
-            <a:spAutoFit/>
-          </a:bodyPr>
-          <a:lstStyle/>
-          <a:p>
-            <a:r>
-              <a:rPr lang="en-US" sz="1300" dirty="0" smtClean="0"/>
-              <a:t>Education</a:t>
-            </a:r>
-            <a:endParaRPr lang="en-US" sz="1300" dirty="0"/>
-          </a:p>
-        </p:txBody>
-      </p:sp>
-      <p:grpSp>
-        <p:nvGrpSpPr>
-          <p:cNvPr id="2074" name="Group 2073"/>
-          <p:cNvGrpSpPr/>
-          <p:nvPr/>
-        </p:nvGrpSpPr>
-        <p:grpSpPr>
-          <a:xfrm>
-            <a:off x="4564984" y="3419856"/>
-            <a:ext cx="4343400" cy="3436880"/>
-            <a:chOff x="4579498" y="3433631"/>
-            <a:chExt cx="4343400" cy="3436880"/>
-          </a:xfrm>
-        </p:grpSpPr>
-        <p:sp>
-          <p:nvSpPr>
-            <p:cNvPr id="133" name="Rectangle 132"/>
-            <p:cNvSpPr/>
-            <p:nvPr/>
-          </p:nvSpPr>
-          <p:spPr>
-            <a:xfrm>
-              <a:off x="4579498" y="3433631"/>
-              <a:ext cx="4343400" cy="3436880"/>
-            </a:xfrm>
-            <a:prstGeom prst="rect">
-              <a:avLst/>
-            </a:prstGeom>
-            <a:noFill/>
-            <a:ln>
-              <a:solidFill>
-                <a:schemeClr val="bg1">
-                  <a:lumMod val="50000"/>
-                </a:schemeClr>
-              </a:solidFill>
-            </a:ln>
-          </p:spPr>
-          <p:style>
-            <a:lnRef idx="2">
-              <a:schemeClr val="accent1">
-                <a:shade val="50000"/>
-              </a:schemeClr>
-            </a:lnRef>
-            <a:fillRef idx="1">
-              <a:schemeClr val="accent1"/>
-            </a:fillRef>
-            <a:effectRef idx="0">
-              <a:schemeClr val="accent1"/>
-            </a:effectRef>
-            <a:fontRef idx="minor">
-              <a:schemeClr val="lt1"/>
-            </a:fontRef>
-          </p:style>
-          <p:txBody>
-            <a:bodyPr rtlCol="0" anchor="ctr"/>
-            <a:lstStyle/>
-            <a:p>
-              <a:pPr algn="ctr"/>
-              <a:endParaRPr lang="en-US"/>
-            </a:p>
-          </p:txBody>
-        </p:sp>
-        <p:grpSp>
-          <p:nvGrpSpPr>
-            <p:cNvPr id="134" name="Group 133"/>
-            <p:cNvGrpSpPr>
-              <a:grpSpLocks noChangeAspect="1"/>
-            </p:cNvGrpSpPr>
-            <p:nvPr/>
-          </p:nvGrpSpPr>
-          <p:grpSpPr>
-            <a:xfrm>
-              <a:off x="4579498" y="6001831"/>
-              <a:ext cx="1325880" cy="868680"/>
-              <a:chOff x="1143000" y="1752600"/>
-              <a:chExt cx="4419600" cy="2895600"/>
-            </a:xfrm>
-          </p:grpSpPr>
-          <p:grpSp>
-            <p:nvGrpSpPr>
-              <p:cNvPr id="135" name="Group 134"/>
-              <p:cNvGrpSpPr/>
-              <p:nvPr/>
-            </p:nvGrpSpPr>
-            <p:grpSpPr>
-              <a:xfrm>
-                <a:off x="1143000" y="1752600"/>
-                <a:ext cx="4419600" cy="2895600"/>
-                <a:chOff x="1143000" y="1752600"/>
-                <a:chExt cx="4419600" cy="2895600"/>
-              </a:xfrm>
-            </p:grpSpPr>
-            <p:sp>
-              <p:nvSpPr>
-                <p:cNvPr id="138" name="Rectangle 137"/>
-                <p:cNvSpPr/>
-                <p:nvPr/>
-              </p:nvSpPr>
-              <p:spPr>
-                <a:xfrm>
-                  <a:off x="1143000" y="1752600"/>
-                  <a:ext cx="2209800" cy="1295400"/>
-                </a:xfrm>
-                <a:prstGeom prst="rect">
-                  <a:avLst/>
-                </a:prstGeom>
-                <a:solidFill>
-                  <a:schemeClr val="bg1">
-                    <a:lumMod val="95000"/>
-                  </a:schemeClr>
-                </a:solidFill>
-                <a:ln>
-                  <a:noFill/>
-                </a:ln>
-              </p:spPr>
-              <p:style>
-                <a:lnRef idx="2">
-                  <a:schemeClr val="accent1">
-                    <a:shade val="50000"/>
-                  </a:schemeClr>
-                </a:lnRef>
-                <a:fillRef idx="1">
-                  <a:schemeClr val="accent1"/>
-                </a:fillRef>
-                <a:effectRef idx="0">
-                  <a:schemeClr val="accent1"/>
-                </a:effectRef>
-                <a:fontRef idx="minor">
-                  <a:schemeClr val="lt1"/>
-                </a:fontRef>
-              </p:style>
-              <p:txBody>
-                <a:bodyPr rtlCol="0" anchor="ctr"/>
-                <a:lstStyle/>
-                <a:p>
-                  <a:pPr algn="ctr"/>
-                  <a:endParaRPr lang="en-US"/>
-                </a:p>
-              </p:txBody>
-            </p:sp>
-            <p:pic>
-              <p:nvPicPr>
-                <p:cNvPr id="139" name="Picture 4"/>
-                <p:cNvPicPr>
-                  <a:picLocks noChangeAspect="1" noChangeArrowheads="1"/>
-                </p:cNvPicPr>
-                <p:nvPr/>
-              </p:nvPicPr>
-              <p:blipFill>
-                <a:blip r:embed="rId7" cstate="print">
-                  <a:extLst>
-                    <a:ext uri="{28A0092B-C50C-407E-A947-70E740481C1C}">
-                      <a14:useLocalDpi xmlns:a14="http://schemas.microsoft.com/office/drawing/2010/main" val="0"/>
-                    </a:ext>
-                  </a:extLst>
-                </a:blip>
-                <a:srcRect/>
-                <a:stretch>
-                  <a:fillRect/>
-                </a:stretch>
-              </p:blipFill>
-              <p:spPr bwMode="auto">
-                <a:xfrm>
-                  <a:off x="1326904" y="2001245"/>
-                  <a:ext cx="1828800" cy="798021"/>
-                </a:xfrm>
-                <a:prstGeom prst="rect">
-                  <a:avLst/>
-                </a:prstGeom>
-                <a:noFill/>
-                <a:ln>
-                  <a:noFill/>
-                </a:ln>
-                <a:extLst>
-                  <a:ext uri="{909E8E84-426E-40DD-AFC4-6F175D3DCCD1}">
-                    <a14:hiddenFill xmlns:a14="http://schemas.microsoft.com/office/drawing/2010/main">
-                      <a:solidFill>
-                        <a:schemeClr val="accent1"/>
-                      </a:solidFill>
-                    </a14:hiddenFill>
-                  </a:ext>
-                  <a:ext uri="{91240B29-F687-4F45-9708-019B960494DF}">
-                    <a14:hiddenLine xmlns:a14="http://schemas.microsoft.com/office/drawing/2010/main" w="9525">
-                      <a:solidFill>
-                        <a:schemeClr val="tx1"/>
-                      </a:solidFill>
-                      <a:miter lim="800000"/>
-                      <a:headEnd/>
-                      <a:tailEnd/>
-                    </a14:hiddenLine>
-                  </a:ext>
-                </a:extLst>
-              </p:spPr>
-            </p:pic>
-            <p:grpSp>
-              <p:nvGrpSpPr>
-                <p:cNvPr id="140" name="Group 139"/>
-                <p:cNvGrpSpPr/>
-                <p:nvPr/>
-              </p:nvGrpSpPr>
-              <p:grpSpPr>
-                <a:xfrm>
-                  <a:off x="3349752" y="1766597"/>
-                  <a:ext cx="2212848" cy="1267406"/>
-                  <a:chOff x="7772400" y="1447800"/>
-                  <a:chExt cx="2212848" cy="1267406"/>
-                </a:xfrm>
-              </p:grpSpPr>
-              <p:pic>
-                <p:nvPicPr>
-                  <p:cNvPr id="156" name="Picture 2"/>
-                  <p:cNvPicPr>
-                    <a:picLocks noChangeAspect="1" noChangeArrowheads="1"/>
-                  </p:cNvPicPr>
-                  <p:nvPr/>
-                </p:nvPicPr>
-                <p:blipFill>
-                  <a:blip r:embed="rId8" cstate="print">
-                    <a:extLst>
-                      <a:ext uri="{28A0092B-C50C-407E-A947-70E740481C1C}">
-                        <a14:useLocalDpi xmlns:a14="http://schemas.microsoft.com/office/drawing/2010/main" val="0"/>
-                      </a:ext>
-                    </a:extLst>
-                  </a:blip>
-                  <a:srcRect/>
-                  <a:stretch>
-                    <a:fillRect/>
-                  </a:stretch>
-                </p:blipFill>
-                <p:spPr bwMode="auto">
-                  <a:xfrm>
-                    <a:off x="7772400" y="1447801"/>
-                    <a:ext cx="2212848" cy="1267405"/>
-                  </a:xfrm>
-                  <a:prstGeom prst="rect">
-                    <a:avLst/>
-                  </a:prstGeom>
-                  <a:noFill/>
-                  <a:ln>
-                    <a:noFill/>
-                  </a:ln>
-                  <a:extLst>
-                    <a:ext uri="{909E8E84-426E-40DD-AFC4-6F175D3DCCD1}">
-                      <a14:hiddenFill xmlns:a14="http://schemas.microsoft.com/office/drawing/2010/main">
-                        <a:solidFill>
-                          <a:schemeClr val="accent1"/>
-                        </a:solidFill>
-                      </a14:hiddenFill>
-                    </a:ext>
-                    <a:ext uri="{91240B29-F687-4F45-9708-019B960494DF}">
-                      <a14:hiddenLine xmlns:a14="http://schemas.microsoft.com/office/drawing/2010/main" w="9525">
-                        <a:solidFill>
-                          <a:schemeClr val="tx1"/>
-                        </a:solidFill>
-                        <a:miter lim="800000"/>
-                        <a:headEnd/>
-                        <a:tailEnd/>
-                      </a14:hiddenLine>
-                    </a:ext>
-                  </a:extLst>
-                </p:spPr>
-              </p:pic>
-              <p:sp>
-                <p:nvSpPr>
-                  <p:cNvPr id="157" name="Rectangle 156"/>
-                  <p:cNvSpPr/>
-                  <p:nvPr/>
-                </p:nvSpPr>
-                <p:spPr>
-                  <a:xfrm>
-                    <a:off x="7772401" y="1447800"/>
-                    <a:ext cx="381000" cy="228600"/>
-                  </a:xfrm>
-                  <a:prstGeom prst="rect">
-                    <a:avLst/>
-                  </a:prstGeom>
-                  <a:solidFill>
-                    <a:schemeClr val="bg1"/>
-                  </a:solidFill>
-                  <a:ln>
-                    <a:noFill/>
-                  </a:ln>
-                </p:spPr>
-                <p:style>
-                  <a:lnRef idx="2">
-                    <a:schemeClr val="accent1">
-                      <a:shade val="50000"/>
-                    </a:schemeClr>
-                  </a:lnRef>
-                  <a:fillRef idx="1">
-                    <a:schemeClr val="accent1"/>
-                  </a:fillRef>
-                  <a:effectRef idx="0">
-                    <a:schemeClr val="accent1"/>
-                  </a:effectRef>
-                  <a:fontRef idx="minor">
-                    <a:schemeClr val="lt1"/>
-                  </a:fontRef>
-                </p:style>
-                <p:txBody>
-                  <a:bodyPr rtlCol="0" anchor="ctr"/>
-                  <a:lstStyle/>
-                  <a:p>
-                    <a:pPr algn="ctr"/>
-                    <a:endParaRPr lang="en-US"/>
-                  </a:p>
-                </p:txBody>
-              </p:sp>
-            </p:grpSp>
-            <p:grpSp>
-              <p:nvGrpSpPr>
-                <p:cNvPr id="141" name="Group 140"/>
-                <p:cNvGrpSpPr>
-                  <a:grpSpLocks noChangeAspect="1"/>
-                </p:cNvGrpSpPr>
-                <p:nvPr/>
-              </p:nvGrpSpPr>
-              <p:grpSpPr>
-                <a:xfrm>
-                  <a:off x="1395350" y="3337560"/>
-                  <a:ext cx="944979" cy="1005840"/>
-                  <a:chOff x="6282046" y="1523997"/>
-                  <a:chExt cx="2099954" cy="2235200"/>
-                </a:xfrm>
-              </p:grpSpPr>
-              <p:pic>
-                <p:nvPicPr>
-                  <p:cNvPr id="153" name="Picture 3"/>
-                  <p:cNvPicPr>
-                    <a:picLocks noChangeAspect="1" noChangeArrowheads="1"/>
-                  </p:cNvPicPr>
-                  <p:nvPr/>
-                </p:nvPicPr>
-                <p:blipFill rotWithShape="1">
-                  <a:blip r:embed="rId9" cstate="print">
-                    <a:extLst>
-                      <a:ext uri="{28A0092B-C50C-407E-A947-70E740481C1C}">
-                        <a14:useLocalDpi xmlns:a14="http://schemas.microsoft.com/office/drawing/2010/main" val="0"/>
-                      </a:ext>
-                    </a:extLst>
-                  </a:blip>
-                  <a:srcRect l="8207" b="4009"/>
-                  <a:stretch/>
-                </p:blipFill>
-                <p:spPr bwMode="auto">
-                  <a:xfrm>
-                    <a:off x="6282046" y="1555706"/>
-                    <a:ext cx="2080903" cy="2203491"/>
-                  </a:xfrm>
-                  <a:prstGeom prst="rect">
-                    <a:avLst/>
-                  </a:prstGeom>
-                  <a:noFill/>
-                  <a:ln>
-                    <a:noFill/>
-                  </a:ln>
-                  <a:extLst>
-                    <a:ext uri="{909E8E84-426E-40DD-AFC4-6F175D3DCCD1}">
-                      <a14:hiddenFill xmlns:a14="http://schemas.microsoft.com/office/drawing/2010/main">
-                        <a:solidFill>
-                          <a:schemeClr val="accent1"/>
-                        </a:solidFill>
-                      </a14:hiddenFill>
-                    </a:ext>
-                    <a:ext uri="{91240B29-F687-4F45-9708-019B960494DF}">
-                      <a14:hiddenLine xmlns:a14="http://schemas.microsoft.com/office/drawing/2010/main" w="9525">
-                        <a:solidFill>
-                          <a:schemeClr val="tx1"/>
-                        </a:solidFill>
-                        <a:miter lim="800000"/>
-                        <a:headEnd/>
-                        <a:tailEnd/>
-                      </a14:hiddenLine>
-                    </a:ext>
-                  </a:extLst>
-                </p:spPr>
-              </p:pic>
-              <p:cxnSp>
-                <p:nvCxnSpPr>
-                  <p:cNvPr id="154" name="Straight Connector 153"/>
-                  <p:cNvCxnSpPr/>
-                  <p:nvPr/>
-                </p:nvCxnSpPr>
-                <p:spPr>
-                  <a:xfrm>
-                    <a:off x="6282046" y="1523997"/>
-                    <a:ext cx="0" cy="2235200"/>
-                  </a:xfrm>
-                  <a:prstGeom prst="line">
-                    <a:avLst/>
-                  </a:prstGeom>
-                  <a:ln>
-                    <a:solidFill>
-                      <a:schemeClr val="bg1">
-                        <a:lumMod val="50000"/>
-                      </a:schemeClr>
-                    </a:solidFill>
-                  </a:ln>
-                </p:spPr>
-                <p:style>
-                  <a:lnRef idx="1">
-                    <a:schemeClr val="accent1"/>
-                  </a:lnRef>
-                  <a:fillRef idx="0">
-                    <a:schemeClr val="accent1"/>
-                  </a:fillRef>
-                  <a:effectRef idx="0">
-                    <a:schemeClr val="accent1"/>
-                  </a:effectRef>
-                  <a:fontRef idx="minor">
-                    <a:schemeClr val="tx1"/>
-                  </a:fontRef>
-                </p:style>
-              </p:cxnSp>
-              <p:cxnSp>
-                <p:nvCxnSpPr>
-                  <p:cNvPr id="155" name="Straight Connector 154"/>
-                  <p:cNvCxnSpPr/>
-                  <p:nvPr/>
-                </p:nvCxnSpPr>
-                <p:spPr>
-                  <a:xfrm flipH="1">
-                    <a:off x="6282046" y="3759197"/>
-                    <a:ext cx="2099954" cy="0"/>
-                  </a:xfrm>
-                  <a:prstGeom prst="line">
-                    <a:avLst/>
-                  </a:prstGeom>
-                  <a:ln>
-                    <a:solidFill>
-                      <a:schemeClr val="bg1">
-                        <a:lumMod val="50000"/>
-                      </a:schemeClr>
-                    </a:solidFill>
-                  </a:ln>
-                </p:spPr>
-                <p:style>
-                  <a:lnRef idx="1">
-                    <a:schemeClr val="accent1"/>
-                  </a:lnRef>
-                  <a:fillRef idx="0">
-                    <a:schemeClr val="accent1"/>
-                  </a:fillRef>
-                  <a:effectRef idx="0">
-                    <a:schemeClr val="accent1"/>
-                  </a:effectRef>
-                  <a:fontRef idx="minor">
-                    <a:schemeClr val="tx1"/>
-                  </a:fontRef>
-                </p:style>
-              </p:cxnSp>
-            </p:grpSp>
-            <p:grpSp>
-              <p:nvGrpSpPr>
-                <p:cNvPr id="142" name="Group 141"/>
-                <p:cNvGrpSpPr/>
-                <p:nvPr/>
-              </p:nvGrpSpPr>
-              <p:grpSpPr>
-                <a:xfrm>
-                  <a:off x="2844685" y="3337560"/>
-                  <a:ext cx="944979" cy="1002422"/>
-                  <a:chOff x="6400800" y="4036216"/>
-                  <a:chExt cx="944979" cy="1002422"/>
-                </a:xfrm>
-              </p:grpSpPr>
-              <p:pic>
-                <p:nvPicPr>
-                  <p:cNvPr id="150" name="Picture 5"/>
-                  <p:cNvPicPr>
-                    <a:picLocks noChangeAspect="1" noChangeArrowheads="1"/>
-                  </p:cNvPicPr>
-                  <p:nvPr/>
-                </p:nvPicPr>
-                <p:blipFill>
-                  <a:blip r:embed="rId10" cstate="print">
-                    <a:extLst>
-                      <a:ext uri="{28A0092B-C50C-407E-A947-70E740481C1C}">
-                        <a14:useLocalDpi xmlns:a14="http://schemas.microsoft.com/office/drawing/2010/main" val="0"/>
-                      </a:ext>
-                    </a:extLst>
-                  </a:blip>
-                  <a:srcRect/>
-                  <a:stretch>
-                    <a:fillRect/>
-                  </a:stretch>
-                </p:blipFill>
-                <p:spPr bwMode="auto">
-                  <a:xfrm>
-                    <a:off x="6400800" y="4036216"/>
-                    <a:ext cx="932688" cy="1002422"/>
-                  </a:xfrm>
-                  <a:prstGeom prst="rect">
-                    <a:avLst/>
-                  </a:prstGeom>
-                  <a:noFill/>
-                  <a:ln>
-                    <a:noFill/>
-                  </a:ln>
-                  <a:extLst>
-                    <a:ext uri="{909E8E84-426E-40DD-AFC4-6F175D3DCCD1}">
-                      <a14:hiddenFill xmlns:a14="http://schemas.microsoft.com/office/drawing/2010/main">
-                        <a:solidFill>
-                          <a:schemeClr val="accent1"/>
-                        </a:solidFill>
-                      </a14:hiddenFill>
-                    </a:ext>
-                    <a:ext uri="{91240B29-F687-4F45-9708-019B960494DF}">
-                      <a14:hiddenLine xmlns:a14="http://schemas.microsoft.com/office/drawing/2010/main" w="9525">
-                        <a:solidFill>
-                          <a:schemeClr val="tx1"/>
-                        </a:solidFill>
-                        <a:miter lim="800000"/>
-                        <a:headEnd/>
-                        <a:tailEnd/>
-                      </a14:hiddenLine>
-                    </a:ext>
-                  </a:extLst>
-                </p:spPr>
-              </p:pic>
-              <p:cxnSp>
-                <p:nvCxnSpPr>
-                  <p:cNvPr id="151" name="Straight Connector 150"/>
-                  <p:cNvCxnSpPr/>
-                  <p:nvPr/>
-                </p:nvCxnSpPr>
-                <p:spPr>
-                  <a:xfrm>
-                    <a:off x="6400800" y="4036216"/>
-                    <a:ext cx="0" cy="1002422"/>
-                  </a:xfrm>
-                  <a:prstGeom prst="line">
-                    <a:avLst/>
-                  </a:prstGeom>
-                  <a:ln>
-                    <a:solidFill>
-                      <a:schemeClr val="bg1">
-                        <a:lumMod val="50000"/>
-                      </a:schemeClr>
-                    </a:solidFill>
-                  </a:ln>
-                </p:spPr>
-                <p:style>
-                  <a:lnRef idx="1">
-                    <a:schemeClr val="accent1"/>
-                  </a:lnRef>
-                  <a:fillRef idx="0">
-                    <a:schemeClr val="accent1"/>
-                  </a:fillRef>
-                  <a:effectRef idx="0">
-                    <a:schemeClr val="accent1"/>
-                  </a:effectRef>
-                  <a:fontRef idx="minor">
-                    <a:schemeClr val="tx1"/>
-                  </a:fontRef>
-                </p:style>
-              </p:cxnSp>
-              <p:cxnSp>
-                <p:nvCxnSpPr>
-                  <p:cNvPr id="152" name="Straight Connector 151"/>
-                  <p:cNvCxnSpPr/>
-                  <p:nvPr/>
-                </p:nvCxnSpPr>
-                <p:spPr>
-                  <a:xfrm flipH="1">
-                    <a:off x="6400800" y="5038638"/>
-                    <a:ext cx="944979" cy="0"/>
-                  </a:xfrm>
-                  <a:prstGeom prst="line">
-                    <a:avLst/>
-                  </a:prstGeom>
-                  <a:ln>
-                    <a:solidFill>
-                      <a:schemeClr val="bg1">
-                        <a:lumMod val="50000"/>
-                      </a:schemeClr>
-                    </a:solidFill>
-                  </a:ln>
-                </p:spPr>
-                <p:style>
-                  <a:lnRef idx="1">
-                    <a:schemeClr val="accent1"/>
-                  </a:lnRef>
-                  <a:fillRef idx="0">
-                    <a:schemeClr val="accent1"/>
-                  </a:fillRef>
-                  <a:effectRef idx="0">
-                    <a:schemeClr val="accent1"/>
-                  </a:effectRef>
-                  <a:fontRef idx="minor">
-                    <a:schemeClr val="tx1"/>
-                  </a:fontRef>
-                </p:style>
-              </p:cxnSp>
-            </p:grpSp>
-            <p:grpSp>
-              <p:nvGrpSpPr>
-                <p:cNvPr id="143" name="Group 142"/>
-                <p:cNvGrpSpPr/>
-                <p:nvPr/>
-              </p:nvGrpSpPr>
-              <p:grpSpPr>
-                <a:xfrm>
-                  <a:off x="4290950" y="3337560"/>
-                  <a:ext cx="990600" cy="1002422"/>
-                  <a:chOff x="6400800" y="1173840"/>
-                  <a:chExt cx="990600" cy="1002422"/>
-                </a:xfrm>
-              </p:grpSpPr>
-              <p:pic>
-                <p:nvPicPr>
-                  <p:cNvPr id="147" name="Picture 6"/>
-                  <p:cNvPicPr>
-                    <a:picLocks noChangeAspect="1" noChangeArrowheads="1"/>
-                  </p:cNvPicPr>
-                  <p:nvPr/>
-                </p:nvPicPr>
-                <p:blipFill>
-                  <a:blip r:embed="rId11" cstate="print">
-                    <a:extLst>
-                      <a:ext uri="{28A0092B-C50C-407E-A947-70E740481C1C}">
-                        <a14:useLocalDpi xmlns:a14="http://schemas.microsoft.com/office/drawing/2010/main" val="0"/>
-                      </a:ext>
-                    </a:extLst>
-                  </a:blip>
-                  <a:srcRect/>
-                  <a:stretch>
-                    <a:fillRect/>
-                  </a:stretch>
-                </p:blipFill>
-                <p:spPr bwMode="auto">
-                  <a:xfrm>
-                    <a:off x="6458712" y="1289696"/>
-                    <a:ext cx="932688" cy="886566"/>
-                  </a:xfrm>
-                  <a:prstGeom prst="rect">
-                    <a:avLst/>
-                  </a:prstGeom>
-                  <a:noFill/>
-                  <a:ln>
-                    <a:noFill/>
-                  </a:ln>
-                  <a:extLst>
-                    <a:ext uri="{909E8E84-426E-40DD-AFC4-6F175D3DCCD1}">
-                      <a14:hiddenFill xmlns:a14="http://schemas.microsoft.com/office/drawing/2010/main">
-                        <a:solidFill>
-                          <a:schemeClr val="accent1"/>
-                        </a:solidFill>
-                      </a14:hiddenFill>
-                    </a:ext>
-                    <a:ext uri="{91240B29-F687-4F45-9708-019B960494DF}">
-                      <a14:hiddenLine xmlns:a14="http://schemas.microsoft.com/office/drawing/2010/main" w="9525">
-                        <a:solidFill>
-                          <a:schemeClr val="tx1"/>
-                        </a:solidFill>
-                        <a:miter lim="800000"/>
-                        <a:headEnd/>
-                        <a:tailEnd/>
-                      </a14:hiddenLine>
-                    </a:ext>
-                  </a:extLst>
-                </p:spPr>
-              </p:pic>
-              <p:cxnSp>
-                <p:nvCxnSpPr>
-                  <p:cNvPr id="148" name="Straight Connector 147"/>
-                  <p:cNvCxnSpPr/>
-                  <p:nvPr/>
-                </p:nvCxnSpPr>
-                <p:spPr>
-                  <a:xfrm>
-                    <a:off x="6400800" y="1173840"/>
-                    <a:ext cx="0" cy="1002422"/>
-                  </a:xfrm>
-                  <a:prstGeom prst="line">
-                    <a:avLst/>
-                  </a:prstGeom>
-                  <a:ln>
-                    <a:solidFill>
-                      <a:schemeClr val="bg1">
-                        <a:lumMod val="50000"/>
-                      </a:schemeClr>
-                    </a:solidFill>
-                  </a:ln>
-                </p:spPr>
-                <p:style>
-                  <a:lnRef idx="1">
-                    <a:schemeClr val="accent1"/>
-                  </a:lnRef>
-                  <a:fillRef idx="0">
-                    <a:schemeClr val="accent1"/>
-                  </a:fillRef>
-                  <a:effectRef idx="0">
-                    <a:schemeClr val="accent1"/>
-                  </a:effectRef>
-                  <a:fontRef idx="minor">
-                    <a:schemeClr val="tx1"/>
-                  </a:fontRef>
-                </p:style>
-              </p:cxnSp>
-              <p:cxnSp>
-                <p:nvCxnSpPr>
-                  <p:cNvPr id="149" name="Straight Connector 148"/>
-                  <p:cNvCxnSpPr/>
-                  <p:nvPr/>
-                </p:nvCxnSpPr>
-                <p:spPr>
-                  <a:xfrm flipH="1">
-                    <a:off x="6400800" y="2176262"/>
-                    <a:ext cx="944979" cy="0"/>
-                  </a:xfrm>
-                  <a:prstGeom prst="line">
-                    <a:avLst/>
-                  </a:prstGeom>
-                  <a:ln>
-                    <a:solidFill>
-                      <a:schemeClr val="bg1">
-                        <a:lumMod val="50000"/>
-                      </a:schemeClr>
-                    </a:solidFill>
-                  </a:ln>
-                </p:spPr>
-                <p:style>
-                  <a:lnRef idx="1">
-                    <a:schemeClr val="accent1"/>
-                  </a:lnRef>
-                  <a:fillRef idx="0">
-                    <a:schemeClr val="accent1"/>
-                  </a:fillRef>
-                  <a:effectRef idx="0">
-                    <a:schemeClr val="accent1"/>
-                  </a:effectRef>
-                  <a:fontRef idx="minor">
-                    <a:schemeClr val="tx1"/>
-                  </a:fontRef>
-                </p:style>
-              </p:cxnSp>
-            </p:grpSp>
-            <p:cxnSp>
-              <p:nvCxnSpPr>
-                <p:cNvPr id="144" name="Straight Connector 143"/>
-                <p:cNvCxnSpPr/>
-                <p:nvPr/>
-              </p:nvCxnSpPr>
-              <p:spPr>
-                <a:xfrm>
-                  <a:off x="1143000" y="3048000"/>
-                  <a:ext cx="4419600" cy="0"/>
-                </a:xfrm>
-                <a:prstGeom prst="line">
-                  <a:avLst/>
-                </a:prstGeom>
-                <a:ln w="25400">
-                  <a:solidFill>
-                    <a:schemeClr val="accent2"/>
-                  </a:solidFill>
-                </a:ln>
-              </p:spPr>
-              <p:style>
-                <a:lnRef idx="1">
-                  <a:schemeClr val="accent1"/>
-                </a:lnRef>
-                <a:fillRef idx="0">
-                  <a:schemeClr val="accent1"/>
-                </a:fillRef>
-                <a:effectRef idx="0">
-                  <a:schemeClr val="accent1"/>
-                </a:effectRef>
-                <a:fontRef idx="minor">
-                  <a:schemeClr val="tx1"/>
-                </a:fontRef>
-              </p:style>
-            </p:cxnSp>
-            <p:cxnSp>
-              <p:nvCxnSpPr>
-                <p:cNvPr id="145" name="Straight Connector 144"/>
-                <p:cNvCxnSpPr>
-                  <a:stCxn id="146" idx="0"/>
-                </p:cNvCxnSpPr>
-                <p:nvPr/>
-              </p:nvCxnSpPr>
-              <p:spPr>
-                <a:xfrm>
-                  <a:off x="3352800" y="1752600"/>
-                  <a:ext cx="0" cy="1295400"/>
-                </a:xfrm>
-                <a:prstGeom prst="line">
-                  <a:avLst/>
-                </a:prstGeom>
-                <a:ln w="25400">
-                  <a:solidFill>
-                    <a:schemeClr val="accent2"/>
-                  </a:solidFill>
-                </a:ln>
-              </p:spPr>
-              <p:style>
-                <a:lnRef idx="1">
-                  <a:schemeClr val="accent1"/>
-                </a:lnRef>
-                <a:fillRef idx="0">
-                  <a:schemeClr val="accent1"/>
-                </a:fillRef>
-                <a:effectRef idx="0">
-                  <a:schemeClr val="accent1"/>
-                </a:effectRef>
-                <a:fontRef idx="minor">
-                  <a:schemeClr val="tx1"/>
-                </a:fontRef>
-              </p:style>
-            </p:cxnSp>
-            <p:sp>
-              <p:nvSpPr>
-                <p:cNvPr id="146" name="Rectangle 145"/>
-                <p:cNvSpPr/>
-                <p:nvPr/>
-              </p:nvSpPr>
-              <p:spPr>
-                <a:xfrm>
-                  <a:off x="1143000" y="1752600"/>
-                  <a:ext cx="4419600" cy="2895600"/>
-                </a:xfrm>
-                <a:prstGeom prst="rect">
-                  <a:avLst/>
-                </a:prstGeom>
-                <a:noFill/>
-                <a:ln>
-                  <a:solidFill>
-                    <a:schemeClr val="accent2"/>
-                  </a:solidFill>
-                </a:ln>
-              </p:spPr>
-              <p:style>
-                <a:lnRef idx="2">
-                  <a:schemeClr val="accent1">
-                    <a:shade val="50000"/>
-                  </a:schemeClr>
-                </a:lnRef>
-                <a:fillRef idx="1">
-                  <a:schemeClr val="accent1"/>
-                </a:fillRef>
-                <a:effectRef idx="0">
-                  <a:schemeClr val="accent1"/>
-                </a:effectRef>
-                <a:fontRef idx="minor">
-                  <a:schemeClr val="lt1"/>
-                </a:fontRef>
-              </p:style>
-              <p:txBody>
-                <a:bodyPr rtlCol="0" anchor="ctr"/>
-                <a:lstStyle/>
-                <a:p>
-                  <a:pPr algn="ctr"/>
-                  <a:endParaRPr lang="en-US"/>
-                </a:p>
-              </p:txBody>
-            </p:sp>
-          </p:grpSp>
-          <p:sp>
-            <p:nvSpPr>
-              <p:cNvPr id="136" name="Rectangle 135"/>
-              <p:cNvSpPr/>
-              <p:nvPr/>
-            </p:nvSpPr>
-            <p:spPr>
-              <a:xfrm>
-                <a:off x="4114800" y="3048000"/>
-                <a:ext cx="1447800" cy="1600200"/>
-              </a:xfrm>
-              <a:prstGeom prst="rect">
-                <a:avLst/>
-              </a:prstGeom>
-              <a:solidFill>
-                <a:schemeClr val="tx1">
-                  <a:lumMod val="50000"/>
-                  <a:lumOff val="50000"/>
-                  <a:alpha val="45000"/>
-                </a:schemeClr>
-              </a:solidFill>
-              <a:ln>
-                <a:noFill/>
-              </a:ln>
-            </p:spPr>
-            <p:style>
-              <a:lnRef idx="2">
-                <a:schemeClr val="accent1">
-                  <a:shade val="50000"/>
-                </a:schemeClr>
-              </a:lnRef>
-              <a:fillRef idx="1">
-                <a:schemeClr val="accent1"/>
-              </a:fillRef>
-              <a:effectRef idx="0">
-                <a:schemeClr val="accent1"/>
-              </a:effectRef>
-              <a:fontRef idx="minor">
-                <a:schemeClr val="lt1"/>
-              </a:fontRef>
-            </p:style>
-            <p:txBody>
-              <a:bodyPr rtlCol="0" anchor="ctr"/>
-              <a:lstStyle/>
-              <a:p>
-                <a:pPr algn="ctr"/>
-                <a:endParaRPr lang="en-US"/>
-              </a:p>
-            </p:txBody>
-          </p:sp>
-          <p:sp>
-            <p:nvSpPr>
-              <p:cNvPr id="137" name="Rectangle 136"/>
-              <p:cNvSpPr/>
-              <p:nvPr/>
-            </p:nvSpPr>
-            <p:spPr>
-              <a:xfrm>
-                <a:off x="1143000" y="1752600"/>
-                <a:ext cx="4419600" cy="1295400"/>
-              </a:xfrm>
-              <a:prstGeom prst="rect">
-                <a:avLst/>
-              </a:prstGeom>
-              <a:solidFill>
-                <a:schemeClr val="tx1">
-                  <a:lumMod val="50000"/>
-                  <a:lumOff val="50000"/>
-                  <a:alpha val="45000"/>
-                </a:schemeClr>
-              </a:solidFill>
-              <a:ln>
-                <a:noFill/>
-              </a:ln>
-            </p:spPr>
-            <p:style>
-              <a:lnRef idx="2">
-                <a:schemeClr val="accent1">
-                  <a:shade val="50000"/>
-                </a:schemeClr>
-              </a:lnRef>
-              <a:fillRef idx="1">
-                <a:schemeClr val="accent1"/>
-              </a:fillRef>
-              <a:effectRef idx="0">
-                <a:schemeClr val="accent1"/>
-              </a:effectRef>
-              <a:fontRef idx="minor">
-                <a:schemeClr val="lt1"/>
-              </a:fontRef>
-            </p:style>
-            <p:txBody>
-              <a:bodyPr rtlCol="0" anchor="ctr"/>
-              <a:lstStyle/>
-              <a:p>
-                <a:pPr algn="ctr"/>
-                <a:endParaRPr lang="en-US"/>
-              </a:p>
-            </p:txBody>
-          </p:sp>
-        </p:grpSp>
-        <p:sp>
-          <p:nvSpPr>
-            <p:cNvPr id="158" name="Rectangle 157"/>
-            <p:cNvSpPr/>
-            <p:nvPr/>
-          </p:nvSpPr>
-          <p:spPr>
-            <a:xfrm>
-              <a:off x="4586235" y="6390451"/>
-              <a:ext cx="434340" cy="480060"/>
-            </a:xfrm>
-            <a:prstGeom prst="rect">
-              <a:avLst/>
-            </a:prstGeom>
-            <a:solidFill>
-              <a:schemeClr val="tx1">
-                <a:lumMod val="50000"/>
-                <a:lumOff val="50000"/>
-                <a:alpha val="45000"/>
-              </a:schemeClr>
-            </a:solidFill>
-            <a:ln>
-              <a:noFill/>
-            </a:ln>
-          </p:spPr>
-          <p:style>
-            <a:lnRef idx="2">
-              <a:schemeClr val="accent1">
-                <a:shade val="50000"/>
-              </a:schemeClr>
-            </a:lnRef>
-            <a:fillRef idx="1">
-              <a:schemeClr val="accent1"/>
-            </a:fillRef>
-            <a:effectRef idx="0">
-              <a:schemeClr val="accent1"/>
-            </a:effectRef>
-            <a:fontRef idx="minor">
-              <a:schemeClr val="lt1"/>
-            </a:fontRef>
-          </p:style>
-          <p:txBody>
-            <a:bodyPr rtlCol="0" anchor="ctr"/>
-            <a:lstStyle/>
-            <a:p>
-              <a:pPr algn="ctr"/>
-              <a:endParaRPr lang="en-US"/>
-            </a:p>
-          </p:txBody>
-        </p:sp>
-      </p:grpSp>
-      <p:sp>
-        <p:nvSpPr>
-          <p:cNvPr id="305" name="Oval 304"/>
-          <p:cNvSpPr/>
-          <p:nvPr/>
-        </p:nvSpPr>
-        <p:spPr>
-          <a:xfrm>
-            <a:off x="83942" y="6716490"/>
-            <a:ext cx="320040" cy="320040"/>
-          </a:xfrm>
-          <a:prstGeom prst="ellipse">
-            <a:avLst/>
-          </a:prstGeom>
-          <a:solidFill>
-            <a:schemeClr val="accent2"/>
-          </a:solidFill>
-          <a:ln>
-            <a:solidFill>
-              <a:schemeClr val="bg1"/>
-            </a:solidFill>
-          </a:ln>
-        </p:spPr>
-        <p:style>
-          <a:lnRef idx="2">
-            <a:schemeClr val="accent1">
-              <a:shade val="50000"/>
-            </a:schemeClr>
-          </a:lnRef>
-          <a:fillRef idx="1">
-            <a:schemeClr val="accent1"/>
-          </a:fillRef>
-          <a:effectRef idx="0">
-            <a:schemeClr val="accent1"/>
-          </a:effectRef>
-          <a:fontRef idx="minor">
-            <a:schemeClr val="lt1"/>
-          </a:fontRef>
-        </p:style>
-        <p:txBody>
-          <a:bodyPr rtlCol="0" anchor="ctr"/>
-          <a:lstStyle/>
-          <a:p>
-            <a:pPr algn="ctr"/>
-            <a:r>
-              <a:rPr lang="en-US" dirty="0"/>
-              <a:t>5</a:t>
-            </a:r>
-          </a:p>
-        </p:txBody>
-      </p:sp>
-      <p:sp>
-        <p:nvSpPr>
-          <p:cNvPr id="366" name="Oval 365"/>
-          <p:cNvSpPr/>
-          <p:nvPr/>
-        </p:nvSpPr>
-        <p:spPr>
-          <a:xfrm>
-            <a:off x="4404482" y="6716490"/>
-            <a:ext cx="320040" cy="320040"/>
-          </a:xfrm>
-          <a:prstGeom prst="ellipse">
-            <a:avLst/>
-          </a:prstGeom>
-          <a:solidFill>
-            <a:schemeClr val="accent2"/>
-          </a:solidFill>
-          <a:ln>
-            <a:solidFill>
-              <a:schemeClr val="bg1"/>
-            </a:solidFill>
-          </a:ln>
-        </p:spPr>
-        <p:style>
-          <a:lnRef idx="2">
-            <a:schemeClr val="accent1">
-              <a:shade val="50000"/>
-            </a:schemeClr>
-          </a:lnRef>
-          <a:fillRef idx="1">
-            <a:schemeClr val="accent1"/>
-          </a:fillRef>
-          <a:effectRef idx="0">
-            <a:schemeClr val="accent1"/>
-          </a:effectRef>
-          <a:fontRef idx="minor">
-            <a:schemeClr val="lt1"/>
-          </a:fontRef>
-        </p:style>
-        <p:txBody>
-          <a:bodyPr rtlCol="0" anchor="ctr"/>
-          <a:lstStyle/>
-          <a:p>
-            <a:pPr algn="ctr"/>
-            <a:r>
-              <a:rPr lang="en-US" dirty="0" smtClean="0"/>
-              <a:t>6</a:t>
-            </a:r>
-            <a:endParaRPr lang="en-US" dirty="0"/>
-          </a:p>
-        </p:txBody>
-      </p:sp>
       <p:grpSp>
         <p:nvGrpSpPr>
           <p:cNvPr id="2070" name="Group 2069"/>
@@ -10246,7 +6180,7 @@
             <p:nvPr/>
           </p:nvPicPr>
           <p:blipFill>
-            <a:blip r:embed="rId12">
+            <a:blip r:embed="rId3">
               <a:extLst>
                 <a:ext uri="{28A0092B-C50C-407E-A947-70E740481C1C}">
                   <a14:useLocalDpi xmlns:a14="http://schemas.microsoft.com/office/drawing/2010/main" val="0"/>
@@ -10426,7 +6360,7 @@
                 <p:nvPr/>
               </p:nvPicPr>
               <p:blipFill>
-                <a:blip r:embed="rId7" cstate="print">
+                <a:blip r:embed="rId4" cstate="print">
                   <a:extLst>
                     <a:ext uri="{28A0092B-C50C-407E-A947-70E740481C1C}">
                       <a14:useLocalDpi xmlns:a14="http://schemas.microsoft.com/office/drawing/2010/main" val="0"/>
@@ -10494,7 +6428,7 @@
                   <p:nvPr/>
                 </p:nvPicPr>
                 <p:blipFill>
-                  <a:blip r:embed="rId8" cstate="print">
+                  <a:blip r:embed="rId5" cstate="print">
                     <a:extLst>
                       <a:ext uri="{28A0092B-C50C-407E-A947-70E740481C1C}">
                         <a14:useLocalDpi xmlns:a14="http://schemas.microsoft.com/office/drawing/2010/main" val="0"/>
@@ -10611,7 +6545,7 @@
                   <p:nvPr/>
                 </p:nvPicPr>
                 <p:blipFill rotWithShape="1">
-                  <a:blip r:embed="rId9" cstate="print">
+                  <a:blip r:embed="rId6" cstate="print">
                     <a:extLst>
                       <a:ext uri="{28A0092B-C50C-407E-A947-70E740481C1C}">
                         <a14:useLocalDpi xmlns:a14="http://schemas.microsoft.com/office/drawing/2010/main" val="0"/>
@@ -10752,7 +6686,7 @@
                   <p:nvPr/>
                 </p:nvPicPr>
                 <p:blipFill>
-                  <a:blip r:embed="rId10" cstate="print">
+                  <a:blip r:embed="rId7" cstate="print">
                     <a:extLst>
                       <a:ext uri="{28A0092B-C50C-407E-A947-70E740481C1C}">
                         <a14:useLocalDpi xmlns:a14="http://schemas.microsoft.com/office/drawing/2010/main" val="0"/>
@@ -10895,7 +6829,7 @@
                   <p:nvPr/>
                 </p:nvPicPr>
                 <p:blipFill>
-                  <a:blip r:embed="rId11" cstate="print">
+                  <a:blip r:embed="rId8" cstate="print">
                     <a:extLst>
                       <a:ext uri="{28A0092B-C50C-407E-A947-70E740481C1C}">
                         <a14:useLocalDpi xmlns:a14="http://schemas.microsoft.com/office/drawing/2010/main" val="0"/>
@@ -11385,7 +7319,7 @@
                 <p:nvPr/>
               </p:nvPicPr>
               <p:blipFill>
-                <a:blip r:embed="rId7" cstate="print">
+                <a:blip r:embed="rId4" cstate="print">
                   <a:extLst>
                     <a:ext uri="{28A0092B-C50C-407E-A947-70E740481C1C}">
                       <a14:useLocalDpi xmlns:a14="http://schemas.microsoft.com/office/drawing/2010/main" val="0"/>
@@ -11453,7 +7387,7 @@
                   <p:nvPr/>
                 </p:nvPicPr>
                 <p:blipFill>
-                  <a:blip r:embed="rId8" cstate="print">
+                  <a:blip r:embed="rId5" cstate="print">
                     <a:extLst>
                       <a:ext uri="{28A0092B-C50C-407E-A947-70E740481C1C}">
                         <a14:useLocalDpi xmlns:a14="http://schemas.microsoft.com/office/drawing/2010/main" val="0"/>
@@ -11570,7 +7504,7 @@
                   <p:nvPr/>
                 </p:nvPicPr>
                 <p:blipFill rotWithShape="1">
-                  <a:blip r:embed="rId9" cstate="print">
+                  <a:blip r:embed="rId6" cstate="print">
                     <a:extLst>
                       <a:ext uri="{28A0092B-C50C-407E-A947-70E740481C1C}">
                         <a14:useLocalDpi xmlns:a14="http://schemas.microsoft.com/office/drawing/2010/main" val="0"/>
@@ -11711,7 +7645,7 @@
                   <p:nvPr/>
                 </p:nvPicPr>
                 <p:blipFill>
-                  <a:blip r:embed="rId10" cstate="print">
+                  <a:blip r:embed="rId7" cstate="print">
                     <a:extLst>
                       <a:ext uri="{28A0092B-C50C-407E-A947-70E740481C1C}">
                         <a14:useLocalDpi xmlns:a14="http://schemas.microsoft.com/office/drawing/2010/main" val="0"/>
@@ -11854,7 +7788,7 @@
                   <p:nvPr/>
                 </p:nvPicPr>
                 <p:blipFill>
-                  <a:blip r:embed="rId11" cstate="print">
+                  <a:blip r:embed="rId8" cstate="print">
                     <a:extLst>
                       <a:ext uri="{28A0092B-C50C-407E-A947-70E740481C1C}">
                         <a14:useLocalDpi xmlns:a14="http://schemas.microsoft.com/office/drawing/2010/main" val="0"/>
@@ -12248,109 +8182,6 @@
       </p:sp>
       <p:sp>
         <p:nvSpPr>
-          <p:cNvPr id="126" name="Oval 125"/>
-          <p:cNvSpPr/>
-          <p:nvPr/>
-        </p:nvSpPr>
-        <p:spPr>
-          <a:xfrm>
-            <a:off x="91440" y="3272612"/>
-            <a:ext cx="320040" cy="320040"/>
-          </a:xfrm>
-          <a:prstGeom prst="ellipse">
-            <a:avLst/>
-          </a:prstGeom>
-          <a:solidFill>
-            <a:schemeClr val="accent2"/>
-          </a:solidFill>
-          <a:ln>
-            <a:solidFill>
-              <a:schemeClr val="bg1"/>
-            </a:solidFill>
-          </a:ln>
-        </p:spPr>
-        <p:style>
-          <a:lnRef idx="2">
-            <a:schemeClr val="accent1">
-              <a:shade val="50000"/>
-            </a:schemeClr>
-          </a:lnRef>
-          <a:fillRef idx="1">
-            <a:schemeClr val="accent1"/>
-          </a:fillRef>
-          <a:effectRef idx="0">
-            <a:schemeClr val="accent1"/>
-          </a:effectRef>
-          <a:fontRef idx="minor">
-            <a:schemeClr val="lt1"/>
-          </a:fontRef>
-        </p:style>
-        <p:txBody>
-          <a:bodyPr rtlCol="0" anchor="ctr"/>
-          <a:lstStyle/>
-          <a:p>
-            <a:pPr algn="ctr"/>
-            <a:r>
-              <a:rPr lang="en-US" dirty="0" smtClean="0"/>
-              <a:t>3</a:t>
-            </a:r>
-            <a:endParaRPr lang="en-US" dirty="0"/>
-          </a:p>
-        </p:txBody>
-      </p:sp>
-      <p:sp>
-        <p:nvSpPr>
-          <p:cNvPr id="159" name="Oval 158"/>
-          <p:cNvSpPr/>
-          <p:nvPr/>
-        </p:nvSpPr>
-        <p:spPr>
-          <a:xfrm>
-            <a:off x="4411980" y="3275894"/>
-            <a:ext cx="320040" cy="320040"/>
-          </a:xfrm>
-          <a:prstGeom prst="ellipse">
-            <a:avLst/>
-          </a:prstGeom>
-          <a:solidFill>
-            <a:schemeClr val="accent2"/>
-          </a:solidFill>
-          <a:ln>
-            <a:solidFill>
-              <a:schemeClr val="bg1"/>
-            </a:solidFill>
-          </a:ln>
-        </p:spPr>
-        <p:style>
-          <a:lnRef idx="2">
-            <a:schemeClr val="accent1">
-              <a:shade val="50000"/>
-            </a:schemeClr>
-          </a:lnRef>
-          <a:fillRef idx="1">
-            <a:schemeClr val="accent1"/>
-          </a:fillRef>
-          <a:effectRef idx="0">
-            <a:schemeClr val="accent1"/>
-          </a:effectRef>
-          <a:fontRef idx="minor">
-            <a:schemeClr val="lt1"/>
-          </a:fontRef>
-        </p:style>
-        <p:txBody>
-          <a:bodyPr rtlCol="0" anchor="ctr"/>
-          <a:lstStyle/>
-          <a:p>
-            <a:pPr algn="ctr"/>
-            <a:r>
-              <a:rPr lang="en-US" dirty="0"/>
-              <a:t>4</a:t>
-            </a:r>
-          </a:p>
-        </p:txBody>
-      </p:sp>
-      <p:sp>
-        <p:nvSpPr>
           <p:cNvPr id="124" name="Oval 123"/>
           <p:cNvSpPr/>
           <p:nvPr/>
@@ -12403,13 +8234,4681 @@
       </p:sp>
       <p:sp>
         <p:nvSpPr>
-          <p:cNvPr id="431" name="Rectangle 430"/>
+          <p:cNvPr id="3" name="TextBox 2"/>
+          <p:cNvSpPr txBox="1"/>
+          <p:nvPr/>
+        </p:nvSpPr>
+        <p:spPr>
+          <a:xfrm>
+            <a:off x="2638098" y="790902"/>
+            <a:ext cx="762000" cy="261610"/>
+          </a:xfrm>
+          <a:prstGeom prst="rect">
+            <a:avLst/>
+          </a:prstGeom>
+          <a:noFill/>
+        </p:spPr>
+        <p:txBody>
+          <a:bodyPr wrap="square" rtlCol="0">
+            <a:spAutoFit/>
+          </a:bodyPr>
+          <a:lstStyle/>
+          <a:p>
+            <a:r>
+              <a:rPr lang="en-US" sz="1100" dirty="0" smtClean="0"/>
+              <a:t>St. Paul</a:t>
+            </a:r>
+            <a:endParaRPr lang="en-US" sz="1100" dirty="0"/>
+          </a:p>
+        </p:txBody>
+      </p:sp>
+      <p:sp>
+        <p:nvSpPr>
+          <p:cNvPr id="241" name="TextBox 240"/>
+          <p:cNvSpPr txBox="1"/>
+          <p:nvPr/>
+        </p:nvSpPr>
+        <p:spPr>
+          <a:xfrm>
+            <a:off x="1819609" y="513526"/>
+            <a:ext cx="762000" cy="261610"/>
+          </a:xfrm>
+          <a:prstGeom prst="rect">
+            <a:avLst/>
+          </a:prstGeom>
+          <a:noFill/>
+        </p:spPr>
+        <p:txBody>
+          <a:bodyPr wrap="square" rtlCol="0">
+            <a:spAutoFit/>
+          </a:bodyPr>
+          <a:lstStyle/>
+          <a:p>
+            <a:r>
+              <a:rPr lang="en-US" sz="1100" dirty="0" smtClean="0"/>
+              <a:t>Aberdeen</a:t>
+            </a:r>
+            <a:endParaRPr lang="en-US" sz="1100" dirty="0"/>
+          </a:p>
+        </p:txBody>
+      </p:sp>
+      <p:sp>
+        <p:nvSpPr>
+          <p:cNvPr id="242" name="TextBox 241"/>
+          <p:cNvSpPr txBox="1"/>
+          <p:nvPr/>
+        </p:nvSpPr>
+        <p:spPr>
+          <a:xfrm>
+            <a:off x="2195216" y="192603"/>
+            <a:ext cx="927800" cy="261610"/>
+          </a:xfrm>
+          <a:prstGeom prst="rect">
+            <a:avLst/>
+          </a:prstGeom>
+          <a:noFill/>
+        </p:spPr>
+        <p:txBody>
+          <a:bodyPr wrap="square" rtlCol="0">
+            <a:spAutoFit/>
+          </a:bodyPr>
+          <a:lstStyle/>
+          <a:p>
+            <a:r>
+              <a:rPr lang="en-US" sz="1100" dirty="0" smtClean="0"/>
+              <a:t>Grand Forks</a:t>
+            </a:r>
+            <a:endParaRPr lang="en-US" sz="1100" dirty="0"/>
+          </a:p>
+        </p:txBody>
+      </p:sp>
+      <p:sp>
+        <p:nvSpPr>
+          <p:cNvPr id="243" name="TextBox 242"/>
+          <p:cNvSpPr txBox="1"/>
+          <p:nvPr/>
+        </p:nvSpPr>
+        <p:spPr>
+          <a:xfrm>
+            <a:off x="2909135" y="403553"/>
+            <a:ext cx="663510" cy="261610"/>
+          </a:xfrm>
+          <a:prstGeom prst="rect">
+            <a:avLst/>
+          </a:prstGeom>
+          <a:noFill/>
+        </p:spPr>
+        <p:txBody>
+          <a:bodyPr wrap="square" rtlCol="0">
+            <a:spAutoFit/>
+          </a:bodyPr>
+          <a:lstStyle/>
+          <a:p>
+            <a:r>
+              <a:rPr lang="en-US" sz="1100" dirty="0"/>
+              <a:t>D</a:t>
+            </a:r>
+            <a:r>
+              <a:rPr lang="en-US" sz="1100" dirty="0" smtClean="0"/>
+              <a:t>uluth</a:t>
+            </a:r>
+            <a:endParaRPr lang="en-US" sz="1100" dirty="0"/>
+          </a:p>
+        </p:txBody>
+      </p:sp>
+      <p:sp>
+        <p:nvSpPr>
+          <p:cNvPr id="244" name="TextBox 243"/>
+          <p:cNvSpPr txBox="1"/>
+          <p:nvPr/>
+        </p:nvSpPr>
+        <p:spPr>
+          <a:xfrm>
+            <a:off x="2292401" y="1099810"/>
+            <a:ext cx="726697" cy="261610"/>
+          </a:xfrm>
+          <a:prstGeom prst="rect">
+            <a:avLst/>
+          </a:prstGeom>
+          <a:noFill/>
+        </p:spPr>
+        <p:txBody>
+          <a:bodyPr wrap="square" rtlCol="0">
+            <a:spAutoFit/>
+          </a:bodyPr>
+          <a:lstStyle/>
+          <a:p>
+            <a:r>
+              <a:rPr lang="en-US" sz="1100" dirty="0" smtClean="0"/>
+              <a:t>Wichita</a:t>
+            </a:r>
+            <a:endParaRPr lang="en-US" sz="1100" dirty="0"/>
+          </a:p>
+        </p:txBody>
+      </p:sp>
+      <p:sp>
+        <p:nvSpPr>
+          <p:cNvPr id="6" name="Oval 5"/>
           <p:cNvSpPr/>
           <p:nvPr/>
         </p:nvSpPr>
         <p:spPr>
           <a:xfrm>
-            <a:off x="4578554" y="9792091"/>
+            <a:off x="2738338" y="569922"/>
+            <a:ext cx="274320" cy="274320"/>
+          </a:xfrm>
+          <a:prstGeom prst="ellipse">
+            <a:avLst/>
+          </a:prstGeom>
+          <a:noFill/>
+          <a:ln>
+            <a:solidFill>
+              <a:schemeClr val="accent2"/>
+            </a:solidFill>
+          </a:ln>
+        </p:spPr>
+        <p:style>
+          <a:lnRef idx="2">
+            <a:schemeClr val="accent1">
+              <a:shade val="50000"/>
+            </a:schemeClr>
+          </a:lnRef>
+          <a:fillRef idx="1">
+            <a:schemeClr val="accent1"/>
+          </a:fillRef>
+          <a:effectRef idx="0">
+            <a:schemeClr val="accent1"/>
+          </a:effectRef>
+          <a:fontRef idx="minor">
+            <a:schemeClr val="lt1"/>
+          </a:fontRef>
+        </p:style>
+        <p:txBody>
+          <a:bodyPr rtlCol="0" anchor="ctr"/>
+          <a:lstStyle/>
+          <a:p>
+            <a:pPr algn="ctr"/>
+            <a:endParaRPr lang="en-US"/>
+          </a:p>
+        </p:txBody>
+      </p:sp>
+      <p:cxnSp>
+        <p:nvCxnSpPr>
+          <p:cNvPr id="8" name="Straight Connector 7"/>
+          <p:cNvCxnSpPr/>
+          <p:nvPr/>
+        </p:nvCxnSpPr>
+        <p:spPr>
+          <a:xfrm flipH="1">
+            <a:off x="6172200" y="590918"/>
+            <a:ext cx="2648519" cy="0"/>
+          </a:xfrm>
+          <a:prstGeom prst="line">
+            <a:avLst/>
+          </a:prstGeom>
+          <a:ln w="25400">
+            <a:solidFill>
+              <a:schemeClr val="accent2"/>
+            </a:solidFill>
+            <a:prstDash val="sysDash"/>
+          </a:ln>
+        </p:spPr>
+        <p:style>
+          <a:lnRef idx="1">
+            <a:schemeClr val="accent1"/>
+          </a:lnRef>
+          <a:fillRef idx="0">
+            <a:schemeClr val="accent1"/>
+          </a:fillRef>
+          <a:effectRef idx="0">
+            <a:schemeClr val="accent1"/>
+          </a:effectRef>
+          <a:fontRef idx="minor">
+            <a:schemeClr val="tx1"/>
+          </a:fontRef>
+        </p:style>
+      </p:cxnSp>
+    </p:spTree>
+    <p:extLst>
+      <p:ext uri="{BB962C8B-B14F-4D97-AF65-F5344CB8AC3E}">
+        <p14:creationId xmlns:p14="http://schemas.microsoft.com/office/powerpoint/2010/main" val="3949335099"/>
+      </p:ext>
+    </p:extLst>
+  </p:cSld>
+  <p:clrMapOvr>
+    <a:masterClrMapping/>
+  </p:clrMapOvr>
+</p:sld>
+</file>
+
+<file path=ppt/slides/slide5.xml><?xml version="1.0" encoding="utf-8"?>
+<p:sld xmlns:a="http://schemas.openxmlformats.org/drawingml/2006/main" xmlns:r="http://schemas.openxmlformats.org/officeDocument/2006/relationships" xmlns:p="http://schemas.openxmlformats.org/presentationml/2006/main">
+  <p:cSld>
+    <p:spTree>
+      <p:nvGrpSpPr>
+        <p:cNvPr id="1" name=""/>
+        <p:cNvGrpSpPr/>
+        <p:nvPr/>
+      </p:nvGrpSpPr>
+      <p:grpSpPr>
+        <a:xfrm>
+          <a:off x="0" y="0"/>
+          <a:ext cx="0" cy="0"/>
+          <a:chOff x="0" y="0"/>
+          <a:chExt cx="0" cy="0"/>
+        </a:xfrm>
+      </p:grpSpPr>
+      <p:sp>
+        <p:nvSpPr>
+          <p:cNvPr id="122" name="Rectangle 121"/>
+          <p:cNvSpPr/>
+          <p:nvPr/>
+        </p:nvSpPr>
+        <p:spPr>
+          <a:xfrm>
+            <a:off x="243840" y="716784"/>
+            <a:ext cx="8804262" cy="3702816"/>
+          </a:xfrm>
+          <a:prstGeom prst="rect">
+            <a:avLst/>
+          </a:prstGeom>
+          <a:solidFill>
+            <a:schemeClr val="bg1"/>
+          </a:solidFill>
+          <a:ln>
+            <a:solidFill>
+              <a:schemeClr val="bg1"/>
+            </a:solidFill>
+          </a:ln>
+        </p:spPr>
+        <p:style>
+          <a:lnRef idx="2">
+            <a:schemeClr val="accent1">
+              <a:shade val="50000"/>
+            </a:schemeClr>
+          </a:lnRef>
+          <a:fillRef idx="1">
+            <a:schemeClr val="accent1"/>
+          </a:fillRef>
+          <a:effectRef idx="0">
+            <a:schemeClr val="accent1"/>
+          </a:effectRef>
+          <a:fontRef idx="minor">
+            <a:schemeClr val="lt1"/>
+          </a:fontRef>
+        </p:style>
+        <p:txBody>
+          <a:bodyPr rtlCol="0" anchor="ctr"/>
+          <a:lstStyle/>
+          <a:p>
+            <a:pPr algn="ctr"/>
+            <a:endParaRPr lang="en-US"/>
+          </a:p>
+        </p:txBody>
+      </p:sp>
+      <p:pic>
+        <p:nvPicPr>
+          <p:cNvPr id="63" name="Picture 62"/>
+          <p:cNvPicPr>
+            <a:picLocks noChangeAspect="1"/>
+          </p:cNvPicPr>
+          <p:nvPr/>
+        </p:nvPicPr>
+        <p:blipFill>
+          <a:blip r:embed="rId2" cstate="print">
+            <a:extLst>
+              <a:ext uri="{28A0092B-C50C-407E-A947-70E740481C1C}">
+                <a14:useLocalDpi xmlns:a14="http://schemas.microsoft.com/office/drawing/2010/main" val="0"/>
+              </a:ext>
+            </a:extLst>
+          </a:blip>
+          <a:stretch>
+            <a:fillRect/>
+          </a:stretch>
+        </p:blipFill>
+        <p:spPr>
+          <a:xfrm>
+            <a:off x="1530369" y="870890"/>
+            <a:ext cx="3089156" cy="3200399"/>
+          </a:xfrm>
+          <a:prstGeom prst="rect">
+            <a:avLst/>
+          </a:prstGeom>
+        </p:spPr>
+      </p:pic>
+      <p:pic>
+        <p:nvPicPr>
+          <p:cNvPr id="64" name="Picture 63"/>
+          <p:cNvPicPr>
+            <a:picLocks noChangeAspect="1"/>
+          </p:cNvPicPr>
+          <p:nvPr/>
+        </p:nvPicPr>
+        <p:blipFill>
+          <a:blip r:embed="rId3" cstate="print">
+            <a:extLst>
+              <a:ext uri="{28A0092B-C50C-407E-A947-70E740481C1C}">
+                <a14:useLocalDpi xmlns:a14="http://schemas.microsoft.com/office/drawing/2010/main" val="0"/>
+              </a:ext>
+            </a:extLst>
+          </a:blip>
+          <a:stretch>
+            <a:fillRect/>
+          </a:stretch>
+        </p:blipFill>
+        <p:spPr>
+          <a:xfrm>
+            <a:off x="5863453" y="893709"/>
+            <a:ext cx="3089156" cy="3200399"/>
+          </a:xfrm>
+          <a:prstGeom prst="rect">
+            <a:avLst/>
+          </a:prstGeom>
+        </p:spPr>
+      </p:pic>
+      <p:grpSp>
+        <p:nvGrpSpPr>
+          <p:cNvPr id="65" name="Group 64"/>
+          <p:cNvGrpSpPr/>
+          <p:nvPr/>
+        </p:nvGrpSpPr>
+        <p:grpSpPr>
+          <a:xfrm>
+            <a:off x="269196" y="888385"/>
+            <a:ext cx="4350959" cy="3418114"/>
+            <a:chOff x="227595" y="3343656"/>
+            <a:chExt cx="4350959" cy="3418114"/>
+          </a:xfrm>
+        </p:grpSpPr>
+        <p:sp>
+          <p:nvSpPr>
+            <p:cNvPr id="66" name="Rectangle 65"/>
+            <p:cNvSpPr/>
+            <p:nvPr/>
+          </p:nvSpPr>
+          <p:spPr>
+            <a:xfrm>
+              <a:off x="235154" y="3343656"/>
+              <a:ext cx="4343400" cy="3418114"/>
+            </a:xfrm>
+            <a:prstGeom prst="rect">
+              <a:avLst/>
+            </a:prstGeom>
+            <a:noFill/>
+            <a:ln>
+              <a:solidFill>
+                <a:schemeClr val="bg1">
+                  <a:lumMod val="50000"/>
+                </a:schemeClr>
+              </a:solidFill>
+            </a:ln>
+          </p:spPr>
+          <p:style>
+            <a:lnRef idx="2">
+              <a:schemeClr val="accent1">
+                <a:shade val="50000"/>
+              </a:schemeClr>
+            </a:lnRef>
+            <a:fillRef idx="1">
+              <a:schemeClr val="accent1"/>
+            </a:fillRef>
+            <a:effectRef idx="0">
+              <a:schemeClr val="accent1"/>
+            </a:effectRef>
+            <a:fontRef idx="minor">
+              <a:schemeClr val="lt1"/>
+            </a:fontRef>
+          </p:style>
+          <p:txBody>
+            <a:bodyPr rtlCol="0" anchor="ctr"/>
+            <a:lstStyle/>
+            <a:p>
+              <a:pPr algn="ctr"/>
+              <a:endParaRPr lang="en-US"/>
+            </a:p>
+          </p:txBody>
+        </p:sp>
+        <p:grpSp>
+          <p:nvGrpSpPr>
+            <p:cNvPr id="67" name="Group 66"/>
+            <p:cNvGrpSpPr>
+              <a:grpSpLocks noChangeAspect="1"/>
+            </p:cNvGrpSpPr>
+            <p:nvPr/>
+          </p:nvGrpSpPr>
+          <p:grpSpPr>
+            <a:xfrm>
+              <a:off x="227595" y="5893090"/>
+              <a:ext cx="1333439" cy="868680"/>
+              <a:chOff x="1117803" y="1752600"/>
+              <a:chExt cx="4444797" cy="2895600"/>
+            </a:xfrm>
+          </p:grpSpPr>
+          <p:grpSp>
+            <p:nvGrpSpPr>
+              <p:cNvPr id="68" name="Group 67"/>
+              <p:cNvGrpSpPr/>
+              <p:nvPr/>
+            </p:nvGrpSpPr>
+            <p:grpSpPr>
+              <a:xfrm>
+                <a:off x="1143000" y="1752600"/>
+                <a:ext cx="4419600" cy="2895600"/>
+                <a:chOff x="1143000" y="1752600"/>
+                <a:chExt cx="4419600" cy="2895600"/>
+              </a:xfrm>
+            </p:grpSpPr>
+            <p:sp>
+              <p:nvSpPr>
+                <p:cNvPr id="71" name="Rectangle 70"/>
+                <p:cNvSpPr/>
+                <p:nvPr/>
+              </p:nvSpPr>
+              <p:spPr>
+                <a:xfrm>
+                  <a:off x="1143000" y="1752600"/>
+                  <a:ext cx="2209800" cy="1295400"/>
+                </a:xfrm>
+                <a:prstGeom prst="rect">
+                  <a:avLst/>
+                </a:prstGeom>
+                <a:solidFill>
+                  <a:schemeClr val="bg1">
+                    <a:lumMod val="95000"/>
+                  </a:schemeClr>
+                </a:solidFill>
+                <a:ln>
+                  <a:noFill/>
+                </a:ln>
+              </p:spPr>
+              <p:style>
+                <a:lnRef idx="2">
+                  <a:schemeClr val="accent1">
+                    <a:shade val="50000"/>
+                  </a:schemeClr>
+                </a:lnRef>
+                <a:fillRef idx="1">
+                  <a:schemeClr val="accent1"/>
+                </a:fillRef>
+                <a:effectRef idx="0">
+                  <a:schemeClr val="accent1"/>
+                </a:effectRef>
+                <a:fontRef idx="minor">
+                  <a:schemeClr val="lt1"/>
+                </a:fontRef>
+              </p:style>
+              <p:txBody>
+                <a:bodyPr rtlCol="0" anchor="ctr"/>
+                <a:lstStyle/>
+                <a:p>
+                  <a:pPr algn="ctr"/>
+                  <a:endParaRPr lang="en-US"/>
+                </a:p>
+              </p:txBody>
+            </p:sp>
+            <p:pic>
+              <p:nvPicPr>
+                <p:cNvPr id="72" name="Picture 4"/>
+                <p:cNvPicPr>
+                  <a:picLocks noChangeAspect="1" noChangeArrowheads="1"/>
+                </p:cNvPicPr>
+                <p:nvPr/>
+              </p:nvPicPr>
+              <p:blipFill>
+                <a:blip r:embed="rId4" cstate="print">
+                  <a:extLst>
+                    <a:ext uri="{28A0092B-C50C-407E-A947-70E740481C1C}">
+                      <a14:useLocalDpi xmlns:a14="http://schemas.microsoft.com/office/drawing/2010/main" val="0"/>
+                    </a:ext>
+                  </a:extLst>
+                </a:blip>
+                <a:srcRect/>
+                <a:stretch>
+                  <a:fillRect/>
+                </a:stretch>
+              </p:blipFill>
+              <p:spPr bwMode="auto">
+                <a:xfrm>
+                  <a:off x="1326904" y="2001245"/>
+                  <a:ext cx="1828800" cy="798021"/>
+                </a:xfrm>
+                <a:prstGeom prst="rect">
+                  <a:avLst/>
+                </a:prstGeom>
+                <a:noFill/>
+                <a:ln>
+                  <a:noFill/>
+                </a:ln>
+                <a:extLst>
+                  <a:ext uri="{909E8E84-426E-40DD-AFC4-6F175D3DCCD1}">
+                    <a14:hiddenFill xmlns:a14="http://schemas.microsoft.com/office/drawing/2010/main">
+                      <a:solidFill>
+                        <a:schemeClr val="accent1"/>
+                      </a:solidFill>
+                    </a14:hiddenFill>
+                  </a:ext>
+                  <a:ext uri="{91240B29-F687-4F45-9708-019B960494DF}">
+                    <a14:hiddenLine xmlns:a14="http://schemas.microsoft.com/office/drawing/2010/main" w="9525">
+                      <a:solidFill>
+                        <a:schemeClr val="tx1"/>
+                      </a:solidFill>
+                      <a:miter lim="800000"/>
+                      <a:headEnd/>
+                      <a:tailEnd/>
+                    </a14:hiddenLine>
+                  </a:ext>
+                </a:extLst>
+              </p:spPr>
+            </p:pic>
+            <p:grpSp>
+              <p:nvGrpSpPr>
+                <p:cNvPr id="73" name="Group 72"/>
+                <p:cNvGrpSpPr/>
+                <p:nvPr/>
+              </p:nvGrpSpPr>
+              <p:grpSpPr>
+                <a:xfrm>
+                  <a:off x="3349752" y="1766597"/>
+                  <a:ext cx="2212848" cy="1267406"/>
+                  <a:chOff x="7772400" y="1447800"/>
+                  <a:chExt cx="2212848" cy="1267406"/>
+                </a:xfrm>
+              </p:grpSpPr>
+              <p:pic>
+                <p:nvPicPr>
+                  <p:cNvPr id="89" name="Picture 2"/>
+                  <p:cNvPicPr>
+                    <a:picLocks noChangeAspect="1" noChangeArrowheads="1"/>
+                  </p:cNvPicPr>
+                  <p:nvPr/>
+                </p:nvPicPr>
+                <p:blipFill>
+                  <a:blip r:embed="rId5" cstate="print">
+                    <a:extLst>
+                      <a:ext uri="{28A0092B-C50C-407E-A947-70E740481C1C}">
+                        <a14:useLocalDpi xmlns:a14="http://schemas.microsoft.com/office/drawing/2010/main" val="0"/>
+                      </a:ext>
+                    </a:extLst>
+                  </a:blip>
+                  <a:srcRect/>
+                  <a:stretch>
+                    <a:fillRect/>
+                  </a:stretch>
+                </p:blipFill>
+                <p:spPr bwMode="auto">
+                  <a:xfrm>
+                    <a:off x="7772400" y="1447801"/>
+                    <a:ext cx="2212848" cy="1267405"/>
+                  </a:xfrm>
+                  <a:prstGeom prst="rect">
+                    <a:avLst/>
+                  </a:prstGeom>
+                  <a:noFill/>
+                  <a:ln>
+                    <a:noFill/>
+                  </a:ln>
+                  <a:extLst>
+                    <a:ext uri="{909E8E84-426E-40DD-AFC4-6F175D3DCCD1}">
+                      <a14:hiddenFill xmlns:a14="http://schemas.microsoft.com/office/drawing/2010/main">
+                        <a:solidFill>
+                          <a:schemeClr val="accent1"/>
+                        </a:solidFill>
+                      </a14:hiddenFill>
+                    </a:ext>
+                    <a:ext uri="{91240B29-F687-4F45-9708-019B960494DF}">
+                      <a14:hiddenLine xmlns:a14="http://schemas.microsoft.com/office/drawing/2010/main" w="9525">
+                        <a:solidFill>
+                          <a:schemeClr val="tx1"/>
+                        </a:solidFill>
+                        <a:miter lim="800000"/>
+                        <a:headEnd/>
+                        <a:tailEnd/>
+                      </a14:hiddenLine>
+                    </a:ext>
+                  </a:extLst>
+                </p:spPr>
+              </p:pic>
+              <p:sp>
+                <p:nvSpPr>
+                  <p:cNvPr id="90" name="Rectangle 89"/>
+                  <p:cNvSpPr/>
+                  <p:nvPr/>
+                </p:nvSpPr>
+                <p:spPr>
+                  <a:xfrm>
+                    <a:off x="7772401" y="1447800"/>
+                    <a:ext cx="381000" cy="228600"/>
+                  </a:xfrm>
+                  <a:prstGeom prst="rect">
+                    <a:avLst/>
+                  </a:prstGeom>
+                  <a:solidFill>
+                    <a:schemeClr val="bg1"/>
+                  </a:solidFill>
+                  <a:ln>
+                    <a:noFill/>
+                  </a:ln>
+                </p:spPr>
+                <p:style>
+                  <a:lnRef idx="2">
+                    <a:schemeClr val="accent1">
+                      <a:shade val="50000"/>
+                    </a:schemeClr>
+                  </a:lnRef>
+                  <a:fillRef idx="1">
+                    <a:schemeClr val="accent1"/>
+                  </a:fillRef>
+                  <a:effectRef idx="0">
+                    <a:schemeClr val="accent1"/>
+                  </a:effectRef>
+                  <a:fontRef idx="minor">
+                    <a:schemeClr val="lt1"/>
+                  </a:fontRef>
+                </p:style>
+                <p:txBody>
+                  <a:bodyPr rtlCol="0" anchor="ctr"/>
+                  <a:lstStyle/>
+                  <a:p>
+                    <a:pPr algn="ctr"/>
+                    <a:endParaRPr lang="en-US"/>
+                  </a:p>
+                </p:txBody>
+              </p:sp>
+            </p:grpSp>
+            <p:grpSp>
+              <p:nvGrpSpPr>
+                <p:cNvPr id="74" name="Group 73"/>
+                <p:cNvGrpSpPr>
+                  <a:grpSpLocks noChangeAspect="1"/>
+                </p:cNvGrpSpPr>
+                <p:nvPr/>
+              </p:nvGrpSpPr>
+              <p:grpSpPr>
+                <a:xfrm>
+                  <a:off x="1395350" y="3337560"/>
+                  <a:ext cx="944979" cy="1005840"/>
+                  <a:chOff x="6282046" y="1523997"/>
+                  <a:chExt cx="2099954" cy="2235200"/>
+                </a:xfrm>
+              </p:grpSpPr>
+              <p:pic>
+                <p:nvPicPr>
+                  <p:cNvPr id="86" name="Picture 3"/>
+                  <p:cNvPicPr>
+                    <a:picLocks noChangeAspect="1" noChangeArrowheads="1"/>
+                  </p:cNvPicPr>
+                  <p:nvPr/>
+                </p:nvPicPr>
+                <p:blipFill rotWithShape="1">
+                  <a:blip r:embed="rId6" cstate="print">
+                    <a:extLst>
+                      <a:ext uri="{28A0092B-C50C-407E-A947-70E740481C1C}">
+                        <a14:useLocalDpi xmlns:a14="http://schemas.microsoft.com/office/drawing/2010/main" val="0"/>
+                      </a:ext>
+                    </a:extLst>
+                  </a:blip>
+                  <a:srcRect l="8207" b="4009"/>
+                  <a:stretch/>
+                </p:blipFill>
+                <p:spPr bwMode="auto">
+                  <a:xfrm>
+                    <a:off x="6282046" y="1555706"/>
+                    <a:ext cx="2080903" cy="2203491"/>
+                  </a:xfrm>
+                  <a:prstGeom prst="rect">
+                    <a:avLst/>
+                  </a:prstGeom>
+                  <a:noFill/>
+                  <a:ln>
+                    <a:noFill/>
+                  </a:ln>
+                  <a:extLst>
+                    <a:ext uri="{909E8E84-426E-40DD-AFC4-6F175D3DCCD1}">
+                      <a14:hiddenFill xmlns:a14="http://schemas.microsoft.com/office/drawing/2010/main">
+                        <a:solidFill>
+                          <a:schemeClr val="accent1"/>
+                        </a:solidFill>
+                      </a14:hiddenFill>
+                    </a:ext>
+                    <a:ext uri="{91240B29-F687-4F45-9708-019B960494DF}">
+                      <a14:hiddenLine xmlns:a14="http://schemas.microsoft.com/office/drawing/2010/main" w="9525">
+                        <a:solidFill>
+                          <a:schemeClr val="tx1"/>
+                        </a:solidFill>
+                        <a:miter lim="800000"/>
+                        <a:headEnd/>
+                        <a:tailEnd/>
+                      </a14:hiddenLine>
+                    </a:ext>
+                  </a:extLst>
+                </p:spPr>
+              </p:pic>
+              <p:cxnSp>
+                <p:nvCxnSpPr>
+                  <p:cNvPr id="87" name="Straight Connector 86"/>
+                  <p:cNvCxnSpPr/>
+                  <p:nvPr/>
+                </p:nvCxnSpPr>
+                <p:spPr>
+                  <a:xfrm>
+                    <a:off x="6282046" y="1523997"/>
+                    <a:ext cx="0" cy="2235200"/>
+                  </a:xfrm>
+                  <a:prstGeom prst="line">
+                    <a:avLst/>
+                  </a:prstGeom>
+                  <a:ln>
+                    <a:solidFill>
+                      <a:schemeClr val="bg1">
+                        <a:lumMod val="50000"/>
+                      </a:schemeClr>
+                    </a:solidFill>
+                  </a:ln>
+                </p:spPr>
+                <p:style>
+                  <a:lnRef idx="1">
+                    <a:schemeClr val="accent1"/>
+                  </a:lnRef>
+                  <a:fillRef idx="0">
+                    <a:schemeClr val="accent1"/>
+                  </a:fillRef>
+                  <a:effectRef idx="0">
+                    <a:schemeClr val="accent1"/>
+                  </a:effectRef>
+                  <a:fontRef idx="minor">
+                    <a:schemeClr val="tx1"/>
+                  </a:fontRef>
+                </p:style>
+              </p:cxnSp>
+              <p:cxnSp>
+                <p:nvCxnSpPr>
+                  <p:cNvPr id="88" name="Straight Connector 87"/>
+                  <p:cNvCxnSpPr/>
+                  <p:nvPr/>
+                </p:nvCxnSpPr>
+                <p:spPr>
+                  <a:xfrm flipH="1">
+                    <a:off x="6282046" y="3759197"/>
+                    <a:ext cx="2099954" cy="0"/>
+                  </a:xfrm>
+                  <a:prstGeom prst="line">
+                    <a:avLst/>
+                  </a:prstGeom>
+                  <a:ln>
+                    <a:solidFill>
+                      <a:schemeClr val="bg1">
+                        <a:lumMod val="50000"/>
+                      </a:schemeClr>
+                    </a:solidFill>
+                  </a:ln>
+                </p:spPr>
+                <p:style>
+                  <a:lnRef idx="1">
+                    <a:schemeClr val="accent1"/>
+                  </a:lnRef>
+                  <a:fillRef idx="0">
+                    <a:schemeClr val="accent1"/>
+                  </a:fillRef>
+                  <a:effectRef idx="0">
+                    <a:schemeClr val="accent1"/>
+                  </a:effectRef>
+                  <a:fontRef idx="minor">
+                    <a:schemeClr val="tx1"/>
+                  </a:fontRef>
+                </p:style>
+              </p:cxnSp>
+            </p:grpSp>
+            <p:grpSp>
+              <p:nvGrpSpPr>
+                <p:cNvPr id="75" name="Group 74"/>
+                <p:cNvGrpSpPr/>
+                <p:nvPr/>
+              </p:nvGrpSpPr>
+              <p:grpSpPr>
+                <a:xfrm>
+                  <a:off x="2844685" y="3337560"/>
+                  <a:ext cx="944979" cy="1002422"/>
+                  <a:chOff x="6400800" y="4036216"/>
+                  <a:chExt cx="944979" cy="1002422"/>
+                </a:xfrm>
+              </p:grpSpPr>
+              <p:pic>
+                <p:nvPicPr>
+                  <p:cNvPr id="83" name="Picture 5"/>
+                  <p:cNvPicPr>
+                    <a:picLocks noChangeAspect="1" noChangeArrowheads="1"/>
+                  </p:cNvPicPr>
+                  <p:nvPr/>
+                </p:nvPicPr>
+                <p:blipFill>
+                  <a:blip r:embed="rId7" cstate="print">
+                    <a:extLst>
+                      <a:ext uri="{28A0092B-C50C-407E-A947-70E740481C1C}">
+                        <a14:useLocalDpi xmlns:a14="http://schemas.microsoft.com/office/drawing/2010/main" val="0"/>
+                      </a:ext>
+                    </a:extLst>
+                  </a:blip>
+                  <a:srcRect/>
+                  <a:stretch>
+                    <a:fillRect/>
+                  </a:stretch>
+                </p:blipFill>
+                <p:spPr bwMode="auto">
+                  <a:xfrm>
+                    <a:off x="6400800" y="4036216"/>
+                    <a:ext cx="932688" cy="1002422"/>
+                  </a:xfrm>
+                  <a:prstGeom prst="rect">
+                    <a:avLst/>
+                  </a:prstGeom>
+                  <a:noFill/>
+                  <a:ln>
+                    <a:noFill/>
+                  </a:ln>
+                  <a:extLst>
+                    <a:ext uri="{909E8E84-426E-40DD-AFC4-6F175D3DCCD1}">
+                      <a14:hiddenFill xmlns:a14="http://schemas.microsoft.com/office/drawing/2010/main">
+                        <a:solidFill>
+                          <a:schemeClr val="accent1"/>
+                        </a:solidFill>
+                      </a14:hiddenFill>
+                    </a:ext>
+                    <a:ext uri="{91240B29-F687-4F45-9708-019B960494DF}">
+                      <a14:hiddenLine xmlns:a14="http://schemas.microsoft.com/office/drawing/2010/main" w="9525">
+                        <a:solidFill>
+                          <a:schemeClr val="tx1"/>
+                        </a:solidFill>
+                        <a:miter lim="800000"/>
+                        <a:headEnd/>
+                        <a:tailEnd/>
+                      </a14:hiddenLine>
+                    </a:ext>
+                  </a:extLst>
+                </p:spPr>
+              </p:pic>
+              <p:cxnSp>
+                <p:nvCxnSpPr>
+                  <p:cNvPr id="84" name="Straight Connector 83"/>
+                  <p:cNvCxnSpPr/>
+                  <p:nvPr/>
+                </p:nvCxnSpPr>
+                <p:spPr>
+                  <a:xfrm>
+                    <a:off x="6400800" y="4036216"/>
+                    <a:ext cx="0" cy="1002422"/>
+                  </a:xfrm>
+                  <a:prstGeom prst="line">
+                    <a:avLst/>
+                  </a:prstGeom>
+                  <a:ln>
+                    <a:solidFill>
+                      <a:schemeClr val="bg1">
+                        <a:lumMod val="50000"/>
+                      </a:schemeClr>
+                    </a:solidFill>
+                  </a:ln>
+                </p:spPr>
+                <p:style>
+                  <a:lnRef idx="1">
+                    <a:schemeClr val="accent1"/>
+                  </a:lnRef>
+                  <a:fillRef idx="0">
+                    <a:schemeClr val="accent1"/>
+                  </a:fillRef>
+                  <a:effectRef idx="0">
+                    <a:schemeClr val="accent1"/>
+                  </a:effectRef>
+                  <a:fontRef idx="minor">
+                    <a:schemeClr val="tx1"/>
+                  </a:fontRef>
+                </p:style>
+              </p:cxnSp>
+              <p:cxnSp>
+                <p:nvCxnSpPr>
+                  <p:cNvPr id="85" name="Straight Connector 84"/>
+                  <p:cNvCxnSpPr/>
+                  <p:nvPr/>
+                </p:nvCxnSpPr>
+                <p:spPr>
+                  <a:xfrm flipH="1">
+                    <a:off x="6400800" y="5038638"/>
+                    <a:ext cx="944979" cy="0"/>
+                  </a:xfrm>
+                  <a:prstGeom prst="line">
+                    <a:avLst/>
+                  </a:prstGeom>
+                  <a:ln>
+                    <a:solidFill>
+                      <a:schemeClr val="bg1">
+                        <a:lumMod val="50000"/>
+                      </a:schemeClr>
+                    </a:solidFill>
+                  </a:ln>
+                </p:spPr>
+                <p:style>
+                  <a:lnRef idx="1">
+                    <a:schemeClr val="accent1"/>
+                  </a:lnRef>
+                  <a:fillRef idx="0">
+                    <a:schemeClr val="accent1"/>
+                  </a:fillRef>
+                  <a:effectRef idx="0">
+                    <a:schemeClr val="accent1"/>
+                  </a:effectRef>
+                  <a:fontRef idx="minor">
+                    <a:schemeClr val="tx1"/>
+                  </a:fontRef>
+                </p:style>
+              </p:cxnSp>
+            </p:grpSp>
+            <p:grpSp>
+              <p:nvGrpSpPr>
+                <p:cNvPr id="76" name="Group 75"/>
+                <p:cNvGrpSpPr/>
+                <p:nvPr/>
+              </p:nvGrpSpPr>
+              <p:grpSpPr>
+                <a:xfrm>
+                  <a:off x="4290950" y="3337560"/>
+                  <a:ext cx="990600" cy="1002422"/>
+                  <a:chOff x="6400800" y="1173840"/>
+                  <a:chExt cx="990600" cy="1002422"/>
+                </a:xfrm>
+              </p:grpSpPr>
+              <p:pic>
+                <p:nvPicPr>
+                  <p:cNvPr id="80" name="Picture 6"/>
+                  <p:cNvPicPr>
+                    <a:picLocks noChangeAspect="1" noChangeArrowheads="1"/>
+                  </p:cNvPicPr>
+                  <p:nvPr/>
+                </p:nvPicPr>
+                <p:blipFill>
+                  <a:blip r:embed="rId8" cstate="print">
+                    <a:extLst>
+                      <a:ext uri="{28A0092B-C50C-407E-A947-70E740481C1C}">
+                        <a14:useLocalDpi xmlns:a14="http://schemas.microsoft.com/office/drawing/2010/main" val="0"/>
+                      </a:ext>
+                    </a:extLst>
+                  </a:blip>
+                  <a:srcRect/>
+                  <a:stretch>
+                    <a:fillRect/>
+                  </a:stretch>
+                </p:blipFill>
+                <p:spPr bwMode="auto">
+                  <a:xfrm>
+                    <a:off x="6458712" y="1289696"/>
+                    <a:ext cx="932688" cy="886566"/>
+                  </a:xfrm>
+                  <a:prstGeom prst="rect">
+                    <a:avLst/>
+                  </a:prstGeom>
+                  <a:noFill/>
+                  <a:ln>
+                    <a:noFill/>
+                  </a:ln>
+                  <a:extLst>
+                    <a:ext uri="{909E8E84-426E-40DD-AFC4-6F175D3DCCD1}">
+                      <a14:hiddenFill xmlns:a14="http://schemas.microsoft.com/office/drawing/2010/main">
+                        <a:solidFill>
+                          <a:schemeClr val="accent1"/>
+                        </a:solidFill>
+                      </a14:hiddenFill>
+                    </a:ext>
+                    <a:ext uri="{91240B29-F687-4F45-9708-019B960494DF}">
+                      <a14:hiddenLine xmlns:a14="http://schemas.microsoft.com/office/drawing/2010/main" w="9525">
+                        <a:solidFill>
+                          <a:schemeClr val="tx1"/>
+                        </a:solidFill>
+                        <a:miter lim="800000"/>
+                        <a:headEnd/>
+                        <a:tailEnd/>
+                      </a14:hiddenLine>
+                    </a:ext>
+                  </a:extLst>
+                </p:spPr>
+              </p:pic>
+              <p:cxnSp>
+                <p:nvCxnSpPr>
+                  <p:cNvPr id="81" name="Straight Connector 80"/>
+                  <p:cNvCxnSpPr/>
+                  <p:nvPr/>
+                </p:nvCxnSpPr>
+                <p:spPr>
+                  <a:xfrm>
+                    <a:off x="6400800" y="1173840"/>
+                    <a:ext cx="0" cy="1002422"/>
+                  </a:xfrm>
+                  <a:prstGeom prst="line">
+                    <a:avLst/>
+                  </a:prstGeom>
+                  <a:ln>
+                    <a:solidFill>
+                      <a:schemeClr val="bg1">
+                        <a:lumMod val="50000"/>
+                      </a:schemeClr>
+                    </a:solidFill>
+                  </a:ln>
+                </p:spPr>
+                <p:style>
+                  <a:lnRef idx="1">
+                    <a:schemeClr val="accent1"/>
+                  </a:lnRef>
+                  <a:fillRef idx="0">
+                    <a:schemeClr val="accent1"/>
+                  </a:fillRef>
+                  <a:effectRef idx="0">
+                    <a:schemeClr val="accent1"/>
+                  </a:effectRef>
+                  <a:fontRef idx="minor">
+                    <a:schemeClr val="tx1"/>
+                  </a:fontRef>
+                </p:style>
+              </p:cxnSp>
+              <p:cxnSp>
+                <p:nvCxnSpPr>
+                  <p:cNvPr id="82" name="Straight Connector 81"/>
+                  <p:cNvCxnSpPr/>
+                  <p:nvPr/>
+                </p:nvCxnSpPr>
+                <p:spPr>
+                  <a:xfrm flipH="1">
+                    <a:off x="6400800" y="2176262"/>
+                    <a:ext cx="944979" cy="0"/>
+                  </a:xfrm>
+                  <a:prstGeom prst="line">
+                    <a:avLst/>
+                  </a:prstGeom>
+                  <a:ln>
+                    <a:solidFill>
+                      <a:schemeClr val="bg1">
+                        <a:lumMod val="50000"/>
+                      </a:schemeClr>
+                    </a:solidFill>
+                  </a:ln>
+                </p:spPr>
+                <p:style>
+                  <a:lnRef idx="1">
+                    <a:schemeClr val="accent1"/>
+                  </a:lnRef>
+                  <a:fillRef idx="0">
+                    <a:schemeClr val="accent1"/>
+                  </a:fillRef>
+                  <a:effectRef idx="0">
+                    <a:schemeClr val="accent1"/>
+                  </a:effectRef>
+                  <a:fontRef idx="minor">
+                    <a:schemeClr val="tx1"/>
+                  </a:fontRef>
+                </p:style>
+              </p:cxnSp>
+            </p:grpSp>
+            <p:cxnSp>
+              <p:nvCxnSpPr>
+                <p:cNvPr id="77" name="Straight Connector 76"/>
+                <p:cNvCxnSpPr/>
+                <p:nvPr/>
+              </p:nvCxnSpPr>
+              <p:spPr>
+                <a:xfrm>
+                  <a:off x="1143000" y="3048000"/>
+                  <a:ext cx="4419600" cy="0"/>
+                </a:xfrm>
+                <a:prstGeom prst="line">
+                  <a:avLst/>
+                </a:prstGeom>
+                <a:ln w="25400">
+                  <a:solidFill>
+                    <a:schemeClr val="accent2"/>
+                  </a:solidFill>
+                </a:ln>
+              </p:spPr>
+              <p:style>
+                <a:lnRef idx="1">
+                  <a:schemeClr val="accent1"/>
+                </a:lnRef>
+                <a:fillRef idx="0">
+                  <a:schemeClr val="accent1"/>
+                </a:fillRef>
+                <a:effectRef idx="0">
+                  <a:schemeClr val="accent1"/>
+                </a:effectRef>
+                <a:fontRef idx="minor">
+                  <a:schemeClr val="tx1"/>
+                </a:fontRef>
+              </p:style>
+            </p:cxnSp>
+            <p:cxnSp>
+              <p:nvCxnSpPr>
+                <p:cNvPr id="78" name="Straight Connector 77"/>
+                <p:cNvCxnSpPr>
+                  <a:stCxn id="79" idx="0"/>
+                </p:cNvCxnSpPr>
+                <p:nvPr/>
+              </p:nvCxnSpPr>
+              <p:spPr>
+                <a:xfrm>
+                  <a:off x="3352800" y="1752600"/>
+                  <a:ext cx="0" cy="1295400"/>
+                </a:xfrm>
+                <a:prstGeom prst="line">
+                  <a:avLst/>
+                </a:prstGeom>
+                <a:ln w="25400">
+                  <a:solidFill>
+                    <a:schemeClr val="accent2"/>
+                  </a:solidFill>
+                </a:ln>
+              </p:spPr>
+              <p:style>
+                <a:lnRef idx="1">
+                  <a:schemeClr val="accent1"/>
+                </a:lnRef>
+                <a:fillRef idx="0">
+                  <a:schemeClr val="accent1"/>
+                </a:fillRef>
+                <a:effectRef idx="0">
+                  <a:schemeClr val="accent1"/>
+                </a:effectRef>
+                <a:fontRef idx="minor">
+                  <a:schemeClr val="tx1"/>
+                </a:fontRef>
+              </p:style>
+            </p:cxnSp>
+            <p:sp>
+              <p:nvSpPr>
+                <p:cNvPr id="79" name="Rectangle 78"/>
+                <p:cNvSpPr/>
+                <p:nvPr/>
+              </p:nvSpPr>
+              <p:spPr>
+                <a:xfrm>
+                  <a:off x="1143000" y="1752600"/>
+                  <a:ext cx="4419600" cy="2895600"/>
+                </a:xfrm>
+                <a:prstGeom prst="rect">
+                  <a:avLst/>
+                </a:prstGeom>
+                <a:noFill/>
+                <a:ln>
+                  <a:solidFill>
+                    <a:schemeClr val="accent2"/>
+                  </a:solidFill>
+                </a:ln>
+              </p:spPr>
+              <p:style>
+                <a:lnRef idx="2">
+                  <a:schemeClr val="accent1">
+                    <a:shade val="50000"/>
+                  </a:schemeClr>
+                </a:lnRef>
+                <a:fillRef idx="1">
+                  <a:schemeClr val="accent1"/>
+                </a:fillRef>
+                <a:effectRef idx="0">
+                  <a:schemeClr val="accent1"/>
+                </a:effectRef>
+                <a:fontRef idx="minor">
+                  <a:schemeClr val="lt1"/>
+                </a:fontRef>
+              </p:style>
+              <p:txBody>
+                <a:bodyPr rtlCol="0" anchor="ctr"/>
+                <a:lstStyle/>
+                <a:p>
+                  <a:pPr algn="ctr"/>
+                  <a:endParaRPr lang="en-US"/>
+                </a:p>
+              </p:txBody>
+            </p:sp>
+          </p:grpSp>
+          <p:sp>
+            <p:nvSpPr>
+              <p:cNvPr id="69" name="Rectangle 68"/>
+              <p:cNvSpPr/>
+              <p:nvPr/>
+            </p:nvSpPr>
+            <p:spPr>
+              <a:xfrm>
+                <a:off x="1117803" y="3048000"/>
+                <a:ext cx="2895600" cy="1600200"/>
+              </a:xfrm>
+              <a:prstGeom prst="rect">
+                <a:avLst/>
+              </a:prstGeom>
+              <a:solidFill>
+                <a:schemeClr val="tx1">
+                  <a:lumMod val="50000"/>
+                  <a:lumOff val="50000"/>
+                  <a:alpha val="45000"/>
+                </a:schemeClr>
+              </a:solidFill>
+              <a:ln>
+                <a:noFill/>
+              </a:ln>
+            </p:spPr>
+            <p:style>
+              <a:lnRef idx="2">
+                <a:schemeClr val="accent1">
+                  <a:shade val="50000"/>
+                </a:schemeClr>
+              </a:lnRef>
+              <a:fillRef idx="1">
+                <a:schemeClr val="accent1"/>
+              </a:fillRef>
+              <a:effectRef idx="0">
+                <a:schemeClr val="accent1"/>
+              </a:effectRef>
+              <a:fontRef idx="minor">
+                <a:schemeClr val="lt1"/>
+              </a:fontRef>
+            </p:style>
+            <p:txBody>
+              <a:bodyPr rtlCol="0" anchor="ctr"/>
+              <a:lstStyle/>
+              <a:p>
+                <a:pPr algn="ctr"/>
+                <a:endParaRPr lang="en-US"/>
+              </a:p>
+            </p:txBody>
+          </p:sp>
+          <p:sp>
+            <p:nvSpPr>
+              <p:cNvPr id="70" name="Rectangle 69"/>
+              <p:cNvSpPr/>
+              <p:nvPr/>
+            </p:nvSpPr>
+            <p:spPr>
+              <a:xfrm>
+                <a:off x="1143000" y="1752600"/>
+                <a:ext cx="4419600" cy="1295400"/>
+              </a:xfrm>
+              <a:prstGeom prst="rect">
+                <a:avLst/>
+              </a:prstGeom>
+              <a:solidFill>
+                <a:schemeClr val="tx1">
+                  <a:lumMod val="50000"/>
+                  <a:lumOff val="50000"/>
+                  <a:alpha val="45000"/>
+                </a:schemeClr>
+              </a:solidFill>
+              <a:ln>
+                <a:noFill/>
+              </a:ln>
+            </p:spPr>
+            <p:style>
+              <a:lnRef idx="2">
+                <a:schemeClr val="accent1">
+                  <a:shade val="50000"/>
+                </a:schemeClr>
+              </a:lnRef>
+              <a:fillRef idx="1">
+                <a:schemeClr val="accent1"/>
+              </a:fillRef>
+              <a:effectRef idx="0">
+                <a:schemeClr val="accent1"/>
+              </a:effectRef>
+              <a:fontRef idx="minor">
+                <a:schemeClr val="lt1"/>
+              </a:fontRef>
+            </p:style>
+            <p:txBody>
+              <a:bodyPr rtlCol="0" anchor="ctr"/>
+              <a:lstStyle/>
+              <a:p>
+                <a:pPr algn="ctr"/>
+                <a:endParaRPr lang="en-US"/>
+              </a:p>
+            </p:txBody>
+          </p:sp>
+        </p:grpSp>
+      </p:grpSp>
+      <p:sp>
+        <p:nvSpPr>
+          <p:cNvPr id="91" name="Oval 90"/>
+          <p:cNvSpPr/>
+          <p:nvPr/>
+        </p:nvSpPr>
+        <p:spPr>
+          <a:xfrm>
+            <a:off x="2684429" y="1491748"/>
+            <a:ext cx="274320" cy="274320"/>
+          </a:xfrm>
+          <a:prstGeom prst="ellipse">
+            <a:avLst/>
+          </a:prstGeom>
+          <a:noFill/>
+          <a:ln>
+            <a:solidFill>
+              <a:schemeClr val="accent2"/>
+            </a:solidFill>
+          </a:ln>
+        </p:spPr>
+        <p:style>
+          <a:lnRef idx="2">
+            <a:schemeClr val="accent1">
+              <a:shade val="50000"/>
+            </a:schemeClr>
+          </a:lnRef>
+          <a:fillRef idx="1">
+            <a:schemeClr val="accent1"/>
+          </a:fillRef>
+          <a:effectRef idx="0">
+            <a:schemeClr val="accent1"/>
+          </a:effectRef>
+          <a:fontRef idx="minor">
+            <a:schemeClr val="lt1"/>
+          </a:fontRef>
+        </p:style>
+        <p:txBody>
+          <a:bodyPr rtlCol="0" anchor="ctr"/>
+          <a:lstStyle/>
+          <a:p>
+            <a:pPr algn="ctr"/>
+            <a:endParaRPr lang="en-US"/>
+          </a:p>
+        </p:txBody>
+      </p:sp>
+      <p:sp>
+        <p:nvSpPr>
+          <p:cNvPr id="92" name="TextBox 91"/>
+          <p:cNvSpPr txBox="1"/>
+          <p:nvPr/>
+        </p:nvSpPr>
+        <p:spPr>
+          <a:xfrm>
+            <a:off x="2440789" y="1224930"/>
+            <a:ext cx="1166865" cy="292388"/>
+          </a:xfrm>
+          <a:prstGeom prst="rect">
+            <a:avLst/>
+          </a:prstGeom>
+          <a:noFill/>
+        </p:spPr>
+        <p:txBody>
+          <a:bodyPr wrap="square" rtlCol="0">
+            <a:spAutoFit/>
+          </a:bodyPr>
+          <a:lstStyle/>
+          <a:p>
+            <a:r>
+              <a:rPr lang="en-US" sz="1300" dirty="0" smtClean="0"/>
+              <a:t>Education</a:t>
+            </a:r>
+            <a:endParaRPr lang="en-US" sz="1300" dirty="0"/>
+          </a:p>
+        </p:txBody>
+      </p:sp>
+      <p:grpSp>
+        <p:nvGrpSpPr>
+          <p:cNvPr id="93" name="Group 92"/>
+          <p:cNvGrpSpPr/>
+          <p:nvPr/>
+        </p:nvGrpSpPr>
+        <p:grpSpPr>
+          <a:xfrm>
+            <a:off x="4606585" y="870120"/>
+            <a:ext cx="4343400" cy="3436880"/>
+            <a:chOff x="4579498" y="3433631"/>
+            <a:chExt cx="4343400" cy="3436880"/>
+          </a:xfrm>
+        </p:grpSpPr>
+        <p:sp>
+          <p:nvSpPr>
+            <p:cNvPr id="94" name="Rectangle 93"/>
+            <p:cNvSpPr/>
+            <p:nvPr/>
+          </p:nvSpPr>
+          <p:spPr>
+            <a:xfrm>
+              <a:off x="4579498" y="3433631"/>
+              <a:ext cx="4343400" cy="3436880"/>
+            </a:xfrm>
+            <a:prstGeom prst="rect">
+              <a:avLst/>
+            </a:prstGeom>
+            <a:noFill/>
+            <a:ln>
+              <a:solidFill>
+                <a:schemeClr val="bg1">
+                  <a:lumMod val="50000"/>
+                </a:schemeClr>
+              </a:solidFill>
+            </a:ln>
+          </p:spPr>
+          <p:style>
+            <a:lnRef idx="2">
+              <a:schemeClr val="accent1">
+                <a:shade val="50000"/>
+              </a:schemeClr>
+            </a:lnRef>
+            <a:fillRef idx="1">
+              <a:schemeClr val="accent1"/>
+            </a:fillRef>
+            <a:effectRef idx="0">
+              <a:schemeClr val="accent1"/>
+            </a:effectRef>
+            <a:fontRef idx="minor">
+              <a:schemeClr val="lt1"/>
+            </a:fontRef>
+          </p:style>
+          <p:txBody>
+            <a:bodyPr rtlCol="0" anchor="ctr"/>
+            <a:lstStyle/>
+            <a:p>
+              <a:pPr algn="ctr"/>
+              <a:endParaRPr lang="en-US"/>
+            </a:p>
+          </p:txBody>
+        </p:sp>
+        <p:grpSp>
+          <p:nvGrpSpPr>
+            <p:cNvPr id="95" name="Group 94"/>
+            <p:cNvGrpSpPr>
+              <a:grpSpLocks noChangeAspect="1"/>
+            </p:cNvGrpSpPr>
+            <p:nvPr/>
+          </p:nvGrpSpPr>
+          <p:grpSpPr>
+            <a:xfrm>
+              <a:off x="4579498" y="6001831"/>
+              <a:ext cx="1325880" cy="868680"/>
+              <a:chOff x="1143000" y="1752600"/>
+              <a:chExt cx="4419600" cy="2895600"/>
+            </a:xfrm>
+          </p:grpSpPr>
+          <p:grpSp>
+            <p:nvGrpSpPr>
+              <p:cNvPr id="97" name="Group 96"/>
+              <p:cNvGrpSpPr/>
+              <p:nvPr/>
+            </p:nvGrpSpPr>
+            <p:grpSpPr>
+              <a:xfrm>
+                <a:off x="1143000" y="1752600"/>
+                <a:ext cx="4419600" cy="2895600"/>
+                <a:chOff x="1143000" y="1752600"/>
+                <a:chExt cx="4419600" cy="2895600"/>
+              </a:xfrm>
+            </p:grpSpPr>
+            <p:sp>
+              <p:nvSpPr>
+                <p:cNvPr id="100" name="Rectangle 99"/>
+                <p:cNvSpPr/>
+                <p:nvPr/>
+              </p:nvSpPr>
+              <p:spPr>
+                <a:xfrm>
+                  <a:off x="1143000" y="1752600"/>
+                  <a:ext cx="2209800" cy="1295400"/>
+                </a:xfrm>
+                <a:prstGeom prst="rect">
+                  <a:avLst/>
+                </a:prstGeom>
+                <a:solidFill>
+                  <a:schemeClr val="bg1">
+                    <a:lumMod val="95000"/>
+                  </a:schemeClr>
+                </a:solidFill>
+                <a:ln>
+                  <a:noFill/>
+                </a:ln>
+              </p:spPr>
+              <p:style>
+                <a:lnRef idx="2">
+                  <a:schemeClr val="accent1">
+                    <a:shade val="50000"/>
+                  </a:schemeClr>
+                </a:lnRef>
+                <a:fillRef idx="1">
+                  <a:schemeClr val="accent1"/>
+                </a:fillRef>
+                <a:effectRef idx="0">
+                  <a:schemeClr val="accent1"/>
+                </a:effectRef>
+                <a:fontRef idx="minor">
+                  <a:schemeClr val="lt1"/>
+                </a:fontRef>
+              </p:style>
+              <p:txBody>
+                <a:bodyPr rtlCol="0" anchor="ctr"/>
+                <a:lstStyle/>
+                <a:p>
+                  <a:pPr algn="ctr"/>
+                  <a:endParaRPr lang="en-US"/>
+                </a:p>
+              </p:txBody>
+            </p:sp>
+            <p:pic>
+              <p:nvPicPr>
+                <p:cNvPr id="101" name="Picture 4"/>
+                <p:cNvPicPr>
+                  <a:picLocks noChangeAspect="1" noChangeArrowheads="1"/>
+                </p:cNvPicPr>
+                <p:nvPr/>
+              </p:nvPicPr>
+              <p:blipFill>
+                <a:blip r:embed="rId4" cstate="print">
+                  <a:extLst>
+                    <a:ext uri="{28A0092B-C50C-407E-A947-70E740481C1C}">
+                      <a14:useLocalDpi xmlns:a14="http://schemas.microsoft.com/office/drawing/2010/main" val="0"/>
+                    </a:ext>
+                  </a:extLst>
+                </a:blip>
+                <a:srcRect/>
+                <a:stretch>
+                  <a:fillRect/>
+                </a:stretch>
+              </p:blipFill>
+              <p:spPr bwMode="auto">
+                <a:xfrm>
+                  <a:off x="1326904" y="2001245"/>
+                  <a:ext cx="1828800" cy="798021"/>
+                </a:xfrm>
+                <a:prstGeom prst="rect">
+                  <a:avLst/>
+                </a:prstGeom>
+                <a:noFill/>
+                <a:ln>
+                  <a:noFill/>
+                </a:ln>
+                <a:extLst>
+                  <a:ext uri="{909E8E84-426E-40DD-AFC4-6F175D3DCCD1}">
+                    <a14:hiddenFill xmlns:a14="http://schemas.microsoft.com/office/drawing/2010/main">
+                      <a:solidFill>
+                        <a:schemeClr val="accent1"/>
+                      </a:solidFill>
+                    </a14:hiddenFill>
+                  </a:ext>
+                  <a:ext uri="{91240B29-F687-4F45-9708-019B960494DF}">
+                    <a14:hiddenLine xmlns:a14="http://schemas.microsoft.com/office/drawing/2010/main" w="9525">
+                      <a:solidFill>
+                        <a:schemeClr val="tx1"/>
+                      </a:solidFill>
+                      <a:miter lim="800000"/>
+                      <a:headEnd/>
+                      <a:tailEnd/>
+                    </a14:hiddenLine>
+                  </a:ext>
+                </a:extLst>
+              </p:spPr>
+            </p:pic>
+            <p:grpSp>
+              <p:nvGrpSpPr>
+                <p:cNvPr id="102" name="Group 101"/>
+                <p:cNvGrpSpPr/>
+                <p:nvPr/>
+              </p:nvGrpSpPr>
+              <p:grpSpPr>
+                <a:xfrm>
+                  <a:off x="3349752" y="1766597"/>
+                  <a:ext cx="2212848" cy="1267406"/>
+                  <a:chOff x="7772400" y="1447800"/>
+                  <a:chExt cx="2212848" cy="1267406"/>
+                </a:xfrm>
+              </p:grpSpPr>
+              <p:pic>
+                <p:nvPicPr>
+                  <p:cNvPr id="118" name="Picture 2"/>
+                  <p:cNvPicPr>
+                    <a:picLocks noChangeAspect="1" noChangeArrowheads="1"/>
+                  </p:cNvPicPr>
+                  <p:nvPr/>
+                </p:nvPicPr>
+                <p:blipFill>
+                  <a:blip r:embed="rId5" cstate="print">
+                    <a:extLst>
+                      <a:ext uri="{28A0092B-C50C-407E-A947-70E740481C1C}">
+                        <a14:useLocalDpi xmlns:a14="http://schemas.microsoft.com/office/drawing/2010/main" val="0"/>
+                      </a:ext>
+                    </a:extLst>
+                  </a:blip>
+                  <a:srcRect/>
+                  <a:stretch>
+                    <a:fillRect/>
+                  </a:stretch>
+                </p:blipFill>
+                <p:spPr bwMode="auto">
+                  <a:xfrm>
+                    <a:off x="7772400" y="1447801"/>
+                    <a:ext cx="2212848" cy="1267405"/>
+                  </a:xfrm>
+                  <a:prstGeom prst="rect">
+                    <a:avLst/>
+                  </a:prstGeom>
+                  <a:noFill/>
+                  <a:ln>
+                    <a:noFill/>
+                  </a:ln>
+                  <a:extLst>
+                    <a:ext uri="{909E8E84-426E-40DD-AFC4-6F175D3DCCD1}">
+                      <a14:hiddenFill xmlns:a14="http://schemas.microsoft.com/office/drawing/2010/main">
+                        <a:solidFill>
+                          <a:schemeClr val="accent1"/>
+                        </a:solidFill>
+                      </a14:hiddenFill>
+                    </a:ext>
+                    <a:ext uri="{91240B29-F687-4F45-9708-019B960494DF}">
+                      <a14:hiddenLine xmlns:a14="http://schemas.microsoft.com/office/drawing/2010/main" w="9525">
+                        <a:solidFill>
+                          <a:schemeClr val="tx1"/>
+                        </a:solidFill>
+                        <a:miter lim="800000"/>
+                        <a:headEnd/>
+                        <a:tailEnd/>
+                      </a14:hiddenLine>
+                    </a:ext>
+                  </a:extLst>
+                </p:spPr>
+              </p:pic>
+              <p:sp>
+                <p:nvSpPr>
+                  <p:cNvPr id="119" name="Rectangle 118"/>
+                  <p:cNvSpPr/>
+                  <p:nvPr/>
+                </p:nvSpPr>
+                <p:spPr>
+                  <a:xfrm>
+                    <a:off x="7772401" y="1447800"/>
+                    <a:ext cx="381000" cy="228600"/>
+                  </a:xfrm>
+                  <a:prstGeom prst="rect">
+                    <a:avLst/>
+                  </a:prstGeom>
+                  <a:solidFill>
+                    <a:schemeClr val="bg1"/>
+                  </a:solidFill>
+                  <a:ln>
+                    <a:noFill/>
+                  </a:ln>
+                </p:spPr>
+                <p:style>
+                  <a:lnRef idx="2">
+                    <a:schemeClr val="accent1">
+                      <a:shade val="50000"/>
+                    </a:schemeClr>
+                  </a:lnRef>
+                  <a:fillRef idx="1">
+                    <a:schemeClr val="accent1"/>
+                  </a:fillRef>
+                  <a:effectRef idx="0">
+                    <a:schemeClr val="accent1"/>
+                  </a:effectRef>
+                  <a:fontRef idx="minor">
+                    <a:schemeClr val="lt1"/>
+                  </a:fontRef>
+                </p:style>
+                <p:txBody>
+                  <a:bodyPr rtlCol="0" anchor="ctr"/>
+                  <a:lstStyle/>
+                  <a:p>
+                    <a:pPr algn="ctr"/>
+                    <a:endParaRPr lang="en-US"/>
+                  </a:p>
+                </p:txBody>
+              </p:sp>
+            </p:grpSp>
+            <p:grpSp>
+              <p:nvGrpSpPr>
+                <p:cNvPr id="103" name="Group 102"/>
+                <p:cNvGrpSpPr>
+                  <a:grpSpLocks noChangeAspect="1"/>
+                </p:cNvGrpSpPr>
+                <p:nvPr/>
+              </p:nvGrpSpPr>
+              <p:grpSpPr>
+                <a:xfrm>
+                  <a:off x="1395350" y="3337560"/>
+                  <a:ext cx="944979" cy="1005840"/>
+                  <a:chOff x="6282046" y="1523997"/>
+                  <a:chExt cx="2099954" cy="2235200"/>
+                </a:xfrm>
+              </p:grpSpPr>
+              <p:pic>
+                <p:nvPicPr>
+                  <p:cNvPr id="115" name="Picture 3"/>
+                  <p:cNvPicPr>
+                    <a:picLocks noChangeAspect="1" noChangeArrowheads="1"/>
+                  </p:cNvPicPr>
+                  <p:nvPr/>
+                </p:nvPicPr>
+                <p:blipFill rotWithShape="1">
+                  <a:blip r:embed="rId6" cstate="print">
+                    <a:extLst>
+                      <a:ext uri="{28A0092B-C50C-407E-A947-70E740481C1C}">
+                        <a14:useLocalDpi xmlns:a14="http://schemas.microsoft.com/office/drawing/2010/main" val="0"/>
+                      </a:ext>
+                    </a:extLst>
+                  </a:blip>
+                  <a:srcRect l="8207" b="4009"/>
+                  <a:stretch/>
+                </p:blipFill>
+                <p:spPr bwMode="auto">
+                  <a:xfrm>
+                    <a:off x="6282046" y="1555706"/>
+                    <a:ext cx="2080903" cy="2203491"/>
+                  </a:xfrm>
+                  <a:prstGeom prst="rect">
+                    <a:avLst/>
+                  </a:prstGeom>
+                  <a:noFill/>
+                  <a:ln>
+                    <a:noFill/>
+                  </a:ln>
+                  <a:extLst>
+                    <a:ext uri="{909E8E84-426E-40DD-AFC4-6F175D3DCCD1}">
+                      <a14:hiddenFill xmlns:a14="http://schemas.microsoft.com/office/drawing/2010/main">
+                        <a:solidFill>
+                          <a:schemeClr val="accent1"/>
+                        </a:solidFill>
+                      </a14:hiddenFill>
+                    </a:ext>
+                    <a:ext uri="{91240B29-F687-4F45-9708-019B960494DF}">
+                      <a14:hiddenLine xmlns:a14="http://schemas.microsoft.com/office/drawing/2010/main" w="9525">
+                        <a:solidFill>
+                          <a:schemeClr val="tx1"/>
+                        </a:solidFill>
+                        <a:miter lim="800000"/>
+                        <a:headEnd/>
+                        <a:tailEnd/>
+                      </a14:hiddenLine>
+                    </a:ext>
+                  </a:extLst>
+                </p:spPr>
+              </p:pic>
+              <p:cxnSp>
+                <p:nvCxnSpPr>
+                  <p:cNvPr id="116" name="Straight Connector 115"/>
+                  <p:cNvCxnSpPr/>
+                  <p:nvPr/>
+                </p:nvCxnSpPr>
+                <p:spPr>
+                  <a:xfrm>
+                    <a:off x="6282046" y="1523997"/>
+                    <a:ext cx="0" cy="2235200"/>
+                  </a:xfrm>
+                  <a:prstGeom prst="line">
+                    <a:avLst/>
+                  </a:prstGeom>
+                  <a:ln>
+                    <a:solidFill>
+                      <a:schemeClr val="bg1">
+                        <a:lumMod val="50000"/>
+                      </a:schemeClr>
+                    </a:solidFill>
+                  </a:ln>
+                </p:spPr>
+                <p:style>
+                  <a:lnRef idx="1">
+                    <a:schemeClr val="accent1"/>
+                  </a:lnRef>
+                  <a:fillRef idx="0">
+                    <a:schemeClr val="accent1"/>
+                  </a:fillRef>
+                  <a:effectRef idx="0">
+                    <a:schemeClr val="accent1"/>
+                  </a:effectRef>
+                  <a:fontRef idx="minor">
+                    <a:schemeClr val="tx1"/>
+                  </a:fontRef>
+                </p:style>
+              </p:cxnSp>
+              <p:cxnSp>
+                <p:nvCxnSpPr>
+                  <p:cNvPr id="117" name="Straight Connector 116"/>
+                  <p:cNvCxnSpPr/>
+                  <p:nvPr/>
+                </p:nvCxnSpPr>
+                <p:spPr>
+                  <a:xfrm flipH="1">
+                    <a:off x="6282046" y="3759197"/>
+                    <a:ext cx="2099954" cy="0"/>
+                  </a:xfrm>
+                  <a:prstGeom prst="line">
+                    <a:avLst/>
+                  </a:prstGeom>
+                  <a:ln>
+                    <a:solidFill>
+                      <a:schemeClr val="bg1">
+                        <a:lumMod val="50000"/>
+                      </a:schemeClr>
+                    </a:solidFill>
+                  </a:ln>
+                </p:spPr>
+                <p:style>
+                  <a:lnRef idx="1">
+                    <a:schemeClr val="accent1"/>
+                  </a:lnRef>
+                  <a:fillRef idx="0">
+                    <a:schemeClr val="accent1"/>
+                  </a:fillRef>
+                  <a:effectRef idx="0">
+                    <a:schemeClr val="accent1"/>
+                  </a:effectRef>
+                  <a:fontRef idx="minor">
+                    <a:schemeClr val="tx1"/>
+                  </a:fontRef>
+                </p:style>
+              </p:cxnSp>
+            </p:grpSp>
+            <p:grpSp>
+              <p:nvGrpSpPr>
+                <p:cNvPr id="104" name="Group 103"/>
+                <p:cNvGrpSpPr/>
+                <p:nvPr/>
+              </p:nvGrpSpPr>
+              <p:grpSpPr>
+                <a:xfrm>
+                  <a:off x="2844685" y="3337560"/>
+                  <a:ext cx="944979" cy="1002422"/>
+                  <a:chOff x="6400800" y="4036216"/>
+                  <a:chExt cx="944979" cy="1002422"/>
+                </a:xfrm>
+              </p:grpSpPr>
+              <p:pic>
+                <p:nvPicPr>
+                  <p:cNvPr id="112" name="Picture 5"/>
+                  <p:cNvPicPr>
+                    <a:picLocks noChangeAspect="1" noChangeArrowheads="1"/>
+                  </p:cNvPicPr>
+                  <p:nvPr/>
+                </p:nvPicPr>
+                <p:blipFill>
+                  <a:blip r:embed="rId7" cstate="print">
+                    <a:extLst>
+                      <a:ext uri="{28A0092B-C50C-407E-A947-70E740481C1C}">
+                        <a14:useLocalDpi xmlns:a14="http://schemas.microsoft.com/office/drawing/2010/main" val="0"/>
+                      </a:ext>
+                    </a:extLst>
+                  </a:blip>
+                  <a:srcRect/>
+                  <a:stretch>
+                    <a:fillRect/>
+                  </a:stretch>
+                </p:blipFill>
+                <p:spPr bwMode="auto">
+                  <a:xfrm>
+                    <a:off x="6400800" y="4036216"/>
+                    <a:ext cx="932688" cy="1002422"/>
+                  </a:xfrm>
+                  <a:prstGeom prst="rect">
+                    <a:avLst/>
+                  </a:prstGeom>
+                  <a:noFill/>
+                  <a:ln>
+                    <a:noFill/>
+                  </a:ln>
+                  <a:extLst>
+                    <a:ext uri="{909E8E84-426E-40DD-AFC4-6F175D3DCCD1}">
+                      <a14:hiddenFill xmlns:a14="http://schemas.microsoft.com/office/drawing/2010/main">
+                        <a:solidFill>
+                          <a:schemeClr val="accent1"/>
+                        </a:solidFill>
+                      </a14:hiddenFill>
+                    </a:ext>
+                    <a:ext uri="{91240B29-F687-4F45-9708-019B960494DF}">
+                      <a14:hiddenLine xmlns:a14="http://schemas.microsoft.com/office/drawing/2010/main" w="9525">
+                        <a:solidFill>
+                          <a:schemeClr val="tx1"/>
+                        </a:solidFill>
+                        <a:miter lim="800000"/>
+                        <a:headEnd/>
+                        <a:tailEnd/>
+                      </a14:hiddenLine>
+                    </a:ext>
+                  </a:extLst>
+                </p:spPr>
+              </p:pic>
+              <p:cxnSp>
+                <p:nvCxnSpPr>
+                  <p:cNvPr id="113" name="Straight Connector 112"/>
+                  <p:cNvCxnSpPr/>
+                  <p:nvPr/>
+                </p:nvCxnSpPr>
+                <p:spPr>
+                  <a:xfrm>
+                    <a:off x="6400800" y="4036216"/>
+                    <a:ext cx="0" cy="1002422"/>
+                  </a:xfrm>
+                  <a:prstGeom prst="line">
+                    <a:avLst/>
+                  </a:prstGeom>
+                  <a:ln>
+                    <a:solidFill>
+                      <a:schemeClr val="bg1">
+                        <a:lumMod val="50000"/>
+                      </a:schemeClr>
+                    </a:solidFill>
+                  </a:ln>
+                </p:spPr>
+                <p:style>
+                  <a:lnRef idx="1">
+                    <a:schemeClr val="accent1"/>
+                  </a:lnRef>
+                  <a:fillRef idx="0">
+                    <a:schemeClr val="accent1"/>
+                  </a:fillRef>
+                  <a:effectRef idx="0">
+                    <a:schemeClr val="accent1"/>
+                  </a:effectRef>
+                  <a:fontRef idx="minor">
+                    <a:schemeClr val="tx1"/>
+                  </a:fontRef>
+                </p:style>
+              </p:cxnSp>
+              <p:cxnSp>
+                <p:nvCxnSpPr>
+                  <p:cNvPr id="114" name="Straight Connector 113"/>
+                  <p:cNvCxnSpPr/>
+                  <p:nvPr/>
+                </p:nvCxnSpPr>
+                <p:spPr>
+                  <a:xfrm flipH="1">
+                    <a:off x="6400800" y="5038638"/>
+                    <a:ext cx="944979" cy="0"/>
+                  </a:xfrm>
+                  <a:prstGeom prst="line">
+                    <a:avLst/>
+                  </a:prstGeom>
+                  <a:ln>
+                    <a:solidFill>
+                      <a:schemeClr val="bg1">
+                        <a:lumMod val="50000"/>
+                      </a:schemeClr>
+                    </a:solidFill>
+                  </a:ln>
+                </p:spPr>
+                <p:style>
+                  <a:lnRef idx="1">
+                    <a:schemeClr val="accent1"/>
+                  </a:lnRef>
+                  <a:fillRef idx="0">
+                    <a:schemeClr val="accent1"/>
+                  </a:fillRef>
+                  <a:effectRef idx="0">
+                    <a:schemeClr val="accent1"/>
+                  </a:effectRef>
+                  <a:fontRef idx="minor">
+                    <a:schemeClr val="tx1"/>
+                  </a:fontRef>
+                </p:style>
+              </p:cxnSp>
+            </p:grpSp>
+            <p:grpSp>
+              <p:nvGrpSpPr>
+                <p:cNvPr id="105" name="Group 104"/>
+                <p:cNvGrpSpPr/>
+                <p:nvPr/>
+              </p:nvGrpSpPr>
+              <p:grpSpPr>
+                <a:xfrm>
+                  <a:off x="4290950" y="3337560"/>
+                  <a:ext cx="990600" cy="1002422"/>
+                  <a:chOff x="6400800" y="1173840"/>
+                  <a:chExt cx="990600" cy="1002422"/>
+                </a:xfrm>
+              </p:grpSpPr>
+              <p:pic>
+                <p:nvPicPr>
+                  <p:cNvPr id="109" name="Picture 6"/>
+                  <p:cNvPicPr>
+                    <a:picLocks noChangeAspect="1" noChangeArrowheads="1"/>
+                  </p:cNvPicPr>
+                  <p:nvPr/>
+                </p:nvPicPr>
+                <p:blipFill>
+                  <a:blip r:embed="rId8" cstate="print">
+                    <a:extLst>
+                      <a:ext uri="{28A0092B-C50C-407E-A947-70E740481C1C}">
+                        <a14:useLocalDpi xmlns:a14="http://schemas.microsoft.com/office/drawing/2010/main" val="0"/>
+                      </a:ext>
+                    </a:extLst>
+                  </a:blip>
+                  <a:srcRect/>
+                  <a:stretch>
+                    <a:fillRect/>
+                  </a:stretch>
+                </p:blipFill>
+                <p:spPr bwMode="auto">
+                  <a:xfrm>
+                    <a:off x="6458712" y="1289696"/>
+                    <a:ext cx="932688" cy="886566"/>
+                  </a:xfrm>
+                  <a:prstGeom prst="rect">
+                    <a:avLst/>
+                  </a:prstGeom>
+                  <a:noFill/>
+                  <a:ln>
+                    <a:noFill/>
+                  </a:ln>
+                  <a:extLst>
+                    <a:ext uri="{909E8E84-426E-40DD-AFC4-6F175D3DCCD1}">
+                      <a14:hiddenFill xmlns:a14="http://schemas.microsoft.com/office/drawing/2010/main">
+                        <a:solidFill>
+                          <a:schemeClr val="accent1"/>
+                        </a:solidFill>
+                      </a14:hiddenFill>
+                    </a:ext>
+                    <a:ext uri="{91240B29-F687-4F45-9708-019B960494DF}">
+                      <a14:hiddenLine xmlns:a14="http://schemas.microsoft.com/office/drawing/2010/main" w="9525">
+                        <a:solidFill>
+                          <a:schemeClr val="tx1"/>
+                        </a:solidFill>
+                        <a:miter lim="800000"/>
+                        <a:headEnd/>
+                        <a:tailEnd/>
+                      </a14:hiddenLine>
+                    </a:ext>
+                  </a:extLst>
+                </p:spPr>
+              </p:pic>
+              <p:cxnSp>
+                <p:nvCxnSpPr>
+                  <p:cNvPr id="110" name="Straight Connector 109"/>
+                  <p:cNvCxnSpPr/>
+                  <p:nvPr/>
+                </p:nvCxnSpPr>
+                <p:spPr>
+                  <a:xfrm>
+                    <a:off x="6400800" y="1173840"/>
+                    <a:ext cx="0" cy="1002422"/>
+                  </a:xfrm>
+                  <a:prstGeom prst="line">
+                    <a:avLst/>
+                  </a:prstGeom>
+                  <a:ln>
+                    <a:solidFill>
+                      <a:schemeClr val="bg1">
+                        <a:lumMod val="50000"/>
+                      </a:schemeClr>
+                    </a:solidFill>
+                  </a:ln>
+                </p:spPr>
+                <p:style>
+                  <a:lnRef idx="1">
+                    <a:schemeClr val="accent1"/>
+                  </a:lnRef>
+                  <a:fillRef idx="0">
+                    <a:schemeClr val="accent1"/>
+                  </a:fillRef>
+                  <a:effectRef idx="0">
+                    <a:schemeClr val="accent1"/>
+                  </a:effectRef>
+                  <a:fontRef idx="minor">
+                    <a:schemeClr val="tx1"/>
+                  </a:fontRef>
+                </p:style>
+              </p:cxnSp>
+              <p:cxnSp>
+                <p:nvCxnSpPr>
+                  <p:cNvPr id="111" name="Straight Connector 110"/>
+                  <p:cNvCxnSpPr/>
+                  <p:nvPr/>
+                </p:nvCxnSpPr>
+                <p:spPr>
+                  <a:xfrm flipH="1">
+                    <a:off x="6400800" y="2176262"/>
+                    <a:ext cx="944979" cy="0"/>
+                  </a:xfrm>
+                  <a:prstGeom prst="line">
+                    <a:avLst/>
+                  </a:prstGeom>
+                  <a:ln>
+                    <a:solidFill>
+                      <a:schemeClr val="bg1">
+                        <a:lumMod val="50000"/>
+                      </a:schemeClr>
+                    </a:solidFill>
+                  </a:ln>
+                </p:spPr>
+                <p:style>
+                  <a:lnRef idx="1">
+                    <a:schemeClr val="accent1"/>
+                  </a:lnRef>
+                  <a:fillRef idx="0">
+                    <a:schemeClr val="accent1"/>
+                  </a:fillRef>
+                  <a:effectRef idx="0">
+                    <a:schemeClr val="accent1"/>
+                  </a:effectRef>
+                  <a:fontRef idx="minor">
+                    <a:schemeClr val="tx1"/>
+                  </a:fontRef>
+                </p:style>
+              </p:cxnSp>
+            </p:grpSp>
+            <p:cxnSp>
+              <p:nvCxnSpPr>
+                <p:cNvPr id="106" name="Straight Connector 105"/>
+                <p:cNvCxnSpPr/>
+                <p:nvPr/>
+              </p:nvCxnSpPr>
+              <p:spPr>
+                <a:xfrm>
+                  <a:off x="1143000" y="3048000"/>
+                  <a:ext cx="4419600" cy="0"/>
+                </a:xfrm>
+                <a:prstGeom prst="line">
+                  <a:avLst/>
+                </a:prstGeom>
+                <a:ln w="25400">
+                  <a:solidFill>
+                    <a:schemeClr val="accent2"/>
+                  </a:solidFill>
+                </a:ln>
+              </p:spPr>
+              <p:style>
+                <a:lnRef idx="1">
+                  <a:schemeClr val="accent1"/>
+                </a:lnRef>
+                <a:fillRef idx="0">
+                  <a:schemeClr val="accent1"/>
+                </a:fillRef>
+                <a:effectRef idx="0">
+                  <a:schemeClr val="accent1"/>
+                </a:effectRef>
+                <a:fontRef idx="minor">
+                  <a:schemeClr val="tx1"/>
+                </a:fontRef>
+              </p:style>
+            </p:cxnSp>
+            <p:cxnSp>
+              <p:nvCxnSpPr>
+                <p:cNvPr id="107" name="Straight Connector 106"/>
+                <p:cNvCxnSpPr>
+                  <a:stCxn id="108" idx="0"/>
+                </p:cNvCxnSpPr>
+                <p:nvPr/>
+              </p:nvCxnSpPr>
+              <p:spPr>
+                <a:xfrm>
+                  <a:off x="3352800" y="1752600"/>
+                  <a:ext cx="0" cy="1295400"/>
+                </a:xfrm>
+                <a:prstGeom prst="line">
+                  <a:avLst/>
+                </a:prstGeom>
+                <a:ln w="25400">
+                  <a:solidFill>
+                    <a:schemeClr val="accent2"/>
+                  </a:solidFill>
+                </a:ln>
+              </p:spPr>
+              <p:style>
+                <a:lnRef idx="1">
+                  <a:schemeClr val="accent1"/>
+                </a:lnRef>
+                <a:fillRef idx="0">
+                  <a:schemeClr val="accent1"/>
+                </a:fillRef>
+                <a:effectRef idx="0">
+                  <a:schemeClr val="accent1"/>
+                </a:effectRef>
+                <a:fontRef idx="minor">
+                  <a:schemeClr val="tx1"/>
+                </a:fontRef>
+              </p:style>
+            </p:cxnSp>
+            <p:sp>
+              <p:nvSpPr>
+                <p:cNvPr id="108" name="Rectangle 107"/>
+                <p:cNvSpPr/>
+                <p:nvPr/>
+              </p:nvSpPr>
+              <p:spPr>
+                <a:xfrm>
+                  <a:off x="1143000" y="1752600"/>
+                  <a:ext cx="4419600" cy="2895600"/>
+                </a:xfrm>
+                <a:prstGeom prst="rect">
+                  <a:avLst/>
+                </a:prstGeom>
+                <a:noFill/>
+                <a:ln>
+                  <a:solidFill>
+                    <a:schemeClr val="accent2"/>
+                  </a:solidFill>
+                </a:ln>
+              </p:spPr>
+              <p:style>
+                <a:lnRef idx="2">
+                  <a:schemeClr val="accent1">
+                    <a:shade val="50000"/>
+                  </a:schemeClr>
+                </a:lnRef>
+                <a:fillRef idx="1">
+                  <a:schemeClr val="accent1"/>
+                </a:fillRef>
+                <a:effectRef idx="0">
+                  <a:schemeClr val="accent1"/>
+                </a:effectRef>
+                <a:fontRef idx="minor">
+                  <a:schemeClr val="lt1"/>
+                </a:fontRef>
+              </p:style>
+              <p:txBody>
+                <a:bodyPr rtlCol="0" anchor="ctr"/>
+                <a:lstStyle/>
+                <a:p>
+                  <a:pPr algn="ctr"/>
+                  <a:endParaRPr lang="en-US"/>
+                </a:p>
+              </p:txBody>
+            </p:sp>
+          </p:grpSp>
+          <p:sp>
+            <p:nvSpPr>
+              <p:cNvPr id="98" name="Rectangle 97"/>
+              <p:cNvSpPr/>
+              <p:nvPr/>
+            </p:nvSpPr>
+            <p:spPr>
+              <a:xfrm>
+                <a:off x="4114800" y="3048000"/>
+                <a:ext cx="1447800" cy="1600200"/>
+              </a:xfrm>
+              <a:prstGeom prst="rect">
+                <a:avLst/>
+              </a:prstGeom>
+              <a:solidFill>
+                <a:schemeClr val="tx1">
+                  <a:lumMod val="50000"/>
+                  <a:lumOff val="50000"/>
+                  <a:alpha val="45000"/>
+                </a:schemeClr>
+              </a:solidFill>
+              <a:ln>
+                <a:noFill/>
+              </a:ln>
+            </p:spPr>
+            <p:style>
+              <a:lnRef idx="2">
+                <a:schemeClr val="accent1">
+                  <a:shade val="50000"/>
+                </a:schemeClr>
+              </a:lnRef>
+              <a:fillRef idx="1">
+                <a:schemeClr val="accent1"/>
+              </a:fillRef>
+              <a:effectRef idx="0">
+                <a:schemeClr val="accent1"/>
+              </a:effectRef>
+              <a:fontRef idx="minor">
+                <a:schemeClr val="lt1"/>
+              </a:fontRef>
+            </p:style>
+            <p:txBody>
+              <a:bodyPr rtlCol="0" anchor="ctr"/>
+              <a:lstStyle/>
+              <a:p>
+                <a:pPr algn="ctr"/>
+                <a:endParaRPr lang="en-US"/>
+              </a:p>
+            </p:txBody>
+          </p:sp>
+          <p:sp>
+            <p:nvSpPr>
+              <p:cNvPr id="99" name="Rectangle 98"/>
+              <p:cNvSpPr/>
+              <p:nvPr/>
+            </p:nvSpPr>
+            <p:spPr>
+              <a:xfrm>
+                <a:off x="1143000" y="1752600"/>
+                <a:ext cx="4419600" cy="1295400"/>
+              </a:xfrm>
+              <a:prstGeom prst="rect">
+                <a:avLst/>
+              </a:prstGeom>
+              <a:solidFill>
+                <a:schemeClr val="tx1">
+                  <a:lumMod val="50000"/>
+                  <a:lumOff val="50000"/>
+                  <a:alpha val="45000"/>
+                </a:schemeClr>
+              </a:solidFill>
+              <a:ln>
+                <a:noFill/>
+              </a:ln>
+            </p:spPr>
+            <p:style>
+              <a:lnRef idx="2">
+                <a:schemeClr val="accent1">
+                  <a:shade val="50000"/>
+                </a:schemeClr>
+              </a:lnRef>
+              <a:fillRef idx="1">
+                <a:schemeClr val="accent1"/>
+              </a:fillRef>
+              <a:effectRef idx="0">
+                <a:schemeClr val="accent1"/>
+              </a:effectRef>
+              <a:fontRef idx="minor">
+                <a:schemeClr val="lt1"/>
+              </a:fontRef>
+            </p:style>
+            <p:txBody>
+              <a:bodyPr rtlCol="0" anchor="ctr"/>
+              <a:lstStyle/>
+              <a:p>
+                <a:pPr algn="ctr"/>
+                <a:endParaRPr lang="en-US"/>
+              </a:p>
+            </p:txBody>
+          </p:sp>
+        </p:grpSp>
+        <p:sp>
+          <p:nvSpPr>
+            <p:cNvPr id="96" name="Rectangle 95"/>
+            <p:cNvSpPr/>
+            <p:nvPr/>
+          </p:nvSpPr>
+          <p:spPr>
+            <a:xfrm>
+              <a:off x="4586235" y="6390451"/>
+              <a:ext cx="434340" cy="480060"/>
+            </a:xfrm>
+            <a:prstGeom prst="rect">
+              <a:avLst/>
+            </a:prstGeom>
+            <a:solidFill>
+              <a:schemeClr val="tx1">
+                <a:lumMod val="50000"/>
+                <a:lumOff val="50000"/>
+                <a:alpha val="45000"/>
+              </a:schemeClr>
+            </a:solidFill>
+            <a:ln>
+              <a:noFill/>
+            </a:ln>
+          </p:spPr>
+          <p:style>
+            <a:lnRef idx="2">
+              <a:schemeClr val="accent1">
+                <a:shade val="50000"/>
+              </a:schemeClr>
+            </a:lnRef>
+            <a:fillRef idx="1">
+              <a:schemeClr val="accent1"/>
+            </a:fillRef>
+            <a:effectRef idx="0">
+              <a:schemeClr val="accent1"/>
+            </a:effectRef>
+            <a:fontRef idx="minor">
+              <a:schemeClr val="lt1"/>
+            </a:fontRef>
+          </p:style>
+          <p:txBody>
+            <a:bodyPr rtlCol="0" anchor="ctr"/>
+            <a:lstStyle/>
+            <a:p>
+              <a:pPr algn="ctr"/>
+              <a:endParaRPr lang="en-US"/>
+            </a:p>
+          </p:txBody>
+        </p:sp>
+      </p:grpSp>
+      <p:sp>
+        <p:nvSpPr>
+          <p:cNvPr id="120" name="Oval 119"/>
+          <p:cNvSpPr/>
+          <p:nvPr/>
+        </p:nvSpPr>
+        <p:spPr>
+          <a:xfrm>
+            <a:off x="133041" y="722876"/>
+            <a:ext cx="320040" cy="320040"/>
+          </a:xfrm>
+          <a:prstGeom prst="ellipse">
+            <a:avLst/>
+          </a:prstGeom>
+          <a:solidFill>
+            <a:schemeClr val="accent2"/>
+          </a:solidFill>
+          <a:ln>
+            <a:solidFill>
+              <a:schemeClr val="bg1"/>
+            </a:solidFill>
+          </a:ln>
+        </p:spPr>
+        <p:style>
+          <a:lnRef idx="2">
+            <a:schemeClr val="accent1">
+              <a:shade val="50000"/>
+            </a:schemeClr>
+          </a:lnRef>
+          <a:fillRef idx="1">
+            <a:schemeClr val="accent1"/>
+          </a:fillRef>
+          <a:effectRef idx="0">
+            <a:schemeClr val="accent1"/>
+          </a:effectRef>
+          <a:fontRef idx="minor">
+            <a:schemeClr val="lt1"/>
+          </a:fontRef>
+        </p:style>
+        <p:txBody>
+          <a:bodyPr rtlCol="0" anchor="ctr"/>
+          <a:lstStyle/>
+          <a:p>
+            <a:pPr algn="ctr"/>
+            <a:r>
+              <a:rPr lang="en-US" dirty="0" smtClean="0"/>
+              <a:t>3</a:t>
+            </a:r>
+            <a:endParaRPr lang="en-US" dirty="0"/>
+          </a:p>
+        </p:txBody>
+      </p:sp>
+      <p:sp>
+        <p:nvSpPr>
+          <p:cNvPr id="121" name="Oval 120"/>
+          <p:cNvSpPr/>
+          <p:nvPr/>
+        </p:nvSpPr>
+        <p:spPr>
+          <a:xfrm>
+            <a:off x="4453581" y="726158"/>
+            <a:ext cx="320040" cy="320040"/>
+          </a:xfrm>
+          <a:prstGeom prst="ellipse">
+            <a:avLst/>
+          </a:prstGeom>
+          <a:solidFill>
+            <a:schemeClr val="accent2"/>
+          </a:solidFill>
+          <a:ln>
+            <a:solidFill>
+              <a:schemeClr val="bg1"/>
+            </a:solidFill>
+          </a:ln>
+        </p:spPr>
+        <p:style>
+          <a:lnRef idx="2">
+            <a:schemeClr val="accent1">
+              <a:shade val="50000"/>
+            </a:schemeClr>
+          </a:lnRef>
+          <a:fillRef idx="1">
+            <a:schemeClr val="accent1"/>
+          </a:fillRef>
+          <a:effectRef idx="0">
+            <a:schemeClr val="accent1"/>
+          </a:effectRef>
+          <a:fontRef idx="minor">
+            <a:schemeClr val="lt1"/>
+          </a:fontRef>
+        </p:style>
+        <p:txBody>
+          <a:bodyPr rtlCol="0" anchor="ctr"/>
+          <a:lstStyle/>
+          <a:p>
+            <a:pPr algn="ctr"/>
+            <a:r>
+              <a:rPr lang="en-US" dirty="0"/>
+              <a:t>4</a:t>
+            </a:r>
+          </a:p>
+        </p:txBody>
+      </p:sp>
+    </p:spTree>
+    <p:extLst>
+      <p:ext uri="{BB962C8B-B14F-4D97-AF65-F5344CB8AC3E}">
+        <p14:creationId xmlns:p14="http://schemas.microsoft.com/office/powerpoint/2010/main" val="3460841048"/>
+      </p:ext>
+    </p:extLst>
+  </p:cSld>
+  <p:clrMapOvr>
+    <a:masterClrMapping/>
+  </p:clrMapOvr>
+</p:sld>
+</file>
+
+<file path=ppt/slides/slide6.xml><?xml version="1.0" encoding="utf-8"?>
+<p:sld xmlns:a="http://schemas.openxmlformats.org/drawingml/2006/main" xmlns:r="http://schemas.openxmlformats.org/officeDocument/2006/relationships" xmlns:p="http://schemas.openxmlformats.org/presentationml/2006/main">
+  <p:cSld>
+    <p:spTree>
+      <p:nvGrpSpPr>
+        <p:cNvPr id="1" name=""/>
+        <p:cNvGrpSpPr/>
+        <p:nvPr/>
+      </p:nvGrpSpPr>
+      <p:grpSpPr>
+        <a:xfrm>
+          <a:off x="0" y="0"/>
+          <a:ext cx="0" cy="0"/>
+          <a:chOff x="0" y="0"/>
+          <a:chExt cx="0" cy="0"/>
+        </a:xfrm>
+      </p:grpSpPr>
+      <p:sp>
+        <p:nvSpPr>
+          <p:cNvPr id="62" name="Rectangle 61"/>
+          <p:cNvSpPr/>
+          <p:nvPr/>
+        </p:nvSpPr>
+        <p:spPr>
+          <a:xfrm>
+            <a:off x="187338" y="990600"/>
+            <a:ext cx="8804262" cy="3702816"/>
+          </a:xfrm>
+          <a:prstGeom prst="rect">
+            <a:avLst/>
+          </a:prstGeom>
+          <a:solidFill>
+            <a:schemeClr val="bg1"/>
+          </a:solidFill>
+          <a:ln>
+            <a:solidFill>
+              <a:schemeClr val="bg1"/>
+            </a:solidFill>
+          </a:ln>
+        </p:spPr>
+        <p:style>
+          <a:lnRef idx="2">
+            <a:schemeClr val="accent1">
+              <a:shade val="50000"/>
+            </a:schemeClr>
+          </a:lnRef>
+          <a:fillRef idx="1">
+            <a:schemeClr val="accent1"/>
+          </a:fillRef>
+          <a:effectRef idx="0">
+            <a:schemeClr val="accent1"/>
+          </a:effectRef>
+          <a:fontRef idx="minor">
+            <a:schemeClr val="lt1"/>
+          </a:fontRef>
+        </p:style>
+        <p:txBody>
+          <a:bodyPr rtlCol="0" anchor="ctr"/>
+          <a:lstStyle/>
+          <a:p>
+            <a:pPr algn="ctr"/>
+            <a:endParaRPr lang="en-US"/>
+          </a:p>
+        </p:txBody>
+      </p:sp>
+      <p:pic>
+        <p:nvPicPr>
+          <p:cNvPr id="2" name="Picture 1"/>
+          <p:cNvPicPr>
+            <a:picLocks noChangeAspect="1"/>
+          </p:cNvPicPr>
+          <p:nvPr/>
+        </p:nvPicPr>
+        <p:blipFill>
+          <a:blip r:embed="rId2" cstate="print">
+            <a:extLst>
+              <a:ext uri="{28A0092B-C50C-407E-A947-70E740481C1C}">
+                <a14:useLocalDpi xmlns:a14="http://schemas.microsoft.com/office/drawing/2010/main" val="0"/>
+              </a:ext>
+            </a:extLst>
+          </a:blip>
+          <a:stretch>
+            <a:fillRect/>
+          </a:stretch>
+        </p:blipFill>
+        <p:spPr>
+          <a:xfrm>
+            <a:off x="1490873" y="1159993"/>
+            <a:ext cx="3089156" cy="3200399"/>
+          </a:xfrm>
+          <a:prstGeom prst="rect">
+            <a:avLst/>
+          </a:prstGeom>
+        </p:spPr>
+      </p:pic>
+      <p:pic>
+        <p:nvPicPr>
+          <p:cNvPr id="3" name="Picture 2"/>
+          <p:cNvPicPr>
+            <a:picLocks noChangeAspect="1"/>
+          </p:cNvPicPr>
+          <p:nvPr/>
+        </p:nvPicPr>
+        <p:blipFill>
+          <a:blip r:embed="rId3" cstate="print">
+            <a:extLst>
+              <a:ext uri="{28A0092B-C50C-407E-A947-70E740481C1C}">
+                <a14:useLocalDpi xmlns:a14="http://schemas.microsoft.com/office/drawing/2010/main" val="0"/>
+              </a:ext>
+            </a:extLst>
+          </a:blip>
+          <a:stretch>
+            <a:fillRect/>
+          </a:stretch>
+        </p:blipFill>
+        <p:spPr>
+          <a:xfrm>
+            <a:off x="5818454" y="1159993"/>
+            <a:ext cx="3089156" cy="3200399"/>
+          </a:xfrm>
+          <a:prstGeom prst="rect">
+            <a:avLst/>
+          </a:prstGeom>
+        </p:spPr>
+      </p:pic>
+      <p:grpSp>
+        <p:nvGrpSpPr>
+          <p:cNvPr id="4" name="Group 3"/>
+          <p:cNvGrpSpPr/>
+          <p:nvPr/>
+        </p:nvGrpSpPr>
+        <p:grpSpPr>
+          <a:xfrm>
+            <a:off x="221102" y="1140251"/>
+            <a:ext cx="4343400" cy="3420626"/>
+            <a:chOff x="221102" y="6852441"/>
+            <a:chExt cx="4343400" cy="3420626"/>
+          </a:xfrm>
+        </p:grpSpPr>
+        <p:grpSp>
+          <p:nvGrpSpPr>
+            <p:cNvPr id="5" name="Group 4"/>
+            <p:cNvGrpSpPr/>
+            <p:nvPr/>
+          </p:nvGrpSpPr>
+          <p:grpSpPr>
+            <a:xfrm>
+              <a:off x="221102" y="6852441"/>
+              <a:ext cx="4343400" cy="3420626"/>
+              <a:chOff x="228600" y="-76200"/>
+              <a:chExt cx="4343400" cy="3420626"/>
+            </a:xfrm>
+          </p:grpSpPr>
+          <p:sp>
+            <p:nvSpPr>
+              <p:cNvPr id="8" name="Rectangle 7"/>
+              <p:cNvSpPr/>
+              <p:nvPr/>
+            </p:nvSpPr>
+            <p:spPr>
+              <a:xfrm>
+                <a:off x="228600" y="-76200"/>
+                <a:ext cx="4343400" cy="3418114"/>
+              </a:xfrm>
+              <a:prstGeom prst="rect">
+                <a:avLst/>
+              </a:prstGeom>
+              <a:noFill/>
+              <a:ln>
+                <a:solidFill>
+                  <a:schemeClr val="bg1">
+                    <a:lumMod val="50000"/>
+                  </a:schemeClr>
+                </a:solidFill>
+              </a:ln>
+            </p:spPr>
+            <p:style>
+              <a:lnRef idx="2">
+                <a:schemeClr val="accent1">
+                  <a:shade val="50000"/>
+                </a:schemeClr>
+              </a:lnRef>
+              <a:fillRef idx="1">
+                <a:schemeClr val="accent1"/>
+              </a:fillRef>
+              <a:effectRef idx="0">
+                <a:schemeClr val="accent1"/>
+              </a:effectRef>
+              <a:fontRef idx="minor">
+                <a:schemeClr val="lt1"/>
+              </a:fontRef>
+            </p:style>
+            <p:txBody>
+              <a:bodyPr rtlCol="0" anchor="ctr"/>
+              <a:lstStyle/>
+              <a:p>
+                <a:pPr algn="ctr"/>
+                <a:endParaRPr lang="en-US"/>
+              </a:p>
+            </p:txBody>
+          </p:sp>
+          <p:grpSp>
+            <p:nvGrpSpPr>
+              <p:cNvPr id="9" name="Group 8"/>
+              <p:cNvGrpSpPr>
+                <a:grpSpLocks noChangeAspect="1"/>
+              </p:cNvGrpSpPr>
+              <p:nvPr/>
+            </p:nvGrpSpPr>
+            <p:grpSpPr>
+              <a:xfrm>
+                <a:off x="228600" y="2475746"/>
+                <a:ext cx="1339932" cy="868680"/>
+                <a:chOff x="1143000" y="1752600"/>
+                <a:chExt cx="4466440" cy="2895600"/>
+              </a:xfrm>
+            </p:grpSpPr>
+            <p:grpSp>
+              <p:nvGrpSpPr>
+                <p:cNvPr id="10" name="Group 9"/>
+                <p:cNvGrpSpPr/>
+                <p:nvPr/>
+              </p:nvGrpSpPr>
+              <p:grpSpPr>
+                <a:xfrm>
+                  <a:off x="1143000" y="1752600"/>
+                  <a:ext cx="4419600" cy="2895600"/>
+                  <a:chOff x="1143000" y="1752600"/>
+                  <a:chExt cx="4419600" cy="2895600"/>
+                </a:xfrm>
+              </p:grpSpPr>
+              <p:sp>
+                <p:nvSpPr>
+                  <p:cNvPr id="13" name="Rectangle 12"/>
+                  <p:cNvSpPr/>
+                  <p:nvPr/>
+                </p:nvSpPr>
+                <p:spPr>
+                  <a:xfrm>
+                    <a:off x="1143000" y="1752600"/>
+                    <a:ext cx="2209800" cy="1295400"/>
+                  </a:xfrm>
+                  <a:prstGeom prst="rect">
+                    <a:avLst/>
+                  </a:prstGeom>
+                  <a:solidFill>
+                    <a:schemeClr val="bg1">
+                      <a:lumMod val="95000"/>
+                    </a:schemeClr>
+                  </a:solidFill>
+                  <a:ln>
+                    <a:noFill/>
+                  </a:ln>
+                </p:spPr>
+                <p:style>
+                  <a:lnRef idx="2">
+                    <a:schemeClr val="accent1">
+                      <a:shade val="50000"/>
+                    </a:schemeClr>
+                  </a:lnRef>
+                  <a:fillRef idx="1">
+                    <a:schemeClr val="accent1"/>
+                  </a:fillRef>
+                  <a:effectRef idx="0">
+                    <a:schemeClr val="accent1"/>
+                  </a:effectRef>
+                  <a:fontRef idx="minor">
+                    <a:schemeClr val="lt1"/>
+                  </a:fontRef>
+                </p:style>
+                <p:txBody>
+                  <a:bodyPr rtlCol="0" anchor="ctr"/>
+                  <a:lstStyle/>
+                  <a:p>
+                    <a:pPr algn="ctr"/>
+                    <a:endParaRPr lang="en-US"/>
+                  </a:p>
+                </p:txBody>
+              </p:sp>
+              <p:pic>
+                <p:nvPicPr>
+                  <p:cNvPr id="14" name="Picture 4"/>
+                  <p:cNvPicPr>
+                    <a:picLocks noChangeAspect="1" noChangeArrowheads="1"/>
+                  </p:cNvPicPr>
+                  <p:nvPr/>
+                </p:nvPicPr>
+                <p:blipFill>
+                  <a:blip r:embed="rId4" cstate="print">
+                    <a:extLst>
+                      <a:ext uri="{28A0092B-C50C-407E-A947-70E740481C1C}">
+                        <a14:useLocalDpi xmlns:a14="http://schemas.microsoft.com/office/drawing/2010/main" val="0"/>
+                      </a:ext>
+                    </a:extLst>
+                  </a:blip>
+                  <a:srcRect/>
+                  <a:stretch>
+                    <a:fillRect/>
+                  </a:stretch>
+                </p:blipFill>
+                <p:spPr bwMode="auto">
+                  <a:xfrm>
+                    <a:off x="1326904" y="2001245"/>
+                    <a:ext cx="1828800" cy="798021"/>
+                  </a:xfrm>
+                  <a:prstGeom prst="rect">
+                    <a:avLst/>
+                  </a:prstGeom>
+                  <a:noFill/>
+                  <a:ln>
+                    <a:noFill/>
+                  </a:ln>
+                  <a:extLst>
+                    <a:ext uri="{909E8E84-426E-40DD-AFC4-6F175D3DCCD1}">
+                      <a14:hiddenFill xmlns:a14="http://schemas.microsoft.com/office/drawing/2010/main">
+                        <a:solidFill>
+                          <a:schemeClr val="accent1"/>
+                        </a:solidFill>
+                      </a14:hiddenFill>
+                    </a:ext>
+                    <a:ext uri="{91240B29-F687-4F45-9708-019B960494DF}">
+                      <a14:hiddenLine xmlns:a14="http://schemas.microsoft.com/office/drawing/2010/main" w="9525">
+                        <a:solidFill>
+                          <a:schemeClr val="tx1"/>
+                        </a:solidFill>
+                        <a:miter lim="800000"/>
+                        <a:headEnd/>
+                        <a:tailEnd/>
+                      </a14:hiddenLine>
+                    </a:ext>
+                  </a:extLst>
+                </p:spPr>
+              </p:pic>
+              <p:grpSp>
+                <p:nvGrpSpPr>
+                  <p:cNvPr id="15" name="Group 14"/>
+                  <p:cNvGrpSpPr/>
+                  <p:nvPr/>
+                </p:nvGrpSpPr>
+                <p:grpSpPr>
+                  <a:xfrm>
+                    <a:off x="3349752" y="1766597"/>
+                    <a:ext cx="2212848" cy="1267406"/>
+                    <a:chOff x="7772400" y="1447800"/>
+                    <a:chExt cx="2212848" cy="1267406"/>
+                  </a:xfrm>
+                </p:grpSpPr>
+                <p:pic>
+                  <p:nvPicPr>
+                    <p:cNvPr id="31" name="Picture 2"/>
+                    <p:cNvPicPr>
+                      <a:picLocks noChangeAspect="1" noChangeArrowheads="1"/>
+                    </p:cNvPicPr>
+                    <p:nvPr/>
+                  </p:nvPicPr>
+                  <p:blipFill>
+                    <a:blip r:embed="rId5" cstate="print">
+                      <a:extLst>
+                        <a:ext uri="{28A0092B-C50C-407E-A947-70E740481C1C}">
+                          <a14:useLocalDpi xmlns:a14="http://schemas.microsoft.com/office/drawing/2010/main" val="0"/>
+                        </a:ext>
+                      </a:extLst>
+                    </a:blip>
+                    <a:srcRect/>
+                    <a:stretch>
+                      <a:fillRect/>
+                    </a:stretch>
+                  </p:blipFill>
+                  <p:spPr bwMode="auto">
+                    <a:xfrm>
+                      <a:off x="7772400" y="1447801"/>
+                      <a:ext cx="2212848" cy="1267405"/>
+                    </a:xfrm>
+                    <a:prstGeom prst="rect">
+                      <a:avLst/>
+                    </a:prstGeom>
+                    <a:noFill/>
+                    <a:ln>
+                      <a:noFill/>
+                    </a:ln>
+                    <a:extLst>
+                      <a:ext uri="{909E8E84-426E-40DD-AFC4-6F175D3DCCD1}">
+                        <a14:hiddenFill xmlns:a14="http://schemas.microsoft.com/office/drawing/2010/main">
+                          <a:solidFill>
+                            <a:schemeClr val="accent1"/>
+                          </a:solidFill>
+                        </a14:hiddenFill>
+                      </a:ext>
+                      <a:ext uri="{91240B29-F687-4F45-9708-019B960494DF}">
+                        <a14:hiddenLine xmlns:a14="http://schemas.microsoft.com/office/drawing/2010/main" w="9525">
+                          <a:solidFill>
+                            <a:schemeClr val="tx1"/>
+                          </a:solidFill>
+                          <a:miter lim="800000"/>
+                          <a:headEnd/>
+                          <a:tailEnd/>
+                        </a14:hiddenLine>
+                      </a:ext>
+                    </a:extLst>
+                  </p:spPr>
+                </p:pic>
+                <p:sp>
+                  <p:nvSpPr>
+                    <p:cNvPr id="32" name="Rectangle 31"/>
+                    <p:cNvSpPr/>
+                    <p:nvPr/>
+                  </p:nvSpPr>
+                  <p:spPr>
+                    <a:xfrm>
+                      <a:off x="7772401" y="1447800"/>
+                      <a:ext cx="381000" cy="228600"/>
+                    </a:xfrm>
+                    <a:prstGeom prst="rect">
+                      <a:avLst/>
+                    </a:prstGeom>
+                    <a:solidFill>
+                      <a:schemeClr val="bg1"/>
+                    </a:solidFill>
+                    <a:ln>
+                      <a:noFill/>
+                    </a:ln>
+                  </p:spPr>
+                  <p:style>
+                    <a:lnRef idx="2">
+                      <a:schemeClr val="accent1">
+                        <a:shade val="50000"/>
+                      </a:schemeClr>
+                    </a:lnRef>
+                    <a:fillRef idx="1">
+                      <a:schemeClr val="accent1"/>
+                    </a:fillRef>
+                    <a:effectRef idx="0">
+                      <a:schemeClr val="accent1"/>
+                    </a:effectRef>
+                    <a:fontRef idx="minor">
+                      <a:schemeClr val="lt1"/>
+                    </a:fontRef>
+                  </p:style>
+                  <p:txBody>
+                    <a:bodyPr rtlCol="0" anchor="ctr"/>
+                    <a:lstStyle/>
+                    <a:p>
+                      <a:pPr algn="ctr"/>
+                      <a:endParaRPr lang="en-US"/>
+                    </a:p>
+                  </p:txBody>
+                </p:sp>
+              </p:grpSp>
+              <p:grpSp>
+                <p:nvGrpSpPr>
+                  <p:cNvPr id="16" name="Group 15"/>
+                  <p:cNvGrpSpPr>
+                    <a:grpSpLocks noChangeAspect="1"/>
+                  </p:cNvGrpSpPr>
+                  <p:nvPr/>
+                </p:nvGrpSpPr>
+                <p:grpSpPr>
+                  <a:xfrm>
+                    <a:off x="1395350" y="3337560"/>
+                    <a:ext cx="944979" cy="1005840"/>
+                    <a:chOff x="6282046" y="1523997"/>
+                    <a:chExt cx="2099954" cy="2235200"/>
+                  </a:xfrm>
+                </p:grpSpPr>
+                <p:pic>
+                  <p:nvPicPr>
+                    <p:cNvPr id="28" name="Picture 3"/>
+                    <p:cNvPicPr>
+                      <a:picLocks noChangeAspect="1" noChangeArrowheads="1"/>
+                    </p:cNvPicPr>
+                    <p:nvPr/>
+                  </p:nvPicPr>
+                  <p:blipFill rotWithShape="1">
+                    <a:blip r:embed="rId6" cstate="print">
+                      <a:extLst>
+                        <a:ext uri="{28A0092B-C50C-407E-A947-70E740481C1C}">
+                          <a14:useLocalDpi xmlns:a14="http://schemas.microsoft.com/office/drawing/2010/main" val="0"/>
+                        </a:ext>
+                      </a:extLst>
+                    </a:blip>
+                    <a:srcRect l="8207" b="4009"/>
+                    <a:stretch/>
+                  </p:blipFill>
+                  <p:spPr bwMode="auto">
+                    <a:xfrm>
+                      <a:off x="6282046" y="1555706"/>
+                      <a:ext cx="2080903" cy="2203491"/>
+                    </a:xfrm>
+                    <a:prstGeom prst="rect">
+                      <a:avLst/>
+                    </a:prstGeom>
+                    <a:noFill/>
+                    <a:ln>
+                      <a:noFill/>
+                    </a:ln>
+                    <a:extLst>
+                      <a:ext uri="{909E8E84-426E-40DD-AFC4-6F175D3DCCD1}">
+                        <a14:hiddenFill xmlns:a14="http://schemas.microsoft.com/office/drawing/2010/main">
+                          <a:solidFill>
+                            <a:schemeClr val="accent1"/>
+                          </a:solidFill>
+                        </a14:hiddenFill>
+                      </a:ext>
+                      <a:ext uri="{91240B29-F687-4F45-9708-019B960494DF}">
+                        <a14:hiddenLine xmlns:a14="http://schemas.microsoft.com/office/drawing/2010/main" w="9525">
+                          <a:solidFill>
+                            <a:schemeClr val="tx1"/>
+                          </a:solidFill>
+                          <a:miter lim="800000"/>
+                          <a:headEnd/>
+                          <a:tailEnd/>
+                        </a14:hiddenLine>
+                      </a:ext>
+                    </a:extLst>
+                  </p:spPr>
+                </p:pic>
+                <p:cxnSp>
+                  <p:nvCxnSpPr>
+                    <p:cNvPr id="29" name="Straight Connector 28"/>
+                    <p:cNvCxnSpPr/>
+                    <p:nvPr/>
+                  </p:nvCxnSpPr>
+                  <p:spPr>
+                    <a:xfrm>
+                      <a:off x="6282046" y="1523997"/>
+                      <a:ext cx="0" cy="2235200"/>
+                    </a:xfrm>
+                    <a:prstGeom prst="line">
+                      <a:avLst/>
+                    </a:prstGeom>
+                    <a:ln>
+                      <a:solidFill>
+                        <a:schemeClr val="bg1">
+                          <a:lumMod val="50000"/>
+                        </a:schemeClr>
+                      </a:solidFill>
+                    </a:ln>
+                  </p:spPr>
+                  <p:style>
+                    <a:lnRef idx="1">
+                      <a:schemeClr val="accent1"/>
+                    </a:lnRef>
+                    <a:fillRef idx="0">
+                      <a:schemeClr val="accent1"/>
+                    </a:fillRef>
+                    <a:effectRef idx="0">
+                      <a:schemeClr val="accent1"/>
+                    </a:effectRef>
+                    <a:fontRef idx="minor">
+                      <a:schemeClr val="tx1"/>
+                    </a:fontRef>
+                  </p:style>
+                </p:cxnSp>
+                <p:cxnSp>
+                  <p:nvCxnSpPr>
+                    <p:cNvPr id="30" name="Straight Connector 29"/>
+                    <p:cNvCxnSpPr/>
+                    <p:nvPr/>
+                  </p:nvCxnSpPr>
+                  <p:spPr>
+                    <a:xfrm flipH="1">
+                      <a:off x="6282046" y="3759197"/>
+                      <a:ext cx="2099954" cy="0"/>
+                    </a:xfrm>
+                    <a:prstGeom prst="line">
+                      <a:avLst/>
+                    </a:prstGeom>
+                    <a:ln>
+                      <a:solidFill>
+                        <a:schemeClr val="bg1">
+                          <a:lumMod val="50000"/>
+                        </a:schemeClr>
+                      </a:solidFill>
+                    </a:ln>
+                  </p:spPr>
+                  <p:style>
+                    <a:lnRef idx="1">
+                      <a:schemeClr val="accent1"/>
+                    </a:lnRef>
+                    <a:fillRef idx="0">
+                      <a:schemeClr val="accent1"/>
+                    </a:fillRef>
+                    <a:effectRef idx="0">
+                      <a:schemeClr val="accent1"/>
+                    </a:effectRef>
+                    <a:fontRef idx="minor">
+                      <a:schemeClr val="tx1"/>
+                    </a:fontRef>
+                  </p:style>
+                </p:cxnSp>
+              </p:grpSp>
+              <p:grpSp>
+                <p:nvGrpSpPr>
+                  <p:cNvPr id="17" name="Group 16"/>
+                  <p:cNvGrpSpPr/>
+                  <p:nvPr/>
+                </p:nvGrpSpPr>
+                <p:grpSpPr>
+                  <a:xfrm>
+                    <a:off x="2844685" y="3337560"/>
+                    <a:ext cx="944979" cy="1002422"/>
+                    <a:chOff x="6400800" y="4036216"/>
+                    <a:chExt cx="944979" cy="1002422"/>
+                  </a:xfrm>
+                </p:grpSpPr>
+                <p:pic>
+                  <p:nvPicPr>
+                    <p:cNvPr id="25" name="Picture 5"/>
+                    <p:cNvPicPr>
+                      <a:picLocks noChangeAspect="1" noChangeArrowheads="1"/>
+                    </p:cNvPicPr>
+                    <p:nvPr/>
+                  </p:nvPicPr>
+                  <p:blipFill>
+                    <a:blip r:embed="rId7" cstate="print">
+                      <a:extLst>
+                        <a:ext uri="{28A0092B-C50C-407E-A947-70E740481C1C}">
+                          <a14:useLocalDpi xmlns:a14="http://schemas.microsoft.com/office/drawing/2010/main" val="0"/>
+                        </a:ext>
+                      </a:extLst>
+                    </a:blip>
+                    <a:srcRect/>
+                    <a:stretch>
+                      <a:fillRect/>
+                    </a:stretch>
+                  </p:blipFill>
+                  <p:spPr bwMode="auto">
+                    <a:xfrm>
+                      <a:off x="6400800" y="4036216"/>
+                      <a:ext cx="932688" cy="1002422"/>
+                    </a:xfrm>
+                    <a:prstGeom prst="rect">
+                      <a:avLst/>
+                    </a:prstGeom>
+                    <a:noFill/>
+                    <a:ln>
+                      <a:noFill/>
+                    </a:ln>
+                    <a:extLst>
+                      <a:ext uri="{909E8E84-426E-40DD-AFC4-6F175D3DCCD1}">
+                        <a14:hiddenFill xmlns:a14="http://schemas.microsoft.com/office/drawing/2010/main">
+                          <a:solidFill>
+                            <a:schemeClr val="accent1"/>
+                          </a:solidFill>
+                        </a14:hiddenFill>
+                      </a:ext>
+                      <a:ext uri="{91240B29-F687-4F45-9708-019B960494DF}">
+                        <a14:hiddenLine xmlns:a14="http://schemas.microsoft.com/office/drawing/2010/main" w="9525">
+                          <a:solidFill>
+                            <a:schemeClr val="tx1"/>
+                          </a:solidFill>
+                          <a:miter lim="800000"/>
+                          <a:headEnd/>
+                          <a:tailEnd/>
+                        </a14:hiddenLine>
+                      </a:ext>
+                    </a:extLst>
+                  </p:spPr>
+                </p:pic>
+                <p:cxnSp>
+                  <p:nvCxnSpPr>
+                    <p:cNvPr id="26" name="Straight Connector 25"/>
+                    <p:cNvCxnSpPr/>
+                    <p:nvPr/>
+                  </p:nvCxnSpPr>
+                  <p:spPr>
+                    <a:xfrm>
+                      <a:off x="6400800" y="4036216"/>
+                      <a:ext cx="0" cy="1002422"/>
+                    </a:xfrm>
+                    <a:prstGeom prst="line">
+                      <a:avLst/>
+                    </a:prstGeom>
+                    <a:ln>
+                      <a:solidFill>
+                        <a:schemeClr val="bg1">
+                          <a:lumMod val="50000"/>
+                        </a:schemeClr>
+                      </a:solidFill>
+                    </a:ln>
+                  </p:spPr>
+                  <p:style>
+                    <a:lnRef idx="1">
+                      <a:schemeClr val="accent1"/>
+                    </a:lnRef>
+                    <a:fillRef idx="0">
+                      <a:schemeClr val="accent1"/>
+                    </a:fillRef>
+                    <a:effectRef idx="0">
+                      <a:schemeClr val="accent1"/>
+                    </a:effectRef>
+                    <a:fontRef idx="minor">
+                      <a:schemeClr val="tx1"/>
+                    </a:fontRef>
+                  </p:style>
+                </p:cxnSp>
+                <p:cxnSp>
+                  <p:nvCxnSpPr>
+                    <p:cNvPr id="27" name="Straight Connector 26"/>
+                    <p:cNvCxnSpPr/>
+                    <p:nvPr/>
+                  </p:nvCxnSpPr>
+                  <p:spPr>
+                    <a:xfrm flipH="1">
+                      <a:off x="6400800" y="5038638"/>
+                      <a:ext cx="944979" cy="0"/>
+                    </a:xfrm>
+                    <a:prstGeom prst="line">
+                      <a:avLst/>
+                    </a:prstGeom>
+                    <a:ln>
+                      <a:solidFill>
+                        <a:schemeClr val="bg1">
+                          <a:lumMod val="50000"/>
+                        </a:schemeClr>
+                      </a:solidFill>
+                    </a:ln>
+                  </p:spPr>
+                  <p:style>
+                    <a:lnRef idx="1">
+                      <a:schemeClr val="accent1"/>
+                    </a:lnRef>
+                    <a:fillRef idx="0">
+                      <a:schemeClr val="accent1"/>
+                    </a:fillRef>
+                    <a:effectRef idx="0">
+                      <a:schemeClr val="accent1"/>
+                    </a:effectRef>
+                    <a:fontRef idx="minor">
+                      <a:schemeClr val="tx1"/>
+                    </a:fontRef>
+                  </p:style>
+                </p:cxnSp>
+              </p:grpSp>
+              <p:grpSp>
+                <p:nvGrpSpPr>
+                  <p:cNvPr id="18" name="Group 17"/>
+                  <p:cNvGrpSpPr/>
+                  <p:nvPr/>
+                </p:nvGrpSpPr>
+                <p:grpSpPr>
+                  <a:xfrm>
+                    <a:off x="4290950" y="3337560"/>
+                    <a:ext cx="990600" cy="1002422"/>
+                    <a:chOff x="6400800" y="1173840"/>
+                    <a:chExt cx="990600" cy="1002422"/>
+                  </a:xfrm>
+                </p:grpSpPr>
+                <p:pic>
+                  <p:nvPicPr>
+                    <p:cNvPr id="22" name="Picture 6"/>
+                    <p:cNvPicPr>
+                      <a:picLocks noChangeAspect="1" noChangeArrowheads="1"/>
+                    </p:cNvPicPr>
+                    <p:nvPr/>
+                  </p:nvPicPr>
+                  <p:blipFill>
+                    <a:blip r:embed="rId8" cstate="print">
+                      <a:extLst>
+                        <a:ext uri="{28A0092B-C50C-407E-A947-70E740481C1C}">
+                          <a14:useLocalDpi xmlns:a14="http://schemas.microsoft.com/office/drawing/2010/main" val="0"/>
+                        </a:ext>
+                      </a:extLst>
+                    </a:blip>
+                    <a:srcRect/>
+                    <a:stretch>
+                      <a:fillRect/>
+                    </a:stretch>
+                  </p:blipFill>
+                  <p:spPr bwMode="auto">
+                    <a:xfrm>
+                      <a:off x="6458712" y="1289696"/>
+                      <a:ext cx="932688" cy="886566"/>
+                    </a:xfrm>
+                    <a:prstGeom prst="rect">
+                      <a:avLst/>
+                    </a:prstGeom>
+                    <a:noFill/>
+                    <a:ln>
+                      <a:noFill/>
+                    </a:ln>
+                    <a:extLst>
+                      <a:ext uri="{909E8E84-426E-40DD-AFC4-6F175D3DCCD1}">
+                        <a14:hiddenFill xmlns:a14="http://schemas.microsoft.com/office/drawing/2010/main">
+                          <a:solidFill>
+                            <a:schemeClr val="accent1"/>
+                          </a:solidFill>
+                        </a14:hiddenFill>
+                      </a:ext>
+                      <a:ext uri="{91240B29-F687-4F45-9708-019B960494DF}">
+                        <a14:hiddenLine xmlns:a14="http://schemas.microsoft.com/office/drawing/2010/main" w="9525">
+                          <a:solidFill>
+                            <a:schemeClr val="tx1"/>
+                          </a:solidFill>
+                          <a:miter lim="800000"/>
+                          <a:headEnd/>
+                          <a:tailEnd/>
+                        </a14:hiddenLine>
+                      </a:ext>
+                    </a:extLst>
+                  </p:spPr>
+                </p:pic>
+                <p:cxnSp>
+                  <p:nvCxnSpPr>
+                    <p:cNvPr id="23" name="Straight Connector 22"/>
+                    <p:cNvCxnSpPr/>
+                    <p:nvPr/>
+                  </p:nvCxnSpPr>
+                  <p:spPr>
+                    <a:xfrm>
+                      <a:off x="6400800" y="1173840"/>
+                      <a:ext cx="0" cy="1002422"/>
+                    </a:xfrm>
+                    <a:prstGeom prst="line">
+                      <a:avLst/>
+                    </a:prstGeom>
+                    <a:ln>
+                      <a:solidFill>
+                        <a:schemeClr val="bg1">
+                          <a:lumMod val="50000"/>
+                        </a:schemeClr>
+                      </a:solidFill>
+                    </a:ln>
+                  </p:spPr>
+                  <p:style>
+                    <a:lnRef idx="1">
+                      <a:schemeClr val="accent1"/>
+                    </a:lnRef>
+                    <a:fillRef idx="0">
+                      <a:schemeClr val="accent1"/>
+                    </a:fillRef>
+                    <a:effectRef idx="0">
+                      <a:schemeClr val="accent1"/>
+                    </a:effectRef>
+                    <a:fontRef idx="minor">
+                      <a:schemeClr val="tx1"/>
+                    </a:fontRef>
+                  </p:style>
+                </p:cxnSp>
+                <p:cxnSp>
+                  <p:nvCxnSpPr>
+                    <p:cNvPr id="24" name="Straight Connector 23"/>
+                    <p:cNvCxnSpPr/>
+                    <p:nvPr/>
+                  </p:nvCxnSpPr>
+                  <p:spPr>
+                    <a:xfrm flipH="1">
+                      <a:off x="6400800" y="2176262"/>
+                      <a:ext cx="944979" cy="0"/>
+                    </a:xfrm>
+                    <a:prstGeom prst="line">
+                      <a:avLst/>
+                    </a:prstGeom>
+                    <a:ln>
+                      <a:solidFill>
+                        <a:schemeClr val="bg1">
+                          <a:lumMod val="50000"/>
+                        </a:schemeClr>
+                      </a:solidFill>
+                    </a:ln>
+                  </p:spPr>
+                  <p:style>
+                    <a:lnRef idx="1">
+                      <a:schemeClr val="accent1"/>
+                    </a:lnRef>
+                    <a:fillRef idx="0">
+                      <a:schemeClr val="accent1"/>
+                    </a:fillRef>
+                    <a:effectRef idx="0">
+                      <a:schemeClr val="accent1"/>
+                    </a:effectRef>
+                    <a:fontRef idx="minor">
+                      <a:schemeClr val="tx1"/>
+                    </a:fontRef>
+                  </p:style>
+                </p:cxnSp>
+              </p:grpSp>
+              <p:cxnSp>
+                <p:nvCxnSpPr>
+                  <p:cNvPr id="19" name="Straight Connector 18"/>
+                  <p:cNvCxnSpPr/>
+                  <p:nvPr/>
+                </p:nvCxnSpPr>
+                <p:spPr>
+                  <a:xfrm>
+                    <a:off x="1143000" y="3048000"/>
+                    <a:ext cx="4419600" cy="0"/>
+                  </a:xfrm>
+                  <a:prstGeom prst="line">
+                    <a:avLst/>
+                  </a:prstGeom>
+                  <a:ln w="25400">
+                    <a:solidFill>
+                      <a:schemeClr val="accent2"/>
+                    </a:solidFill>
+                  </a:ln>
+                </p:spPr>
+                <p:style>
+                  <a:lnRef idx="1">
+                    <a:schemeClr val="accent1"/>
+                  </a:lnRef>
+                  <a:fillRef idx="0">
+                    <a:schemeClr val="accent1"/>
+                  </a:fillRef>
+                  <a:effectRef idx="0">
+                    <a:schemeClr val="accent1"/>
+                  </a:effectRef>
+                  <a:fontRef idx="minor">
+                    <a:schemeClr val="tx1"/>
+                  </a:fontRef>
+                </p:style>
+              </p:cxnSp>
+              <p:cxnSp>
+                <p:nvCxnSpPr>
+                  <p:cNvPr id="20" name="Straight Connector 19"/>
+                  <p:cNvCxnSpPr>
+                    <a:stCxn id="21" idx="0"/>
+                  </p:cNvCxnSpPr>
+                  <p:nvPr/>
+                </p:nvCxnSpPr>
+                <p:spPr>
+                  <a:xfrm>
+                    <a:off x="3352800" y="1752600"/>
+                    <a:ext cx="0" cy="1295400"/>
+                  </a:xfrm>
+                  <a:prstGeom prst="line">
+                    <a:avLst/>
+                  </a:prstGeom>
+                  <a:ln w="25400">
+                    <a:solidFill>
+                      <a:schemeClr val="accent2"/>
+                    </a:solidFill>
+                  </a:ln>
+                </p:spPr>
+                <p:style>
+                  <a:lnRef idx="1">
+                    <a:schemeClr val="accent1"/>
+                  </a:lnRef>
+                  <a:fillRef idx="0">
+                    <a:schemeClr val="accent1"/>
+                  </a:fillRef>
+                  <a:effectRef idx="0">
+                    <a:schemeClr val="accent1"/>
+                  </a:effectRef>
+                  <a:fontRef idx="minor">
+                    <a:schemeClr val="tx1"/>
+                  </a:fontRef>
+                </p:style>
+              </p:cxnSp>
+              <p:sp>
+                <p:nvSpPr>
+                  <p:cNvPr id="21" name="Rectangle 20"/>
+                  <p:cNvSpPr/>
+                  <p:nvPr/>
+                </p:nvSpPr>
+                <p:spPr>
+                  <a:xfrm>
+                    <a:off x="1143000" y="1752600"/>
+                    <a:ext cx="4419600" cy="2895600"/>
+                  </a:xfrm>
+                  <a:prstGeom prst="rect">
+                    <a:avLst/>
+                  </a:prstGeom>
+                  <a:noFill/>
+                  <a:ln>
+                    <a:solidFill>
+                      <a:schemeClr val="accent2"/>
+                    </a:solidFill>
+                  </a:ln>
+                </p:spPr>
+                <p:style>
+                  <a:lnRef idx="2">
+                    <a:schemeClr val="accent1">
+                      <a:shade val="50000"/>
+                    </a:schemeClr>
+                  </a:lnRef>
+                  <a:fillRef idx="1">
+                    <a:schemeClr val="accent1"/>
+                  </a:fillRef>
+                  <a:effectRef idx="0">
+                    <a:schemeClr val="accent1"/>
+                  </a:effectRef>
+                  <a:fontRef idx="minor">
+                    <a:schemeClr val="lt1"/>
+                  </a:fontRef>
+                </p:style>
+                <p:txBody>
+                  <a:bodyPr rtlCol="0" anchor="ctr"/>
+                  <a:lstStyle/>
+                  <a:p>
+                    <a:pPr algn="ctr"/>
+                    <a:endParaRPr lang="en-US"/>
+                  </a:p>
+                </p:txBody>
+              </p:sp>
+            </p:grpSp>
+            <p:sp>
+              <p:nvSpPr>
+                <p:cNvPr id="11" name="Rectangle 10"/>
+                <p:cNvSpPr/>
+                <p:nvPr/>
+              </p:nvSpPr>
+              <p:spPr>
+                <a:xfrm>
+                  <a:off x="2587447" y="3048000"/>
+                  <a:ext cx="2975150" cy="1600200"/>
+                </a:xfrm>
+                <a:prstGeom prst="rect">
+                  <a:avLst/>
+                </a:prstGeom>
+                <a:solidFill>
+                  <a:schemeClr val="tx1">
+                    <a:lumMod val="50000"/>
+                    <a:lumOff val="50000"/>
+                    <a:alpha val="45000"/>
+                  </a:schemeClr>
+                </a:solidFill>
+                <a:ln>
+                  <a:noFill/>
+                </a:ln>
+              </p:spPr>
+              <p:style>
+                <a:lnRef idx="2">
+                  <a:schemeClr val="accent1">
+                    <a:shade val="50000"/>
+                  </a:schemeClr>
+                </a:lnRef>
+                <a:fillRef idx="1">
+                  <a:schemeClr val="accent1"/>
+                </a:fillRef>
+                <a:effectRef idx="0">
+                  <a:schemeClr val="accent1"/>
+                </a:effectRef>
+                <a:fontRef idx="minor">
+                  <a:schemeClr val="lt1"/>
+                </a:fontRef>
+              </p:style>
+              <p:txBody>
+                <a:bodyPr rtlCol="0" anchor="ctr"/>
+                <a:lstStyle/>
+                <a:p>
+                  <a:pPr algn="ctr"/>
+                  <a:endParaRPr lang="en-US"/>
+                </a:p>
+              </p:txBody>
+            </p:sp>
+            <p:sp>
+              <p:nvSpPr>
+                <p:cNvPr id="12" name="Rectangle 11"/>
+                <p:cNvSpPr/>
+                <p:nvPr/>
+              </p:nvSpPr>
+              <p:spPr>
+                <a:xfrm>
+                  <a:off x="1143000" y="1752600"/>
+                  <a:ext cx="4466440" cy="1295400"/>
+                </a:xfrm>
+                <a:prstGeom prst="rect">
+                  <a:avLst/>
+                </a:prstGeom>
+                <a:solidFill>
+                  <a:schemeClr val="tx1">
+                    <a:lumMod val="50000"/>
+                    <a:lumOff val="50000"/>
+                    <a:alpha val="45000"/>
+                  </a:schemeClr>
+                </a:solidFill>
+                <a:ln>
+                  <a:noFill/>
+                </a:ln>
+              </p:spPr>
+              <p:style>
+                <a:lnRef idx="2">
+                  <a:schemeClr val="accent1">
+                    <a:shade val="50000"/>
+                  </a:schemeClr>
+                </a:lnRef>
+                <a:fillRef idx="1">
+                  <a:schemeClr val="accent1"/>
+                </a:fillRef>
+                <a:effectRef idx="0">
+                  <a:schemeClr val="accent1"/>
+                </a:effectRef>
+                <a:fontRef idx="minor">
+                  <a:schemeClr val="lt1"/>
+                </a:fontRef>
+              </p:style>
+              <p:txBody>
+                <a:bodyPr rtlCol="0" anchor="ctr"/>
+                <a:lstStyle/>
+                <a:p>
+                  <a:pPr algn="ctr"/>
+                  <a:endParaRPr lang="en-US"/>
+                </a:p>
+              </p:txBody>
+            </p:sp>
+          </p:grpSp>
+        </p:grpSp>
+        <p:sp>
+          <p:nvSpPr>
+            <p:cNvPr id="6" name="Rectangle 5"/>
+            <p:cNvSpPr/>
+            <p:nvPr/>
+          </p:nvSpPr>
+          <p:spPr>
+            <a:xfrm>
+              <a:off x="3087210" y="7611045"/>
+              <a:ext cx="785831" cy="1164813"/>
+            </a:xfrm>
+            <a:prstGeom prst="rect">
+              <a:avLst/>
+            </a:prstGeom>
+            <a:noFill/>
+            <a:ln>
+              <a:solidFill>
+                <a:schemeClr val="accent2"/>
+              </a:solidFill>
+            </a:ln>
+          </p:spPr>
+          <p:style>
+            <a:lnRef idx="2">
+              <a:schemeClr val="accent1">
+                <a:shade val="50000"/>
+              </a:schemeClr>
+            </a:lnRef>
+            <a:fillRef idx="1">
+              <a:schemeClr val="accent1"/>
+            </a:fillRef>
+            <a:effectRef idx="0">
+              <a:schemeClr val="accent1"/>
+            </a:effectRef>
+            <a:fontRef idx="minor">
+              <a:schemeClr val="lt1"/>
+            </a:fontRef>
+          </p:style>
+          <p:txBody>
+            <a:bodyPr rtlCol="0" anchor="ctr"/>
+            <a:lstStyle/>
+            <a:p>
+              <a:pPr algn="ctr"/>
+              <a:endParaRPr lang="en-US"/>
+            </a:p>
+          </p:txBody>
+        </p:sp>
+        <p:sp>
+          <p:nvSpPr>
+            <p:cNvPr id="7" name="TextBox 6"/>
+            <p:cNvSpPr txBox="1"/>
+            <p:nvPr/>
+          </p:nvSpPr>
+          <p:spPr>
+            <a:xfrm>
+              <a:off x="2988058" y="7304793"/>
+              <a:ext cx="1166865" cy="292388"/>
+            </a:xfrm>
+            <a:prstGeom prst="rect">
+              <a:avLst/>
+            </a:prstGeom>
+            <a:noFill/>
+          </p:spPr>
+          <p:txBody>
+            <a:bodyPr wrap="square" rtlCol="0">
+              <a:spAutoFit/>
+            </a:bodyPr>
+            <a:lstStyle/>
+            <a:p>
+              <a:r>
+                <a:rPr lang="en-US" sz="1300" dirty="0" smtClean="0"/>
+                <a:t>Great Plains</a:t>
+              </a:r>
+              <a:endParaRPr lang="en-US" sz="1300" dirty="0"/>
+            </a:p>
+          </p:txBody>
+        </p:sp>
+      </p:grpSp>
+      <p:grpSp>
+        <p:nvGrpSpPr>
+          <p:cNvPr id="33" name="Group 32"/>
+          <p:cNvGrpSpPr/>
+          <p:nvPr/>
+        </p:nvGrpSpPr>
+        <p:grpSpPr>
+          <a:xfrm>
+            <a:off x="4564210" y="1140251"/>
+            <a:ext cx="4343400" cy="3418114"/>
+            <a:chOff x="4572000" y="6852441"/>
+            <a:chExt cx="4343400" cy="3418114"/>
+          </a:xfrm>
+        </p:grpSpPr>
+        <p:sp>
+          <p:nvSpPr>
+            <p:cNvPr id="34" name="Rectangle 33"/>
+            <p:cNvSpPr/>
+            <p:nvPr/>
+          </p:nvSpPr>
+          <p:spPr>
+            <a:xfrm>
+              <a:off x="4572000" y="6852441"/>
+              <a:ext cx="4343400" cy="3418114"/>
+            </a:xfrm>
+            <a:prstGeom prst="rect">
+              <a:avLst/>
+            </a:prstGeom>
+            <a:noFill/>
+            <a:ln>
+              <a:solidFill>
+                <a:schemeClr val="bg1">
+                  <a:lumMod val="50000"/>
+                </a:schemeClr>
+              </a:solidFill>
+            </a:ln>
+          </p:spPr>
+          <p:style>
+            <a:lnRef idx="2">
+              <a:schemeClr val="accent1">
+                <a:shade val="50000"/>
+              </a:schemeClr>
+            </a:lnRef>
+            <a:fillRef idx="1">
+              <a:schemeClr val="accent1"/>
+            </a:fillRef>
+            <a:effectRef idx="0">
+              <a:schemeClr val="accent1"/>
+            </a:effectRef>
+            <a:fontRef idx="minor">
+              <a:schemeClr val="lt1"/>
+            </a:fontRef>
+          </p:style>
+          <p:txBody>
+            <a:bodyPr rtlCol="0" anchor="ctr"/>
+            <a:lstStyle/>
+            <a:p>
+              <a:pPr algn="ctr"/>
+              <a:endParaRPr lang="en-US"/>
+            </a:p>
+          </p:txBody>
+        </p:sp>
+        <p:grpSp>
+          <p:nvGrpSpPr>
+            <p:cNvPr id="35" name="Group 34"/>
+            <p:cNvGrpSpPr>
+              <a:grpSpLocks noChangeAspect="1"/>
+            </p:cNvGrpSpPr>
+            <p:nvPr/>
+          </p:nvGrpSpPr>
+          <p:grpSpPr>
+            <a:xfrm>
+              <a:off x="4572000" y="9401875"/>
+              <a:ext cx="1325880" cy="868680"/>
+              <a:chOff x="1143000" y="1752600"/>
+              <a:chExt cx="4419600" cy="2895600"/>
+            </a:xfrm>
+          </p:grpSpPr>
+          <p:grpSp>
+            <p:nvGrpSpPr>
+              <p:cNvPr id="36" name="Group 35"/>
+              <p:cNvGrpSpPr/>
+              <p:nvPr/>
+            </p:nvGrpSpPr>
+            <p:grpSpPr>
+              <a:xfrm>
+                <a:off x="1143000" y="1752600"/>
+                <a:ext cx="4419600" cy="2895600"/>
+                <a:chOff x="1143000" y="1752600"/>
+                <a:chExt cx="4419600" cy="2895600"/>
+              </a:xfrm>
+            </p:grpSpPr>
+            <p:sp>
+              <p:nvSpPr>
+                <p:cNvPr id="39" name="Rectangle 38"/>
+                <p:cNvSpPr/>
+                <p:nvPr/>
+              </p:nvSpPr>
+              <p:spPr>
+                <a:xfrm>
+                  <a:off x="1143000" y="1752600"/>
+                  <a:ext cx="2209800" cy="1295400"/>
+                </a:xfrm>
+                <a:prstGeom prst="rect">
+                  <a:avLst/>
+                </a:prstGeom>
+                <a:solidFill>
+                  <a:schemeClr val="bg1">
+                    <a:lumMod val="95000"/>
+                  </a:schemeClr>
+                </a:solidFill>
+                <a:ln>
+                  <a:noFill/>
+                </a:ln>
+              </p:spPr>
+              <p:style>
+                <a:lnRef idx="2">
+                  <a:schemeClr val="accent1">
+                    <a:shade val="50000"/>
+                  </a:schemeClr>
+                </a:lnRef>
+                <a:fillRef idx="1">
+                  <a:schemeClr val="accent1"/>
+                </a:fillRef>
+                <a:effectRef idx="0">
+                  <a:schemeClr val="accent1"/>
+                </a:effectRef>
+                <a:fontRef idx="minor">
+                  <a:schemeClr val="lt1"/>
+                </a:fontRef>
+              </p:style>
+              <p:txBody>
+                <a:bodyPr rtlCol="0" anchor="ctr"/>
+                <a:lstStyle/>
+                <a:p>
+                  <a:pPr algn="ctr"/>
+                  <a:endParaRPr lang="en-US"/>
+                </a:p>
+              </p:txBody>
+            </p:sp>
+            <p:pic>
+              <p:nvPicPr>
+                <p:cNvPr id="40" name="Picture 4"/>
+                <p:cNvPicPr>
+                  <a:picLocks noChangeAspect="1" noChangeArrowheads="1"/>
+                </p:cNvPicPr>
+                <p:nvPr/>
+              </p:nvPicPr>
+              <p:blipFill>
+                <a:blip r:embed="rId4" cstate="print">
+                  <a:extLst>
+                    <a:ext uri="{28A0092B-C50C-407E-A947-70E740481C1C}">
+                      <a14:useLocalDpi xmlns:a14="http://schemas.microsoft.com/office/drawing/2010/main" val="0"/>
+                    </a:ext>
+                  </a:extLst>
+                </a:blip>
+                <a:srcRect/>
+                <a:stretch>
+                  <a:fillRect/>
+                </a:stretch>
+              </p:blipFill>
+              <p:spPr bwMode="auto">
+                <a:xfrm>
+                  <a:off x="1326904" y="2001245"/>
+                  <a:ext cx="1828800" cy="798021"/>
+                </a:xfrm>
+                <a:prstGeom prst="rect">
+                  <a:avLst/>
+                </a:prstGeom>
+                <a:noFill/>
+                <a:ln>
+                  <a:noFill/>
+                </a:ln>
+                <a:extLst>
+                  <a:ext uri="{909E8E84-426E-40DD-AFC4-6F175D3DCCD1}">
+                    <a14:hiddenFill xmlns:a14="http://schemas.microsoft.com/office/drawing/2010/main">
+                      <a:solidFill>
+                        <a:schemeClr val="accent1"/>
+                      </a:solidFill>
+                    </a14:hiddenFill>
+                  </a:ext>
+                  <a:ext uri="{91240B29-F687-4F45-9708-019B960494DF}">
+                    <a14:hiddenLine xmlns:a14="http://schemas.microsoft.com/office/drawing/2010/main" w="9525">
+                      <a:solidFill>
+                        <a:schemeClr val="tx1"/>
+                      </a:solidFill>
+                      <a:miter lim="800000"/>
+                      <a:headEnd/>
+                      <a:tailEnd/>
+                    </a14:hiddenLine>
+                  </a:ext>
+                </a:extLst>
+              </p:spPr>
+            </p:pic>
+            <p:grpSp>
+              <p:nvGrpSpPr>
+                <p:cNvPr id="41" name="Group 40"/>
+                <p:cNvGrpSpPr/>
+                <p:nvPr/>
+              </p:nvGrpSpPr>
+              <p:grpSpPr>
+                <a:xfrm>
+                  <a:off x="3349752" y="1766597"/>
+                  <a:ext cx="2212848" cy="1267406"/>
+                  <a:chOff x="7772400" y="1447800"/>
+                  <a:chExt cx="2212848" cy="1267406"/>
+                </a:xfrm>
+              </p:grpSpPr>
+              <p:pic>
+                <p:nvPicPr>
+                  <p:cNvPr id="57" name="Picture 2"/>
+                  <p:cNvPicPr>
+                    <a:picLocks noChangeAspect="1" noChangeArrowheads="1"/>
+                  </p:cNvPicPr>
+                  <p:nvPr/>
+                </p:nvPicPr>
+                <p:blipFill>
+                  <a:blip r:embed="rId5" cstate="print">
+                    <a:extLst>
+                      <a:ext uri="{28A0092B-C50C-407E-A947-70E740481C1C}">
+                        <a14:useLocalDpi xmlns:a14="http://schemas.microsoft.com/office/drawing/2010/main" val="0"/>
+                      </a:ext>
+                    </a:extLst>
+                  </a:blip>
+                  <a:srcRect/>
+                  <a:stretch>
+                    <a:fillRect/>
+                  </a:stretch>
+                </p:blipFill>
+                <p:spPr bwMode="auto">
+                  <a:xfrm>
+                    <a:off x="7772400" y="1447801"/>
+                    <a:ext cx="2212848" cy="1267405"/>
+                  </a:xfrm>
+                  <a:prstGeom prst="rect">
+                    <a:avLst/>
+                  </a:prstGeom>
+                  <a:noFill/>
+                  <a:ln>
+                    <a:noFill/>
+                  </a:ln>
+                  <a:extLst>
+                    <a:ext uri="{909E8E84-426E-40DD-AFC4-6F175D3DCCD1}">
+                      <a14:hiddenFill xmlns:a14="http://schemas.microsoft.com/office/drawing/2010/main">
+                        <a:solidFill>
+                          <a:schemeClr val="accent1"/>
+                        </a:solidFill>
+                      </a14:hiddenFill>
+                    </a:ext>
+                    <a:ext uri="{91240B29-F687-4F45-9708-019B960494DF}">
+                      <a14:hiddenLine xmlns:a14="http://schemas.microsoft.com/office/drawing/2010/main" w="9525">
+                        <a:solidFill>
+                          <a:schemeClr val="tx1"/>
+                        </a:solidFill>
+                        <a:miter lim="800000"/>
+                        <a:headEnd/>
+                        <a:tailEnd/>
+                      </a14:hiddenLine>
+                    </a:ext>
+                  </a:extLst>
+                </p:spPr>
+              </p:pic>
+              <p:sp>
+                <p:nvSpPr>
+                  <p:cNvPr id="58" name="Rectangle 57"/>
+                  <p:cNvSpPr/>
+                  <p:nvPr/>
+                </p:nvSpPr>
+                <p:spPr>
+                  <a:xfrm>
+                    <a:off x="7772401" y="1447800"/>
+                    <a:ext cx="381000" cy="228600"/>
+                  </a:xfrm>
+                  <a:prstGeom prst="rect">
+                    <a:avLst/>
+                  </a:prstGeom>
+                  <a:solidFill>
+                    <a:schemeClr val="bg1"/>
+                  </a:solidFill>
+                  <a:ln>
+                    <a:noFill/>
+                  </a:ln>
+                </p:spPr>
+                <p:style>
+                  <a:lnRef idx="2">
+                    <a:schemeClr val="accent1">
+                      <a:shade val="50000"/>
+                    </a:schemeClr>
+                  </a:lnRef>
+                  <a:fillRef idx="1">
+                    <a:schemeClr val="accent1"/>
+                  </a:fillRef>
+                  <a:effectRef idx="0">
+                    <a:schemeClr val="accent1"/>
+                  </a:effectRef>
+                  <a:fontRef idx="minor">
+                    <a:schemeClr val="lt1"/>
+                  </a:fontRef>
+                </p:style>
+                <p:txBody>
+                  <a:bodyPr rtlCol="0" anchor="ctr"/>
+                  <a:lstStyle/>
+                  <a:p>
+                    <a:pPr algn="ctr"/>
+                    <a:endParaRPr lang="en-US"/>
+                  </a:p>
+                </p:txBody>
+              </p:sp>
+            </p:grpSp>
+            <p:grpSp>
+              <p:nvGrpSpPr>
+                <p:cNvPr id="42" name="Group 41"/>
+                <p:cNvGrpSpPr>
+                  <a:grpSpLocks noChangeAspect="1"/>
+                </p:cNvGrpSpPr>
+                <p:nvPr/>
+              </p:nvGrpSpPr>
+              <p:grpSpPr>
+                <a:xfrm>
+                  <a:off x="1395350" y="3337560"/>
+                  <a:ext cx="944979" cy="1005840"/>
+                  <a:chOff x="6282046" y="1523997"/>
+                  <a:chExt cx="2099954" cy="2235200"/>
+                </a:xfrm>
+              </p:grpSpPr>
+              <p:pic>
+                <p:nvPicPr>
+                  <p:cNvPr id="54" name="Picture 3"/>
+                  <p:cNvPicPr>
+                    <a:picLocks noChangeAspect="1" noChangeArrowheads="1"/>
+                  </p:cNvPicPr>
+                  <p:nvPr/>
+                </p:nvPicPr>
+                <p:blipFill rotWithShape="1">
+                  <a:blip r:embed="rId6" cstate="print">
+                    <a:extLst>
+                      <a:ext uri="{28A0092B-C50C-407E-A947-70E740481C1C}">
+                        <a14:useLocalDpi xmlns:a14="http://schemas.microsoft.com/office/drawing/2010/main" val="0"/>
+                      </a:ext>
+                    </a:extLst>
+                  </a:blip>
+                  <a:srcRect l="8207" b="4009"/>
+                  <a:stretch/>
+                </p:blipFill>
+                <p:spPr bwMode="auto">
+                  <a:xfrm>
+                    <a:off x="6282046" y="1555706"/>
+                    <a:ext cx="2080903" cy="2203491"/>
+                  </a:xfrm>
+                  <a:prstGeom prst="rect">
+                    <a:avLst/>
+                  </a:prstGeom>
+                  <a:noFill/>
+                  <a:ln>
+                    <a:noFill/>
+                  </a:ln>
+                  <a:extLst>
+                    <a:ext uri="{909E8E84-426E-40DD-AFC4-6F175D3DCCD1}">
+                      <a14:hiddenFill xmlns:a14="http://schemas.microsoft.com/office/drawing/2010/main">
+                        <a:solidFill>
+                          <a:schemeClr val="accent1"/>
+                        </a:solidFill>
+                      </a14:hiddenFill>
+                    </a:ext>
+                    <a:ext uri="{91240B29-F687-4F45-9708-019B960494DF}">
+                      <a14:hiddenLine xmlns:a14="http://schemas.microsoft.com/office/drawing/2010/main" w="9525">
+                        <a:solidFill>
+                          <a:schemeClr val="tx1"/>
+                        </a:solidFill>
+                        <a:miter lim="800000"/>
+                        <a:headEnd/>
+                        <a:tailEnd/>
+                      </a14:hiddenLine>
+                    </a:ext>
+                  </a:extLst>
+                </p:spPr>
+              </p:pic>
+              <p:cxnSp>
+                <p:nvCxnSpPr>
+                  <p:cNvPr id="55" name="Straight Connector 54"/>
+                  <p:cNvCxnSpPr/>
+                  <p:nvPr/>
+                </p:nvCxnSpPr>
+                <p:spPr>
+                  <a:xfrm>
+                    <a:off x="6282046" y="1523997"/>
+                    <a:ext cx="0" cy="2235200"/>
+                  </a:xfrm>
+                  <a:prstGeom prst="line">
+                    <a:avLst/>
+                  </a:prstGeom>
+                  <a:ln>
+                    <a:solidFill>
+                      <a:schemeClr val="bg1">
+                        <a:lumMod val="50000"/>
+                      </a:schemeClr>
+                    </a:solidFill>
+                  </a:ln>
+                </p:spPr>
+                <p:style>
+                  <a:lnRef idx="1">
+                    <a:schemeClr val="accent1"/>
+                  </a:lnRef>
+                  <a:fillRef idx="0">
+                    <a:schemeClr val="accent1"/>
+                  </a:fillRef>
+                  <a:effectRef idx="0">
+                    <a:schemeClr val="accent1"/>
+                  </a:effectRef>
+                  <a:fontRef idx="minor">
+                    <a:schemeClr val="tx1"/>
+                  </a:fontRef>
+                </p:style>
+              </p:cxnSp>
+              <p:cxnSp>
+                <p:nvCxnSpPr>
+                  <p:cNvPr id="56" name="Straight Connector 55"/>
+                  <p:cNvCxnSpPr/>
+                  <p:nvPr/>
+                </p:nvCxnSpPr>
+                <p:spPr>
+                  <a:xfrm flipH="1">
+                    <a:off x="6282046" y="3759197"/>
+                    <a:ext cx="2099954" cy="0"/>
+                  </a:xfrm>
+                  <a:prstGeom prst="line">
+                    <a:avLst/>
+                  </a:prstGeom>
+                  <a:ln>
+                    <a:solidFill>
+                      <a:schemeClr val="bg1">
+                        <a:lumMod val="50000"/>
+                      </a:schemeClr>
+                    </a:solidFill>
+                  </a:ln>
+                </p:spPr>
+                <p:style>
+                  <a:lnRef idx="1">
+                    <a:schemeClr val="accent1"/>
+                  </a:lnRef>
+                  <a:fillRef idx="0">
+                    <a:schemeClr val="accent1"/>
+                  </a:fillRef>
+                  <a:effectRef idx="0">
+                    <a:schemeClr val="accent1"/>
+                  </a:effectRef>
+                  <a:fontRef idx="minor">
+                    <a:schemeClr val="tx1"/>
+                  </a:fontRef>
+                </p:style>
+              </p:cxnSp>
+            </p:grpSp>
+            <p:grpSp>
+              <p:nvGrpSpPr>
+                <p:cNvPr id="43" name="Group 42"/>
+                <p:cNvGrpSpPr/>
+                <p:nvPr/>
+              </p:nvGrpSpPr>
+              <p:grpSpPr>
+                <a:xfrm>
+                  <a:off x="2844685" y="3337560"/>
+                  <a:ext cx="944979" cy="1002422"/>
+                  <a:chOff x="6400800" y="4036216"/>
+                  <a:chExt cx="944979" cy="1002422"/>
+                </a:xfrm>
+              </p:grpSpPr>
+              <p:pic>
+                <p:nvPicPr>
+                  <p:cNvPr id="51" name="Picture 5"/>
+                  <p:cNvPicPr>
+                    <a:picLocks noChangeAspect="1" noChangeArrowheads="1"/>
+                  </p:cNvPicPr>
+                  <p:nvPr/>
+                </p:nvPicPr>
+                <p:blipFill>
+                  <a:blip r:embed="rId7" cstate="print">
+                    <a:extLst>
+                      <a:ext uri="{28A0092B-C50C-407E-A947-70E740481C1C}">
+                        <a14:useLocalDpi xmlns:a14="http://schemas.microsoft.com/office/drawing/2010/main" val="0"/>
+                      </a:ext>
+                    </a:extLst>
+                  </a:blip>
+                  <a:srcRect/>
+                  <a:stretch>
+                    <a:fillRect/>
+                  </a:stretch>
+                </p:blipFill>
+                <p:spPr bwMode="auto">
+                  <a:xfrm>
+                    <a:off x="6400800" y="4036216"/>
+                    <a:ext cx="932688" cy="1002422"/>
+                  </a:xfrm>
+                  <a:prstGeom prst="rect">
+                    <a:avLst/>
+                  </a:prstGeom>
+                  <a:noFill/>
+                  <a:ln>
+                    <a:noFill/>
+                  </a:ln>
+                  <a:extLst>
+                    <a:ext uri="{909E8E84-426E-40DD-AFC4-6F175D3DCCD1}">
+                      <a14:hiddenFill xmlns:a14="http://schemas.microsoft.com/office/drawing/2010/main">
+                        <a:solidFill>
+                          <a:schemeClr val="accent1"/>
+                        </a:solidFill>
+                      </a14:hiddenFill>
+                    </a:ext>
+                    <a:ext uri="{91240B29-F687-4F45-9708-019B960494DF}">
+                      <a14:hiddenLine xmlns:a14="http://schemas.microsoft.com/office/drawing/2010/main" w="9525">
+                        <a:solidFill>
+                          <a:schemeClr val="tx1"/>
+                        </a:solidFill>
+                        <a:miter lim="800000"/>
+                        <a:headEnd/>
+                        <a:tailEnd/>
+                      </a14:hiddenLine>
+                    </a:ext>
+                  </a:extLst>
+                </p:spPr>
+              </p:pic>
+              <p:cxnSp>
+                <p:nvCxnSpPr>
+                  <p:cNvPr id="52" name="Straight Connector 51"/>
+                  <p:cNvCxnSpPr/>
+                  <p:nvPr/>
+                </p:nvCxnSpPr>
+                <p:spPr>
+                  <a:xfrm>
+                    <a:off x="6400800" y="4036216"/>
+                    <a:ext cx="0" cy="1002422"/>
+                  </a:xfrm>
+                  <a:prstGeom prst="line">
+                    <a:avLst/>
+                  </a:prstGeom>
+                  <a:ln>
+                    <a:solidFill>
+                      <a:schemeClr val="bg1">
+                        <a:lumMod val="50000"/>
+                      </a:schemeClr>
+                    </a:solidFill>
+                  </a:ln>
+                </p:spPr>
+                <p:style>
+                  <a:lnRef idx="1">
+                    <a:schemeClr val="accent1"/>
+                  </a:lnRef>
+                  <a:fillRef idx="0">
+                    <a:schemeClr val="accent1"/>
+                  </a:fillRef>
+                  <a:effectRef idx="0">
+                    <a:schemeClr val="accent1"/>
+                  </a:effectRef>
+                  <a:fontRef idx="minor">
+                    <a:schemeClr val="tx1"/>
+                  </a:fontRef>
+                </p:style>
+              </p:cxnSp>
+              <p:cxnSp>
+                <p:nvCxnSpPr>
+                  <p:cNvPr id="53" name="Straight Connector 52"/>
+                  <p:cNvCxnSpPr/>
+                  <p:nvPr/>
+                </p:nvCxnSpPr>
+                <p:spPr>
+                  <a:xfrm flipH="1">
+                    <a:off x="6400800" y="5038638"/>
+                    <a:ext cx="944979" cy="0"/>
+                  </a:xfrm>
+                  <a:prstGeom prst="line">
+                    <a:avLst/>
+                  </a:prstGeom>
+                  <a:ln>
+                    <a:solidFill>
+                      <a:schemeClr val="bg1">
+                        <a:lumMod val="50000"/>
+                      </a:schemeClr>
+                    </a:solidFill>
+                  </a:ln>
+                </p:spPr>
+                <p:style>
+                  <a:lnRef idx="1">
+                    <a:schemeClr val="accent1"/>
+                  </a:lnRef>
+                  <a:fillRef idx="0">
+                    <a:schemeClr val="accent1"/>
+                  </a:fillRef>
+                  <a:effectRef idx="0">
+                    <a:schemeClr val="accent1"/>
+                  </a:effectRef>
+                  <a:fontRef idx="minor">
+                    <a:schemeClr val="tx1"/>
+                  </a:fontRef>
+                </p:style>
+              </p:cxnSp>
+            </p:grpSp>
+            <p:grpSp>
+              <p:nvGrpSpPr>
+                <p:cNvPr id="44" name="Group 43"/>
+                <p:cNvGrpSpPr/>
+                <p:nvPr/>
+              </p:nvGrpSpPr>
+              <p:grpSpPr>
+                <a:xfrm>
+                  <a:off x="4290950" y="3337560"/>
+                  <a:ext cx="990600" cy="1002422"/>
+                  <a:chOff x="6400800" y="1173840"/>
+                  <a:chExt cx="990600" cy="1002422"/>
+                </a:xfrm>
+              </p:grpSpPr>
+              <p:pic>
+                <p:nvPicPr>
+                  <p:cNvPr id="48" name="Picture 6"/>
+                  <p:cNvPicPr>
+                    <a:picLocks noChangeAspect="1" noChangeArrowheads="1"/>
+                  </p:cNvPicPr>
+                  <p:nvPr/>
+                </p:nvPicPr>
+                <p:blipFill>
+                  <a:blip r:embed="rId8" cstate="print">
+                    <a:extLst>
+                      <a:ext uri="{28A0092B-C50C-407E-A947-70E740481C1C}">
+                        <a14:useLocalDpi xmlns:a14="http://schemas.microsoft.com/office/drawing/2010/main" val="0"/>
+                      </a:ext>
+                    </a:extLst>
+                  </a:blip>
+                  <a:srcRect/>
+                  <a:stretch>
+                    <a:fillRect/>
+                  </a:stretch>
+                </p:blipFill>
+                <p:spPr bwMode="auto">
+                  <a:xfrm>
+                    <a:off x="6458712" y="1289696"/>
+                    <a:ext cx="932688" cy="886566"/>
+                  </a:xfrm>
+                  <a:prstGeom prst="rect">
+                    <a:avLst/>
+                  </a:prstGeom>
+                  <a:noFill/>
+                  <a:ln>
+                    <a:noFill/>
+                  </a:ln>
+                  <a:extLst>
+                    <a:ext uri="{909E8E84-426E-40DD-AFC4-6F175D3DCCD1}">
+                      <a14:hiddenFill xmlns:a14="http://schemas.microsoft.com/office/drawing/2010/main">
+                        <a:solidFill>
+                          <a:schemeClr val="accent1"/>
+                        </a:solidFill>
+                      </a14:hiddenFill>
+                    </a:ext>
+                    <a:ext uri="{91240B29-F687-4F45-9708-019B960494DF}">
+                      <a14:hiddenLine xmlns:a14="http://schemas.microsoft.com/office/drawing/2010/main" w="9525">
+                        <a:solidFill>
+                          <a:schemeClr val="tx1"/>
+                        </a:solidFill>
+                        <a:miter lim="800000"/>
+                        <a:headEnd/>
+                        <a:tailEnd/>
+                      </a14:hiddenLine>
+                    </a:ext>
+                  </a:extLst>
+                </p:spPr>
+              </p:pic>
+              <p:cxnSp>
+                <p:nvCxnSpPr>
+                  <p:cNvPr id="49" name="Straight Connector 48"/>
+                  <p:cNvCxnSpPr/>
+                  <p:nvPr/>
+                </p:nvCxnSpPr>
+                <p:spPr>
+                  <a:xfrm>
+                    <a:off x="6400800" y="1173840"/>
+                    <a:ext cx="0" cy="1002422"/>
+                  </a:xfrm>
+                  <a:prstGeom prst="line">
+                    <a:avLst/>
+                  </a:prstGeom>
+                  <a:ln>
+                    <a:solidFill>
+                      <a:schemeClr val="bg1">
+                        <a:lumMod val="50000"/>
+                      </a:schemeClr>
+                    </a:solidFill>
+                  </a:ln>
+                </p:spPr>
+                <p:style>
+                  <a:lnRef idx="1">
+                    <a:schemeClr val="accent1"/>
+                  </a:lnRef>
+                  <a:fillRef idx="0">
+                    <a:schemeClr val="accent1"/>
+                  </a:fillRef>
+                  <a:effectRef idx="0">
+                    <a:schemeClr val="accent1"/>
+                  </a:effectRef>
+                  <a:fontRef idx="minor">
+                    <a:schemeClr val="tx1"/>
+                  </a:fontRef>
+                </p:style>
+              </p:cxnSp>
+              <p:cxnSp>
+                <p:nvCxnSpPr>
+                  <p:cNvPr id="50" name="Straight Connector 49"/>
+                  <p:cNvCxnSpPr/>
+                  <p:nvPr/>
+                </p:nvCxnSpPr>
+                <p:spPr>
+                  <a:xfrm flipH="1">
+                    <a:off x="6400800" y="2176262"/>
+                    <a:ext cx="944979" cy="0"/>
+                  </a:xfrm>
+                  <a:prstGeom prst="line">
+                    <a:avLst/>
+                  </a:prstGeom>
+                  <a:ln>
+                    <a:solidFill>
+                      <a:schemeClr val="bg1">
+                        <a:lumMod val="50000"/>
+                      </a:schemeClr>
+                    </a:solidFill>
+                  </a:ln>
+                </p:spPr>
+                <p:style>
+                  <a:lnRef idx="1">
+                    <a:schemeClr val="accent1"/>
+                  </a:lnRef>
+                  <a:fillRef idx="0">
+                    <a:schemeClr val="accent1"/>
+                  </a:fillRef>
+                  <a:effectRef idx="0">
+                    <a:schemeClr val="accent1"/>
+                  </a:effectRef>
+                  <a:fontRef idx="minor">
+                    <a:schemeClr val="tx1"/>
+                  </a:fontRef>
+                </p:style>
+              </p:cxnSp>
+            </p:grpSp>
+            <p:cxnSp>
+              <p:nvCxnSpPr>
+                <p:cNvPr id="45" name="Straight Connector 44"/>
+                <p:cNvCxnSpPr/>
+                <p:nvPr/>
+              </p:nvCxnSpPr>
+              <p:spPr>
+                <a:xfrm>
+                  <a:off x="1143000" y="3048000"/>
+                  <a:ext cx="4419600" cy="0"/>
+                </a:xfrm>
+                <a:prstGeom prst="line">
+                  <a:avLst/>
+                </a:prstGeom>
+                <a:ln w="25400">
+                  <a:solidFill>
+                    <a:schemeClr val="accent2"/>
+                  </a:solidFill>
+                </a:ln>
+              </p:spPr>
+              <p:style>
+                <a:lnRef idx="1">
+                  <a:schemeClr val="accent1"/>
+                </a:lnRef>
+                <a:fillRef idx="0">
+                  <a:schemeClr val="accent1"/>
+                </a:fillRef>
+                <a:effectRef idx="0">
+                  <a:schemeClr val="accent1"/>
+                </a:effectRef>
+                <a:fontRef idx="minor">
+                  <a:schemeClr val="tx1"/>
+                </a:fontRef>
+              </p:style>
+            </p:cxnSp>
+            <p:cxnSp>
+              <p:nvCxnSpPr>
+                <p:cNvPr id="46" name="Straight Connector 45"/>
+                <p:cNvCxnSpPr>
+                  <a:stCxn id="47" idx="0"/>
+                </p:cNvCxnSpPr>
+                <p:nvPr/>
+              </p:nvCxnSpPr>
+              <p:spPr>
+                <a:xfrm>
+                  <a:off x="3352800" y="1752600"/>
+                  <a:ext cx="0" cy="1295400"/>
+                </a:xfrm>
+                <a:prstGeom prst="line">
+                  <a:avLst/>
+                </a:prstGeom>
+                <a:ln w="25400">
+                  <a:solidFill>
+                    <a:schemeClr val="accent2"/>
+                  </a:solidFill>
+                </a:ln>
+              </p:spPr>
+              <p:style>
+                <a:lnRef idx="1">
+                  <a:schemeClr val="accent1"/>
+                </a:lnRef>
+                <a:fillRef idx="0">
+                  <a:schemeClr val="accent1"/>
+                </a:fillRef>
+                <a:effectRef idx="0">
+                  <a:schemeClr val="accent1"/>
+                </a:effectRef>
+                <a:fontRef idx="minor">
+                  <a:schemeClr val="tx1"/>
+                </a:fontRef>
+              </p:style>
+            </p:cxnSp>
+            <p:sp>
+              <p:nvSpPr>
+                <p:cNvPr id="47" name="Rectangle 46"/>
+                <p:cNvSpPr/>
+                <p:nvPr/>
+              </p:nvSpPr>
+              <p:spPr>
+                <a:xfrm>
+                  <a:off x="1143000" y="1752600"/>
+                  <a:ext cx="4419600" cy="2895600"/>
+                </a:xfrm>
+                <a:prstGeom prst="rect">
+                  <a:avLst/>
+                </a:prstGeom>
+                <a:noFill/>
+                <a:ln>
+                  <a:solidFill>
+                    <a:schemeClr val="accent2"/>
+                  </a:solidFill>
+                </a:ln>
+              </p:spPr>
+              <p:style>
+                <a:lnRef idx="2">
+                  <a:schemeClr val="accent1">
+                    <a:shade val="50000"/>
+                  </a:schemeClr>
+                </a:lnRef>
+                <a:fillRef idx="1">
+                  <a:schemeClr val="accent1"/>
+                </a:fillRef>
+                <a:effectRef idx="0">
+                  <a:schemeClr val="accent1"/>
+                </a:effectRef>
+                <a:fontRef idx="minor">
+                  <a:schemeClr val="lt1"/>
+                </a:fontRef>
+              </p:style>
+              <p:txBody>
+                <a:bodyPr rtlCol="0" anchor="ctr"/>
+                <a:lstStyle/>
+                <a:p>
+                  <a:pPr algn="ctr"/>
+                  <a:endParaRPr lang="en-US"/>
+                </a:p>
+              </p:txBody>
+            </p:sp>
+          </p:grpSp>
+          <p:sp>
+            <p:nvSpPr>
+              <p:cNvPr id="37" name="Rectangle 36"/>
+              <p:cNvSpPr/>
+              <p:nvPr/>
+            </p:nvSpPr>
+            <p:spPr>
+              <a:xfrm>
+                <a:off x="4114800" y="3048000"/>
+                <a:ext cx="1447800" cy="1600200"/>
+              </a:xfrm>
+              <a:prstGeom prst="rect">
+                <a:avLst/>
+              </a:prstGeom>
+              <a:solidFill>
+                <a:schemeClr val="tx1">
+                  <a:lumMod val="50000"/>
+                  <a:lumOff val="50000"/>
+                  <a:alpha val="45000"/>
+                </a:schemeClr>
+              </a:solidFill>
+              <a:ln>
+                <a:noFill/>
+              </a:ln>
+            </p:spPr>
+            <p:style>
+              <a:lnRef idx="2">
+                <a:schemeClr val="accent1">
+                  <a:shade val="50000"/>
+                </a:schemeClr>
+              </a:lnRef>
+              <a:fillRef idx="1">
+                <a:schemeClr val="accent1"/>
+              </a:fillRef>
+              <a:effectRef idx="0">
+                <a:schemeClr val="accent1"/>
+              </a:effectRef>
+              <a:fontRef idx="minor">
+                <a:schemeClr val="lt1"/>
+              </a:fontRef>
+            </p:style>
+            <p:txBody>
+              <a:bodyPr rtlCol="0" anchor="ctr"/>
+              <a:lstStyle/>
+              <a:p>
+                <a:pPr algn="ctr"/>
+                <a:endParaRPr lang="en-US"/>
+              </a:p>
+            </p:txBody>
+          </p:sp>
+          <p:sp>
+            <p:nvSpPr>
+              <p:cNvPr id="38" name="Rectangle 37"/>
+              <p:cNvSpPr/>
+              <p:nvPr/>
+            </p:nvSpPr>
+            <p:spPr>
+              <a:xfrm>
+                <a:off x="1143000" y="1752600"/>
+                <a:ext cx="4419600" cy="1295400"/>
+              </a:xfrm>
+              <a:prstGeom prst="rect">
+                <a:avLst/>
+              </a:prstGeom>
+              <a:solidFill>
+                <a:schemeClr val="tx1">
+                  <a:lumMod val="50000"/>
+                  <a:lumOff val="50000"/>
+                  <a:alpha val="45000"/>
+                </a:schemeClr>
+              </a:solidFill>
+              <a:ln>
+                <a:noFill/>
+              </a:ln>
+            </p:spPr>
+            <p:style>
+              <a:lnRef idx="2">
+                <a:schemeClr val="accent1">
+                  <a:shade val="50000"/>
+                </a:schemeClr>
+              </a:lnRef>
+              <a:fillRef idx="1">
+                <a:schemeClr val="accent1"/>
+              </a:fillRef>
+              <a:effectRef idx="0">
+                <a:schemeClr val="accent1"/>
+              </a:effectRef>
+              <a:fontRef idx="minor">
+                <a:schemeClr val="lt1"/>
+              </a:fontRef>
+            </p:style>
+            <p:txBody>
+              <a:bodyPr rtlCol="0" anchor="ctr"/>
+              <a:lstStyle/>
+              <a:p>
+                <a:pPr algn="ctr"/>
+                <a:endParaRPr lang="en-US"/>
+              </a:p>
+            </p:txBody>
+          </p:sp>
+        </p:grpSp>
+      </p:grpSp>
+      <p:sp>
+        <p:nvSpPr>
+          <p:cNvPr id="59" name="Rectangle 58"/>
+          <p:cNvSpPr/>
+          <p:nvPr/>
+        </p:nvSpPr>
+        <p:spPr>
+          <a:xfrm>
+            <a:off x="4578554" y="4075506"/>
             <a:ext cx="434340" cy="480060"/>
           </a:xfrm>
           <a:prstGeom prst="rect">
@@ -12451,10 +12950,113 @@
           </a:p>
         </p:txBody>
       </p:sp>
+      <p:sp>
+        <p:nvSpPr>
+          <p:cNvPr id="60" name="Oval 59"/>
+          <p:cNvSpPr/>
+          <p:nvPr/>
+        </p:nvSpPr>
+        <p:spPr>
+          <a:xfrm>
+            <a:off x="83942" y="990600"/>
+            <a:ext cx="320040" cy="320040"/>
+          </a:xfrm>
+          <a:prstGeom prst="ellipse">
+            <a:avLst/>
+          </a:prstGeom>
+          <a:solidFill>
+            <a:schemeClr val="accent2"/>
+          </a:solidFill>
+          <a:ln>
+            <a:solidFill>
+              <a:schemeClr val="bg1"/>
+            </a:solidFill>
+          </a:ln>
+        </p:spPr>
+        <p:style>
+          <a:lnRef idx="2">
+            <a:schemeClr val="accent1">
+              <a:shade val="50000"/>
+            </a:schemeClr>
+          </a:lnRef>
+          <a:fillRef idx="1">
+            <a:schemeClr val="accent1"/>
+          </a:fillRef>
+          <a:effectRef idx="0">
+            <a:schemeClr val="accent1"/>
+          </a:effectRef>
+          <a:fontRef idx="minor">
+            <a:schemeClr val="lt1"/>
+          </a:fontRef>
+        </p:style>
+        <p:txBody>
+          <a:bodyPr rtlCol="0" anchor="ctr"/>
+          <a:lstStyle/>
+          <a:p>
+            <a:pPr algn="ctr"/>
+            <a:r>
+              <a:rPr lang="en-US" dirty="0"/>
+              <a:t>5</a:t>
+            </a:r>
+          </a:p>
+        </p:txBody>
+      </p:sp>
+      <p:sp>
+        <p:nvSpPr>
+          <p:cNvPr id="61" name="Oval 60"/>
+          <p:cNvSpPr/>
+          <p:nvPr/>
+        </p:nvSpPr>
+        <p:spPr>
+          <a:xfrm>
+            <a:off x="4404482" y="990600"/>
+            <a:ext cx="320040" cy="320040"/>
+          </a:xfrm>
+          <a:prstGeom prst="ellipse">
+            <a:avLst/>
+          </a:prstGeom>
+          <a:solidFill>
+            <a:schemeClr val="accent2"/>
+          </a:solidFill>
+          <a:ln>
+            <a:solidFill>
+              <a:schemeClr val="bg1"/>
+            </a:solidFill>
+          </a:ln>
+        </p:spPr>
+        <p:style>
+          <a:lnRef idx="2">
+            <a:schemeClr val="accent1">
+              <a:shade val="50000"/>
+            </a:schemeClr>
+          </a:lnRef>
+          <a:fillRef idx="1">
+            <a:schemeClr val="accent1"/>
+          </a:fillRef>
+          <a:effectRef idx="0">
+            <a:schemeClr val="accent1"/>
+          </a:effectRef>
+          <a:fontRef idx="minor">
+            <a:schemeClr val="lt1"/>
+          </a:fontRef>
+        </p:style>
+        <p:txBody>
+          <a:bodyPr rtlCol="0" anchor="ctr"/>
+          <a:lstStyle/>
+          <a:p>
+            <a:pPr algn="ctr"/>
+            <a:r>
+              <a:rPr lang="en-US" dirty="0" smtClean="0"/>
+              <a:t>6</a:t>
+            </a:r>
+            <a:endParaRPr lang="en-US" dirty="0"/>
+          </a:p>
+        </p:txBody>
+      </p:sp>
     </p:spTree>
     <p:extLst>
       <p:ext uri="{BB962C8B-B14F-4D97-AF65-F5344CB8AC3E}">
-        <p14:creationId xmlns:p14="http://schemas.microsoft.com/office/powerpoint/2010/main" val="3949335099"/>
+        <p14:creationId xmlns:p14="http://schemas.microsoft.com/office/powerpoint/2010/main" val="586082535"/>
       </p:ext>
     </p:extLst>
   </p:cSld>

--- a/paper/images/images.pptx
+++ b/paper/images/images.pptx
@@ -197,7 +197,7 @@
           <a:p>
             <a:fld id="{5A27FBCC-FB8B-4E3F-B0DB-E6CF72579A33}" type="datetimeFigureOut">
               <a:rPr lang="en-US" smtClean="0"/>
-              <a:t>3/7/2014</a:t>
+              <a:t>1/29/2015</a:t>
             </a:fld>
             <a:endParaRPr lang="en-US"/>
           </a:p>
@@ -646,7 +646,7 @@
           <a:p>
             <a:fld id="{74E2AFB1-44FA-4B2E-A4A2-D5E551A12BE2}" type="datetimeFigureOut">
               <a:rPr lang="en-US" smtClean="0"/>
-              <a:t>3/7/2014</a:t>
+              <a:t>1/29/2015</a:t>
             </a:fld>
             <a:endParaRPr lang="en-US"/>
           </a:p>
@@ -816,7 +816,7 @@
           <a:p>
             <a:fld id="{74E2AFB1-44FA-4B2E-A4A2-D5E551A12BE2}" type="datetimeFigureOut">
               <a:rPr lang="en-US" smtClean="0"/>
-              <a:t>3/7/2014</a:t>
+              <a:t>1/29/2015</a:t>
             </a:fld>
             <a:endParaRPr lang="en-US"/>
           </a:p>
@@ -996,7 +996,7 @@
           <a:p>
             <a:fld id="{74E2AFB1-44FA-4B2E-A4A2-D5E551A12BE2}" type="datetimeFigureOut">
               <a:rPr lang="en-US" smtClean="0"/>
-              <a:t>3/7/2014</a:t>
+              <a:t>1/29/2015</a:t>
             </a:fld>
             <a:endParaRPr lang="en-US"/>
           </a:p>
@@ -1166,7 +1166,7 @@
           <a:p>
             <a:fld id="{74E2AFB1-44FA-4B2E-A4A2-D5E551A12BE2}" type="datetimeFigureOut">
               <a:rPr lang="en-US" smtClean="0"/>
-              <a:t>3/7/2014</a:t>
+              <a:t>1/29/2015</a:t>
             </a:fld>
             <a:endParaRPr lang="en-US"/>
           </a:p>
@@ -1412,7 +1412,7 @@
           <a:p>
             <a:fld id="{74E2AFB1-44FA-4B2E-A4A2-D5E551A12BE2}" type="datetimeFigureOut">
               <a:rPr lang="en-US" smtClean="0"/>
-              <a:t>3/7/2014</a:t>
+              <a:t>1/29/2015</a:t>
             </a:fld>
             <a:endParaRPr lang="en-US"/>
           </a:p>
@@ -1700,7 +1700,7 @@
           <a:p>
             <a:fld id="{74E2AFB1-44FA-4B2E-A4A2-D5E551A12BE2}" type="datetimeFigureOut">
               <a:rPr lang="en-US" smtClean="0"/>
-              <a:t>3/7/2014</a:t>
+              <a:t>1/29/2015</a:t>
             </a:fld>
             <a:endParaRPr lang="en-US"/>
           </a:p>
@@ -2122,7 +2122,7 @@
           <a:p>
             <a:fld id="{74E2AFB1-44FA-4B2E-A4A2-D5E551A12BE2}" type="datetimeFigureOut">
               <a:rPr lang="en-US" smtClean="0"/>
-              <a:t>3/7/2014</a:t>
+              <a:t>1/29/2015</a:t>
             </a:fld>
             <a:endParaRPr lang="en-US"/>
           </a:p>
@@ -2240,7 +2240,7 @@
           <a:p>
             <a:fld id="{74E2AFB1-44FA-4B2E-A4A2-D5E551A12BE2}" type="datetimeFigureOut">
               <a:rPr lang="en-US" smtClean="0"/>
-              <a:t>3/7/2014</a:t>
+              <a:t>1/29/2015</a:t>
             </a:fld>
             <a:endParaRPr lang="en-US"/>
           </a:p>
@@ -2335,7 +2335,7 @@
           <a:p>
             <a:fld id="{74E2AFB1-44FA-4B2E-A4A2-D5E551A12BE2}" type="datetimeFigureOut">
               <a:rPr lang="en-US" smtClean="0"/>
-              <a:t>3/7/2014</a:t>
+              <a:t>1/29/2015</a:t>
             </a:fld>
             <a:endParaRPr lang="en-US"/>
           </a:p>
@@ -2612,7 +2612,7 @@
           <a:p>
             <a:fld id="{74E2AFB1-44FA-4B2E-A4A2-D5E551A12BE2}" type="datetimeFigureOut">
               <a:rPr lang="en-US" smtClean="0"/>
-              <a:t>3/7/2014</a:t>
+              <a:t>1/29/2015</a:t>
             </a:fld>
             <a:endParaRPr lang="en-US"/>
           </a:p>
@@ -2865,7 +2865,7 @@
           <a:p>
             <a:fld id="{74E2AFB1-44FA-4B2E-A4A2-D5E551A12BE2}" type="datetimeFigureOut">
               <a:rPr lang="en-US" smtClean="0"/>
-              <a:t>3/7/2014</a:t>
+              <a:t>1/29/2015</a:t>
             </a:fld>
             <a:endParaRPr lang="en-US"/>
           </a:p>
@@ -3078,7 +3078,7 @@
           <a:p>
             <a:fld id="{74E2AFB1-44FA-4B2E-A4A2-D5E551A12BE2}" type="datetimeFigureOut">
               <a:rPr lang="en-US" smtClean="0"/>
-              <a:t>3/7/2014</a:t>
+              <a:t>1/29/2015</a:t>
             </a:fld>
             <a:endParaRPr lang="en-US"/>
           </a:p>
@@ -4266,11 +4266,18 @@
           <a:lstStyle/>
           <a:p>
             <a:r>
+              <a:rPr lang="en-US" sz="1100" dirty="0" err="1" smtClean="0">
+                <a:latin typeface="+mj-lt"/>
+                <a:cs typeface="Arial" panose="020B0604020202020204" pitchFamily="34" charset="0"/>
+              </a:rPr>
+              <a:t>Urbanicity</a:t>
+            </a:r>
+            <a:r>
               <a:rPr lang="en-US" sz="1100" dirty="0" smtClean="0">
                 <a:latin typeface="+mj-lt"/>
                 <a:cs typeface="Arial" panose="020B0604020202020204" pitchFamily="34" charset="0"/>
               </a:rPr>
-              <a:t>Region Selection</a:t>
+              <a:t> Selection</a:t>
             </a:r>
             <a:endParaRPr lang="en-US" sz="1100" dirty="0">
               <a:latin typeface="+mj-lt"/>
@@ -4306,21 +4313,7 @@
                 <a:latin typeface="+mj-lt"/>
                 <a:cs typeface="Arial" panose="020B0604020202020204" pitchFamily="34" charset="0"/>
               </a:rPr>
-              <a:t>Urbanicity </a:t>
-            </a:r>
-            <a:r>
-              <a:rPr lang="en-US" sz="1100" dirty="0">
-                <a:latin typeface="+mj-lt"/>
-                <a:cs typeface="Arial" panose="020B0604020202020204" pitchFamily="34" charset="0"/>
-              </a:rPr>
-              <a:t>S</a:t>
-            </a:r>
-            <a:r>
-              <a:rPr lang="en-US" sz="1100" dirty="0" smtClean="0">
-                <a:latin typeface="+mj-lt"/>
-                <a:cs typeface="Arial" panose="020B0604020202020204" pitchFamily="34" charset="0"/>
-              </a:rPr>
-              <a:t>election</a:t>
+              <a:t>Region Selection</a:t>
             </a:r>
             <a:endParaRPr lang="en-US" sz="1100" dirty="0">
               <a:latin typeface="+mj-lt"/>
